--- a/training_images.pptx
+++ b/training_images.pptx
@@ -110,6 +110,11 @@
       </a:defRPr>
     </a:lvl9pPr>
   </p:defaultTextStyle>
+  <p:extLst>
+    <p:ext uri="{EFAFB233-063F-42B5-8137-9DF3F51BA10A}">
+      <p15:sldGuideLst xmlns:p15="http://schemas.microsoft.com/office/powerpoint/2012/main"/>
+    </p:ext>
+  </p:extLst>
 </p:presentation>
 </file>
 
@@ -276,7 +281,7 @@
           <a:p>
             <a:fld id="{822AF85D-11A4-42B9-B7D1-A5D0AD529DB2}" type="datetimeFigureOut">
               <a:rPr lang="en-US" smtClean="0"/>
-              <a:t>3/14/2022</a:t>
+              <a:t>3/15/2022</a:t>
             </a:fld>
             <a:endParaRPr lang="en-US"/>
           </a:p>
@@ -446,7 +451,7 @@
           <a:p>
             <a:fld id="{822AF85D-11A4-42B9-B7D1-A5D0AD529DB2}" type="datetimeFigureOut">
               <a:rPr lang="en-US" smtClean="0"/>
-              <a:t>3/14/2022</a:t>
+              <a:t>3/15/2022</a:t>
             </a:fld>
             <a:endParaRPr lang="en-US"/>
           </a:p>
@@ -626,7 +631,7 @@
           <a:p>
             <a:fld id="{822AF85D-11A4-42B9-B7D1-A5D0AD529DB2}" type="datetimeFigureOut">
               <a:rPr lang="en-US" smtClean="0"/>
-              <a:t>3/14/2022</a:t>
+              <a:t>3/15/2022</a:t>
             </a:fld>
             <a:endParaRPr lang="en-US"/>
           </a:p>
@@ -796,7 +801,7 @@
           <a:p>
             <a:fld id="{822AF85D-11A4-42B9-B7D1-A5D0AD529DB2}" type="datetimeFigureOut">
               <a:rPr lang="en-US" smtClean="0"/>
-              <a:t>3/14/2022</a:t>
+              <a:t>3/15/2022</a:t>
             </a:fld>
             <a:endParaRPr lang="en-US"/>
           </a:p>
@@ -1064,7 +1069,7 @@
           <a:p>
             <a:fld id="{822AF85D-11A4-42B9-B7D1-A5D0AD529DB2}" type="datetimeFigureOut">
               <a:rPr lang="en-US" smtClean="0"/>
-              <a:t>3/14/2022</a:t>
+              <a:t>3/15/2022</a:t>
             </a:fld>
             <a:endParaRPr lang="en-US"/>
           </a:p>
@@ -1296,7 +1301,7 @@
           <a:p>
             <a:fld id="{822AF85D-11A4-42B9-B7D1-A5D0AD529DB2}" type="datetimeFigureOut">
               <a:rPr lang="en-US" smtClean="0"/>
-              <a:t>3/14/2022</a:t>
+              <a:t>3/15/2022</a:t>
             </a:fld>
             <a:endParaRPr lang="en-US"/>
           </a:p>
@@ -1655,7 +1660,7 @@
           <a:p>
             <a:fld id="{822AF85D-11A4-42B9-B7D1-A5D0AD529DB2}" type="datetimeFigureOut">
               <a:rPr lang="en-US" smtClean="0"/>
-              <a:t>3/14/2022</a:t>
+              <a:t>3/15/2022</a:t>
             </a:fld>
             <a:endParaRPr lang="en-US"/>
           </a:p>
@@ -1796,7 +1801,7 @@
           <a:p>
             <a:fld id="{822AF85D-11A4-42B9-B7D1-A5D0AD529DB2}" type="datetimeFigureOut">
               <a:rPr lang="en-US" smtClean="0"/>
-              <a:t>3/14/2022</a:t>
+              <a:t>3/15/2022</a:t>
             </a:fld>
             <a:endParaRPr lang="en-US"/>
           </a:p>
@@ -1891,7 +1896,7 @@
           <a:p>
             <a:fld id="{822AF85D-11A4-42B9-B7D1-A5D0AD529DB2}" type="datetimeFigureOut">
               <a:rPr lang="en-US" smtClean="0"/>
-              <a:t>3/14/2022</a:t>
+              <a:t>3/15/2022</a:t>
             </a:fld>
             <a:endParaRPr lang="en-US"/>
           </a:p>
@@ -2248,7 +2253,7 @@
           <a:p>
             <a:fld id="{822AF85D-11A4-42B9-B7D1-A5D0AD529DB2}" type="datetimeFigureOut">
               <a:rPr lang="en-US" smtClean="0"/>
-              <a:t>3/14/2022</a:t>
+              <a:t>3/15/2022</a:t>
             </a:fld>
             <a:endParaRPr lang="en-US"/>
           </a:p>
@@ -2605,7 +2610,7 @@
           <a:p>
             <a:fld id="{822AF85D-11A4-42B9-B7D1-A5D0AD529DB2}" type="datetimeFigureOut">
               <a:rPr lang="en-US" smtClean="0"/>
-              <a:t>3/14/2022</a:t>
+              <a:t>3/15/2022</a:t>
             </a:fld>
             <a:endParaRPr lang="en-US"/>
           </a:p>
@@ -2847,7 +2852,7 @@
           <a:p>
             <a:fld id="{822AF85D-11A4-42B9-B7D1-A5D0AD529DB2}" type="datetimeFigureOut">
               <a:rPr lang="en-US" smtClean="0"/>
-              <a:t>3/14/2022</a:t>
+              <a:t>3/15/2022</a:t>
             </a:fld>
             <a:endParaRPr lang="en-US"/>
           </a:p>

--- a/training_images.pptx
+++ b/training_images.pptx
@@ -12,6 +12,7 @@
     <p:sldId id="259" r:id="rId6"/>
     <p:sldId id="261" r:id="rId7"/>
     <p:sldId id="262" r:id="rId8"/>
+    <p:sldId id="263" r:id="rId9"/>
   </p:sldIdLst>
   <p:sldSz cx="12192000" cy="6858000"/>
   <p:notesSz cx="6858000" cy="9144000"/>
@@ -281,7 +282,7 @@
           <a:p>
             <a:fld id="{822AF85D-11A4-42B9-B7D1-A5D0AD529DB2}" type="datetimeFigureOut">
               <a:rPr lang="en-US" smtClean="0"/>
-              <a:t>3/15/2022</a:t>
+              <a:t>3/17/2022</a:t>
             </a:fld>
             <a:endParaRPr lang="en-US"/>
           </a:p>
@@ -451,7 +452,7 @@
           <a:p>
             <a:fld id="{822AF85D-11A4-42B9-B7D1-A5D0AD529DB2}" type="datetimeFigureOut">
               <a:rPr lang="en-US" smtClean="0"/>
-              <a:t>3/15/2022</a:t>
+              <a:t>3/17/2022</a:t>
             </a:fld>
             <a:endParaRPr lang="en-US"/>
           </a:p>
@@ -631,7 +632,7 @@
           <a:p>
             <a:fld id="{822AF85D-11A4-42B9-B7D1-A5D0AD529DB2}" type="datetimeFigureOut">
               <a:rPr lang="en-US" smtClean="0"/>
-              <a:t>3/15/2022</a:t>
+              <a:t>3/17/2022</a:t>
             </a:fld>
             <a:endParaRPr lang="en-US"/>
           </a:p>
@@ -801,7 +802,7 @@
           <a:p>
             <a:fld id="{822AF85D-11A4-42B9-B7D1-A5D0AD529DB2}" type="datetimeFigureOut">
               <a:rPr lang="en-US" smtClean="0"/>
-              <a:t>3/15/2022</a:t>
+              <a:t>3/17/2022</a:t>
             </a:fld>
             <a:endParaRPr lang="en-US"/>
           </a:p>
@@ -1069,7 +1070,7 @@
           <a:p>
             <a:fld id="{822AF85D-11A4-42B9-B7D1-A5D0AD529DB2}" type="datetimeFigureOut">
               <a:rPr lang="en-US" smtClean="0"/>
-              <a:t>3/15/2022</a:t>
+              <a:t>3/17/2022</a:t>
             </a:fld>
             <a:endParaRPr lang="en-US"/>
           </a:p>
@@ -1301,7 +1302,7 @@
           <a:p>
             <a:fld id="{822AF85D-11A4-42B9-B7D1-A5D0AD529DB2}" type="datetimeFigureOut">
               <a:rPr lang="en-US" smtClean="0"/>
-              <a:t>3/15/2022</a:t>
+              <a:t>3/17/2022</a:t>
             </a:fld>
             <a:endParaRPr lang="en-US"/>
           </a:p>
@@ -1660,7 +1661,7 @@
           <a:p>
             <a:fld id="{822AF85D-11A4-42B9-B7D1-A5D0AD529DB2}" type="datetimeFigureOut">
               <a:rPr lang="en-US" smtClean="0"/>
-              <a:t>3/15/2022</a:t>
+              <a:t>3/17/2022</a:t>
             </a:fld>
             <a:endParaRPr lang="en-US"/>
           </a:p>
@@ -1801,7 +1802,7 @@
           <a:p>
             <a:fld id="{822AF85D-11A4-42B9-B7D1-A5D0AD529DB2}" type="datetimeFigureOut">
               <a:rPr lang="en-US" smtClean="0"/>
-              <a:t>3/15/2022</a:t>
+              <a:t>3/17/2022</a:t>
             </a:fld>
             <a:endParaRPr lang="en-US"/>
           </a:p>
@@ -1896,7 +1897,7 @@
           <a:p>
             <a:fld id="{822AF85D-11A4-42B9-B7D1-A5D0AD529DB2}" type="datetimeFigureOut">
               <a:rPr lang="en-US" smtClean="0"/>
-              <a:t>3/15/2022</a:t>
+              <a:t>3/17/2022</a:t>
             </a:fld>
             <a:endParaRPr lang="en-US"/>
           </a:p>
@@ -2253,7 +2254,7 @@
           <a:p>
             <a:fld id="{822AF85D-11A4-42B9-B7D1-A5D0AD529DB2}" type="datetimeFigureOut">
               <a:rPr lang="en-US" smtClean="0"/>
-              <a:t>3/15/2022</a:t>
+              <a:t>3/17/2022</a:t>
             </a:fld>
             <a:endParaRPr lang="en-US"/>
           </a:p>
@@ -2610,7 +2611,7 @@
           <a:p>
             <a:fld id="{822AF85D-11A4-42B9-B7D1-A5D0AD529DB2}" type="datetimeFigureOut">
               <a:rPr lang="en-US" smtClean="0"/>
-              <a:t>3/15/2022</a:t>
+              <a:t>3/17/2022</a:t>
             </a:fld>
             <a:endParaRPr lang="en-US"/>
           </a:p>
@@ -2852,7 +2853,7 @@
           <a:p>
             <a:fld id="{822AF85D-11A4-42B9-B7D1-A5D0AD529DB2}" type="datetimeFigureOut">
               <a:rPr lang="en-US" smtClean="0"/>
-              <a:t>3/15/2022</a:t>
+              <a:t>3/17/2022</a:t>
             </a:fld>
             <a:endParaRPr lang="en-US"/>
           </a:p>
@@ -6566,6 +6567,556 @@
 </p:sld>
 </file>
 
+<file path=ppt/slides/slide8.xml><?xml version="1.0" encoding="utf-8"?>
+<p:sld xmlns:a="http://schemas.openxmlformats.org/drawingml/2006/main" xmlns:r="http://schemas.openxmlformats.org/officeDocument/2006/relationships" xmlns:p="http://schemas.openxmlformats.org/presentationml/2006/main">
+  <p:cSld>
+    <p:spTree>
+      <p:nvGrpSpPr>
+        <p:cNvPr id="1" name=""/>
+        <p:cNvGrpSpPr/>
+        <p:nvPr/>
+      </p:nvGrpSpPr>
+      <p:grpSpPr>
+        <a:xfrm>
+          <a:off x="0" y="0"/>
+          <a:ext cx="0" cy="0"/>
+          <a:chOff x="0" y="0"/>
+          <a:chExt cx="0" cy="0"/>
+        </a:xfrm>
+      </p:grpSpPr>
+      <p:sp>
+        <p:nvSpPr>
+          <p:cNvPr id="2" name="TextBox 1">
+            <a:extLst>
+              <a:ext uri="{FF2B5EF4-FFF2-40B4-BE49-F238E27FC236}">
+                <a16:creationId xmlns:a16="http://schemas.microsoft.com/office/drawing/2014/main" id="{EB8A85F3-7850-4928-842E-A073FD3D5C3A}"/>
+              </a:ext>
+            </a:extLst>
+          </p:cNvPr>
+          <p:cNvSpPr txBox="1"/>
+          <p:nvPr/>
+        </p:nvSpPr>
+        <p:spPr>
+          <a:xfrm>
+            <a:off x="314325" y="228600"/>
+            <a:ext cx="11591925" cy="2308324"/>
+          </a:xfrm>
+          <a:prstGeom prst="rect">
+            <a:avLst/>
+          </a:prstGeom>
+          <a:noFill/>
+        </p:spPr>
+        <p:txBody>
+          <a:bodyPr wrap="square" rtlCol="0">
+            <a:spAutoFit/>
+          </a:bodyPr>
+          <a:lstStyle/>
+          <a:p>
+            <a:r>
+              <a:rPr lang="en-IN" dirty="0"/>
+              <a:t>JS Object Model for Browser</a:t>
+            </a:r>
+          </a:p>
+          <a:p>
+            <a:pPr marL="342900" indent="-342900">
+              <a:buFont typeface="+mj-lt"/>
+              <a:buAutoNum type="arabicPeriod"/>
+            </a:pPr>
+            <a:r>
+              <a:rPr lang="en-IN" dirty="0"/>
+              <a:t>Type Definitions for Declarations</a:t>
+            </a:r>
+          </a:p>
+          <a:p>
+            <a:pPr marL="800100" lvl="1" indent="-342900">
+              <a:buFont typeface="+mj-lt"/>
+              <a:buAutoNum type="arabicPeriod"/>
+            </a:pPr>
+            <a:r>
+              <a:rPr lang="en-IN" dirty="0"/>
+              <a:t>Object class</a:t>
+            </a:r>
+          </a:p>
+          <a:p>
+            <a:pPr marL="1257300" lvl="2" indent="-342900">
+              <a:buFont typeface="+mj-lt"/>
+              <a:buAutoNum type="arabicPeriod"/>
+            </a:pPr>
+            <a:r>
+              <a:rPr lang="en-IN" dirty="0"/>
+              <a:t>Date</a:t>
+            </a:r>
+          </a:p>
+          <a:p>
+            <a:pPr marL="1257300" lvl="2" indent="-342900">
+              <a:buFont typeface="+mj-lt"/>
+              <a:buAutoNum type="arabicPeriod"/>
+            </a:pPr>
+            <a:r>
+              <a:rPr lang="en-IN" dirty="0"/>
+              <a:t>Array</a:t>
+            </a:r>
+          </a:p>
+          <a:p>
+            <a:pPr marL="1257300" lvl="2" indent="-342900">
+              <a:buFont typeface="+mj-lt"/>
+              <a:buAutoNum type="arabicPeriod"/>
+            </a:pPr>
+            <a:r>
+              <a:rPr lang="en-IN" dirty="0"/>
+              <a:t>String</a:t>
+            </a:r>
+          </a:p>
+          <a:p>
+            <a:pPr marL="1257300" lvl="2" indent="-342900">
+              <a:buFont typeface="+mj-lt"/>
+              <a:buAutoNum type="arabicPeriod"/>
+            </a:pPr>
+            <a:r>
+              <a:rPr lang="en-IN" dirty="0"/>
+              <a:t>Boolean </a:t>
+            </a:r>
+          </a:p>
+          <a:p>
+            <a:pPr marL="800100" lvl="1" indent="-342900">
+              <a:buFont typeface="+mj-lt"/>
+              <a:buAutoNum type="arabicPeriod"/>
+            </a:pPr>
+            <a:r>
+              <a:rPr lang="en-IN" dirty="0"/>
+              <a:t>Function Modules</a:t>
+            </a:r>
+            <a:endParaRPr lang="en-US" dirty="0"/>
+          </a:p>
+        </p:txBody>
+      </p:sp>
+      <p:sp>
+        <p:nvSpPr>
+          <p:cNvPr id="3" name="Rectangle 2">
+            <a:extLst>
+              <a:ext uri="{FF2B5EF4-FFF2-40B4-BE49-F238E27FC236}">
+                <a16:creationId xmlns:a16="http://schemas.microsoft.com/office/drawing/2014/main" id="{E7DE8A61-4660-42DA-8487-6065EF8B7690}"/>
+              </a:ext>
+            </a:extLst>
+          </p:cNvPr>
+          <p:cNvSpPr/>
+          <p:nvPr/>
+        </p:nvSpPr>
+        <p:spPr>
+          <a:xfrm>
+            <a:off x="1257300" y="3429000"/>
+            <a:ext cx="10382250" cy="2895600"/>
+          </a:xfrm>
+          <a:prstGeom prst="rect">
+            <a:avLst/>
+          </a:prstGeom>
+        </p:spPr>
+        <p:style>
+          <a:lnRef idx="2">
+            <a:schemeClr val="accent1">
+              <a:shade val="50000"/>
+            </a:schemeClr>
+          </a:lnRef>
+          <a:fillRef idx="1">
+            <a:schemeClr val="accent1"/>
+          </a:fillRef>
+          <a:effectRef idx="0">
+            <a:schemeClr val="accent1"/>
+          </a:effectRef>
+          <a:fontRef idx="minor">
+            <a:schemeClr val="lt1"/>
+          </a:fontRef>
+        </p:style>
+        <p:txBody>
+          <a:bodyPr rtlCol="0" anchor="ctr"/>
+          <a:lstStyle/>
+          <a:p>
+            <a:pPr algn="ctr"/>
+            <a:endParaRPr lang="en-US"/>
+          </a:p>
+        </p:txBody>
+      </p:sp>
+      <p:sp>
+        <p:nvSpPr>
+          <p:cNvPr id="4" name="Rectangle: Rounded Corners 3">
+            <a:extLst>
+              <a:ext uri="{FF2B5EF4-FFF2-40B4-BE49-F238E27FC236}">
+                <a16:creationId xmlns:a16="http://schemas.microsoft.com/office/drawing/2014/main" id="{BA0051EA-2CFC-4866-8A48-82FF79E77C99}"/>
+              </a:ext>
+            </a:extLst>
+          </p:cNvPr>
+          <p:cNvSpPr/>
+          <p:nvPr/>
+        </p:nvSpPr>
+        <p:spPr>
+          <a:xfrm>
+            <a:off x="1905000" y="3743325"/>
+            <a:ext cx="2733675" cy="2228850"/>
+          </a:xfrm>
+          <a:prstGeom prst="roundRect">
+            <a:avLst/>
+          </a:prstGeom>
+        </p:spPr>
+        <p:style>
+          <a:lnRef idx="2">
+            <a:schemeClr val="accent5">
+              <a:shade val="50000"/>
+            </a:schemeClr>
+          </a:lnRef>
+          <a:fillRef idx="1">
+            <a:schemeClr val="accent5"/>
+          </a:fillRef>
+          <a:effectRef idx="0">
+            <a:schemeClr val="accent5"/>
+          </a:effectRef>
+          <a:fontRef idx="minor">
+            <a:schemeClr val="lt1"/>
+          </a:fontRef>
+        </p:style>
+        <p:txBody>
+          <a:bodyPr rtlCol="0" anchor="ctr"/>
+          <a:lstStyle/>
+          <a:p>
+            <a:pPr algn="ctr"/>
+            <a:r>
+              <a:rPr lang="en-IN" b="1" dirty="0"/>
+              <a:t>UI</a:t>
+            </a:r>
+            <a:endParaRPr lang="en-US" b="1" dirty="0"/>
+          </a:p>
+        </p:txBody>
+      </p:sp>
+      <p:sp>
+        <p:nvSpPr>
+          <p:cNvPr id="5" name="Rectangle: Rounded Corners 4">
+            <a:extLst>
+              <a:ext uri="{FF2B5EF4-FFF2-40B4-BE49-F238E27FC236}">
+                <a16:creationId xmlns:a16="http://schemas.microsoft.com/office/drawing/2014/main" id="{88A840C5-FEC1-46FE-AB2C-09F86E4853E2}"/>
+              </a:ext>
+            </a:extLst>
+          </p:cNvPr>
+          <p:cNvSpPr/>
+          <p:nvPr/>
+        </p:nvSpPr>
+        <p:spPr>
+          <a:xfrm>
+            <a:off x="4819652" y="3743325"/>
+            <a:ext cx="2733675" cy="2228850"/>
+          </a:xfrm>
+          <a:prstGeom prst="roundRect">
+            <a:avLst/>
+          </a:prstGeom>
+        </p:spPr>
+        <p:style>
+          <a:lnRef idx="2">
+            <a:schemeClr val="accent5">
+              <a:shade val="50000"/>
+            </a:schemeClr>
+          </a:lnRef>
+          <a:fillRef idx="1">
+            <a:schemeClr val="accent5"/>
+          </a:fillRef>
+          <a:effectRef idx="0">
+            <a:schemeClr val="accent5"/>
+          </a:effectRef>
+          <a:fontRef idx="minor">
+            <a:schemeClr val="lt1"/>
+          </a:fontRef>
+        </p:style>
+        <p:txBody>
+          <a:bodyPr rtlCol="0" anchor="ctr"/>
+          <a:lstStyle/>
+          <a:p>
+            <a:pPr algn="ctr"/>
+            <a:r>
+              <a:rPr lang="en-IN" b="1" dirty="0"/>
+              <a:t>Model</a:t>
+            </a:r>
+          </a:p>
+          <a:p>
+            <a:pPr algn="ctr"/>
+            <a:r>
+              <a:rPr lang="en-IN" b="1" dirty="0"/>
+              <a:t>Logic aka Domain Logic</a:t>
+            </a:r>
+            <a:endParaRPr lang="en-US" b="1" dirty="0"/>
+          </a:p>
+        </p:txBody>
+      </p:sp>
+      <p:sp>
+        <p:nvSpPr>
+          <p:cNvPr id="6" name="Rectangle: Rounded Corners 5">
+            <a:extLst>
+              <a:ext uri="{FF2B5EF4-FFF2-40B4-BE49-F238E27FC236}">
+                <a16:creationId xmlns:a16="http://schemas.microsoft.com/office/drawing/2014/main" id="{42EDD04D-45C7-4634-A03E-731A86DC919E}"/>
+              </a:ext>
+            </a:extLst>
+          </p:cNvPr>
+          <p:cNvSpPr/>
+          <p:nvPr/>
+        </p:nvSpPr>
+        <p:spPr>
+          <a:xfrm>
+            <a:off x="7820027" y="3762375"/>
+            <a:ext cx="2733675" cy="2228850"/>
+          </a:xfrm>
+          <a:prstGeom prst="roundRect">
+            <a:avLst/>
+          </a:prstGeom>
+        </p:spPr>
+        <p:style>
+          <a:lnRef idx="2">
+            <a:schemeClr val="accent5">
+              <a:shade val="50000"/>
+            </a:schemeClr>
+          </a:lnRef>
+          <a:fillRef idx="1">
+            <a:schemeClr val="accent5"/>
+          </a:fillRef>
+          <a:effectRef idx="0">
+            <a:schemeClr val="accent5"/>
+          </a:effectRef>
+          <a:fontRef idx="minor">
+            <a:schemeClr val="lt1"/>
+          </a:fontRef>
+        </p:style>
+        <p:txBody>
+          <a:bodyPr rtlCol="0" anchor="ctr"/>
+          <a:lstStyle/>
+          <a:p>
+            <a:pPr algn="ctr"/>
+            <a:r>
+              <a:rPr lang="en-IN" b="1" dirty="0"/>
+              <a:t>External Calling Layer with Async programming</a:t>
+            </a:r>
+            <a:endParaRPr lang="en-US" b="1" dirty="0"/>
+          </a:p>
+        </p:txBody>
+      </p:sp>
+      <p:cxnSp>
+        <p:nvCxnSpPr>
+          <p:cNvPr id="8" name="Straight Arrow Connector 7">
+            <a:extLst>
+              <a:ext uri="{FF2B5EF4-FFF2-40B4-BE49-F238E27FC236}">
+                <a16:creationId xmlns:a16="http://schemas.microsoft.com/office/drawing/2014/main" id="{3BA2DBD4-86F4-45B8-8B99-B32C530DA023}"/>
+              </a:ext>
+            </a:extLst>
+          </p:cNvPr>
+          <p:cNvCxnSpPr>
+            <a:endCxn id="4" idx="0"/>
+          </p:cNvCxnSpPr>
+          <p:nvPr/>
+        </p:nvCxnSpPr>
+        <p:spPr>
+          <a:xfrm>
+            <a:off x="2343150" y="2447925"/>
+            <a:ext cx="928688" cy="1295400"/>
+          </a:xfrm>
+          <a:prstGeom prst="straightConnector1">
+            <a:avLst/>
+          </a:prstGeom>
+          <a:ln w="76200">
+            <a:solidFill>
+              <a:srgbClr val="FF0000"/>
+            </a:solidFill>
+            <a:tailEnd type="triangle"/>
+          </a:ln>
+        </p:spPr>
+        <p:style>
+          <a:lnRef idx="1">
+            <a:schemeClr val="accent1"/>
+          </a:lnRef>
+          <a:fillRef idx="0">
+            <a:schemeClr val="accent1"/>
+          </a:fillRef>
+          <a:effectRef idx="0">
+            <a:schemeClr val="accent1"/>
+          </a:effectRef>
+          <a:fontRef idx="minor">
+            <a:schemeClr val="tx1"/>
+          </a:fontRef>
+        </p:style>
+      </p:cxnSp>
+      <p:cxnSp>
+        <p:nvCxnSpPr>
+          <p:cNvPr id="10" name="Straight Arrow Connector 9">
+            <a:extLst>
+              <a:ext uri="{FF2B5EF4-FFF2-40B4-BE49-F238E27FC236}">
+                <a16:creationId xmlns:a16="http://schemas.microsoft.com/office/drawing/2014/main" id="{8AFE048A-D0B7-468C-8AAC-37A88B6C87B6}"/>
+              </a:ext>
+            </a:extLst>
+          </p:cNvPr>
+          <p:cNvCxnSpPr>
+            <a:endCxn id="5" idx="0"/>
+          </p:cNvCxnSpPr>
+          <p:nvPr/>
+        </p:nvCxnSpPr>
+        <p:spPr>
+          <a:xfrm>
+            <a:off x="2314575" y="2536924"/>
+            <a:ext cx="3871915" cy="1206401"/>
+          </a:xfrm>
+          <a:prstGeom prst="straightConnector1">
+            <a:avLst/>
+          </a:prstGeom>
+          <a:ln w="76200">
+            <a:solidFill>
+              <a:srgbClr val="FF0000"/>
+            </a:solidFill>
+            <a:tailEnd type="triangle"/>
+          </a:ln>
+        </p:spPr>
+        <p:style>
+          <a:lnRef idx="1">
+            <a:schemeClr val="accent1"/>
+          </a:lnRef>
+          <a:fillRef idx="0">
+            <a:schemeClr val="accent1"/>
+          </a:fillRef>
+          <a:effectRef idx="0">
+            <a:schemeClr val="accent1"/>
+          </a:effectRef>
+          <a:fontRef idx="minor">
+            <a:schemeClr val="tx1"/>
+          </a:fontRef>
+        </p:style>
+      </p:cxnSp>
+      <p:cxnSp>
+        <p:nvCxnSpPr>
+          <p:cNvPr id="12" name="Straight Arrow Connector 11">
+            <a:extLst>
+              <a:ext uri="{FF2B5EF4-FFF2-40B4-BE49-F238E27FC236}">
+                <a16:creationId xmlns:a16="http://schemas.microsoft.com/office/drawing/2014/main" id="{2D0B7818-706B-4394-BE71-572B70FB23A9}"/>
+              </a:ext>
+            </a:extLst>
+          </p:cNvPr>
+          <p:cNvCxnSpPr>
+            <a:endCxn id="6" idx="0"/>
+          </p:cNvCxnSpPr>
+          <p:nvPr/>
+        </p:nvCxnSpPr>
+        <p:spPr>
+          <a:xfrm>
+            <a:off x="2438400" y="2536924"/>
+            <a:ext cx="6748465" cy="1225451"/>
+          </a:xfrm>
+          <a:prstGeom prst="straightConnector1">
+            <a:avLst/>
+          </a:prstGeom>
+          <a:ln w="76200">
+            <a:solidFill>
+              <a:srgbClr val="FF0000"/>
+            </a:solidFill>
+            <a:tailEnd type="triangle"/>
+          </a:ln>
+        </p:spPr>
+        <p:style>
+          <a:lnRef idx="1">
+            <a:schemeClr val="accent1"/>
+          </a:lnRef>
+          <a:fillRef idx="0">
+            <a:schemeClr val="accent1"/>
+          </a:fillRef>
+          <a:effectRef idx="0">
+            <a:schemeClr val="accent1"/>
+          </a:effectRef>
+          <a:fontRef idx="minor">
+            <a:schemeClr val="tx1"/>
+          </a:fontRef>
+        </p:style>
+      </p:cxnSp>
+      <p:sp>
+        <p:nvSpPr>
+          <p:cNvPr id="13" name="TextBox 12">
+            <a:extLst>
+              <a:ext uri="{FF2B5EF4-FFF2-40B4-BE49-F238E27FC236}">
+                <a16:creationId xmlns:a16="http://schemas.microsoft.com/office/drawing/2014/main" id="{E301AB3C-B11F-4919-8A79-DBF1ACEEF821}"/>
+              </a:ext>
+            </a:extLst>
+          </p:cNvPr>
+          <p:cNvSpPr txBox="1"/>
+          <p:nvPr/>
+        </p:nvSpPr>
+        <p:spPr>
+          <a:xfrm>
+            <a:off x="5438775" y="1276350"/>
+            <a:ext cx="5886450" cy="369332"/>
+          </a:xfrm>
+          <a:prstGeom prst="rect">
+            <a:avLst/>
+          </a:prstGeom>
+          <a:noFill/>
+        </p:spPr>
+        <p:txBody>
+          <a:bodyPr wrap="square" rtlCol="0">
+            <a:spAutoFit/>
+          </a:bodyPr>
+          <a:lstStyle/>
+          <a:p>
+            <a:pPr algn="ctr"/>
+            <a:r>
+              <a:rPr lang="en-IN" b="1" dirty="0"/>
+              <a:t>Object Oriented Approach with JS Functions</a:t>
+            </a:r>
+            <a:endParaRPr lang="en-US" b="1" dirty="0"/>
+          </a:p>
+        </p:txBody>
+      </p:sp>
+      <p:cxnSp>
+        <p:nvCxnSpPr>
+          <p:cNvPr id="15" name="Straight Arrow Connector 14">
+            <a:extLst>
+              <a:ext uri="{FF2B5EF4-FFF2-40B4-BE49-F238E27FC236}">
+                <a16:creationId xmlns:a16="http://schemas.microsoft.com/office/drawing/2014/main" id="{C7B9710E-64DA-4A53-9D88-9E46CABA7FF8}"/>
+              </a:ext>
+            </a:extLst>
+          </p:cNvPr>
+          <p:cNvCxnSpPr/>
+          <p:nvPr/>
+        </p:nvCxnSpPr>
+        <p:spPr>
+          <a:xfrm>
+            <a:off x="8420100" y="1734681"/>
+            <a:ext cx="161925" cy="1693485"/>
+          </a:xfrm>
+          <a:prstGeom prst="straightConnector1">
+            <a:avLst/>
+          </a:prstGeom>
+          <a:ln w="76200">
+            <a:solidFill>
+              <a:srgbClr val="FF0000"/>
+            </a:solidFill>
+            <a:tailEnd type="triangle"/>
+          </a:ln>
+        </p:spPr>
+        <p:style>
+          <a:lnRef idx="1">
+            <a:schemeClr val="accent1"/>
+          </a:lnRef>
+          <a:fillRef idx="0">
+            <a:schemeClr val="accent1"/>
+          </a:fillRef>
+          <a:effectRef idx="0">
+            <a:schemeClr val="accent1"/>
+          </a:effectRef>
+          <a:fontRef idx="minor">
+            <a:schemeClr val="tx1"/>
+          </a:fontRef>
+        </p:style>
+      </p:cxnSp>
+    </p:spTree>
+    <p:extLst>
+      <p:ext uri="{BB962C8B-B14F-4D97-AF65-F5344CB8AC3E}">
+        <p14:creationId xmlns:p14="http://schemas.microsoft.com/office/powerpoint/2010/main" val="4264916090"/>
+      </p:ext>
+    </p:extLst>
+  </p:cSld>
+  <p:clrMapOvr>
+    <a:masterClrMapping/>
+  </p:clrMapOvr>
+</p:sld>
+</file>
+
 <file path=ppt/theme/theme1.xml><?xml version="1.0" encoding="utf-8"?>
 <a:theme xmlns:a="http://schemas.openxmlformats.org/drawingml/2006/main" name="Parcel">
   <a:themeElements>

--- a/training_images.pptx
+++ b/training_images.pptx
@@ -6750,8 +6750,8 @@
         </p:nvSpPr>
         <p:spPr>
           <a:xfrm>
-            <a:off x="1905000" y="3743325"/>
-            <a:ext cx="2733675" cy="2228850"/>
+            <a:off x="1257300" y="3832324"/>
+            <a:ext cx="1619250" cy="2228850"/>
           </a:xfrm>
           <a:prstGeom prst="roundRect">
             <a:avLst/>
@@ -6903,14 +6903,15 @@
             </a:extLst>
           </p:cNvPr>
           <p:cNvCxnSpPr>
+            <a:cxnSpLocks/>
             <a:endCxn id="4" idx="0"/>
           </p:cNvCxnSpPr>
           <p:nvPr/>
         </p:nvCxnSpPr>
         <p:spPr>
-          <a:xfrm>
-            <a:off x="2343150" y="2447925"/>
-            <a:ext cx="928688" cy="1295400"/>
+          <a:xfrm flipH="1">
+            <a:off x="2066925" y="2536924"/>
+            <a:ext cx="247650" cy="1295400"/>
           </a:xfrm>
           <a:prstGeom prst="straightConnector1">
             <a:avLst/>
@@ -7104,6 +7105,63 @@
           </a:fontRef>
         </p:style>
       </p:cxnSp>
+      <p:sp>
+        <p:nvSpPr>
+          <p:cNvPr id="14" name="Rectangle: Rounded Corners 13">
+            <a:extLst>
+              <a:ext uri="{FF2B5EF4-FFF2-40B4-BE49-F238E27FC236}">
+                <a16:creationId xmlns:a16="http://schemas.microsoft.com/office/drawing/2014/main" id="{A1E1CC96-C0DB-4643-9AB9-CD78C9E048CB}"/>
+              </a:ext>
+            </a:extLst>
+          </p:cNvPr>
+          <p:cNvSpPr/>
+          <p:nvPr/>
+        </p:nvSpPr>
+        <p:spPr>
+          <a:xfrm>
+            <a:off x="3038476" y="3832324"/>
+            <a:ext cx="1619250" cy="2228850"/>
+          </a:xfrm>
+          <a:prstGeom prst="roundRect">
+            <a:avLst/>
+          </a:prstGeom>
+        </p:spPr>
+        <p:style>
+          <a:lnRef idx="2">
+            <a:schemeClr val="accent5">
+              <a:shade val="50000"/>
+            </a:schemeClr>
+          </a:lnRef>
+          <a:fillRef idx="1">
+            <a:schemeClr val="accent5"/>
+          </a:fillRef>
+          <a:effectRef idx="0">
+            <a:schemeClr val="accent5"/>
+          </a:effectRef>
+          <a:fontRef idx="minor">
+            <a:schemeClr val="lt1"/>
+          </a:fontRef>
+        </p:style>
+        <p:txBody>
+          <a:bodyPr rtlCol="0" anchor="ctr"/>
+          <a:lstStyle/>
+          <a:p>
+            <a:pPr algn="ctr"/>
+            <a:r>
+              <a:rPr lang="en-IN" b="1" dirty="0"/>
+              <a:t>UI</a:t>
+            </a:r>
+          </a:p>
+          <a:p>
+            <a:pPr algn="ctr"/>
+            <a:r>
+              <a:rPr lang="en-IN" b="1"/>
+              <a:t>Generator</a:t>
+            </a:r>
+            <a:endParaRPr lang="en-US" b="1" dirty="0"/>
+          </a:p>
+        </p:txBody>
+      </p:sp>
     </p:spTree>
     <p:extLst>
       <p:ext uri="{BB962C8B-B14F-4D97-AF65-F5344CB8AC3E}">

--- a/training_images.pptx
+++ b/training_images.pptx
@@ -13,6 +13,7 @@
     <p:sldId id="261" r:id="rId7"/>
     <p:sldId id="262" r:id="rId8"/>
     <p:sldId id="263" r:id="rId9"/>
+    <p:sldId id="264" r:id="rId10"/>
   </p:sldIdLst>
   <p:sldSz cx="12192000" cy="6858000"/>
   <p:notesSz cx="6858000" cy="9144000"/>
@@ -282,7 +283,7 @@
           <a:p>
             <a:fld id="{822AF85D-11A4-42B9-B7D1-A5D0AD529DB2}" type="datetimeFigureOut">
               <a:rPr lang="en-US" smtClean="0"/>
-              <a:t>3/17/2022</a:t>
+              <a:t>4/7/2022</a:t>
             </a:fld>
             <a:endParaRPr lang="en-US"/>
           </a:p>
@@ -452,7 +453,7 @@
           <a:p>
             <a:fld id="{822AF85D-11A4-42B9-B7D1-A5D0AD529DB2}" type="datetimeFigureOut">
               <a:rPr lang="en-US" smtClean="0"/>
-              <a:t>3/17/2022</a:t>
+              <a:t>4/7/2022</a:t>
             </a:fld>
             <a:endParaRPr lang="en-US"/>
           </a:p>
@@ -632,7 +633,7 @@
           <a:p>
             <a:fld id="{822AF85D-11A4-42B9-B7D1-A5D0AD529DB2}" type="datetimeFigureOut">
               <a:rPr lang="en-US" smtClean="0"/>
-              <a:t>3/17/2022</a:t>
+              <a:t>4/7/2022</a:t>
             </a:fld>
             <a:endParaRPr lang="en-US"/>
           </a:p>
@@ -802,7 +803,7 @@
           <a:p>
             <a:fld id="{822AF85D-11A4-42B9-B7D1-A5D0AD529DB2}" type="datetimeFigureOut">
               <a:rPr lang="en-US" smtClean="0"/>
-              <a:t>3/17/2022</a:t>
+              <a:t>4/7/2022</a:t>
             </a:fld>
             <a:endParaRPr lang="en-US"/>
           </a:p>
@@ -1070,7 +1071,7 @@
           <a:p>
             <a:fld id="{822AF85D-11A4-42B9-B7D1-A5D0AD529DB2}" type="datetimeFigureOut">
               <a:rPr lang="en-US" smtClean="0"/>
-              <a:t>3/17/2022</a:t>
+              <a:t>4/7/2022</a:t>
             </a:fld>
             <a:endParaRPr lang="en-US"/>
           </a:p>
@@ -1302,7 +1303,7 @@
           <a:p>
             <a:fld id="{822AF85D-11A4-42B9-B7D1-A5D0AD529DB2}" type="datetimeFigureOut">
               <a:rPr lang="en-US" smtClean="0"/>
-              <a:t>3/17/2022</a:t>
+              <a:t>4/7/2022</a:t>
             </a:fld>
             <a:endParaRPr lang="en-US"/>
           </a:p>
@@ -1661,7 +1662,7 @@
           <a:p>
             <a:fld id="{822AF85D-11A4-42B9-B7D1-A5D0AD529DB2}" type="datetimeFigureOut">
               <a:rPr lang="en-US" smtClean="0"/>
-              <a:t>3/17/2022</a:t>
+              <a:t>4/7/2022</a:t>
             </a:fld>
             <a:endParaRPr lang="en-US"/>
           </a:p>
@@ -1802,7 +1803,7 @@
           <a:p>
             <a:fld id="{822AF85D-11A4-42B9-B7D1-A5D0AD529DB2}" type="datetimeFigureOut">
               <a:rPr lang="en-US" smtClean="0"/>
-              <a:t>3/17/2022</a:t>
+              <a:t>4/7/2022</a:t>
             </a:fld>
             <a:endParaRPr lang="en-US"/>
           </a:p>
@@ -1897,7 +1898,7 @@
           <a:p>
             <a:fld id="{822AF85D-11A4-42B9-B7D1-A5D0AD529DB2}" type="datetimeFigureOut">
               <a:rPr lang="en-US" smtClean="0"/>
-              <a:t>3/17/2022</a:t>
+              <a:t>4/7/2022</a:t>
             </a:fld>
             <a:endParaRPr lang="en-US"/>
           </a:p>
@@ -2254,7 +2255,7 @@
           <a:p>
             <a:fld id="{822AF85D-11A4-42B9-B7D1-A5D0AD529DB2}" type="datetimeFigureOut">
               <a:rPr lang="en-US" smtClean="0"/>
-              <a:t>3/17/2022</a:t>
+              <a:t>4/7/2022</a:t>
             </a:fld>
             <a:endParaRPr lang="en-US"/>
           </a:p>
@@ -2611,7 +2612,7 @@
           <a:p>
             <a:fld id="{822AF85D-11A4-42B9-B7D1-A5D0AD529DB2}" type="datetimeFigureOut">
               <a:rPr lang="en-US" smtClean="0"/>
-              <a:t>3/17/2022</a:t>
+              <a:t>4/7/2022</a:t>
             </a:fld>
             <a:endParaRPr lang="en-US"/>
           </a:p>
@@ -2853,7 +2854,7 @@
           <a:p>
             <a:fld id="{822AF85D-11A4-42B9-B7D1-A5D0AD529DB2}" type="datetimeFigureOut">
               <a:rPr lang="en-US" smtClean="0"/>
-              <a:t>3/17/2022</a:t>
+              <a:t>4/7/2022</a:t>
             </a:fld>
             <a:endParaRPr lang="en-US"/>
           </a:p>
@@ -7175,6 +7176,434 @@
 </p:sld>
 </file>
 
+<file path=ppt/slides/slide9.xml><?xml version="1.0" encoding="utf-8"?>
+<p:sld xmlns:a="http://schemas.openxmlformats.org/drawingml/2006/main" xmlns:r="http://schemas.openxmlformats.org/officeDocument/2006/relationships" xmlns:p="http://schemas.openxmlformats.org/presentationml/2006/main">
+  <p:cSld>
+    <p:spTree>
+      <p:nvGrpSpPr>
+        <p:cNvPr id="1" name=""/>
+        <p:cNvGrpSpPr/>
+        <p:nvPr/>
+      </p:nvGrpSpPr>
+      <p:grpSpPr>
+        <a:xfrm>
+          <a:off x="0" y="0"/>
+          <a:ext cx="0" cy="0"/>
+          <a:chOff x="0" y="0"/>
+          <a:chExt cx="0" cy="0"/>
+        </a:xfrm>
+      </p:grpSpPr>
+      <p:sp>
+        <p:nvSpPr>
+          <p:cNvPr id="2" name="Flowchart: Magnetic Disk 1">
+            <a:extLst>
+              <a:ext uri="{FF2B5EF4-FFF2-40B4-BE49-F238E27FC236}">
+                <a16:creationId xmlns:a16="http://schemas.microsoft.com/office/drawing/2014/main" id="{4EA866C4-A372-43DA-BA15-E7D98FB13AB8}"/>
+              </a:ext>
+            </a:extLst>
+          </p:cNvPr>
+          <p:cNvSpPr/>
+          <p:nvPr/>
+        </p:nvSpPr>
+        <p:spPr>
+          <a:xfrm>
+            <a:off x="6194324" y="2217174"/>
+            <a:ext cx="5437238" cy="2959510"/>
+          </a:xfrm>
+          <a:prstGeom prst="flowChartMagneticDisk">
+            <a:avLst/>
+          </a:prstGeom>
+        </p:spPr>
+        <p:style>
+          <a:lnRef idx="2">
+            <a:schemeClr val="accent1">
+              <a:shade val="50000"/>
+            </a:schemeClr>
+          </a:lnRef>
+          <a:fillRef idx="1">
+            <a:schemeClr val="accent1"/>
+          </a:fillRef>
+          <a:effectRef idx="0">
+            <a:schemeClr val="accent1"/>
+          </a:effectRef>
+          <a:fontRef idx="minor">
+            <a:schemeClr val="lt1"/>
+          </a:fontRef>
+        </p:style>
+        <p:txBody>
+          <a:bodyPr rtlCol="0" anchor="ctr"/>
+          <a:lstStyle/>
+          <a:p>
+            <a:pPr algn="ctr"/>
+            <a:endParaRPr lang="en-US"/>
+          </a:p>
+        </p:txBody>
+      </p:sp>
+      <p:graphicFrame>
+        <p:nvGraphicFramePr>
+          <p:cNvPr id="3" name="Table 3">
+            <a:extLst>
+              <a:ext uri="{FF2B5EF4-FFF2-40B4-BE49-F238E27FC236}">
+                <a16:creationId xmlns:a16="http://schemas.microsoft.com/office/drawing/2014/main" id="{0D9EE20D-CB20-4AC6-85A2-6626686487C7}"/>
+              </a:ext>
+            </a:extLst>
+          </p:cNvPr>
+          <p:cNvGraphicFramePr>
+            <a:graphicFrameLocks noGrp="1"/>
+          </p:cNvGraphicFramePr>
+          <p:nvPr>
+            <p:extLst>
+              <p:ext uri="{D42A27DB-BD31-4B8C-83A1-F6EECF244321}">
+                <p14:modId xmlns:p14="http://schemas.microsoft.com/office/powerpoint/2010/main" val="561430325"/>
+              </p:ext>
+            </p:extLst>
+          </p:nvPr>
+        </p:nvGraphicFramePr>
+        <p:xfrm>
+          <a:off x="6554839" y="3429000"/>
+          <a:ext cx="2058219" cy="1112520"/>
+        </p:xfrm>
+        <a:graphic>
+          <a:graphicData uri="http://schemas.openxmlformats.org/drawingml/2006/table">
+            <a:tbl>
+              <a:tblPr firstRow="1" bandRow="1">
+                <a:tableStyleId>{5C22544A-7EE6-4342-B048-85BDC9FD1C3A}</a:tableStyleId>
+              </a:tblPr>
+              <a:tblGrid>
+                <a:gridCol w="686073">
+                  <a:extLst>
+                    <a:ext uri="{9D8B030D-6E8A-4147-A177-3AD203B41FA5}">
+                      <a16:colId xmlns:a16="http://schemas.microsoft.com/office/drawing/2014/main" val="4045516865"/>
+                    </a:ext>
+                  </a:extLst>
+                </a:gridCol>
+                <a:gridCol w="686073">
+                  <a:extLst>
+                    <a:ext uri="{9D8B030D-6E8A-4147-A177-3AD203B41FA5}">
+                      <a16:colId xmlns:a16="http://schemas.microsoft.com/office/drawing/2014/main" val="426614768"/>
+                    </a:ext>
+                  </a:extLst>
+                </a:gridCol>
+                <a:gridCol w="686073">
+                  <a:extLst>
+                    <a:ext uri="{9D8B030D-6E8A-4147-A177-3AD203B41FA5}">
+                      <a16:colId xmlns:a16="http://schemas.microsoft.com/office/drawing/2014/main" val="2383456763"/>
+                    </a:ext>
+                  </a:extLst>
+                </a:gridCol>
+              </a:tblGrid>
+              <a:tr h="370840">
+                <a:tc>
+                  <a:txBody>
+                    <a:bodyPr/>
+                    <a:lstStyle/>
+                    <a:p>
+                      <a:endParaRPr lang="en-US"/>
+                    </a:p>
+                  </a:txBody>
+                  <a:tcPr/>
+                </a:tc>
+                <a:tc>
+                  <a:txBody>
+                    <a:bodyPr/>
+                    <a:lstStyle/>
+                    <a:p>
+                      <a:endParaRPr lang="en-US"/>
+                    </a:p>
+                  </a:txBody>
+                  <a:tcPr/>
+                </a:tc>
+                <a:tc>
+                  <a:txBody>
+                    <a:bodyPr/>
+                    <a:lstStyle/>
+                    <a:p>
+                      <a:endParaRPr lang="en-US"/>
+                    </a:p>
+                  </a:txBody>
+                  <a:tcPr/>
+                </a:tc>
+                <a:extLst>
+                  <a:ext uri="{0D108BD9-81ED-4DB2-BD59-A6C34878D82A}">
+                    <a16:rowId xmlns:a16="http://schemas.microsoft.com/office/drawing/2014/main" val="2215145012"/>
+                  </a:ext>
+                </a:extLst>
+              </a:tr>
+              <a:tr h="370840">
+                <a:tc>
+                  <a:txBody>
+                    <a:bodyPr/>
+                    <a:lstStyle/>
+                    <a:p>
+                      <a:endParaRPr lang="en-US" dirty="0"/>
+                    </a:p>
+                  </a:txBody>
+                  <a:tcPr/>
+                </a:tc>
+                <a:tc>
+                  <a:txBody>
+                    <a:bodyPr/>
+                    <a:lstStyle/>
+                    <a:p>
+                      <a:endParaRPr lang="en-US"/>
+                    </a:p>
+                  </a:txBody>
+                  <a:tcPr/>
+                </a:tc>
+                <a:tc>
+                  <a:txBody>
+                    <a:bodyPr/>
+                    <a:lstStyle/>
+                    <a:p>
+                      <a:endParaRPr lang="en-US"/>
+                    </a:p>
+                  </a:txBody>
+                  <a:tcPr/>
+                </a:tc>
+                <a:extLst>
+                  <a:ext uri="{0D108BD9-81ED-4DB2-BD59-A6C34878D82A}">
+                    <a16:rowId xmlns:a16="http://schemas.microsoft.com/office/drawing/2014/main" val="3296168355"/>
+                  </a:ext>
+                </a:extLst>
+              </a:tr>
+              <a:tr h="370840">
+                <a:tc>
+                  <a:txBody>
+                    <a:bodyPr/>
+                    <a:lstStyle/>
+                    <a:p>
+                      <a:endParaRPr lang="en-US"/>
+                    </a:p>
+                  </a:txBody>
+                  <a:tcPr/>
+                </a:tc>
+                <a:tc>
+                  <a:txBody>
+                    <a:bodyPr/>
+                    <a:lstStyle/>
+                    <a:p>
+                      <a:endParaRPr lang="en-US"/>
+                    </a:p>
+                  </a:txBody>
+                  <a:tcPr/>
+                </a:tc>
+                <a:tc>
+                  <a:txBody>
+                    <a:bodyPr/>
+                    <a:lstStyle/>
+                    <a:p>
+                      <a:endParaRPr lang="en-US" dirty="0"/>
+                    </a:p>
+                  </a:txBody>
+                  <a:tcPr/>
+                </a:tc>
+                <a:extLst>
+                  <a:ext uri="{0D108BD9-81ED-4DB2-BD59-A6C34878D82A}">
+                    <a16:rowId xmlns:a16="http://schemas.microsoft.com/office/drawing/2014/main" val="314049412"/>
+                  </a:ext>
+                </a:extLst>
+              </a:tr>
+            </a:tbl>
+          </a:graphicData>
+        </a:graphic>
+      </p:graphicFrame>
+      <p:sp>
+        <p:nvSpPr>
+          <p:cNvPr id="4" name="Rectangle 3">
+            <a:extLst>
+              <a:ext uri="{FF2B5EF4-FFF2-40B4-BE49-F238E27FC236}">
+                <a16:creationId xmlns:a16="http://schemas.microsoft.com/office/drawing/2014/main" id="{26272118-A7DC-44D0-8CAA-5F6BF7BCD23A}"/>
+              </a:ext>
+            </a:extLst>
+          </p:cNvPr>
+          <p:cNvSpPr/>
+          <p:nvPr/>
+        </p:nvSpPr>
+        <p:spPr>
+          <a:xfrm>
+            <a:off x="324465" y="1081548"/>
+            <a:ext cx="2487561" cy="1700981"/>
+          </a:xfrm>
+          <a:prstGeom prst="rect">
+            <a:avLst/>
+          </a:prstGeom>
+        </p:spPr>
+        <p:style>
+          <a:lnRef idx="2">
+            <a:schemeClr val="accent1">
+              <a:shade val="50000"/>
+            </a:schemeClr>
+          </a:lnRef>
+          <a:fillRef idx="1">
+            <a:schemeClr val="accent1"/>
+          </a:fillRef>
+          <a:effectRef idx="0">
+            <a:schemeClr val="accent1"/>
+          </a:effectRef>
+          <a:fontRef idx="minor">
+            <a:schemeClr val="lt1"/>
+          </a:fontRef>
+        </p:style>
+        <p:txBody>
+          <a:bodyPr rtlCol="0" anchor="ctr"/>
+          <a:lstStyle/>
+          <a:p>
+            <a:pPr algn="ctr"/>
+            <a:r>
+              <a:rPr lang="en-IN" dirty="0"/>
+              <a:t>C1</a:t>
+            </a:r>
+            <a:endParaRPr lang="en-US" dirty="0"/>
+          </a:p>
+        </p:txBody>
+      </p:sp>
+      <p:sp>
+        <p:nvSpPr>
+          <p:cNvPr id="5" name="Rectangle 4">
+            <a:extLst>
+              <a:ext uri="{FF2B5EF4-FFF2-40B4-BE49-F238E27FC236}">
+                <a16:creationId xmlns:a16="http://schemas.microsoft.com/office/drawing/2014/main" id="{C541EFF3-4C05-447F-A738-9D8C0147554A}"/>
+              </a:ext>
+            </a:extLst>
+          </p:cNvPr>
+          <p:cNvSpPr/>
+          <p:nvPr/>
+        </p:nvSpPr>
+        <p:spPr>
+          <a:xfrm>
+            <a:off x="324465" y="3923072"/>
+            <a:ext cx="2487561" cy="1700981"/>
+          </a:xfrm>
+          <a:prstGeom prst="rect">
+            <a:avLst/>
+          </a:prstGeom>
+        </p:spPr>
+        <p:style>
+          <a:lnRef idx="2">
+            <a:schemeClr val="accent1">
+              <a:shade val="50000"/>
+            </a:schemeClr>
+          </a:lnRef>
+          <a:fillRef idx="1">
+            <a:schemeClr val="accent1"/>
+          </a:fillRef>
+          <a:effectRef idx="0">
+            <a:schemeClr val="accent1"/>
+          </a:effectRef>
+          <a:fontRef idx="minor">
+            <a:schemeClr val="lt1"/>
+          </a:fontRef>
+        </p:style>
+        <p:txBody>
+          <a:bodyPr rtlCol="0" anchor="ctr"/>
+          <a:lstStyle/>
+          <a:p>
+            <a:pPr algn="ctr"/>
+            <a:r>
+              <a:rPr lang="en-IN" dirty="0"/>
+              <a:t>C2</a:t>
+            </a:r>
+            <a:endParaRPr lang="en-US" dirty="0"/>
+          </a:p>
+        </p:txBody>
+      </p:sp>
+      <p:cxnSp>
+        <p:nvCxnSpPr>
+          <p:cNvPr id="7" name="Straight Arrow Connector 6">
+            <a:extLst>
+              <a:ext uri="{FF2B5EF4-FFF2-40B4-BE49-F238E27FC236}">
+                <a16:creationId xmlns:a16="http://schemas.microsoft.com/office/drawing/2014/main" id="{ABB37B84-0C9A-421C-AEC9-947956900852}"/>
+              </a:ext>
+            </a:extLst>
+          </p:cNvPr>
+          <p:cNvCxnSpPr>
+            <a:stCxn id="4" idx="3"/>
+            <a:endCxn id="3" idx="1"/>
+          </p:cNvCxnSpPr>
+          <p:nvPr/>
+        </p:nvCxnSpPr>
+        <p:spPr>
+          <a:xfrm>
+            <a:off x="2812026" y="1932039"/>
+            <a:ext cx="3742813" cy="2053221"/>
+          </a:xfrm>
+          <a:prstGeom prst="straightConnector1">
+            <a:avLst/>
+          </a:prstGeom>
+          <a:ln>
+            <a:tailEnd type="triangle"/>
+          </a:ln>
+        </p:spPr>
+        <p:style>
+          <a:lnRef idx="3">
+            <a:schemeClr val="dk1"/>
+          </a:lnRef>
+          <a:fillRef idx="0">
+            <a:schemeClr val="dk1"/>
+          </a:fillRef>
+          <a:effectRef idx="2">
+            <a:schemeClr val="dk1"/>
+          </a:effectRef>
+          <a:fontRef idx="minor">
+            <a:schemeClr val="tx1"/>
+          </a:fontRef>
+        </p:style>
+      </p:cxnSp>
+      <p:cxnSp>
+        <p:nvCxnSpPr>
+          <p:cNvPr id="9" name="Straight Arrow Connector 8">
+            <a:extLst>
+              <a:ext uri="{FF2B5EF4-FFF2-40B4-BE49-F238E27FC236}">
+                <a16:creationId xmlns:a16="http://schemas.microsoft.com/office/drawing/2014/main" id="{8BF04983-5014-48EE-893A-AEC456C45B5E}"/>
+              </a:ext>
+            </a:extLst>
+          </p:cNvPr>
+          <p:cNvCxnSpPr>
+            <a:stCxn id="5" idx="3"/>
+            <a:endCxn id="3" idx="1"/>
+          </p:cNvCxnSpPr>
+          <p:nvPr/>
+        </p:nvCxnSpPr>
+        <p:spPr>
+          <a:xfrm flipV="1">
+            <a:off x="2812026" y="3985260"/>
+            <a:ext cx="3742813" cy="788303"/>
+          </a:xfrm>
+          <a:prstGeom prst="straightConnector1">
+            <a:avLst/>
+          </a:prstGeom>
+          <a:ln>
+            <a:tailEnd type="triangle"/>
+          </a:ln>
+        </p:spPr>
+        <p:style>
+          <a:lnRef idx="3">
+            <a:schemeClr val="dk1"/>
+          </a:lnRef>
+          <a:fillRef idx="0">
+            <a:schemeClr val="dk1"/>
+          </a:fillRef>
+          <a:effectRef idx="2">
+            <a:schemeClr val="dk1"/>
+          </a:effectRef>
+          <a:fontRef idx="minor">
+            <a:schemeClr val="tx1"/>
+          </a:fontRef>
+        </p:style>
+      </p:cxnSp>
+    </p:spTree>
+    <p:extLst>
+      <p:ext uri="{BB962C8B-B14F-4D97-AF65-F5344CB8AC3E}">
+        <p14:creationId xmlns:p14="http://schemas.microsoft.com/office/powerpoint/2010/main" val="3293652340"/>
+      </p:ext>
+    </p:extLst>
+  </p:cSld>
+  <p:clrMapOvr>
+    <a:masterClrMapping/>
+  </p:clrMapOvr>
+</p:sld>
+</file>
+
 <file path=ppt/theme/theme1.xml><?xml version="1.0" encoding="utf-8"?>
 <a:theme xmlns:a="http://schemas.openxmlformats.org/drawingml/2006/main" name="Parcel">
   <a:themeElements>

--- a/training_images.pptx
+++ b/training_images.pptx
@@ -14,6 +14,7 @@
     <p:sldId id="262" r:id="rId8"/>
     <p:sldId id="263" r:id="rId9"/>
     <p:sldId id="264" r:id="rId10"/>
+    <p:sldId id="265" r:id="rId11"/>
   </p:sldIdLst>
   <p:sldSz cx="12192000" cy="6858000"/>
   <p:notesSz cx="6858000" cy="9144000"/>
@@ -283,7 +284,7 @@
           <a:p>
             <a:fld id="{822AF85D-11A4-42B9-B7D1-A5D0AD529DB2}" type="datetimeFigureOut">
               <a:rPr lang="en-US" smtClean="0"/>
-              <a:t>4/7/2022</a:t>
+              <a:t>4/12/2022</a:t>
             </a:fld>
             <a:endParaRPr lang="en-US"/>
           </a:p>
@@ -453,7 +454,7 @@
           <a:p>
             <a:fld id="{822AF85D-11A4-42B9-B7D1-A5D0AD529DB2}" type="datetimeFigureOut">
               <a:rPr lang="en-US" smtClean="0"/>
-              <a:t>4/7/2022</a:t>
+              <a:t>4/12/2022</a:t>
             </a:fld>
             <a:endParaRPr lang="en-US"/>
           </a:p>
@@ -633,7 +634,7 @@
           <a:p>
             <a:fld id="{822AF85D-11A4-42B9-B7D1-A5D0AD529DB2}" type="datetimeFigureOut">
               <a:rPr lang="en-US" smtClean="0"/>
-              <a:t>4/7/2022</a:t>
+              <a:t>4/12/2022</a:t>
             </a:fld>
             <a:endParaRPr lang="en-US"/>
           </a:p>
@@ -803,7 +804,7 @@
           <a:p>
             <a:fld id="{822AF85D-11A4-42B9-B7D1-A5D0AD529DB2}" type="datetimeFigureOut">
               <a:rPr lang="en-US" smtClean="0"/>
-              <a:t>4/7/2022</a:t>
+              <a:t>4/12/2022</a:t>
             </a:fld>
             <a:endParaRPr lang="en-US"/>
           </a:p>
@@ -1071,7 +1072,7 @@
           <a:p>
             <a:fld id="{822AF85D-11A4-42B9-B7D1-A5D0AD529DB2}" type="datetimeFigureOut">
               <a:rPr lang="en-US" smtClean="0"/>
-              <a:t>4/7/2022</a:t>
+              <a:t>4/12/2022</a:t>
             </a:fld>
             <a:endParaRPr lang="en-US"/>
           </a:p>
@@ -1303,7 +1304,7 @@
           <a:p>
             <a:fld id="{822AF85D-11A4-42B9-B7D1-A5D0AD529DB2}" type="datetimeFigureOut">
               <a:rPr lang="en-US" smtClean="0"/>
-              <a:t>4/7/2022</a:t>
+              <a:t>4/12/2022</a:t>
             </a:fld>
             <a:endParaRPr lang="en-US"/>
           </a:p>
@@ -1662,7 +1663,7 @@
           <a:p>
             <a:fld id="{822AF85D-11A4-42B9-B7D1-A5D0AD529DB2}" type="datetimeFigureOut">
               <a:rPr lang="en-US" smtClean="0"/>
-              <a:t>4/7/2022</a:t>
+              <a:t>4/12/2022</a:t>
             </a:fld>
             <a:endParaRPr lang="en-US"/>
           </a:p>
@@ -1803,7 +1804,7 @@
           <a:p>
             <a:fld id="{822AF85D-11A4-42B9-B7D1-A5D0AD529DB2}" type="datetimeFigureOut">
               <a:rPr lang="en-US" smtClean="0"/>
-              <a:t>4/7/2022</a:t>
+              <a:t>4/12/2022</a:t>
             </a:fld>
             <a:endParaRPr lang="en-US"/>
           </a:p>
@@ -1898,7 +1899,7 @@
           <a:p>
             <a:fld id="{822AF85D-11A4-42B9-B7D1-A5D0AD529DB2}" type="datetimeFigureOut">
               <a:rPr lang="en-US" smtClean="0"/>
-              <a:t>4/7/2022</a:t>
+              <a:t>4/12/2022</a:t>
             </a:fld>
             <a:endParaRPr lang="en-US"/>
           </a:p>
@@ -2255,7 +2256,7 @@
           <a:p>
             <a:fld id="{822AF85D-11A4-42B9-B7D1-A5D0AD529DB2}" type="datetimeFigureOut">
               <a:rPr lang="en-US" smtClean="0"/>
-              <a:t>4/7/2022</a:t>
+              <a:t>4/12/2022</a:t>
             </a:fld>
             <a:endParaRPr lang="en-US"/>
           </a:p>
@@ -2612,7 +2613,7 @@
           <a:p>
             <a:fld id="{822AF85D-11A4-42B9-B7D1-A5D0AD529DB2}" type="datetimeFigureOut">
               <a:rPr lang="en-US" smtClean="0"/>
-              <a:t>4/7/2022</a:t>
+              <a:t>4/12/2022</a:t>
             </a:fld>
             <a:endParaRPr lang="en-US"/>
           </a:p>
@@ -2854,7 +2855,7 @@
           <a:p>
             <a:fld id="{822AF85D-11A4-42B9-B7D1-A5D0AD529DB2}" type="datetimeFigureOut">
               <a:rPr lang="en-US" smtClean="0"/>
-              <a:t>4/7/2022</a:t>
+              <a:t>4/12/2022</a:t>
             </a:fld>
             <a:endParaRPr lang="en-US"/>
           </a:p>
@@ -3373,6 +3374,1376 @@
 </p:sld>
 </file>
 
+<file path=ppt/slides/slide10.xml><?xml version="1.0" encoding="utf-8"?>
+<p:sld xmlns:a="http://schemas.openxmlformats.org/drawingml/2006/main" xmlns:r="http://schemas.openxmlformats.org/officeDocument/2006/relationships" xmlns:p="http://schemas.openxmlformats.org/presentationml/2006/main">
+  <p:cSld>
+    <p:spTree>
+      <p:nvGrpSpPr>
+        <p:cNvPr id="1" name=""/>
+        <p:cNvGrpSpPr/>
+        <p:nvPr/>
+      </p:nvGrpSpPr>
+      <p:grpSpPr>
+        <a:xfrm>
+          <a:off x="0" y="0"/>
+          <a:ext cx="0" cy="0"/>
+          <a:chOff x="0" y="0"/>
+          <a:chExt cx="0" cy="0"/>
+        </a:xfrm>
+      </p:grpSpPr>
+      <p:sp>
+        <p:nvSpPr>
+          <p:cNvPr id="2" name="Cylinder 1">
+            <a:extLst>
+              <a:ext uri="{FF2B5EF4-FFF2-40B4-BE49-F238E27FC236}">
+                <a16:creationId xmlns:a16="http://schemas.microsoft.com/office/drawing/2014/main" id="{7FC842DB-8BE1-4DBC-8034-49B432E75C5A}"/>
+              </a:ext>
+            </a:extLst>
+          </p:cNvPr>
+          <p:cNvSpPr/>
+          <p:nvPr/>
+        </p:nvSpPr>
+        <p:spPr>
+          <a:xfrm>
+            <a:off x="10125075" y="1114425"/>
+            <a:ext cx="1838325" cy="1171575"/>
+          </a:xfrm>
+          <a:prstGeom prst="can">
+            <a:avLst/>
+          </a:prstGeom>
+        </p:spPr>
+        <p:style>
+          <a:lnRef idx="2">
+            <a:schemeClr val="accent1">
+              <a:shade val="50000"/>
+            </a:schemeClr>
+          </a:lnRef>
+          <a:fillRef idx="1">
+            <a:schemeClr val="accent1"/>
+          </a:fillRef>
+          <a:effectRef idx="0">
+            <a:schemeClr val="accent1"/>
+          </a:effectRef>
+          <a:fontRef idx="minor">
+            <a:schemeClr val="lt1"/>
+          </a:fontRef>
+        </p:style>
+        <p:txBody>
+          <a:bodyPr rtlCol="0" anchor="ctr"/>
+          <a:lstStyle/>
+          <a:p>
+            <a:pPr algn="ctr"/>
+            <a:r>
+              <a:rPr lang="en-IN" b="1" dirty="0"/>
+              <a:t>Relational</a:t>
+            </a:r>
+          </a:p>
+          <a:p>
+            <a:pPr algn="ctr"/>
+            <a:r>
+              <a:rPr lang="en-IN" b="1" dirty="0"/>
+              <a:t>Database</a:t>
+            </a:r>
+            <a:endParaRPr lang="en-US" b="1" dirty="0"/>
+          </a:p>
+        </p:txBody>
+      </p:sp>
+      <p:sp>
+        <p:nvSpPr>
+          <p:cNvPr id="3" name="Cylinder 2">
+            <a:extLst>
+              <a:ext uri="{FF2B5EF4-FFF2-40B4-BE49-F238E27FC236}">
+                <a16:creationId xmlns:a16="http://schemas.microsoft.com/office/drawing/2014/main" id="{3765ADBA-4B50-40A4-AC85-492FEAB281E8}"/>
+              </a:ext>
+            </a:extLst>
+          </p:cNvPr>
+          <p:cNvSpPr/>
+          <p:nvPr/>
+        </p:nvSpPr>
+        <p:spPr>
+          <a:xfrm>
+            <a:off x="10125075" y="4257675"/>
+            <a:ext cx="1838325" cy="1171575"/>
+          </a:xfrm>
+          <a:prstGeom prst="can">
+            <a:avLst/>
+          </a:prstGeom>
+        </p:spPr>
+        <p:style>
+          <a:lnRef idx="2">
+            <a:schemeClr val="accent1">
+              <a:shade val="50000"/>
+            </a:schemeClr>
+          </a:lnRef>
+          <a:fillRef idx="1">
+            <a:schemeClr val="accent1"/>
+          </a:fillRef>
+          <a:effectRef idx="0">
+            <a:schemeClr val="accent1"/>
+          </a:effectRef>
+          <a:fontRef idx="minor">
+            <a:schemeClr val="lt1"/>
+          </a:fontRef>
+        </p:style>
+        <p:txBody>
+          <a:bodyPr rtlCol="0" anchor="ctr"/>
+          <a:lstStyle/>
+          <a:p>
+            <a:pPr algn="ctr"/>
+            <a:r>
+              <a:rPr lang="en-IN" b="1" dirty="0"/>
+              <a:t>NoSQL Database</a:t>
+            </a:r>
+            <a:endParaRPr lang="en-US" b="1" dirty="0"/>
+          </a:p>
+        </p:txBody>
+      </p:sp>
+      <p:sp>
+        <p:nvSpPr>
+          <p:cNvPr id="4" name="Rectangle 3">
+            <a:extLst>
+              <a:ext uri="{FF2B5EF4-FFF2-40B4-BE49-F238E27FC236}">
+                <a16:creationId xmlns:a16="http://schemas.microsoft.com/office/drawing/2014/main" id="{296B4C32-EDBF-4C07-A9B5-2D823D37B9DB}"/>
+              </a:ext>
+            </a:extLst>
+          </p:cNvPr>
+          <p:cNvSpPr/>
+          <p:nvPr/>
+        </p:nvSpPr>
+        <p:spPr>
+          <a:xfrm>
+            <a:off x="5657850" y="666750"/>
+            <a:ext cx="3781425" cy="5524500"/>
+          </a:xfrm>
+          <a:prstGeom prst="rect">
+            <a:avLst/>
+          </a:prstGeom>
+        </p:spPr>
+        <p:style>
+          <a:lnRef idx="2">
+            <a:schemeClr val="accent3">
+              <a:shade val="50000"/>
+            </a:schemeClr>
+          </a:lnRef>
+          <a:fillRef idx="1">
+            <a:schemeClr val="accent3"/>
+          </a:fillRef>
+          <a:effectRef idx="0">
+            <a:schemeClr val="accent3"/>
+          </a:effectRef>
+          <a:fontRef idx="minor">
+            <a:schemeClr val="lt1"/>
+          </a:fontRef>
+        </p:style>
+        <p:txBody>
+          <a:bodyPr rtlCol="0" anchor="ctr"/>
+          <a:lstStyle/>
+          <a:p>
+            <a:pPr algn="ctr"/>
+            <a:endParaRPr lang="en-US"/>
+          </a:p>
+        </p:txBody>
+      </p:sp>
+      <p:sp>
+        <p:nvSpPr>
+          <p:cNvPr id="5" name="TextBox 4">
+            <a:extLst>
+              <a:ext uri="{FF2B5EF4-FFF2-40B4-BE49-F238E27FC236}">
+                <a16:creationId xmlns:a16="http://schemas.microsoft.com/office/drawing/2014/main" id="{43EDD59E-A04E-4356-B6AF-F4ACDD49D9C8}"/>
+              </a:ext>
+            </a:extLst>
+          </p:cNvPr>
+          <p:cNvSpPr txBox="1"/>
+          <p:nvPr/>
+        </p:nvSpPr>
+        <p:spPr>
+          <a:xfrm>
+            <a:off x="6410325" y="85725"/>
+            <a:ext cx="2819400" cy="369332"/>
+          </a:xfrm>
+          <a:prstGeom prst="rect">
+            <a:avLst/>
+          </a:prstGeom>
+          <a:noFill/>
+        </p:spPr>
+        <p:txBody>
+          <a:bodyPr wrap="square" rtlCol="0">
+            <a:spAutoFit/>
+          </a:bodyPr>
+          <a:lstStyle/>
+          <a:p>
+            <a:pPr algn="ctr"/>
+            <a:r>
+              <a:rPr lang="en-IN" b="1" dirty="0"/>
+              <a:t>Application Server</a:t>
+            </a:r>
+            <a:endParaRPr lang="en-US" b="1" dirty="0"/>
+          </a:p>
+        </p:txBody>
+      </p:sp>
+      <p:sp>
+        <p:nvSpPr>
+          <p:cNvPr id="6" name="TextBox 5">
+            <a:extLst>
+              <a:ext uri="{FF2B5EF4-FFF2-40B4-BE49-F238E27FC236}">
+                <a16:creationId xmlns:a16="http://schemas.microsoft.com/office/drawing/2014/main" id="{EBE60D86-4B30-4C1C-9FF4-A9F65BB6F5F4}"/>
+              </a:ext>
+            </a:extLst>
+          </p:cNvPr>
+          <p:cNvSpPr txBox="1"/>
+          <p:nvPr/>
+        </p:nvSpPr>
+        <p:spPr>
+          <a:xfrm>
+            <a:off x="6410325" y="895350"/>
+            <a:ext cx="2819400" cy="369332"/>
+          </a:xfrm>
+          <a:prstGeom prst="rect">
+            <a:avLst/>
+          </a:prstGeom>
+          <a:noFill/>
+        </p:spPr>
+        <p:txBody>
+          <a:bodyPr wrap="square" rtlCol="0">
+            <a:spAutoFit/>
+          </a:bodyPr>
+          <a:lstStyle/>
+          <a:p>
+            <a:pPr algn="ctr"/>
+            <a:r>
+              <a:rPr lang="en-IN" b="1" dirty="0">
+                <a:solidFill>
+                  <a:srgbClr val="FFFF00"/>
+                </a:solidFill>
+              </a:rPr>
+              <a:t>Node.js</a:t>
+            </a:r>
+            <a:endParaRPr lang="en-US" b="1" dirty="0">
+              <a:solidFill>
+                <a:srgbClr val="FFFF00"/>
+              </a:solidFill>
+            </a:endParaRPr>
+          </a:p>
+        </p:txBody>
+      </p:sp>
+      <p:sp>
+        <p:nvSpPr>
+          <p:cNvPr id="7" name="Rectangle 6">
+            <a:extLst>
+              <a:ext uri="{FF2B5EF4-FFF2-40B4-BE49-F238E27FC236}">
+                <a16:creationId xmlns:a16="http://schemas.microsoft.com/office/drawing/2014/main" id="{8C6D8ADB-84F8-415E-8092-C71D5A497201}"/>
+              </a:ext>
+            </a:extLst>
+          </p:cNvPr>
+          <p:cNvSpPr/>
+          <p:nvPr/>
+        </p:nvSpPr>
+        <p:spPr>
+          <a:xfrm>
+            <a:off x="8429624" y="1585912"/>
+            <a:ext cx="923925" cy="3257550"/>
+          </a:xfrm>
+          <a:prstGeom prst="rect">
+            <a:avLst/>
+          </a:prstGeom>
+        </p:spPr>
+        <p:style>
+          <a:lnRef idx="2">
+            <a:schemeClr val="accent1">
+              <a:shade val="50000"/>
+            </a:schemeClr>
+          </a:lnRef>
+          <a:fillRef idx="1">
+            <a:schemeClr val="accent1"/>
+          </a:fillRef>
+          <a:effectRef idx="0">
+            <a:schemeClr val="accent1"/>
+          </a:effectRef>
+          <a:fontRef idx="minor">
+            <a:schemeClr val="lt1"/>
+          </a:fontRef>
+        </p:style>
+        <p:txBody>
+          <a:bodyPr rtlCol="0" anchor="ctr"/>
+          <a:lstStyle/>
+          <a:p>
+            <a:pPr algn="ctr"/>
+            <a:r>
+              <a:rPr lang="en-IN" b="1" dirty="0"/>
+              <a:t>Data</a:t>
+            </a:r>
+          </a:p>
+          <a:p>
+            <a:pPr algn="ctr"/>
+            <a:r>
+              <a:rPr lang="en-IN" b="1" dirty="0"/>
+              <a:t>Access</a:t>
+            </a:r>
+            <a:endParaRPr lang="en-US" b="1" dirty="0"/>
+          </a:p>
+        </p:txBody>
+      </p:sp>
+      <p:sp>
+        <p:nvSpPr>
+          <p:cNvPr id="9" name="Arrow: Left-Right 8">
+            <a:extLst>
+              <a:ext uri="{FF2B5EF4-FFF2-40B4-BE49-F238E27FC236}">
+                <a16:creationId xmlns:a16="http://schemas.microsoft.com/office/drawing/2014/main" id="{EB4F33FF-1800-4B2C-B145-F48CA7B57CD3}"/>
+              </a:ext>
+            </a:extLst>
+          </p:cNvPr>
+          <p:cNvSpPr/>
+          <p:nvPr/>
+        </p:nvSpPr>
+        <p:spPr>
+          <a:xfrm>
+            <a:off x="9353549" y="1714500"/>
+            <a:ext cx="771526" cy="323850"/>
+          </a:xfrm>
+          <a:prstGeom prst="leftRightArrow">
+            <a:avLst/>
+          </a:prstGeom>
+        </p:spPr>
+        <p:style>
+          <a:lnRef idx="2">
+            <a:schemeClr val="accent6">
+              <a:shade val="50000"/>
+            </a:schemeClr>
+          </a:lnRef>
+          <a:fillRef idx="1">
+            <a:schemeClr val="accent6"/>
+          </a:fillRef>
+          <a:effectRef idx="0">
+            <a:schemeClr val="accent6"/>
+          </a:effectRef>
+          <a:fontRef idx="minor">
+            <a:schemeClr val="lt1"/>
+          </a:fontRef>
+        </p:style>
+        <p:txBody>
+          <a:bodyPr rtlCol="0" anchor="ctr"/>
+          <a:lstStyle/>
+          <a:p>
+            <a:pPr algn="ctr"/>
+            <a:endParaRPr lang="en-US"/>
+          </a:p>
+        </p:txBody>
+      </p:sp>
+      <p:sp>
+        <p:nvSpPr>
+          <p:cNvPr id="10" name="Arrow: Left-Right 9">
+            <a:extLst>
+              <a:ext uri="{FF2B5EF4-FFF2-40B4-BE49-F238E27FC236}">
+                <a16:creationId xmlns:a16="http://schemas.microsoft.com/office/drawing/2014/main" id="{302F8E2B-AE2C-488B-A0BE-BB097E08E619}"/>
+              </a:ext>
+            </a:extLst>
+          </p:cNvPr>
+          <p:cNvSpPr/>
+          <p:nvPr/>
+        </p:nvSpPr>
+        <p:spPr>
+          <a:xfrm>
+            <a:off x="9353549" y="4410076"/>
+            <a:ext cx="771526" cy="323850"/>
+          </a:xfrm>
+          <a:prstGeom prst="leftRightArrow">
+            <a:avLst/>
+          </a:prstGeom>
+        </p:spPr>
+        <p:style>
+          <a:lnRef idx="2">
+            <a:schemeClr val="accent6">
+              <a:shade val="50000"/>
+            </a:schemeClr>
+          </a:lnRef>
+          <a:fillRef idx="1">
+            <a:schemeClr val="accent6"/>
+          </a:fillRef>
+          <a:effectRef idx="0">
+            <a:schemeClr val="accent6"/>
+          </a:effectRef>
+          <a:fontRef idx="minor">
+            <a:schemeClr val="lt1"/>
+          </a:fontRef>
+        </p:style>
+        <p:txBody>
+          <a:bodyPr rtlCol="0" anchor="ctr"/>
+          <a:lstStyle/>
+          <a:p>
+            <a:pPr algn="ctr"/>
+            <a:endParaRPr lang="en-US"/>
+          </a:p>
+        </p:txBody>
+      </p:sp>
+      <p:sp>
+        <p:nvSpPr>
+          <p:cNvPr id="11" name="Rectangle 10">
+            <a:extLst>
+              <a:ext uri="{FF2B5EF4-FFF2-40B4-BE49-F238E27FC236}">
+                <a16:creationId xmlns:a16="http://schemas.microsoft.com/office/drawing/2014/main" id="{1B139D0C-EDCE-485E-9E9F-A6CC782C7AF8}"/>
+              </a:ext>
+            </a:extLst>
+          </p:cNvPr>
+          <p:cNvSpPr/>
+          <p:nvPr/>
+        </p:nvSpPr>
+        <p:spPr>
+          <a:xfrm>
+            <a:off x="7105650" y="1585912"/>
+            <a:ext cx="1176337" cy="3257550"/>
+          </a:xfrm>
+          <a:prstGeom prst="rect">
+            <a:avLst/>
+          </a:prstGeom>
+        </p:spPr>
+        <p:style>
+          <a:lnRef idx="2">
+            <a:schemeClr val="accent2">
+              <a:shade val="50000"/>
+            </a:schemeClr>
+          </a:lnRef>
+          <a:fillRef idx="1">
+            <a:schemeClr val="accent2"/>
+          </a:fillRef>
+          <a:effectRef idx="0">
+            <a:schemeClr val="accent2"/>
+          </a:effectRef>
+          <a:fontRef idx="minor">
+            <a:schemeClr val="lt1"/>
+          </a:fontRef>
+        </p:style>
+        <p:txBody>
+          <a:bodyPr rtlCol="0" anchor="ctr"/>
+          <a:lstStyle/>
+          <a:p>
+            <a:pPr algn="ctr"/>
+            <a:r>
+              <a:rPr lang="en-IN" b="1" dirty="0"/>
+              <a:t>Biz</a:t>
+            </a:r>
+          </a:p>
+          <a:p>
+            <a:pPr algn="ctr"/>
+            <a:r>
+              <a:rPr lang="en-IN" b="1" dirty="0"/>
+              <a:t>Modules</a:t>
+            </a:r>
+            <a:endParaRPr lang="en-US" b="1" dirty="0"/>
+          </a:p>
+        </p:txBody>
+      </p:sp>
+      <p:sp>
+        <p:nvSpPr>
+          <p:cNvPr id="12" name="Arrow: Left-Right 11">
+            <a:extLst>
+              <a:ext uri="{FF2B5EF4-FFF2-40B4-BE49-F238E27FC236}">
+                <a16:creationId xmlns:a16="http://schemas.microsoft.com/office/drawing/2014/main" id="{9403DBBC-19A1-4349-9A37-A75F7BC05860}"/>
+              </a:ext>
+            </a:extLst>
+          </p:cNvPr>
+          <p:cNvSpPr/>
+          <p:nvPr/>
+        </p:nvSpPr>
+        <p:spPr>
+          <a:xfrm>
+            <a:off x="8029575" y="2286000"/>
+            <a:ext cx="733425" cy="369332"/>
+          </a:xfrm>
+          <a:prstGeom prst="leftRightArrow">
+            <a:avLst/>
+          </a:prstGeom>
+          <a:solidFill>
+            <a:srgbClr val="FF0000"/>
+          </a:solidFill>
+        </p:spPr>
+        <p:style>
+          <a:lnRef idx="2">
+            <a:schemeClr val="accent1">
+              <a:shade val="50000"/>
+            </a:schemeClr>
+          </a:lnRef>
+          <a:fillRef idx="1">
+            <a:schemeClr val="accent1"/>
+          </a:fillRef>
+          <a:effectRef idx="0">
+            <a:schemeClr val="accent1"/>
+          </a:effectRef>
+          <a:fontRef idx="minor">
+            <a:schemeClr val="lt1"/>
+          </a:fontRef>
+        </p:style>
+        <p:txBody>
+          <a:bodyPr rtlCol="0" anchor="ctr"/>
+          <a:lstStyle/>
+          <a:p>
+            <a:pPr algn="ctr"/>
+            <a:endParaRPr lang="en-US"/>
+          </a:p>
+        </p:txBody>
+      </p:sp>
+      <p:sp>
+        <p:nvSpPr>
+          <p:cNvPr id="13" name="Arrow: Left-Right 12">
+            <a:extLst>
+              <a:ext uri="{FF2B5EF4-FFF2-40B4-BE49-F238E27FC236}">
+                <a16:creationId xmlns:a16="http://schemas.microsoft.com/office/drawing/2014/main" id="{04A02F53-BB19-4F11-B1C7-E305E03889B4}"/>
+              </a:ext>
+            </a:extLst>
+          </p:cNvPr>
+          <p:cNvSpPr/>
+          <p:nvPr/>
+        </p:nvSpPr>
+        <p:spPr>
+          <a:xfrm>
+            <a:off x="8029574" y="3977759"/>
+            <a:ext cx="733425" cy="369332"/>
+          </a:xfrm>
+          <a:prstGeom prst="leftRightArrow">
+            <a:avLst/>
+          </a:prstGeom>
+          <a:solidFill>
+            <a:srgbClr val="FF0000"/>
+          </a:solidFill>
+        </p:spPr>
+        <p:style>
+          <a:lnRef idx="2">
+            <a:schemeClr val="accent1">
+              <a:shade val="50000"/>
+            </a:schemeClr>
+          </a:lnRef>
+          <a:fillRef idx="1">
+            <a:schemeClr val="accent1"/>
+          </a:fillRef>
+          <a:effectRef idx="0">
+            <a:schemeClr val="accent1"/>
+          </a:effectRef>
+          <a:fontRef idx="minor">
+            <a:schemeClr val="lt1"/>
+          </a:fontRef>
+        </p:style>
+        <p:txBody>
+          <a:bodyPr rtlCol="0" anchor="ctr"/>
+          <a:lstStyle/>
+          <a:p>
+            <a:pPr algn="ctr"/>
+            <a:endParaRPr lang="en-US"/>
+          </a:p>
+        </p:txBody>
+      </p:sp>
+      <p:sp>
+        <p:nvSpPr>
+          <p:cNvPr id="14" name="Rectangle 13">
+            <a:extLst>
+              <a:ext uri="{FF2B5EF4-FFF2-40B4-BE49-F238E27FC236}">
+                <a16:creationId xmlns:a16="http://schemas.microsoft.com/office/drawing/2014/main" id="{BF32E018-4C98-421C-933C-549C1CD5249A}"/>
+              </a:ext>
+            </a:extLst>
+          </p:cNvPr>
+          <p:cNvSpPr/>
+          <p:nvPr/>
+        </p:nvSpPr>
+        <p:spPr>
+          <a:xfrm>
+            <a:off x="5803106" y="1561028"/>
+            <a:ext cx="1176337" cy="3257550"/>
+          </a:xfrm>
+          <a:prstGeom prst="rect">
+            <a:avLst/>
+          </a:prstGeom>
+        </p:spPr>
+        <p:style>
+          <a:lnRef idx="2">
+            <a:schemeClr val="accent4">
+              <a:shade val="50000"/>
+            </a:schemeClr>
+          </a:lnRef>
+          <a:fillRef idx="1">
+            <a:schemeClr val="accent4"/>
+          </a:fillRef>
+          <a:effectRef idx="0">
+            <a:schemeClr val="accent4"/>
+          </a:effectRef>
+          <a:fontRef idx="minor">
+            <a:schemeClr val="lt1"/>
+          </a:fontRef>
+        </p:style>
+        <p:txBody>
+          <a:bodyPr rtlCol="0" anchor="ctr"/>
+          <a:lstStyle/>
+          <a:p>
+            <a:pPr algn="ctr"/>
+            <a:r>
+              <a:rPr lang="en-IN" b="1" dirty="0"/>
+              <a:t>REST</a:t>
+            </a:r>
+          </a:p>
+          <a:p>
+            <a:pPr algn="ctr"/>
+            <a:r>
+              <a:rPr lang="en-IN" b="1" dirty="0"/>
+              <a:t>APIs</a:t>
+            </a:r>
+            <a:endParaRPr lang="en-US" b="1" dirty="0"/>
+          </a:p>
+        </p:txBody>
+      </p:sp>
+      <p:sp>
+        <p:nvSpPr>
+          <p:cNvPr id="15" name="Arrow: Left-Right 14">
+            <a:extLst>
+              <a:ext uri="{FF2B5EF4-FFF2-40B4-BE49-F238E27FC236}">
+                <a16:creationId xmlns:a16="http://schemas.microsoft.com/office/drawing/2014/main" id="{A2484324-7B0B-4B45-B422-527D80CB8170}"/>
+              </a:ext>
+            </a:extLst>
+          </p:cNvPr>
+          <p:cNvSpPr/>
+          <p:nvPr/>
+        </p:nvSpPr>
+        <p:spPr>
+          <a:xfrm>
+            <a:off x="6646068" y="2200751"/>
+            <a:ext cx="733425" cy="369332"/>
+          </a:xfrm>
+          <a:prstGeom prst="leftRightArrow">
+            <a:avLst/>
+          </a:prstGeom>
+          <a:solidFill>
+            <a:srgbClr val="FF0000"/>
+          </a:solidFill>
+        </p:spPr>
+        <p:style>
+          <a:lnRef idx="2">
+            <a:schemeClr val="accent1">
+              <a:shade val="50000"/>
+            </a:schemeClr>
+          </a:lnRef>
+          <a:fillRef idx="1">
+            <a:schemeClr val="accent1"/>
+          </a:fillRef>
+          <a:effectRef idx="0">
+            <a:schemeClr val="accent1"/>
+          </a:effectRef>
+          <a:fontRef idx="minor">
+            <a:schemeClr val="lt1"/>
+          </a:fontRef>
+        </p:style>
+        <p:txBody>
+          <a:bodyPr rtlCol="0" anchor="ctr"/>
+          <a:lstStyle/>
+          <a:p>
+            <a:pPr algn="ctr"/>
+            <a:endParaRPr lang="en-US"/>
+          </a:p>
+        </p:txBody>
+      </p:sp>
+      <p:sp>
+        <p:nvSpPr>
+          <p:cNvPr id="16" name="Arrow: Left-Right 15">
+            <a:extLst>
+              <a:ext uri="{FF2B5EF4-FFF2-40B4-BE49-F238E27FC236}">
+                <a16:creationId xmlns:a16="http://schemas.microsoft.com/office/drawing/2014/main" id="{9AA1C95C-8F69-4C84-A64A-FDE9622C0B54}"/>
+              </a:ext>
+            </a:extLst>
+          </p:cNvPr>
+          <p:cNvSpPr/>
+          <p:nvPr/>
+        </p:nvSpPr>
+        <p:spPr>
+          <a:xfrm>
+            <a:off x="6646067" y="3892510"/>
+            <a:ext cx="733425" cy="369332"/>
+          </a:xfrm>
+          <a:prstGeom prst="leftRightArrow">
+            <a:avLst/>
+          </a:prstGeom>
+          <a:solidFill>
+            <a:srgbClr val="FF0000"/>
+          </a:solidFill>
+        </p:spPr>
+        <p:style>
+          <a:lnRef idx="2">
+            <a:schemeClr val="accent1">
+              <a:shade val="50000"/>
+            </a:schemeClr>
+          </a:lnRef>
+          <a:fillRef idx="1">
+            <a:schemeClr val="accent1"/>
+          </a:fillRef>
+          <a:effectRef idx="0">
+            <a:schemeClr val="accent1"/>
+          </a:effectRef>
+          <a:fontRef idx="minor">
+            <a:schemeClr val="lt1"/>
+          </a:fontRef>
+        </p:style>
+        <p:txBody>
+          <a:bodyPr rtlCol="0" anchor="ctr"/>
+          <a:lstStyle/>
+          <a:p>
+            <a:pPr algn="ctr"/>
+            <a:endParaRPr lang="en-US"/>
+          </a:p>
+        </p:txBody>
+      </p:sp>
+      <p:sp>
+        <p:nvSpPr>
+          <p:cNvPr id="17" name="TextBox 16">
+            <a:extLst>
+              <a:ext uri="{FF2B5EF4-FFF2-40B4-BE49-F238E27FC236}">
+                <a16:creationId xmlns:a16="http://schemas.microsoft.com/office/drawing/2014/main" id="{E436CD7F-0187-42A3-8E39-5B11583D7321}"/>
+              </a:ext>
+            </a:extLst>
+          </p:cNvPr>
+          <p:cNvSpPr txBox="1"/>
+          <p:nvPr/>
+        </p:nvSpPr>
+        <p:spPr>
+          <a:xfrm>
+            <a:off x="5803106" y="5019675"/>
+            <a:ext cx="3426619" cy="923330"/>
+          </a:xfrm>
+          <a:prstGeom prst="rect">
+            <a:avLst/>
+          </a:prstGeom>
+          <a:noFill/>
+        </p:spPr>
+        <p:txBody>
+          <a:bodyPr wrap="square" rtlCol="0">
+            <a:spAutoFit/>
+          </a:bodyPr>
+          <a:lstStyle/>
+          <a:p>
+            <a:pPr algn="ctr"/>
+            <a:r>
+              <a:rPr lang="en-IN" b="1" dirty="0" err="1">
+                <a:solidFill>
+                  <a:srgbClr val="FFFF00"/>
+                </a:solidFill>
+              </a:rPr>
+              <a:t>Express.Js</a:t>
+            </a:r>
+            <a:r>
+              <a:rPr lang="en-IN" b="1" dirty="0">
+                <a:solidFill>
+                  <a:srgbClr val="FFFF00"/>
+                </a:solidFill>
+              </a:rPr>
+              <a:t>, JsonWebToken, Fil-System, Sequelize, Express-Sessions</a:t>
+            </a:r>
+            <a:endParaRPr lang="en-US" b="1" dirty="0">
+              <a:solidFill>
+                <a:srgbClr val="FFFF00"/>
+              </a:solidFill>
+            </a:endParaRPr>
+          </a:p>
+        </p:txBody>
+      </p:sp>
+      <p:sp>
+        <p:nvSpPr>
+          <p:cNvPr id="18" name="Rectangle 17">
+            <a:extLst>
+              <a:ext uri="{FF2B5EF4-FFF2-40B4-BE49-F238E27FC236}">
+                <a16:creationId xmlns:a16="http://schemas.microsoft.com/office/drawing/2014/main" id="{E2BA3531-C250-426A-BAD8-1D10DADCC8F1}"/>
+              </a:ext>
+            </a:extLst>
+          </p:cNvPr>
+          <p:cNvSpPr/>
+          <p:nvPr/>
+        </p:nvSpPr>
+        <p:spPr>
+          <a:xfrm>
+            <a:off x="361950" y="666750"/>
+            <a:ext cx="3990975" cy="5391150"/>
+          </a:xfrm>
+          <a:prstGeom prst="rect">
+            <a:avLst/>
+          </a:prstGeom>
+        </p:spPr>
+        <p:style>
+          <a:lnRef idx="2">
+            <a:schemeClr val="accent6">
+              <a:shade val="50000"/>
+            </a:schemeClr>
+          </a:lnRef>
+          <a:fillRef idx="1">
+            <a:schemeClr val="accent6"/>
+          </a:fillRef>
+          <a:effectRef idx="0">
+            <a:schemeClr val="accent6"/>
+          </a:effectRef>
+          <a:fontRef idx="minor">
+            <a:schemeClr val="lt1"/>
+          </a:fontRef>
+        </p:style>
+        <p:txBody>
+          <a:bodyPr rtlCol="0" anchor="ctr"/>
+          <a:lstStyle/>
+          <a:p>
+            <a:pPr algn="ctr"/>
+            <a:endParaRPr lang="en-US"/>
+          </a:p>
+        </p:txBody>
+      </p:sp>
+      <p:sp>
+        <p:nvSpPr>
+          <p:cNvPr id="19" name="TextBox 18">
+            <a:extLst>
+              <a:ext uri="{FF2B5EF4-FFF2-40B4-BE49-F238E27FC236}">
+                <a16:creationId xmlns:a16="http://schemas.microsoft.com/office/drawing/2014/main" id="{9D996249-FC09-4EB5-9FDD-0607C12723A9}"/>
+              </a:ext>
+            </a:extLst>
+          </p:cNvPr>
+          <p:cNvSpPr txBox="1"/>
+          <p:nvPr/>
+        </p:nvSpPr>
+        <p:spPr>
+          <a:xfrm>
+            <a:off x="685800" y="238125"/>
+            <a:ext cx="2819400" cy="369332"/>
+          </a:xfrm>
+          <a:prstGeom prst="rect">
+            <a:avLst/>
+          </a:prstGeom>
+          <a:noFill/>
+        </p:spPr>
+        <p:txBody>
+          <a:bodyPr wrap="square" rtlCol="0">
+            <a:spAutoFit/>
+          </a:bodyPr>
+          <a:lstStyle/>
+          <a:p>
+            <a:pPr algn="ctr"/>
+            <a:r>
+              <a:rPr lang="en-IN" b="1" dirty="0"/>
+              <a:t>Front-End Application</a:t>
+            </a:r>
+            <a:endParaRPr lang="en-US" b="1" dirty="0"/>
+          </a:p>
+        </p:txBody>
+      </p:sp>
+      <p:sp>
+        <p:nvSpPr>
+          <p:cNvPr id="20" name="Rectangle 19">
+            <a:extLst>
+              <a:ext uri="{FF2B5EF4-FFF2-40B4-BE49-F238E27FC236}">
+                <a16:creationId xmlns:a16="http://schemas.microsoft.com/office/drawing/2014/main" id="{706B7908-2C73-400D-82E4-D27D7BA08862}"/>
+              </a:ext>
+            </a:extLst>
+          </p:cNvPr>
+          <p:cNvSpPr/>
+          <p:nvPr/>
+        </p:nvSpPr>
+        <p:spPr>
+          <a:xfrm>
+            <a:off x="533400" y="1114425"/>
+            <a:ext cx="3674269" cy="4010025"/>
+          </a:xfrm>
+          <a:prstGeom prst="rect">
+            <a:avLst/>
+          </a:prstGeom>
+        </p:spPr>
+        <p:style>
+          <a:lnRef idx="2">
+            <a:schemeClr val="dk1">
+              <a:shade val="50000"/>
+            </a:schemeClr>
+          </a:lnRef>
+          <a:fillRef idx="1">
+            <a:schemeClr val="dk1"/>
+          </a:fillRef>
+          <a:effectRef idx="0">
+            <a:schemeClr val="dk1"/>
+          </a:effectRef>
+          <a:fontRef idx="minor">
+            <a:schemeClr val="lt1"/>
+          </a:fontRef>
+        </p:style>
+        <p:txBody>
+          <a:bodyPr rtlCol="0" anchor="ctr"/>
+          <a:lstStyle/>
+          <a:p>
+            <a:pPr algn="ctr"/>
+            <a:endParaRPr lang="en-US"/>
+          </a:p>
+        </p:txBody>
+      </p:sp>
+      <p:sp>
+        <p:nvSpPr>
+          <p:cNvPr id="21" name="TextBox 20">
+            <a:extLst>
+              <a:ext uri="{FF2B5EF4-FFF2-40B4-BE49-F238E27FC236}">
+                <a16:creationId xmlns:a16="http://schemas.microsoft.com/office/drawing/2014/main" id="{ACDAE976-CFCC-4DE6-B1C7-50DA6E21935B}"/>
+              </a:ext>
+            </a:extLst>
+          </p:cNvPr>
+          <p:cNvSpPr txBox="1"/>
+          <p:nvPr/>
+        </p:nvSpPr>
+        <p:spPr>
+          <a:xfrm>
+            <a:off x="619125" y="1264682"/>
+            <a:ext cx="3345656" cy="369332"/>
+          </a:xfrm>
+          <a:prstGeom prst="rect">
+            <a:avLst/>
+          </a:prstGeom>
+          <a:noFill/>
+        </p:spPr>
+        <p:txBody>
+          <a:bodyPr wrap="square" rtlCol="0">
+            <a:spAutoFit/>
+          </a:bodyPr>
+          <a:lstStyle/>
+          <a:p>
+            <a:pPr algn="ctr"/>
+            <a:r>
+              <a:rPr lang="en-IN" b="1" dirty="0">
+                <a:solidFill>
+                  <a:srgbClr val="FFFF00"/>
+                </a:solidFill>
+              </a:rPr>
+              <a:t>Container UI</a:t>
+            </a:r>
+            <a:endParaRPr lang="en-US" b="1" dirty="0">
+              <a:solidFill>
+                <a:srgbClr val="FFFF00"/>
+              </a:solidFill>
+            </a:endParaRPr>
+          </a:p>
+        </p:txBody>
+      </p:sp>
+      <p:sp>
+        <p:nvSpPr>
+          <p:cNvPr id="22" name="Rectangle: Rounded Corners 21">
+            <a:extLst>
+              <a:ext uri="{FF2B5EF4-FFF2-40B4-BE49-F238E27FC236}">
+                <a16:creationId xmlns:a16="http://schemas.microsoft.com/office/drawing/2014/main" id="{64B2AF22-4FD5-4168-ACC3-7ED56F0B8C0F}"/>
+              </a:ext>
+            </a:extLst>
+          </p:cNvPr>
+          <p:cNvSpPr/>
+          <p:nvPr/>
+        </p:nvSpPr>
+        <p:spPr>
+          <a:xfrm>
+            <a:off x="685800" y="2105025"/>
+            <a:ext cx="1400175" cy="1057275"/>
+          </a:xfrm>
+          <a:prstGeom prst="roundRect">
+            <a:avLst/>
+          </a:prstGeom>
+        </p:spPr>
+        <p:style>
+          <a:lnRef idx="2">
+            <a:schemeClr val="accent1">
+              <a:shade val="50000"/>
+            </a:schemeClr>
+          </a:lnRef>
+          <a:fillRef idx="1">
+            <a:schemeClr val="accent1"/>
+          </a:fillRef>
+          <a:effectRef idx="0">
+            <a:schemeClr val="accent1"/>
+          </a:effectRef>
+          <a:fontRef idx="minor">
+            <a:schemeClr val="lt1"/>
+          </a:fontRef>
+        </p:style>
+        <p:txBody>
+          <a:bodyPr rtlCol="0" anchor="ctr"/>
+          <a:lstStyle/>
+          <a:p>
+            <a:pPr algn="ctr"/>
+            <a:r>
+              <a:rPr lang="en-IN" b="1" dirty="0"/>
+              <a:t>Comp 1</a:t>
+            </a:r>
+            <a:endParaRPr lang="en-US" b="1" dirty="0"/>
+          </a:p>
+        </p:txBody>
+      </p:sp>
+      <p:sp>
+        <p:nvSpPr>
+          <p:cNvPr id="23" name="Rectangle: Rounded Corners 22">
+            <a:extLst>
+              <a:ext uri="{FF2B5EF4-FFF2-40B4-BE49-F238E27FC236}">
+                <a16:creationId xmlns:a16="http://schemas.microsoft.com/office/drawing/2014/main" id="{188C7ED9-CC04-4222-8BA7-1552F2883BF6}"/>
+              </a:ext>
+            </a:extLst>
+          </p:cNvPr>
+          <p:cNvSpPr/>
+          <p:nvPr/>
+        </p:nvSpPr>
+        <p:spPr>
+          <a:xfrm>
+            <a:off x="2577704" y="2105025"/>
+            <a:ext cx="1400175" cy="1057275"/>
+          </a:xfrm>
+          <a:prstGeom prst="roundRect">
+            <a:avLst/>
+          </a:prstGeom>
+        </p:spPr>
+        <p:style>
+          <a:lnRef idx="2">
+            <a:schemeClr val="accent1">
+              <a:shade val="50000"/>
+            </a:schemeClr>
+          </a:lnRef>
+          <a:fillRef idx="1">
+            <a:schemeClr val="accent1"/>
+          </a:fillRef>
+          <a:effectRef idx="0">
+            <a:schemeClr val="accent1"/>
+          </a:effectRef>
+          <a:fontRef idx="minor">
+            <a:schemeClr val="lt1"/>
+          </a:fontRef>
+        </p:style>
+        <p:txBody>
+          <a:bodyPr rtlCol="0" anchor="ctr"/>
+          <a:lstStyle/>
+          <a:p>
+            <a:pPr algn="ctr"/>
+            <a:r>
+              <a:rPr lang="en-IN" b="1" dirty="0"/>
+              <a:t>Comp 2</a:t>
+            </a:r>
+            <a:endParaRPr lang="en-US" b="1" dirty="0"/>
+          </a:p>
+        </p:txBody>
+      </p:sp>
+      <p:sp>
+        <p:nvSpPr>
+          <p:cNvPr id="24" name="Rectangle: Rounded Corners 23">
+            <a:extLst>
+              <a:ext uri="{FF2B5EF4-FFF2-40B4-BE49-F238E27FC236}">
+                <a16:creationId xmlns:a16="http://schemas.microsoft.com/office/drawing/2014/main" id="{D30F0E63-4D80-4888-91E7-4D57E998D8F3}"/>
+              </a:ext>
+            </a:extLst>
+          </p:cNvPr>
+          <p:cNvSpPr/>
+          <p:nvPr/>
+        </p:nvSpPr>
+        <p:spPr>
+          <a:xfrm>
+            <a:off x="732829" y="3609975"/>
+            <a:ext cx="1400175" cy="1057275"/>
+          </a:xfrm>
+          <a:prstGeom prst="roundRect">
+            <a:avLst/>
+          </a:prstGeom>
+        </p:spPr>
+        <p:style>
+          <a:lnRef idx="2">
+            <a:schemeClr val="accent1">
+              <a:shade val="50000"/>
+            </a:schemeClr>
+          </a:lnRef>
+          <a:fillRef idx="1">
+            <a:schemeClr val="accent1"/>
+          </a:fillRef>
+          <a:effectRef idx="0">
+            <a:schemeClr val="accent1"/>
+          </a:effectRef>
+          <a:fontRef idx="minor">
+            <a:schemeClr val="lt1"/>
+          </a:fontRef>
+        </p:style>
+        <p:txBody>
+          <a:bodyPr rtlCol="0" anchor="ctr"/>
+          <a:lstStyle/>
+          <a:p>
+            <a:pPr algn="ctr"/>
+            <a:r>
+              <a:rPr lang="en-IN" b="1" dirty="0"/>
+              <a:t>Comp 3</a:t>
+            </a:r>
+            <a:endParaRPr lang="en-US" b="1" dirty="0"/>
+          </a:p>
+        </p:txBody>
+      </p:sp>
+      <p:sp>
+        <p:nvSpPr>
+          <p:cNvPr id="25" name="Rectangle: Rounded Corners 24">
+            <a:extLst>
+              <a:ext uri="{FF2B5EF4-FFF2-40B4-BE49-F238E27FC236}">
+                <a16:creationId xmlns:a16="http://schemas.microsoft.com/office/drawing/2014/main" id="{BE83BDF5-47ED-40D3-ACCF-73E99F66BEB5}"/>
+              </a:ext>
+            </a:extLst>
+          </p:cNvPr>
+          <p:cNvSpPr/>
+          <p:nvPr/>
+        </p:nvSpPr>
+        <p:spPr>
+          <a:xfrm>
+            <a:off x="2624733" y="3609975"/>
+            <a:ext cx="1400175" cy="1057275"/>
+          </a:xfrm>
+          <a:prstGeom prst="roundRect">
+            <a:avLst/>
+          </a:prstGeom>
+        </p:spPr>
+        <p:style>
+          <a:lnRef idx="2">
+            <a:schemeClr val="accent1">
+              <a:shade val="50000"/>
+            </a:schemeClr>
+          </a:lnRef>
+          <a:fillRef idx="1">
+            <a:schemeClr val="accent1"/>
+          </a:fillRef>
+          <a:effectRef idx="0">
+            <a:schemeClr val="accent1"/>
+          </a:effectRef>
+          <a:fontRef idx="minor">
+            <a:schemeClr val="lt1"/>
+          </a:fontRef>
+        </p:style>
+        <p:txBody>
+          <a:bodyPr rtlCol="0" anchor="ctr"/>
+          <a:lstStyle/>
+          <a:p>
+            <a:pPr algn="ctr"/>
+            <a:r>
+              <a:rPr lang="en-IN" b="1" dirty="0"/>
+              <a:t>Comp 4</a:t>
+            </a:r>
+            <a:endParaRPr lang="en-US" b="1" dirty="0"/>
+          </a:p>
+        </p:txBody>
+      </p:sp>
+      <p:sp>
+        <p:nvSpPr>
+          <p:cNvPr id="26" name="Arrow: Curved Down 25">
+            <a:extLst>
+              <a:ext uri="{FF2B5EF4-FFF2-40B4-BE49-F238E27FC236}">
+                <a16:creationId xmlns:a16="http://schemas.microsoft.com/office/drawing/2014/main" id="{65C898D3-C6BC-46C1-9989-0D6CDAE5B6B2}"/>
+              </a:ext>
+            </a:extLst>
+          </p:cNvPr>
+          <p:cNvSpPr/>
+          <p:nvPr/>
+        </p:nvSpPr>
+        <p:spPr>
+          <a:xfrm>
+            <a:off x="4232672" y="2200751"/>
+            <a:ext cx="1763314" cy="609124"/>
+          </a:xfrm>
+          <a:prstGeom prst="curvedDownArrow">
+            <a:avLst/>
+          </a:prstGeom>
+        </p:spPr>
+        <p:style>
+          <a:lnRef idx="1">
+            <a:schemeClr val="accent3"/>
+          </a:lnRef>
+          <a:fillRef idx="2">
+            <a:schemeClr val="accent3"/>
+          </a:fillRef>
+          <a:effectRef idx="1">
+            <a:schemeClr val="accent3"/>
+          </a:effectRef>
+          <a:fontRef idx="minor">
+            <a:schemeClr val="dk1"/>
+          </a:fontRef>
+        </p:style>
+        <p:txBody>
+          <a:bodyPr rtlCol="0" anchor="ctr"/>
+          <a:lstStyle/>
+          <a:p>
+            <a:pPr algn="ctr"/>
+            <a:endParaRPr lang="en-US">
+              <a:solidFill>
+                <a:schemeClr val="tx1"/>
+              </a:solidFill>
+            </a:endParaRPr>
+          </a:p>
+        </p:txBody>
+      </p:sp>
+      <p:sp>
+        <p:nvSpPr>
+          <p:cNvPr id="27" name="Arrow: Curved Down 26">
+            <a:extLst>
+              <a:ext uri="{FF2B5EF4-FFF2-40B4-BE49-F238E27FC236}">
+                <a16:creationId xmlns:a16="http://schemas.microsoft.com/office/drawing/2014/main" id="{F404BFBF-47D9-4F9F-81BD-3605E5A5D698}"/>
+              </a:ext>
+            </a:extLst>
+          </p:cNvPr>
+          <p:cNvSpPr/>
+          <p:nvPr/>
+        </p:nvSpPr>
+        <p:spPr>
+          <a:xfrm rot="10800000">
+            <a:off x="4090393" y="4445770"/>
+            <a:ext cx="1763314" cy="609124"/>
+          </a:xfrm>
+          <a:prstGeom prst="curvedDownArrow">
+            <a:avLst/>
+          </a:prstGeom>
+        </p:spPr>
+        <p:style>
+          <a:lnRef idx="1">
+            <a:schemeClr val="accent3"/>
+          </a:lnRef>
+          <a:fillRef idx="2">
+            <a:schemeClr val="accent3"/>
+          </a:fillRef>
+          <a:effectRef idx="1">
+            <a:schemeClr val="accent3"/>
+          </a:effectRef>
+          <a:fontRef idx="minor">
+            <a:schemeClr val="dk1"/>
+          </a:fontRef>
+        </p:style>
+        <p:txBody>
+          <a:bodyPr rtlCol="0" anchor="ctr"/>
+          <a:lstStyle/>
+          <a:p>
+            <a:pPr algn="ctr"/>
+            <a:endParaRPr lang="en-US">
+              <a:solidFill>
+                <a:schemeClr val="tx1"/>
+              </a:solidFill>
+            </a:endParaRPr>
+          </a:p>
+        </p:txBody>
+      </p:sp>
+      <p:sp>
+        <p:nvSpPr>
+          <p:cNvPr id="28" name="TextBox 27">
+            <a:extLst>
+              <a:ext uri="{FF2B5EF4-FFF2-40B4-BE49-F238E27FC236}">
+                <a16:creationId xmlns:a16="http://schemas.microsoft.com/office/drawing/2014/main" id="{A6905FF4-5DF2-463F-812B-619473DE7976}"/>
+              </a:ext>
+            </a:extLst>
+          </p:cNvPr>
+          <p:cNvSpPr txBox="1"/>
+          <p:nvPr/>
+        </p:nvSpPr>
+        <p:spPr>
+          <a:xfrm>
+            <a:off x="4495800" y="3162300"/>
+            <a:ext cx="1076324" cy="923330"/>
+          </a:xfrm>
+          <a:prstGeom prst="rect">
+            <a:avLst/>
+          </a:prstGeom>
+          <a:noFill/>
+        </p:spPr>
+        <p:txBody>
+          <a:bodyPr wrap="square" rtlCol="0">
+            <a:spAutoFit/>
+          </a:bodyPr>
+          <a:lstStyle/>
+          <a:p>
+            <a:pPr algn="ctr"/>
+            <a:r>
+              <a:rPr lang="en-IN" b="1" dirty="0"/>
+              <a:t>REST</a:t>
+            </a:r>
+          </a:p>
+          <a:p>
+            <a:pPr algn="ctr"/>
+            <a:r>
+              <a:rPr lang="en-IN" b="1" dirty="0"/>
+              <a:t>API</a:t>
+            </a:r>
+          </a:p>
+          <a:p>
+            <a:pPr algn="ctr"/>
+            <a:r>
+              <a:rPr lang="en-IN" b="1" dirty="0"/>
+              <a:t>CALL</a:t>
+            </a:r>
+          </a:p>
+        </p:txBody>
+      </p:sp>
+      <p:sp>
+        <p:nvSpPr>
+          <p:cNvPr id="8" name="TextBox 7">
+            <a:extLst>
+              <a:ext uri="{FF2B5EF4-FFF2-40B4-BE49-F238E27FC236}">
+                <a16:creationId xmlns:a16="http://schemas.microsoft.com/office/drawing/2014/main" id="{30C7DBEF-AB36-4C8B-927D-7D84FC0B3C35}"/>
+              </a:ext>
+            </a:extLst>
+          </p:cNvPr>
+          <p:cNvSpPr txBox="1"/>
+          <p:nvPr/>
+        </p:nvSpPr>
+        <p:spPr>
+          <a:xfrm>
+            <a:off x="3448050" y="6302930"/>
+            <a:ext cx="5295900" cy="369332"/>
+          </a:xfrm>
+          <a:prstGeom prst="rect">
+            <a:avLst/>
+          </a:prstGeom>
+          <a:noFill/>
+        </p:spPr>
+        <p:txBody>
+          <a:bodyPr wrap="square" rtlCol="0">
+            <a:spAutoFit/>
+          </a:bodyPr>
+          <a:lstStyle/>
+          <a:p>
+            <a:r>
+              <a:rPr lang="en-IN" b="1" dirty="0"/>
+              <a:t>Iso-Morphic Applications</a:t>
+            </a:r>
+            <a:endParaRPr lang="en-US" b="1" dirty="0"/>
+          </a:p>
+        </p:txBody>
+      </p:sp>
+      <p:sp>
+        <p:nvSpPr>
+          <p:cNvPr id="29" name="TextBox 28">
+            <a:extLst>
+              <a:ext uri="{FF2B5EF4-FFF2-40B4-BE49-F238E27FC236}">
+                <a16:creationId xmlns:a16="http://schemas.microsoft.com/office/drawing/2014/main" id="{96E1F5E3-9451-4EBF-B866-FAA8B176269B}"/>
+              </a:ext>
+            </a:extLst>
+          </p:cNvPr>
+          <p:cNvSpPr txBox="1"/>
+          <p:nvPr/>
+        </p:nvSpPr>
+        <p:spPr>
+          <a:xfrm>
+            <a:off x="619125" y="5260258"/>
+            <a:ext cx="3471267" cy="369332"/>
+          </a:xfrm>
+          <a:prstGeom prst="rect">
+            <a:avLst/>
+          </a:prstGeom>
+          <a:noFill/>
+        </p:spPr>
+        <p:txBody>
+          <a:bodyPr wrap="square" rtlCol="0">
+            <a:spAutoFit/>
+          </a:bodyPr>
+          <a:lstStyle/>
+          <a:p>
+            <a:pPr algn="ctr"/>
+            <a:r>
+              <a:rPr lang="en-IN" b="1" dirty="0"/>
+              <a:t>React/Angular/Vue/Ember, etc</a:t>
+            </a:r>
+            <a:endParaRPr lang="en-US" b="1" dirty="0"/>
+          </a:p>
+        </p:txBody>
+      </p:sp>
+    </p:spTree>
+    <p:extLst>
+      <p:ext uri="{BB962C8B-B14F-4D97-AF65-F5344CB8AC3E}">
+        <p14:creationId xmlns:p14="http://schemas.microsoft.com/office/powerpoint/2010/main" val="905747928"/>
+      </p:ext>
+    </p:extLst>
+  </p:cSld>
+  <p:clrMapOvr>
+    <a:masterClrMapping/>
+  </p:clrMapOvr>
+</p:sld>
+</file>
+
 <file path=ppt/slides/slide2.xml><?xml version="1.0" encoding="utf-8"?>
 <p:sld xmlns:a="http://schemas.openxmlformats.org/drawingml/2006/main" xmlns:r="http://schemas.openxmlformats.org/officeDocument/2006/relationships" xmlns:p="http://schemas.openxmlformats.org/presentationml/2006/main">
   <p:cSld>

--- a/training_images.pptx
+++ b/training_images.pptx
@@ -15,6 +15,7 @@
     <p:sldId id="263" r:id="rId9"/>
     <p:sldId id="264" r:id="rId10"/>
     <p:sldId id="265" r:id="rId11"/>
+    <p:sldId id="266" r:id="rId12"/>
   </p:sldIdLst>
   <p:sldSz cx="12192000" cy="6858000"/>
   <p:notesSz cx="6858000" cy="9144000"/>
@@ -284,7 +285,7 @@
           <a:p>
             <a:fld id="{822AF85D-11A4-42B9-B7D1-A5D0AD529DB2}" type="datetimeFigureOut">
               <a:rPr lang="en-US" smtClean="0"/>
-              <a:t>4/12/2022</a:t>
+              <a:t>4/13/2022</a:t>
             </a:fld>
             <a:endParaRPr lang="en-US"/>
           </a:p>
@@ -454,7 +455,7 @@
           <a:p>
             <a:fld id="{822AF85D-11A4-42B9-B7D1-A5D0AD529DB2}" type="datetimeFigureOut">
               <a:rPr lang="en-US" smtClean="0"/>
-              <a:t>4/12/2022</a:t>
+              <a:t>4/13/2022</a:t>
             </a:fld>
             <a:endParaRPr lang="en-US"/>
           </a:p>
@@ -634,7 +635,7 @@
           <a:p>
             <a:fld id="{822AF85D-11A4-42B9-B7D1-A5D0AD529DB2}" type="datetimeFigureOut">
               <a:rPr lang="en-US" smtClean="0"/>
-              <a:t>4/12/2022</a:t>
+              <a:t>4/13/2022</a:t>
             </a:fld>
             <a:endParaRPr lang="en-US"/>
           </a:p>
@@ -804,7 +805,7 @@
           <a:p>
             <a:fld id="{822AF85D-11A4-42B9-B7D1-A5D0AD529DB2}" type="datetimeFigureOut">
               <a:rPr lang="en-US" smtClean="0"/>
-              <a:t>4/12/2022</a:t>
+              <a:t>4/13/2022</a:t>
             </a:fld>
             <a:endParaRPr lang="en-US"/>
           </a:p>
@@ -1072,7 +1073,7 @@
           <a:p>
             <a:fld id="{822AF85D-11A4-42B9-B7D1-A5D0AD529DB2}" type="datetimeFigureOut">
               <a:rPr lang="en-US" smtClean="0"/>
-              <a:t>4/12/2022</a:t>
+              <a:t>4/13/2022</a:t>
             </a:fld>
             <a:endParaRPr lang="en-US"/>
           </a:p>
@@ -1304,7 +1305,7 @@
           <a:p>
             <a:fld id="{822AF85D-11A4-42B9-B7D1-A5D0AD529DB2}" type="datetimeFigureOut">
               <a:rPr lang="en-US" smtClean="0"/>
-              <a:t>4/12/2022</a:t>
+              <a:t>4/13/2022</a:t>
             </a:fld>
             <a:endParaRPr lang="en-US"/>
           </a:p>
@@ -1663,7 +1664,7 @@
           <a:p>
             <a:fld id="{822AF85D-11A4-42B9-B7D1-A5D0AD529DB2}" type="datetimeFigureOut">
               <a:rPr lang="en-US" smtClean="0"/>
-              <a:t>4/12/2022</a:t>
+              <a:t>4/13/2022</a:t>
             </a:fld>
             <a:endParaRPr lang="en-US"/>
           </a:p>
@@ -1804,7 +1805,7 @@
           <a:p>
             <a:fld id="{822AF85D-11A4-42B9-B7D1-A5D0AD529DB2}" type="datetimeFigureOut">
               <a:rPr lang="en-US" smtClean="0"/>
-              <a:t>4/12/2022</a:t>
+              <a:t>4/13/2022</a:t>
             </a:fld>
             <a:endParaRPr lang="en-US"/>
           </a:p>
@@ -1899,7 +1900,7 @@
           <a:p>
             <a:fld id="{822AF85D-11A4-42B9-B7D1-A5D0AD529DB2}" type="datetimeFigureOut">
               <a:rPr lang="en-US" smtClean="0"/>
-              <a:t>4/12/2022</a:t>
+              <a:t>4/13/2022</a:t>
             </a:fld>
             <a:endParaRPr lang="en-US"/>
           </a:p>
@@ -2256,7 +2257,7 @@
           <a:p>
             <a:fld id="{822AF85D-11A4-42B9-B7D1-A5D0AD529DB2}" type="datetimeFigureOut">
               <a:rPr lang="en-US" smtClean="0"/>
-              <a:t>4/12/2022</a:t>
+              <a:t>4/13/2022</a:t>
             </a:fld>
             <a:endParaRPr lang="en-US"/>
           </a:p>
@@ -2613,7 +2614,7 @@
           <a:p>
             <a:fld id="{822AF85D-11A4-42B9-B7D1-A5D0AD529DB2}" type="datetimeFigureOut">
               <a:rPr lang="en-US" smtClean="0"/>
-              <a:t>4/12/2022</a:t>
+              <a:t>4/13/2022</a:t>
             </a:fld>
             <a:endParaRPr lang="en-US"/>
           </a:p>
@@ -2855,7 +2856,7 @@
           <a:p>
             <a:fld id="{822AF85D-11A4-42B9-B7D1-A5D0AD529DB2}" type="datetimeFigureOut">
               <a:rPr lang="en-US" smtClean="0"/>
-              <a:t>4/12/2022</a:t>
+              <a:t>4/13/2022</a:t>
             </a:fld>
             <a:endParaRPr lang="en-US"/>
           </a:p>
@@ -4744,6 +4745,621 @@
 </p:sld>
 </file>
 
+<file path=ppt/slides/slide11.xml><?xml version="1.0" encoding="utf-8"?>
+<p:sld xmlns:a="http://schemas.openxmlformats.org/drawingml/2006/main" xmlns:r="http://schemas.openxmlformats.org/officeDocument/2006/relationships" xmlns:p="http://schemas.openxmlformats.org/presentationml/2006/main">
+  <p:cSld>
+    <p:spTree>
+      <p:nvGrpSpPr>
+        <p:cNvPr id="1" name=""/>
+        <p:cNvGrpSpPr/>
+        <p:nvPr/>
+      </p:nvGrpSpPr>
+      <p:grpSpPr>
+        <a:xfrm>
+          <a:off x="0" y="0"/>
+          <a:ext cx="0" cy="0"/>
+          <a:chOff x="0" y="0"/>
+          <a:chExt cx="0" cy="0"/>
+        </a:xfrm>
+      </p:grpSpPr>
+      <p:sp>
+        <p:nvSpPr>
+          <p:cNvPr id="2" name="Rectangle 1">
+            <a:extLst>
+              <a:ext uri="{FF2B5EF4-FFF2-40B4-BE49-F238E27FC236}">
+                <a16:creationId xmlns:a16="http://schemas.microsoft.com/office/drawing/2014/main" id="{A28AF219-AA73-4C29-9C95-5C5D1A3BC15C}"/>
+              </a:ext>
+            </a:extLst>
+          </p:cNvPr>
+          <p:cNvSpPr/>
+          <p:nvPr/>
+        </p:nvSpPr>
+        <p:spPr>
+          <a:xfrm>
+            <a:off x="7187380" y="422787"/>
+            <a:ext cx="4041058" cy="2644878"/>
+          </a:xfrm>
+          <a:prstGeom prst="rect">
+            <a:avLst/>
+          </a:prstGeom>
+        </p:spPr>
+        <p:style>
+          <a:lnRef idx="2">
+            <a:schemeClr val="dk1">
+              <a:shade val="50000"/>
+            </a:schemeClr>
+          </a:lnRef>
+          <a:fillRef idx="1">
+            <a:schemeClr val="dk1"/>
+          </a:fillRef>
+          <a:effectRef idx="0">
+            <a:schemeClr val="dk1"/>
+          </a:effectRef>
+          <a:fontRef idx="minor">
+            <a:schemeClr val="lt1"/>
+          </a:fontRef>
+        </p:style>
+        <p:txBody>
+          <a:bodyPr rtlCol="0" anchor="ctr"/>
+          <a:lstStyle/>
+          <a:p>
+            <a:pPr algn="ctr"/>
+            <a:endParaRPr lang="en-US"/>
+          </a:p>
+        </p:txBody>
+      </p:sp>
+      <p:sp>
+        <p:nvSpPr>
+          <p:cNvPr id="3" name="Rectangle 2">
+            <a:extLst>
+              <a:ext uri="{FF2B5EF4-FFF2-40B4-BE49-F238E27FC236}">
+                <a16:creationId xmlns:a16="http://schemas.microsoft.com/office/drawing/2014/main" id="{06CE2FFD-5F7C-422F-BCE4-AFF2A97DC01C}"/>
+              </a:ext>
+            </a:extLst>
+          </p:cNvPr>
+          <p:cNvSpPr/>
+          <p:nvPr/>
+        </p:nvSpPr>
+        <p:spPr>
+          <a:xfrm>
+            <a:off x="7433187" y="1995948"/>
+            <a:ext cx="3588774" cy="825910"/>
+          </a:xfrm>
+          <a:prstGeom prst="rect">
+            <a:avLst/>
+          </a:prstGeom>
+        </p:spPr>
+        <p:style>
+          <a:lnRef idx="2">
+            <a:schemeClr val="accent1">
+              <a:shade val="50000"/>
+            </a:schemeClr>
+          </a:lnRef>
+          <a:fillRef idx="1">
+            <a:schemeClr val="accent1"/>
+          </a:fillRef>
+          <a:effectRef idx="0">
+            <a:schemeClr val="accent1"/>
+          </a:effectRef>
+          <a:fontRef idx="minor">
+            <a:schemeClr val="lt1"/>
+          </a:fontRef>
+        </p:style>
+        <p:txBody>
+          <a:bodyPr rtlCol="0" anchor="ctr"/>
+          <a:lstStyle/>
+          <a:p>
+            <a:pPr algn="ctr"/>
+            <a:r>
+              <a:rPr lang="en-IN" b="1" dirty="0"/>
+              <a:t>Application Runtime</a:t>
+            </a:r>
+            <a:endParaRPr lang="en-US" b="1" dirty="0"/>
+          </a:p>
+        </p:txBody>
+      </p:sp>
+      <p:sp>
+        <p:nvSpPr>
+          <p:cNvPr id="4" name="Rectangle 3">
+            <a:extLst>
+              <a:ext uri="{FF2B5EF4-FFF2-40B4-BE49-F238E27FC236}">
+                <a16:creationId xmlns:a16="http://schemas.microsoft.com/office/drawing/2014/main" id="{8B14A7D1-77EF-4AB0-8071-1776F369F5CE}"/>
+              </a:ext>
+            </a:extLst>
+          </p:cNvPr>
+          <p:cNvSpPr/>
+          <p:nvPr/>
+        </p:nvSpPr>
+        <p:spPr>
+          <a:xfrm>
+            <a:off x="7413522" y="1017638"/>
+            <a:ext cx="3588774" cy="825910"/>
+          </a:xfrm>
+          <a:prstGeom prst="rect">
+            <a:avLst/>
+          </a:prstGeom>
+        </p:spPr>
+        <p:style>
+          <a:lnRef idx="2">
+            <a:schemeClr val="accent1">
+              <a:shade val="50000"/>
+            </a:schemeClr>
+          </a:lnRef>
+          <a:fillRef idx="1">
+            <a:schemeClr val="accent1"/>
+          </a:fillRef>
+          <a:effectRef idx="0">
+            <a:schemeClr val="accent1"/>
+          </a:effectRef>
+          <a:fontRef idx="minor">
+            <a:schemeClr val="lt1"/>
+          </a:fontRef>
+        </p:style>
+        <p:txBody>
+          <a:bodyPr rtlCol="0" anchor="ctr"/>
+          <a:lstStyle/>
+          <a:p>
+            <a:pPr algn="ctr"/>
+            <a:r>
+              <a:rPr lang="en-IN" b="1" dirty="0"/>
+              <a:t>Static Pages</a:t>
+            </a:r>
+          </a:p>
+          <a:p>
+            <a:pPr algn="ctr"/>
+            <a:r>
+              <a:rPr lang="en-IN" b="1" dirty="0"/>
+              <a:t>Html, js, css</a:t>
+            </a:r>
+            <a:endParaRPr lang="en-US" b="1" dirty="0"/>
+          </a:p>
+        </p:txBody>
+      </p:sp>
+      <p:sp>
+        <p:nvSpPr>
+          <p:cNvPr id="5" name="TextBox 4">
+            <a:extLst>
+              <a:ext uri="{FF2B5EF4-FFF2-40B4-BE49-F238E27FC236}">
+                <a16:creationId xmlns:a16="http://schemas.microsoft.com/office/drawing/2014/main" id="{B7FF4261-11F6-48DC-B79F-CFF058D0F7D1}"/>
+              </a:ext>
+            </a:extLst>
+          </p:cNvPr>
+          <p:cNvSpPr txBox="1"/>
+          <p:nvPr/>
+        </p:nvSpPr>
+        <p:spPr>
+          <a:xfrm>
+            <a:off x="3146321" y="-26898"/>
+            <a:ext cx="4041058" cy="646331"/>
+          </a:xfrm>
+          <a:prstGeom prst="rect">
+            <a:avLst/>
+          </a:prstGeom>
+          <a:noFill/>
+        </p:spPr>
+        <p:txBody>
+          <a:bodyPr wrap="square" rtlCol="0">
+            <a:spAutoFit/>
+          </a:bodyPr>
+          <a:lstStyle/>
+          <a:p>
+            <a:pPr algn="ctr"/>
+            <a:r>
+              <a:rPr lang="en-IN" b="1" dirty="0"/>
+              <a:t>Web Server with Static Resources aka Web Application or Web Site</a:t>
+            </a:r>
+            <a:endParaRPr lang="en-US" b="1" dirty="0"/>
+          </a:p>
+        </p:txBody>
+      </p:sp>
+      <p:sp>
+        <p:nvSpPr>
+          <p:cNvPr id="6" name="Arrow: Right 5">
+            <a:extLst>
+              <a:ext uri="{FF2B5EF4-FFF2-40B4-BE49-F238E27FC236}">
+                <a16:creationId xmlns:a16="http://schemas.microsoft.com/office/drawing/2014/main" id="{6379E63B-43BD-467B-9D0B-068E58262BA0}"/>
+              </a:ext>
+            </a:extLst>
+          </p:cNvPr>
+          <p:cNvSpPr/>
+          <p:nvPr/>
+        </p:nvSpPr>
+        <p:spPr>
+          <a:xfrm>
+            <a:off x="403123" y="639096"/>
+            <a:ext cx="6784257" cy="737419"/>
+          </a:xfrm>
+          <a:prstGeom prst="rightArrow">
+            <a:avLst/>
+          </a:prstGeom>
+        </p:spPr>
+        <p:style>
+          <a:lnRef idx="2">
+            <a:schemeClr val="accent1">
+              <a:shade val="50000"/>
+            </a:schemeClr>
+          </a:lnRef>
+          <a:fillRef idx="1">
+            <a:schemeClr val="accent1"/>
+          </a:fillRef>
+          <a:effectRef idx="0">
+            <a:schemeClr val="accent1"/>
+          </a:effectRef>
+          <a:fontRef idx="minor">
+            <a:schemeClr val="lt1"/>
+          </a:fontRef>
+        </p:style>
+        <p:txBody>
+          <a:bodyPr rtlCol="0" anchor="ctr"/>
+          <a:lstStyle/>
+          <a:p>
+            <a:pPr algn="ctr"/>
+            <a:r>
+              <a:rPr lang="en-IN" b="1" dirty="0"/>
+              <a:t>HTTP Request to Static Resource or Page</a:t>
+            </a:r>
+            <a:endParaRPr lang="en-US" b="1" dirty="0"/>
+          </a:p>
+        </p:txBody>
+      </p:sp>
+      <p:sp>
+        <p:nvSpPr>
+          <p:cNvPr id="7" name="Arrow: Left 6">
+            <a:extLst>
+              <a:ext uri="{FF2B5EF4-FFF2-40B4-BE49-F238E27FC236}">
+                <a16:creationId xmlns:a16="http://schemas.microsoft.com/office/drawing/2014/main" id="{F3F93463-7186-4246-B518-FDAAF6868E54}"/>
+              </a:ext>
+            </a:extLst>
+          </p:cNvPr>
+          <p:cNvSpPr/>
+          <p:nvPr/>
+        </p:nvSpPr>
+        <p:spPr>
+          <a:xfrm>
+            <a:off x="403122" y="2072007"/>
+            <a:ext cx="6784257" cy="737419"/>
+          </a:xfrm>
+          <a:prstGeom prst="leftArrow">
+            <a:avLst/>
+          </a:prstGeom>
+        </p:spPr>
+        <p:style>
+          <a:lnRef idx="2">
+            <a:schemeClr val="accent1">
+              <a:shade val="50000"/>
+            </a:schemeClr>
+          </a:lnRef>
+          <a:fillRef idx="1">
+            <a:schemeClr val="accent1"/>
+          </a:fillRef>
+          <a:effectRef idx="0">
+            <a:schemeClr val="accent1"/>
+          </a:effectRef>
+          <a:fontRef idx="minor">
+            <a:schemeClr val="lt1"/>
+          </a:fontRef>
+        </p:style>
+        <p:txBody>
+          <a:bodyPr rtlCol="0" anchor="ctr"/>
+          <a:lstStyle/>
+          <a:p>
+            <a:pPr algn="ctr"/>
+            <a:r>
+              <a:rPr lang="en-IN" sz="1600" b="1" dirty="0"/>
+              <a:t>HTTP Response with </a:t>
+            </a:r>
+            <a:r>
+              <a:rPr lang="en-IN" sz="1600" b="1" dirty="0" err="1"/>
+              <a:t>HTMl</a:t>
+            </a:r>
+            <a:r>
+              <a:rPr lang="en-IN" sz="1600" b="1" dirty="0"/>
+              <a:t> Stream based on Requested page</a:t>
+            </a:r>
+            <a:endParaRPr lang="en-US" sz="1600" b="1" dirty="0"/>
+          </a:p>
+        </p:txBody>
+      </p:sp>
+      <p:sp>
+        <p:nvSpPr>
+          <p:cNvPr id="8" name="Rectangle 7">
+            <a:extLst>
+              <a:ext uri="{FF2B5EF4-FFF2-40B4-BE49-F238E27FC236}">
+                <a16:creationId xmlns:a16="http://schemas.microsoft.com/office/drawing/2014/main" id="{A23A5360-1B68-4CBF-AB9D-625B5C090B46}"/>
+              </a:ext>
+            </a:extLst>
+          </p:cNvPr>
+          <p:cNvSpPr/>
+          <p:nvPr/>
+        </p:nvSpPr>
+        <p:spPr>
+          <a:xfrm>
+            <a:off x="7207044" y="4043659"/>
+            <a:ext cx="4041058" cy="2644878"/>
+          </a:xfrm>
+          <a:prstGeom prst="rect">
+            <a:avLst/>
+          </a:prstGeom>
+        </p:spPr>
+        <p:style>
+          <a:lnRef idx="2">
+            <a:schemeClr val="dk1">
+              <a:shade val="50000"/>
+            </a:schemeClr>
+          </a:lnRef>
+          <a:fillRef idx="1">
+            <a:schemeClr val="dk1"/>
+          </a:fillRef>
+          <a:effectRef idx="0">
+            <a:schemeClr val="dk1"/>
+          </a:effectRef>
+          <a:fontRef idx="minor">
+            <a:schemeClr val="lt1"/>
+          </a:fontRef>
+        </p:style>
+        <p:txBody>
+          <a:bodyPr rtlCol="0" anchor="ctr"/>
+          <a:lstStyle/>
+          <a:p>
+            <a:pPr algn="ctr"/>
+            <a:endParaRPr lang="en-US"/>
+          </a:p>
+        </p:txBody>
+      </p:sp>
+      <p:sp>
+        <p:nvSpPr>
+          <p:cNvPr id="9" name="Rectangle 8">
+            <a:extLst>
+              <a:ext uri="{FF2B5EF4-FFF2-40B4-BE49-F238E27FC236}">
+                <a16:creationId xmlns:a16="http://schemas.microsoft.com/office/drawing/2014/main" id="{6FBA8BC5-CF9A-45E9-80E9-554A16BA4206}"/>
+              </a:ext>
+            </a:extLst>
+          </p:cNvPr>
+          <p:cNvSpPr/>
+          <p:nvPr/>
+        </p:nvSpPr>
+        <p:spPr>
+          <a:xfrm>
+            <a:off x="7452851" y="5616820"/>
+            <a:ext cx="3588774" cy="825910"/>
+          </a:xfrm>
+          <a:prstGeom prst="rect">
+            <a:avLst/>
+          </a:prstGeom>
+        </p:spPr>
+        <p:style>
+          <a:lnRef idx="2">
+            <a:schemeClr val="accent1">
+              <a:shade val="50000"/>
+            </a:schemeClr>
+          </a:lnRef>
+          <a:fillRef idx="1">
+            <a:schemeClr val="accent1"/>
+          </a:fillRef>
+          <a:effectRef idx="0">
+            <a:schemeClr val="accent1"/>
+          </a:effectRef>
+          <a:fontRef idx="minor">
+            <a:schemeClr val="lt1"/>
+          </a:fontRef>
+        </p:style>
+        <p:txBody>
+          <a:bodyPr rtlCol="0" anchor="ctr"/>
+          <a:lstStyle/>
+          <a:p>
+            <a:pPr algn="ctr"/>
+            <a:r>
+              <a:rPr lang="en-IN" b="1" dirty="0"/>
+              <a:t>Application Runtime</a:t>
+            </a:r>
+            <a:endParaRPr lang="en-US" b="1" dirty="0"/>
+          </a:p>
+        </p:txBody>
+      </p:sp>
+      <p:sp>
+        <p:nvSpPr>
+          <p:cNvPr id="10" name="Rectangle 9">
+            <a:extLst>
+              <a:ext uri="{FF2B5EF4-FFF2-40B4-BE49-F238E27FC236}">
+                <a16:creationId xmlns:a16="http://schemas.microsoft.com/office/drawing/2014/main" id="{E5258277-E02E-4032-A989-8CDC27628361}"/>
+              </a:ext>
+            </a:extLst>
+          </p:cNvPr>
+          <p:cNvSpPr/>
+          <p:nvPr/>
+        </p:nvSpPr>
+        <p:spPr>
+          <a:xfrm>
+            <a:off x="7433186" y="4638510"/>
+            <a:ext cx="3588774" cy="825910"/>
+          </a:xfrm>
+          <a:prstGeom prst="rect">
+            <a:avLst/>
+          </a:prstGeom>
+        </p:spPr>
+        <p:style>
+          <a:lnRef idx="2">
+            <a:schemeClr val="accent1">
+              <a:shade val="50000"/>
+            </a:schemeClr>
+          </a:lnRef>
+          <a:fillRef idx="1">
+            <a:schemeClr val="accent1"/>
+          </a:fillRef>
+          <a:effectRef idx="0">
+            <a:schemeClr val="accent1"/>
+          </a:effectRef>
+          <a:fontRef idx="minor">
+            <a:schemeClr val="lt1"/>
+          </a:fontRef>
+        </p:style>
+        <p:txBody>
+          <a:bodyPr rtlCol="0" anchor="ctr"/>
+          <a:lstStyle/>
+          <a:p>
+            <a:pPr algn="ctr"/>
+            <a:r>
+              <a:rPr lang="en-IN" b="1" dirty="0"/>
+              <a:t>REST EndPoints or API</a:t>
+            </a:r>
+            <a:endParaRPr lang="en-US" b="1" dirty="0"/>
+          </a:p>
+        </p:txBody>
+      </p:sp>
+      <p:sp>
+        <p:nvSpPr>
+          <p:cNvPr id="11" name="Arrow: Right 10">
+            <a:extLst>
+              <a:ext uri="{FF2B5EF4-FFF2-40B4-BE49-F238E27FC236}">
+                <a16:creationId xmlns:a16="http://schemas.microsoft.com/office/drawing/2014/main" id="{5DCEC380-5A98-4CA4-87EA-6EF11E6FF41C}"/>
+              </a:ext>
+            </a:extLst>
+          </p:cNvPr>
+          <p:cNvSpPr/>
+          <p:nvPr/>
+        </p:nvSpPr>
+        <p:spPr>
+          <a:xfrm>
+            <a:off x="422788" y="4200973"/>
+            <a:ext cx="6784257" cy="737419"/>
+          </a:xfrm>
+          <a:prstGeom prst="rightArrow">
+            <a:avLst/>
+          </a:prstGeom>
+        </p:spPr>
+        <p:style>
+          <a:lnRef idx="2">
+            <a:schemeClr val="accent1">
+              <a:shade val="50000"/>
+            </a:schemeClr>
+          </a:lnRef>
+          <a:fillRef idx="1">
+            <a:schemeClr val="accent1"/>
+          </a:fillRef>
+          <a:effectRef idx="0">
+            <a:schemeClr val="accent1"/>
+          </a:effectRef>
+          <a:fontRef idx="minor">
+            <a:schemeClr val="lt1"/>
+          </a:fontRef>
+        </p:style>
+        <p:txBody>
+          <a:bodyPr rtlCol="0" anchor="ctr"/>
+          <a:lstStyle/>
+          <a:p>
+            <a:pPr algn="ctr"/>
+            <a:r>
+              <a:rPr lang="en-IN" b="1" dirty="0"/>
+              <a:t>HTTP Request to API Endpoint</a:t>
+            </a:r>
+            <a:endParaRPr lang="en-US" b="1" dirty="0"/>
+          </a:p>
+        </p:txBody>
+      </p:sp>
+      <p:sp>
+        <p:nvSpPr>
+          <p:cNvPr id="12" name="Arrow: Left 11">
+            <a:extLst>
+              <a:ext uri="{FF2B5EF4-FFF2-40B4-BE49-F238E27FC236}">
+                <a16:creationId xmlns:a16="http://schemas.microsoft.com/office/drawing/2014/main" id="{DE234C72-9175-4BCF-B4F2-1F3149629F9C}"/>
+              </a:ext>
+            </a:extLst>
+          </p:cNvPr>
+          <p:cNvSpPr/>
+          <p:nvPr/>
+        </p:nvSpPr>
+        <p:spPr>
+          <a:xfrm>
+            <a:off x="422787" y="5633884"/>
+            <a:ext cx="6784257" cy="737419"/>
+          </a:xfrm>
+          <a:prstGeom prst="leftArrow">
+            <a:avLst/>
+          </a:prstGeom>
+        </p:spPr>
+        <p:style>
+          <a:lnRef idx="2">
+            <a:schemeClr val="accent1">
+              <a:shade val="50000"/>
+            </a:schemeClr>
+          </a:lnRef>
+          <a:fillRef idx="1">
+            <a:schemeClr val="accent1"/>
+          </a:fillRef>
+          <a:effectRef idx="0">
+            <a:schemeClr val="accent1"/>
+          </a:effectRef>
+          <a:fontRef idx="minor">
+            <a:schemeClr val="lt1"/>
+          </a:fontRef>
+        </p:style>
+        <p:txBody>
+          <a:bodyPr rtlCol="0" anchor="ctr"/>
+          <a:lstStyle/>
+          <a:p>
+            <a:pPr algn="ctr"/>
+            <a:r>
+              <a:rPr lang="en-IN" sz="1600" b="1" dirty="0"/>
+              <a:t>JSON Data</a:t>
+            </a:r>
+            <a:endParaRPr lang="en-US" sz="1600" b="1" dirty="0"/>
+          </a:p>
+        </p:txBody>
+      </p:sp>
+      <p:sp>
+        <p:nvSpPr>
+          <p:cNvPr id="13" name="TextBox 12">
+            <a:extLst>
+              <a:ext uri="{FF2B5EF4-FFF2-40B4-BE49-F238E27FC236}">
+                <a16:creationId xmlns:a16="http://schemas.microsoft.com/office/drawing/2014/main" id="{BA25EF3D-8076-49A2-854C-0ADB62AE5EFC}"/>
+              </a:ext>
+            </a:extLst>
+          </p:cNvPr>
+          <p:cNvSpPr txBox="1"/>
+          <p:nvPr/>
+        </p:nvSpPr>
+        <p:spPr>
+          <a:xfrm>
+            <a:off x="2541638" y="3619568"/>
+            <a:ext cx="4041058" cy="646331"/>
+          </a:xfrm>
+          <a:prstGeom prst="rect">
+            <a:avLst/>
+          </a:prstGeom>
+          <a:noFill/>
+        </p:spPr>
+        <p:txBody>
+          <a:bodyPr wrap="square" rtlCol="0">
+            <a:spAutoFit/>
+          </a:bodyPr>
+          <a:lstStyle/>
+          <a:p>
+            <a:pPr algn="ctr"/>
+            <a:r>
+              <a:rPr lang="en-IN" b="1"/>
+              <a:t>Web Server </a:t>
+            </a:r>
+            <a:r>
+              <a:rPr lang="en-IN" b="1" dirty="0"/>
+              <a:t>Hosting Public EndPoints</a:t>
+            </a:r>
+            <a:endParaRPr lang="en-US" b="1" dirty="0"/>
+          </a:p>
+        </p:txBody>
+      </p:sp>
+    </p:spTree>
+    <p:extLst>
+      <p:ext uri="{BB962C8B-B14F-4D97-AF65-F5344CB8AC3E}">
+        <p14:creationId xmlns:p14="http://schemas.microsoft.com/office/powerpoint/2010/main" val="2370068525"/>
+      </p:ext>
+    </p:extLst>
+  </p:cSld>
+  <p:clrMapOvr>
+    <a:masterClrMapping/>
+  </p:clrMapOvr>
+</p:sld>
+</file>
+
 <file path=ppt/slides/slide2.xml><?xml version="1.0" encoding="utf-8"?>
 <p:sld xmlns:a="http://schemas.openxmlformats.org/drawingml/2006/main" xmlns:r="http://schemas.openxmlformats.org/officeDocument/2006/relationships" xmlns:p="http://schemas.openxmlformats.org/presentationml/2006/main">
   <p:cSld>

--- a/training_images.pptx
+++ b/training_images.pptx
@@ -16,6 +16,8 @@
     <p:sldId id="264" r:id="rId10"/>
     <p:sldId id="265" r:id="rId11"/>
     <p:sldId id="266" r:id="rId12"/>
+    <p:sldId id="267" r:id="rId13"/>
+    <p:sldId id="268" r:id="rId14"/>
   </p:sldIdLst>
   <p:sldSz cx="12192000" cy="6858000"/>
   <p:notesSz cx="6858000" cy="9144000"/>
@@ -285,7 +287,7 @@
           <a:p>
             <a:fld id="{822AF85D-11A4-42B9-B7D1-A5D0AD529DB2}" type="datetimeFigureOut">
               <a:rPr lang="en-US" smtClean="0"/>
-              <a:t>4/13/2022</a:t>
+              <a:t>4/14/2022</a:t>
             </a:fld>
             <a:endParaRPr lang="en-US"/>
           </a:p>
@@ -455,7 +457,7 @@
           <a:p>
             <a:fld id="{822AF85D-11A4-42B9-B7D1-A5D0AD529DB2}" type="datetimeFigureOut">
               <a:rPr lang="en-US" smtClean="0"/>
-              <a:t>4/13/2022</a:t>
+              <a:t>4/14/2022</a:t>
             </a:fld>
             <a:endParaRPr lang="en-US"/>
           </a:p>
@@ -635,7 +637,7 @@
           <a:p>
             <a:fld id="{822AF85D-11A4-42B9-B7D1-A5D0AD529DB2}" type="datetimeFigureOut">
               <a:rPr lang="en-US" smtClean="0"/>
-              <a:t>4/13/2022</a:t>
+              <a:t>4/14/2022</a:t>
             </a:fld>
             <a:endParaRPr lang="en-US"/>
           </a:p>
@@ -805,7 +807,7 @@
           <a:p>
             <a:fld id="{822AF85D-11A4-42B9-B7D1-A5D0AD529DB2}" type="datetimeFigureOut">
               <a:rPr lang="en-US" smtClean="0"/>
-              <a:t>4/13/2022</a:t>
+              <a:t>4/14/2022</a:t>
             </a:fld>
             <a:endParaRPr lang="en-US"/>
           </a:p>
@@ -1073,7 +1075,7 @@
           <a:p>
             <a:fld id="{822AF85D-11A4-42B9-B7D1-A5D0AD529DB2}" type="datetimeFigureOut">
               <a:rPr lang="en-US" smtClean="0"/>
-              <a:t>4/13/2022</a:t>
+              <a:t>4/14/2022</a:t>
             </a:fld>
             <a:endParaRPr lang="en-US"/>
           </a:p>
@@ -1305,7 +1307,7 @@
           <a:p>
             <a:fld id="{822AF85D-11A4-42B9-B7D1-A5D0AD529DB2}" type="datetimeFigureOut">
               <a:rPr lang="en-US" smtClean="0"/>
-              <a:t>4/13/2022</a:t>
+              <a:t>4/14/2022</a:t>
             </a:fld>
             <a:endParaRPr lang="en-US"/>
           </a:p>
@@ -1664,7 +1666,7 @@
           <a:p>
             <a:fld id="{822AF85D-11A4-42B9-B7D1-A5D0AD529DB2}" type="datetimeFigureOut">
               <a:rPr lang="en-US" smtClean="0"/>
-              <a:t>4/13/2022</a:t>
+              <a:t>4/14/2022</a:t>
             </a:fld>
             <a:endParaRPr lang="en-US"/>
           </a:p>
@@ -1805,7 +1807,7 @@
           <a:p>
             <a:fld id="{822AF85D-11A4-42B9-B7D1-A5D0AD529DB2}" type="datetimeFigureOut">
               <a:rPr lang="en-US" smtClean="0"/>
-              <a:t>4/13/2022</a:t>
+              <a:t>4/14/2022</a:t>
             </a:fld>
             <a:endParaRPr lang="en-US"/>
           </a:p>
@@ -1900,7 +1902,7 @@
           <a:p>
             <a:fld id="{822AF85D-11A4-42B9-B7D1-A5D0AD529DB2}" type="datetimeFigureOut">
               <a:rPr lang="en-US" smtClean="0"/>
-              <a:t>4/13/2022</a:t>
+              <a:t>4/14/2022</a:t>
             </a:fld>
             <a:endParaRPr lang="en-US"/>
           </a:p>
@@ -2257,7 +2259,7 @@
           <a:p>
             <a:fld id="{822AF85D-11A4-42B9-B7D1-A5D0AD529DB2}" type="datetimeFigureOut">
               <a:rPr lang="en-US" smtClean="0"/>
-              <a:t>4/13/2022</a:t>
+              <a:t>4/14/2022</a:t>
             </a:fld>
             <a:endParaRPr lang="en-US"/>
           </a:p>
@@ -2614,7 +2616,7 @@
           <a:p>
             <a:fld id="{822AF85D-11A4-42B9-B7D1-A5D0AD529DB2}" type="datetimeFigureOut">
               <a:rPr lang="en-US" smtClean="0"/>
-              <a:t>4/13/2022</a:t>
+              <a:t>4/14/2022</a:t>
             </a:fld>
             <a:endParaRPr lang="en-US"/>
           </a:p>
@@ -2856,7 +2858,7 @@
           <a:p>
             <a:fld id="{822AF85D-11A4-42B9-B7D1-A5D0AD529DB2}" type="datetimeFigureOut">
               <a:rPr lang="en-US" smtClean="0"/>
-              <a:t>4/13/2022</a:t>
+              <a:t>4/14/2022</a:t>
             </a:fld>
             <a:endParaRPr lang="en-US"/>
           </a:p>
@@ -5360,6 +5362,1036 @@
 </p:sld>
 </file>
 
+<file path=ppt/slides/slide12.xml><?xml version="1.0" encoding="utf-8"?>
+<p:sld xmlns:a="http://schemas.openxmlformats.org/drawingml/2006/main" xmlns:r="http://schemas.openxmlformats.org/officeDocument/2006/relationships" xmlns:p="http://schemas.openxmlformats.org/presentationml/2006/main">
+  <p:cSld>
+    <p:spTree>
+      <p:nvGrpSpPr>
+        <p:cNvPr id="1" name=""/>
+        <p:cNvGrpSpPr/>
+        <p:nvPr/>
+      </p:nvGrpSpPr>
+      <p:grpSpPr>
+        <a:xfrm>
+          <a:off x="0" y="0"/>
+          <a:ext cx="0" cy="0"/>
+          <a:chOff x="0" y="0"/>
+          <a:chExt cx="0" cy="0"/>
+        </a:xfrm>
+      </p:grpSpPr>
+      <p:sp>
+        <p:nvSpPr>
+          <p:cNvPr id="2" name="Rectangle 1">
+            <a:extLst>
+              <a:ext uri="{FF2B5EF4-FFF2-40B4-BE49-F238E27FC236}">
+                <a16:creationId xmlns:a16="http://schemas.microsoft.com/office/drawing/2014/main" id="{2960095D-1394-408A-97EB-3CF036C9FB6D}"/>
+              </a:ext>
+            </a:extLst>
+          </p:cNvPr>
+          <p:cNvSpPr/>
+          <p:nvPr/>
+        </p:nvSpPr>
+        <p:spPr>
+          <a:xfrm>
+            <a:off x="353961" y="914400"/>
+            <a:ext cx="11484078" cy="1661652"/>
+          </a:xfrm>
+          <a:prstGeom prst="rect">
+            <a:avLst/>
+          </a:prstGeom>
+        </p:spPr>
+        <p:style>
+          <a:lnRef idx="2">
+            <a:schemeClr val="accent1">
+              <a:shade val="50000"/>
+            </a:schemeClr>
+          </a:lnRef>
+          <a:fillRef idx="1">
+            <a:schemeClr val="accent1"/>
+          </a:fillRef>
+          <a:effectRef idx="0">
+            <a:schemeClr val="accent1"/>
+          </a:effectRef>
+          <a:fontRef idx="minor">
+            <a:schemeClr val="lt1"/>
+          </a:fontRef>
+        </p:style>
+        <p:txBody>
+          <a:bodyPr rtlCol="0" anchor="ctr"/>
+          <a:lstStyle/>
+          <a:p>
+            <a:pPr algn="ctr"/>
+            <a:endParaRPr lang="en-US"/>
+          </a:p>
+        </p:txBody>
+      </p:sp>
+      <p:sp>
+        <p:nvSpPr>
+          <p:cNvPr id="3" name="TextBox 2">
+            <a:extLst>
+              <a:ext uri="{FF2B5EF4-FFF2-40B4-BE49-F238E27FC236}">
+                <a16:creationId xmlns:a16="http://schemas.microsoft.com/office/drawing/2014/main" id="{3404E4F5-9CF7-49D4-99CE-849111F0ECA5}"/>
+              </a:ext>
+            </a:extLst>
+          </p:cNvPr>
+          <p:cNvSpPr txBox="1"/>
+          <p:nvPr/>
+        </p:nvSpPr>
+        <p:spPr>
+          <a:xfrm>
+            <a:off x="2635045" y="0"/>
+            <a:ext cx="6862916" cy="369332"/>
+          </a:xfrm>
+          <a:prstGeom prst="rect">
+            <a:avLst/>
+          </a:prstGeom>
+          <a:noFill/>
+        </p:spPr>
+        <p:txBody>
+          <a:bodyPr wrap="square" rtlCol="0">
+            <a:spAutoFit/>
+          </a:bodyPr>
+          <a:lstStyle/>
+          <a:p>
+            <a:pPr algn="ctr"/>
+            <a:r>
+              <a:rPr lang="en-IN" b="1" dirty="0"/>
+              <a:t>HTTP REQUEST MESSAGE</a:t>
+            </a:r>
+            <a:endParaRPr lang="en-US" b="1" dirty="0"/>
+          </a:p>
+        </p:txBody>
+      </p:sp>
+      <p:sp>
+        <p:nvSpPr>
+          <p:cNvPr id="4" name="Rectangle 3">
+            <a:extLst>
+              <a:ext uri="{FF2B5EF4-FFF2-40B4-BE49-F238E27FC236}">
+                <a16:creationId xmlns:a16="http://schemas.microsoft.com/office/drawing/2014/main" id="{2ECC6179-0A04-45AB-9C31-61718287DC7B}"/>
+              </a:ext>
+            </a:extLst>
+          </p:cNvPr>
+          <p:cNvSpPr/>
+          <p:nvPr/>
+        </p:nvSpPr>
+        <p:spPr>
+          <a:xfrm>
+            <a:off x="3519948" y="914400"/>
+            <a:ext cx="442452" cy="1661652"/>
+          </a:xfrm>
+          <a:prstGeom prst="rect">
+            <a:avLst/>
+          </a:prstGeom>
+          <a:solidFill>
+            <a:schemeClr val="tx2">
+              <a:lumMod val="60000"/>
+              <a:lumOff val="40000"/>
+            </a:schemeClr>
+          </a:solidFill>
+        </p:spPr>
+        <p:style>
+          <a:lnRef idx="2">
+            <a:schemeClr val="accent1">
+              <a:shade val="50000"/>
+            </a:schemeClr>
+          </a:lnRef>
+          <a:fillRef idx="1">
+            <a:schemeClr val="accent1"/>
+          </a:fillRef>
+          <a:effectRef idx="0">
+            <a:schemeClr val="accent1"/>
+          </a:effectRef>
+          <a:fontRef idx="minor">
+            <a:schemeClr val="lt1"/>
+          </a:fontRef>
+        </p:style>
+        <p:txBody>
+          <a:bodyPr rtlCol="0" anchor="ctr"/>
+          <a:lstStyle/>
+          <a:p>
+            <a:pPr algn="ctr"/>
+            <a:endParaRPr lang="en-US"/>
+          </a:p>
+        </p:txBody>
+      </p:sp>
+      <p:sp>
+        <p:nvSpPr>
+          <p:cNvPr id="5" name="Rectangle 4">
+            <a:extLst>
+              <a:ext uri="{FF2B5EF4-FFF2-40B4-BE49-F238E27FC236}">
+                <a16:creationId xmlns:a16="http://schemas.microsoft.com/office/drawing/2014/main" id="{BCFBB0F7-108A-490A-95C0-C68AACB0B80B}"/>
+              </a:ext>
+            </a:extLst>
+          </p:cNvPr>
+          <p:cNvSpPr/>
+          <p:nvPr/>
+        </p:nvSpPr>
+        <p:spPr>
+          <a:xfrm>
+            <a:off x="8077202" y="914400"/>
+            <a:ext cx="442452" cy="1661652"/>
+          </a:xfrm>
+          <a:prstGeom prst="rect">
+            <a:avLst/>
+          </a:prstGeom>
+          <a:solidFill>
+            <a:schemeClr val="tx2">
+              <a:lumMod val="60000"/>
+              <a:lumOff val="40000"/>
+            </a:schemeClr>
+          </a:solidFill>
+        </p:spPr>
+        <p:style>
+          <a:lnRef idx="2">
+            <a:schemeClr val="accent1">
+              <a:shade val="50000"/>
+            </a:schemeClr>
+          </a:lnRef>
+          <a:fillRef idx="1">
+            <a:schemeClr val="accent1"/>
+          </a:fillRef>
+          <a:effectRef idx="0">
+            <a:schemeClr val="accent1"/>
+          </a:effectRef>
+          <a:fontRef idx="minor">
+            <a:schemeClr val="lt1"/>
+          </a:fontRef>
+        </p:style>
+        <p:txBody>
+          <a:bodyPr rtlCol="0" anchor="ctr"/>
+          <a:lstStyle/>
+          <a:p>
+            <a:pPr algn="ctr"/>
+            <a:endParaRPr lang="en-US"/>
+          </a:p>
+        </p:txBody>
+      </p:sp>
+      <p:sp>
+        <p:nvSpPr>
+          <p:cNvPr id="6" name="TextBox 5">
+            <a:extLst>
+              <a:ext uri="{FF2B5EF4-FFF2-40B4-BE49-F238E27FC236}">
+                <a16:creationId xmlns:a16="http://schemas.microsoft.com/office/drawing/2014/main" id="{43D9F81A-ABCF-4FE0-87C9-04B38CFFFC91}"/>
+              </a:ext>
+            </a:extLst>
+          </p:cNvPr>
+          <p:cNvSpPr txBox="1"/>
+          <p:nvPr/>
+        </p:nvSpPr>
+        <p:spPr>
+          <a:xfrm>
+            <a:off x="501445" y="1032387"/>
+            <a:ext cx="2812026" cy="369332"/>
+          </a:xfrm>
+          <a:prstGeom prst="rect">
+            <a:avLst/>
+          </a:prstGeom>
+          <a:noFill/>
+        </p:spPr>
+        <p:txBody>
+          <a:bodyPr wrap="square" rtlCol="0">
+            <a:spAutoFit/>
+          </a:bodyPr>
+          <a:lstStyle/>
+          <a:p>
+            <a:r>
+              <a:rPr lang="en-IN" b="1" dirty="0"/>
+              <a:t>Header</a:t>
+            </a:r>
+            <a:endParaRPr lang="en-US" b="1" dirty="0"/>
+          </a:p>
+        </p:txBody>
+      </p:sp>
+      <p:sp>
+        <p:nvSpPr>
+          <p:cNvPr id="7" name="TextBox 6">
+            <a:extLst>
+              <a:ext uri="{FF2B5EF4-FFF2-40B4-BE49-F238E27FC236}">
+                <a16:creationId xmlns:a16="http://schemas.microsoft.com/office/drawing/2014/main" id="{57CB5AF2-9C9E-45E9-98D2-DB7C1E9B5AE1}"/>
+              </a:ext>
+            </a:extLst>
+          </p:cNvPr>
+          <p:cNvSpPr txBox="1"/>
+          <p:nvPr/>
+        </p:nvSpPr>
+        <p:spPr>
+          <a:xfrm>
+            <a:off x="4119716" y="1032387"/>
+            <a:ext cx="3873910" cy="369332"/>
+          </a:xfrm>
+          <a:prstGeom prst="rect">
+            <a:avLst/>
+          </a:prstGeom>
+          <a:noFill/>
+        </p:spPr>
+        <p:txBody>
+          <a:bodyPr wrap="square" rtlCol="0">
+            <a:spAutoFit/>
+          </a:bodyPr>
+          <a:lstStyle/>
+          <a:p>
+            <a:r>
+              <a:rPr lang="en-IN" b="1" dirty="0"/>
+              <a:t>Body</a:t>
+            </a:r>
+            <a:endParaRPr lang="en-US" b="1" dirty="0"/>
+          </a:p>
+        </p:txBody>
+      </p:sp>
+      <p:sp>
+        <p:nvSpPr>
+          <p:cNvPr id="8" name="TextBox 7">
+            <a:extLst>
+              <a:ext uri="{FF2B5EF4-FFF2-40B4-BE49-F238E27FC236}">
+                <a16:creationId xmlns:a16="http://schemas.microsoft.com/office/drawing/2014/main" id="{348BAEED-2A7B-4636-BE30-C4B34367407E}"/>
+              </a:ext>
+            </a:extLst>
+          </p:cNvPr>
+          <p:cNvSpPr txBox="1"/>
+          <p:nvPr/>
+        </p:nvSpPr>
+        <p:spPr>
+          <a:xfrm>
+            <a:off x="8691716" y="1032387"/>
+            <a:ext cx="2871019" cy="369332"/>
+          </a:xfrm>
+          <a:prstGeom prst="rect">
+            <a:avLst/>
+          </a:prstGeom>
+          <a:noFill/>
+        </p:spPr>
+        <p:txBody>
+          <a:bodyPr wrap="square" rtlCol="0">
+            <a:spAutoFit/>
+          </a:bodyPr>
+          <a:lstStyle/>
+          <a:p>
+            <a:r>
+              <a:rPr lang="en-IN" b="1" dirty="0"/>
+              <a:t>Error</a:t>
+            </a:r>
+            <a:endParaRPr lang="en-US" b="1" dirty="0"/>
+          </a:p>
+        </p:txBody>
+      </p:sp>
+      <p:cxnSp>
+        <p:nvCxnSpPr>
+          <p:cNvPr id="10" name="Straight Arrow Connector 9">
+            <a:extLst>
+              <a:ext uri="{FF2B5EF4-FFF2-40B4-BE49-F238E27FC236}">
+                <a16:creationId xmlns:a16="http://schemas.microsoft.com/office/drawing/2014/main" id="{DDB9AACF-AF23-4CCF-89A2-CC1B04334AB2}"/>
+              </a:ext>
+            </a:extLst>
+          </p:cNvPr>
+          <p:cNvCxnSpPr>
+            <a:stCxn id="2" idx="2"/>
+          </p:cNvCxnSpPr>
+          <p:nvPr/>
+        </p:nvCxnSpPr>
+        <p:spPr>
+          <a:xfrm>
+            <a:off x="6096000" y="2576052"/>
+            <a:ext cx="78658" cy="1563329"/>
+          </a:xfrm>
+          <a:prstGeom prst="straightConnector1">
+            <a:avLst/>
+          </a:prstGeom>
+          <a:ln>
+            <a:tailEnd type="triangle"/>
+          </a:ln>
+        </p:spPr>
+        <p:style>
+          <a:lnRef idx="1">
+            <a:schemeClr val="accent1"/>
+          </a:lnRef>
+          <a:fillRef idx="0">
+            <a:schemeClr val="accent1"/>
+          </a:fillRef>
+          <a:effectRef idx="0">
+            <a:schemeClr val="accent1"/>
+          </a:effectRef>
+          <a:fontRef idx="minor">
+            <a:schemeClr val="tx1"/>
+          </a:fontRef>
+        </p:style>
+      </p:cxnSp>
+      <p:sp>
+        <p:nvSpPr>
+          <p:cNvPr id="11" name="TextBox 10">
+            <a:extLst>
+              <a:ext uri="{FF2B5EF4-FFF2-40B4-BE49-F238E27FC236}">
+                <a16:creationId xmlns:a16="http://schemas.microsoft.com/office/drawing/2014/main" id="{4093FE38-2829-425C-B2BF-078297015205}"/>
+              </a:ext>
+            </a:extLst>
+          </p:cNvPr>
+          <p:cNvSpPr txBox="1"/>
+          <p:nvPr/>
+        </p:nvSpPr>
+        <p:spPr>
+          <a:xfrm>
+            <a:off x="4045976" y="4139381"/>
+            <a:ext cx="4645740" cy="1200329"/>
+          </a:xfrm>
+          <a:prstGeom prst="rect">
+            <a:avLst/>
+          </a:prstGeom>
+          <a:noFill/>
+        </p:spPr>
+        <p:txBody>
+          <a:bodyPr wrap="square" rtlCol="0">
+            <a:spAutoFit/>
+          </a:bodyPr>
+          <a:lstStyle/>
+          <a:p>
+            <a:r>
+              <a:rPr lang="en-IN" dirty="0"/>
+              <a:t>For Node.js and Express the Body is Received as Stream. The Express post and put methods will fail to read stream.  We MUST configure the JSON  middleware foe Express HTTP Pipeline </a:t>
+            </a:r>
+            <a:endParaRPr lang="en-US" dirty="0"/>
+          </a:p>
+        </p:txBody>
+      </p:sp>
+    </p:spTree>
+    <p:extLst>
+      <p:ext uri="{BB962C8B-B14F-4D97-AF65-F5344CB8AC3E}">
+        <p14:creationId xmlns:p14="http://schemas.microsoft.com/office/powerpoint/2010/main" val="158761439"/>
+      </p:ext>
+    </p:extLst>
+  </p:cSld>
+  <p:clrMapOvr>
+    <a:masterClrMapping/>
+  </p:clrMapOvr>
+</p:sld>
+</file>
+
+<file path=ppt/slides/slide13.xml><?xml version="1.0" encoding="utf-8"?>
+<p:sld xmlns:a="http://schemas.openxmlformats.org/drawingml/2006/main" xmlns:r="http://schemas.openxmlformats.org/officeDocument/2006/relationships" xmlns:p="http://schemas.openxmlformats.org/presentationml/2006/main">
+  <p:cSld>
+    <p:spTree>
+      <p:nvGrpSpPr>
+        <p:cNvPr id="1" name=""/>
+        <p:cNvGrpSpPr/>
+        <p:nvPr/>
+      </p:nvGrpSpPr>
+      <p:grpSpPr>
+        <a:xfrm>
+          <a:off x="0" y="0"/>
+          <a:ext cx="0" cy="0"/>
+          <a:chOff x="0" y="0"/>
+          <a:chExt cx="0" cy="0"/>
+        </a:xfrm>
+      </p:grpSpPr>
+      <p:sp>
+        <p:nvSpPr>
+          <p:cNvPr id="2" name="TextBox 1">
+            <a:extLst>
+              <a:ext uri="{FF2B5EF4-FFF2-40B4-BE49-F238E27FC236}">
+                <a16:creationId xmlns:a16="http://schemas.microsoft.com/office/drawing/2014/main" id="{5F1C6BD5-60EF-46CA-8D4E-D8FD4E40D9B8}"/>
+              </a:ext>
+            </a:extLst>
+          </p:cNvPr>
+          <p:cNvSpPr txBox="1"/>
+          <p:nvPr/>
+        </p:nvSpPr>
+        <p:spPr>
+          <a:xfrm>
+            <a:off x="1347019" y="127819"/>
+            <a:ext cx="9655278" cy="369332"/>
+          </a:xfrm>
+          <a:prstGeom prst="rect">
+            <a:avLst/>
+          </a:prstGeom>
+          <a:noFill/>
+        </p:spPr>
+        <p:txBody>
+          <a:bodyPr wrap="square" rtlCol="0">
+            <a:spAutoFit/>
+          </a:bodyPr>
+          <a:lstStyle/>
+          <a:p>
+            <a:pPr algn="ctr"/>
+            <a:r>
+              <a:rPr lang="en-IN" b="1" dirty="0"/>
+              <a:t>Node.js + Express App</a:t>
+            </a:r>
+            <a:endParaRPr lang="en-US" b="1" dirty="0"/>
+          </a:p>
+        </p:txBody>
+      </p:sp>
+      <p:sp>
+        <p:nvSpPr>
+          <p:cNvPr id="3" name="Rectangle 2">
+            <a:extLst>
+              <a:ext uri="{FF2B5EF4-FFF2-40B4-BE49-F238E27FC236}">
+                <a16:creationId xmlns:a16="http://schemas.microsoft.com/office/drawing/2014/main" id="{0E644258-ADAB-4BB2-B860-3BA0E7698038}"/>
+              </a:ext>
+            </a:extLst>
+          </p:cNvPr>
+          <p:cNvSpPr/>
+          <p:nvPr/>
+        </p:nvSpPr>
+        <p:spPr>
+          <a:xfrm>
+            <a:off x="6764594" y="1317523"/>
+            <a:ext cx="4699819" cy="5289754"/>
+          </a:xfrm>
+          <a:prstGeom prst="rect">
+            <a:avLst/>
+          </a:prstGeom>
+        </p:spPr>
+        <p:style>
+          <a:lnRef idx="2">
+            <a:schemeClr val="accent1">
+              <a:shade val="50000"/>
+            </a:schemeClr>
+          </a:lnRef>
+          <a:fillRef idx="1">
+            <a:schemeClr val="accent1"/>
+          </a:fillRef>
+          <a:effectRef idx="0">
+            <a:schemeClr val="accent1"/>
+          </a:effectRef>
+          <a:fontRef idx="minor">
+            <a:schemeClr val="lt1"/>
+          </a:fontRef>
+        </p:style>
+        <p:txBody>
+          <a:bodyPr rtlCol="0" anchor="ctr"/>
+          <a:lstStyle/>
+          <a:p>
+            <a:pPr algn="ctr"/>
+            <a:endParaRPr lang="en-US"/>
+          </a:p>
+        </p:txBody>
+      </p:sp>
+      <p:sp>
+        <p:nvSpPr>
+          <p:cNvPr id="4" name="TextBox 3">
+            <a:extLst>
+              <a:ext uri="{FF2B5EF4-FFF2-40B4-BE49-F238E27FC236}">
+                <a16:creationId xmlns:a16="http://schemas.microsoft.com/office/drawing/2014/main" id="{F9945DCC-6854-44B4-85D1-1342883D0DDE}"/>
+              </a:ext>
+            </a:extLst>
+          </p:cNvPr>
+          <p:cNvSpPr txBox="1"/>
+          <p:nvPr/>
+        </p:nvSpPr>
+        <p:spPr>
+          <a:xfrm>
+            <a:off x="7039897" y="1455174"/>
+            <a:ext cx="3962400" cy="369332"/>
+          </a:xfrm>
+          <a:prstGeom prst="rect">
+            <a:avLst/>
+          </a:prstGeom>
+          <a:noFill/>
+        </p:spPr>
+        <p:txBody>
+          <a:bodyPr wrap="square" rtlCol="0">
+            <a:spAutoFit/>
+          </a:bodyPr>
+          <a:lstStyle/>
+          <a:p>
+            <a:pPr algn="ctr"/>
+            <a:r>
+              <a:rPr lang="en-IN" b="1" dirty="0"/>
+              <a:t>Node.js Server</a:t>
+            </a:r>
+            <a:endParaRPr lang="en-US" b="1" dirty="0"/>
+          </a:p>
+        </p:txBody>
+      </p:sp>
+      <p:sp>
+        <p:nvSpPr>
+          <p:cNvPr id="5" name="Rectangle 4">
+            <a:extLst>
+              <a:ext uri="{FF2B5EF4-FFF2-40B4-BE49-F238E27FC236}">
+                <a16:creationId xmlns:a16="http://schemas.microsoft.com/office/drawing/2014/main" id="{00CAB484-6B5A-412C-8114-25B8FC08593B}"/>
+              </a:ext>
+            </a:extLst>
+          </p:cNvPr>
+          <p:cNvSpPr/>
+          <p:nvPr/>
+        </p:nvSpPr>
+        <p:spPr>
+          <a:xfrm>
+            <a:off x="7054645" y="1789470"/>
+            <a:ext cx="4119716" cy="1216742"/>
+          </a:xfrm>
+          <a:prstGeom prst="rect">
+            <a:avLst/>
+          </a:prstGeom>
+          <a:solidFill>
+            <a:srgbClr val="0070C0"/>
+          </a:solidFill>
+        </p:spPr>
+        <p:style>
+          <a:lnRef idx="2">
+            <a:schemeClr val="accent1">
+              <a:shade val="50000"/>
+            </a:schemeClr>
+          </a:lnRef>
+          <a:fillRef idx="1">
+            <a:schemeClr val="accent1"/>
+          </a:fillRef>
+          <a:effectRef idx="0">
+            <a:schemeClr val="accent1"/>
+          </a:effectRef>
+          <a:fontRef idx="minor">
+            <a:schemeClr val="lt1"/>
+          </a:fontRef>
+        </p:style>
+        <p:txBody>
+          <a:bodyPr rtlCol="0" anchor="ctr"/>
+          <a:lstStyle/>
+          <a:p>
+            <a:pPr algn="ctr"/>
+            <a:r>
+              <a:rPr lang="en-IN" b="1" dirty="0"/>
+              <a:t>Express.js  Web UI App</a:t>
+            </a:r>
+          </a:p>
+          <a:p>
+            <a:pPr algn="ctr"/>
+            <a:r>
+              <a:rPr lang="en-IN" b="1" dirty="0"/>
+              <a:t>HTML + jQuery + Bootstrap</a:t>
+            </a:r>
+          </a:p>
+          <a:p>
+            <a:pPr algn="ctr"/>
+            <a:r>
+              <a:rPr lang="en-IN" b="1" dirty="0"/>
+              <a:t>http://server:7010</a:t>
+            </a:r>
+            <a:endParaRPr lang="en-US" b="1" dirty="0"/>
+          </a:p>
+        </p:txBody>
+      </p:sp>
+      <p:sp>
+        <p:nvSpPr>
+          <p:cNvPr id="6" name="Rectangle 5">
+            <a:extLst>
+              <a:ext uri="{FF2B5EF4-FFF2-40B4-BE49-F238E27FC236}">
+                <a16:creationId xmlns:a16="http://schemas.microsoft.com/office/drawing/2014/main" id="{B55BE3BC-FEAD-406F-8696-8DFCF1DA4FA2}"/>
+              </a:ext>
+            </a:extLst>
+          </p:cNvPr>
+          <p:cNvSpPr/>
+          <p:nvPr/>
+        </p:nvSpPr>
+        <p:spPr>
+          <a:xfrm>
+            <a:off x="7054645" y="4333567"/>
+            <a:ext cx="4119716" cy="1216742"/>
+          </a:xfrm>
+          <a:prstGeom prst="rect">
+            <a:avLst/>
+          </a:prstGeom>
+          <a:solidFill>
+            <a:srgbClr val="FF0000"/>
+          </a:solidFill>
+        </p:spPr>
+        <p:style>
+          <a:lnRef idx="2">
+            <a:schemeClr val="accent1">
+              <a:shade val="50000"/>
+            </a:schemeClr>
+          </a:lnRef>
+          <a:fillRef idx="1">
+            <a:schemeClr val="accent1"/>
+          </a:fillRef>
+          <a:effectRef idx="0">
+            <a:schemeClr val="accent1"/>
+          </a:effectRef>
+          <a:fontRef idx="minor">
+            <a:schemeClr val="lt1"/>
+          </a:fontRef>
+        </p:style>
+        <p:txBody>
+          <a:bodyPr rtlCol="0" anchor="ctr"/>
+          <a:lstStyle/>
+          <a:p>
+            <a:pPr algn="ctr"/>
+            <a:r>
+              <a:rPr lang="en-IN" b="1" dirty="0"/>
+              <a:t>Express.js  REST API</a:t>
+            </a:r>
+          </a:p>
+          <a:p>
+            <a:pPr algn="ctr"/>
+            <a:r>
+              <a:rPr lang="en-IN" b="1" dirty="0"/>
+              <a:t>http://server:7011</a:t>
+            </a:r>
+            <a:endParaRPr lang="en-US" b="1" dirty="0"/>
+          </a:p>
+        </p:txBody>
+      </p:sp>
+      <p:sp>
+        <p:nvSpPr>
+          <p:cNvPr id="7" name="Rectangle 6">
+            <a:extLst>
+              <a:ext uri="{FF2B5EF4-FFF2-40B4-BE49-F238E27FC236}">
+                <a16:creationId xmlns:a16="http://schemas.microsoft.com/office/drawing/2014/main" id="{686BA703-A9EE-4051-AFF0-16E1C6C42A0E}"/>
+              </a:ext>
+            </a:extLst>
+          </p:cNvPr>
+          <p:cNvSpPr/>
+          <p:nvPr/>
+        </p:nvSpPr>
+        <p:spPr>
+          <a:xfrm>
+            <a:off x="412955" y="1455174"/>
+            <a:ext cx="2231922" cy="2664542"/>
+          </a:xfrm>
+          <a:prstGeom prst="rect">
+            <a:avLst/>
+          </a:prstGeom>
+        </p:spPr>
+        <p:style>
+          <a:lnRef idx="2">
+            <a:schemeClr val="accent1">
+              <a:shade val="50000"/>
+            </a:schemeClr>
+          </a:lnRef>
+          <a:fillRef idx="1">
+            <a:schemeClr val="accent1"/>
+          </a:fillRef>
+          <a:effectRef idx="0">
+            <a:schemeClr val="accent1"/>
+          </a:effectRef>
+          <a:fontRef idx="minor">
+            <a:schemeClr val="lt1"/>
+          </a:fontRef>
+        </p:style>
+        <p:txBody>
+          <a:bodyPr rtlCol="0" anchor="ctr"/>
+          <a:lstStyle/>
+          <a:p>
+            <a:pPr algn="ctr"/>
+            <a:r>
+              <a:rPr lang="en-IN" b="1" dirty="0"/>
+              <a:t>Browser</a:t>
+            </a:r>
+            <a:endParaRPr lang="en-US" b="1" dirty="0"/>
+          </a:p>
+        </p:txBody>
+      </p:sp>
+      <p:sp>
+        <p:nvSpPr>
+          <p:cNvPr id="8" name="Arrow: Right 7">
+            <a:extLst>
+              <a:ext uri="{FF2B5EF4-FFF2-40B4-BE49-F238E27FC236}">
+                <a16:creationId xmlns:a16="http://schemas.microsoft.com/office/drawing/2014/main" id="{9A8329F2-4145-4C29-85D2-4E328936DE0B}"/>
+              </a:ext>
+            </a:extLst>
+          </p:cNvPr>
+          <p:cNvSpPr/>
+          <p:nvPr/>
+        </p:nvSpPr>
+        <p:spPr>
+          <a:xfrm>
+            <a:off x="2507226" y="1671484"/>
+            <a:ext cx="4532671" cy="581799"/>
+          </a:xfrm>
+          <a:prstGeom prst="rightArrow">
+            <a:avLst/>
+          </a:prstGeom>
+          <a:solidFill>
+            <a:srgbClr val="FF0000"/>
+          </a:solidFill>
+        </p:spPr>
+        <p:style>
+          <a:lnRef idx="2">
+            <a:schemeClr val="accent1">
+              <a:shade val="50000"/>
+            </a:schemeClr>
+          </a:lnRef>
+          <a:fillRef idx="1">
+            <a:schemeClr val="accent1"/>
+          </a:fillRef>
+          <a:effectRef idx="0">
+            <a:schemeClr val="accent1"/>
+          </a:effectRef>
+          <a:fontRef idx="minor">
+            <a:schemeClr val="lt1"/>
+          </a:fontRef>
+        </p:style>
+        <p:txBody>
+          <a:bodyPr rtlCol="0" anchor="ctr"/>
+          <a:lstStyle/>
+          <a:p>
+            <a:pPr algn="ctr"/>
+            <a:r>
+              <a:rPr lang="en-IN" dirty="0"/>
+              <a:t>http://server:7010/home</a:t>
+            </a:r>
+            <a:endParaRPr lang="en-US" dirty="0"/>
+          </a:p>
+        </p:txBody>
+      </p:sp>
+      <p:sp>
+        <p:nvSpPr>
+          <p:cNvPr id="9" name="Arrow: Left 8">
+            <a:extLst>
+              <a:ext uri="{FF2B5EF4-FFF2-40B4-BE49-F238E27FC236}">
+                <a16:creationId xmlns:a16="http://schemas.microsoft.com/office/drawing/2014/main" id="{EB089346-4A24-40A4-8B65-9EE0F84C679D}"/>
+              </a:ext>
+            </a:extLst>
+          </p:cNvPr>
+          <p:cNvSpPr/>
+          <p:nvPr/>
+        </p:nvSpPr>
+        <p:spPr>
+          <a:xfrm>
+            <a:off x="2644877" y="2477729"/>
+            <a:ext cx="4409768" cy="521110"/>
+          </a:xfrm>
+          <a:prstGeom prst="leftArrow">
+            <a:avLst/>
+          </a:prstGeom>
+          <a:solidFill>
+            <a:srgbClr val="FF0000"/>
+          </a:solidFill>
+        </p:spPr>
+        <p:style>
+          <a:lnRef idx="2">
+            <a:schemeClr val="accent1">
+              <a:shade val="50000"/>
+            </a:schemeClr>
+          </a:lnRef>
+          <a:fillRef idx="1">
+            <a:schemeClr val="accent1"/>
+          </a:fillRef>
+          <a:effectRef idx="0">
+            <a:schemeClr val="accent1"/>
+          </a:effectRef>
+          <a:fontRef idx="minor">
+            <a:schemeClr val="lt1"/>
+          </a:fontRef>
+        </p:style>
+        <p:txBody>
+          <a:bodyPr rtlCol="0" anchor="ctr"/>
+          <a:lstStyle/>
+          <a:p>
+            <a:pPr algn="ctr"/>
+            <a:r>
+              <a:rPr lang="en-IN" dirty="0"/>
+              <a:t>Response for Home.html</a:t>
+            </a:r>
+            <a:endParaRPr lang="en-US" dirty="0"/>
+          </a:p>
+        </p:txBody>
+      </p:sp>
+      <p:sp>
+        <p:nvSpPr>
+          <p:cNvPr id="10" name="TextBox 9">
+            <a:extLst>
+              <a:ext uri="{FF2B5EF4-FFF2-40B4-BE49-F238E27FC236}">
+                <a16:creationId xmlns:a16="http://schemas.microsoft.com/office/drawing/2014/main" id="{D524397A-11CE-497A-8F5B-952EAD12AD90}"/>
+              </a:ext>
+            </a:extLst>
+          </p:cNvPr>
+          <p:cNvSpPr txBox="1"/>
+          <p:nvPr/>
+        </p:nvSpPr>
+        <p:spPr>
+          <a:xfrm>
+            <a:off x="727587" y="2074675"/>
+            <a:ext cx="1735393" cy="646331"/>
+          </a:xfrm>
+          <a:prstGeom prst="rect">
+            <a:avLst/>
+          </a:prstGeom>
+          <a:noFill/>
+        </p:spPr>
+        <p:txBody>
+          <a:bodyPr wrap="square" rtlCol="0">
+            <a:spAutoFit/>
+          </a:bodyPr>
+          <a:lstStyle/>
+          <a:p>
+            <a:pPr algn="ctr"/>
+            <a:r>
+              <a:rPr lang="en-IN" dirty="0"/>
+              <a:t>Html + jQuery + CSS	</a:t>
+            </a:r>
+            <a:endParaRPr lang="en-US" dirty="0"/>
+          </a:p>
+        </p:txBody>
+      </p:sp>
+      <p:cxnSp>
+        <p:nvCxnSpPr>
+          <p:cNvPr id="12" name="Connector: Elbow 11">
+            <a:extLst>
+              <a:ext uri="{FF2B5EF4-FFF2-40B4-BE49-F238E27FC236}">
+                <a16:creationId xmlns:a16="http://schemas.microsoft.com/office/drawing/2014/main" id="{8D5FACEF-A974-43A6-9BB7-F7FEBA3D7D7B}"/>
+              </a:ext>
+            </a:extLst>
+          </p:cNvPr>
+          <p:cNvCxnSpPr/>
+          <p:nvPr/>
+        </p:nvCxnSpPr>
+        <p:spPr>
+          <a:xfrm>
+            <a:off x="2644877" y="3529781"/>
+            <a:ext cx="4395020" cy="1199535"/>
+          </a:xfrm>
+          <a:prstGeom prst="bentConnector3">
+            <a:avLst/>
+          </a:prstGeom>
+          <a:ln w="76200">
+            <a:solidFill>
+              <a:srgbClr val="FF0000"/>
+            </a:solidFill>
+            <a:tailEnd type="triangle"/>
+          </a:ln>
+        </p:spPr>
+        <p:style>
+          <a:lnRef idx="1">
+            <a:schemeClr val="accent1"/>
+          </a:lnRef>
+          <a:fillRef idx="0">
+            <a:schemeClr val="accent1"/>
+          </a:fillRef>
+          <a:effectRef idx="0">
+            <a:schemeClr val="accent1"/>
+          </a:effectRef>
+          <a:fontRef idx="minor">
+            <a:schemeClr val="tx1"/>
+          </a:fontRef>
+        </p:style>
+      </p:cxnSp>
+      <p:sp>
+        <p:nvSpPr>
+          <p:cNvPr id="13" name="TextBox 12">
+            <a:extLst>
+              <a:ext uri="{FF2B5EF4-FFF2-40B4-BE49-F238E27FC236}">
+                <a16:creationId xmlns:a16="http://schemas.microsoft.com/office/drawing/2014/main" id="{2549F92E-CC51-4684-BEBF-A7D0D378CE68}"/>
+              </a:ext>
+            </a:extLst>
+          </p:cNvPr>
+          <p:cNvSpPr txBox="1"/>
+          <p:nvPr/>
+        </p:nvSpPr>
+        <p:spPr>
+          <a:xfrm>
+            <a:off x="2224549" y="5422491"/>
+            <a:ext cx="4395019" cy="369332"/>
+          </a:xfrm>
+          <a:prstGeom prst="rect">
+            <a:avLst/>
+          </a:prstGeom>
+          <a:noFill/>
+        </p:spPr>
+        <p:txBody>
+          <a:bodyPr wrap="square" rtlCol="0">
+            <a:spAutoFit/>
+          </a:bodyPr>
+          <a:lstStyle/>
+          <a:p>
+            <a:r>
+              <a:rPr lang="en-IN"/>
+              <a:t>JSON response</a:t>
+            </a:r>
+            <a:endParaRPr lang="en-US" dirty="0"/>
+          </a:p>
+        </p:txBody>
+      </p:sp>
+      <p:cxnSp>
+        <p:nvCxnSpPr>
+          <p:cNvPr id="15" name="Connector: Elbow 14">
+            <a:extLst>
+              <a:ext uri="{FF2B5EF4-FFF2-40B4-BE49-F238E27FC236}">
+                <a16:creationId xmlns:a16="http://schemas.microsoft.com/office/drawing/2014/main" id="{08D3D840-0B70-4ED2-BB30-5CC3435846A9}"/>
+              </a:ext>
+            </a:extLst>
+          </p:cNvPr>
+          <p:cNvCxnSpPr>
+            <a:endCxn id="7" idx="2"/>
+          </p:cNvCxnSpPr>
+          <p:nvPr/>
+        </p:nvCxnSpPr>
+        <p:spPr>
+          <a:xfrm rot="10800000">
+            <a:off x="1528917" y="4119716"/>
+            <a:ext cx="5510981" cy="1140542"/>
+          </a:xfrm>
+          <a:prstGeom prst="bentConnector2">
+            <a:avLst/>
+          </a:prstGeom>
+          <a:ln w="76200">
+            <a:solidFill>
+              <a:srgbClr val="FF0000"/>
+            </a:solidFill>
+            <a:tailEnd type="triangle"/>
+          </a:ln>
+        </p:spPr>
+        <p:style>
+          <a:lnRef idx="1">
+            <a:schemeClr val="accent1"/>
+          </a:lnRef>
+          <a:fillRef idx="0">
+            <a:schemeClr val="accent1"/>
+          </a:fillRef>
+          <a:effectRef idx="0">
+            <a:schemeClr val="accent1"/>
+          </a:effectRef>
+          <a:fontRef idx="minor">
+            <a:schemeClr val="tx1"/>
+          </a:fontRef>
+        </p:style>
+      </p:cxnSp>
+      <p:sp>
+        <p:nvSpPr>
+          <p:cNvPr id="16" name="TextBox 15">
+            <a:extLst>
+              <a:ext uri="{FF2B5EF4-FFF2-40B4-BE49-F238E27FC236}">
+                <a16:creationId xmlns:a16="http://schemas.microsoft.com/office/drawing/2014/main" id="{2419D853-E137-44F3-9DA7-58DB9A573CF1}"/>
+              </a:ext>
+            </a:extLst>
+          </p:cNvPr>
+          <p:cNvSpPr txBox="1"/>
+          <p:nvPr/>
+        </p:nvSpPr>
+        <p:spPr>
+          <a:xfrm>
+            <a:off x="2949677" y="4281948"/>
+            <a:ext cx="4395019" cy="369332"/>
+          </a:xfrm>
+          <a:prstGeom prst="rect">
+            <a:avLst/>
+          </a:prstGeom>
+          <a:noFill/>
+        </p:spPr>
+        <p:txBody>
+          <a:bodyPr wrap="square" rtlCol="0">
+            <a:spAutoFit/>
+          </a:bodyPr>
+          <a:lstStyle/>
+          <a:p>
+            <a:r>
+              <a:rPr lang="en-IN" dirty="0"/>
+              <a:t>http://server:7011/api/employees</a:t>
+            </a:r>
+            <a:endParaRPr lang="en-US" dirty="0"/>
+          </a:p>
+        </p:txBody>
+      </p:sp>
+    </p:spTree>
+    <p:extLst>
+      <p:ext uri="{BB962C8B-B14F-4D97-AF65-F5344CB8AC3E}">
+        <p14:creationId xmlns:p14="http://schemas.microsoft.com/office/powerpoint/2010/main" val="2881490565"/>
+      </p:ext>
+    </p:extLst>
+  </p:cSld>
+  <p:clrMapOvr>
+    <a:masterClrMapping/>
+  </p:clrMapOvr>
+</p:sld>
+</file>
+
 <file path=ppt/slides/slide2.xml><?xml version="1.0" encoding="utf-8"?>
 <p:sld xmlns:a="http://schemas.openxmlformats.org/drawingml/2006/main" xmlns:r="http://schemas.openxmlformats.org/officeDocument/2006/relationships" xmlns:p="http://schemas.openxmlformats.org/presentationml/2006/main">
   <p:cSld>

--- a/training_images.pptx
+++ b/training_images.pptx
@@ -287,7 +287,7 @@
           <a:p>
             <a:fld id="{822AF85D-11A4-42B9-B7D1-A5D0AD529DB2}" type="datetimeFigureOut">
               <a:rPr lang="en-US" smtClean="0"/>
-              <a:t>4/14/2022</a:t>
+              <a:t>4/19/2022</a:t>
             </a:fld>
             <a:endParaRPr lang="en-US"/>
           </a:p>
@@ -457,7 +457,7 @@
           <a:p>
             <a:fld id="{822AF85D-11A4-42B9-B7D1-A5D0AD529DB2}" type="datetimeFigureOut">
               <a:rPr lang="en-US" smtClean="0"/>
-              <a:t>4/14/2022</a:t>
+              <a:t>4/19/2022</a:t>
             </a:fld>
             <a:endParaRPr lang="en-US"/>
           </a:p>
@@ -637,7 +637,7 @@
           <a:p>
             <a:fld id="{822AF85D-11A4-42B9-B7D1-A5D0AD529DB2}" type="datetimeFigureOut">
               <a:rPr lang="en-US" smtClean="0"/>
-              <a:t>4/14/2022</a:t>
+              <a:t>4/19/2022</a:t>
             </a:fld>
             <a:endParaRPr lang="en-US"/>
           </a:p>
@@ -807,7 +807,7 @@
           <a:p>
             <a:fld id="{822AF85D-11A4-42B9-B7D1-A5D0AD529DB2}" type="datetimeFigureOut">
               <a:rPr lang="en-US" smtClean="0"/>
-              <a:t>4/14/2022</a:t>
+              <a:t>4/19/2022</a:t>
             </a:fld>
             <a:endParaRPr lang="en-US"/>
           </a:p>
@@ -1075,7 +1075,7 @@
           <a:p>
             <a:fld id="{822AF85D-11A4-42B9-B7D1-A5D0AD529DB2}" type="datetimeFigureOut">
               <a:rPr lang="en-US" smtClean="0"/>
-              <a:t>4/14/2022</a:t>
+              <a:t>4/19/2022</a:t>
             </a:fld>
             <a:endParaRPr lang="en-US"/>
           </a:p>
@@ -1307,7 +1307,7 @@
           <a:p>
             <a:fld id="{822AF85D-11A4-42B9-B7D1-A5D0AD529DB2}" type="datetimeFigureOut">
               <a:rPr lang="en-US" smtClean="0"/>
-              <a:t>4/14/2022</a:t>
+              <a:t>4/19/2022</a:t>
             </a:fld>
             <a:endParaRPr lang="en-US"/>
           </a:p>
@@ -1666,7 +1666,7 @@
           <a:p>
             <a:fld id="{822AF85D-11A4-42B9-B7D1-A5D0AD529DB2}" type="datetimeFigureOut">
               <a:rPr lang="en-US" smtClean="0"/>
-              <a:t>4/14/2022</a:t>
+              <a:t>4/19/2022</a:t>
             </a:fld>
             <a:endParaRPr lang="en-US"/>
           </a:p>
@@ -1807,7 +1807,7 @@
           <a:p>
             <a:fld id="{822AF85D-11A4-42B9-B7D1-A5D0AD529DB2}" type="datetimeFigureOut">
               <a:rPr lang="en-US" smtClean="0"/>
-              <a:t>4/14/2022</a:t>
+              <a:t>4/19/2022</a:t>
             </a:fld>
             <a:endParaRPr lang="en-US"/>
           </a:p>
@@ -1902,7 +1902,7 @@
           <a:p>
             <a:fld id="{822AF85D-11A4-42B9-B7D1-A5D0AD529DB2}" type="datetimeFigureOut">
               <a:rPr lang="en-US" smtClean="0"/>
-              <a:t>4/14/2022</a:t>
+              <a:t>4/19/2022</a:t>
             </a:fld>
             <a:endParaRPr lang="en-US"/>
           </a:p>
@@ -2259,7 +2259,7 @@
           <a:p>
             <a:fld id="{822AF85D-11A4-42B9-B7D1-A5D0AD529DB2}" type="datetimeFigureOut">
               <a:rPr lang="en-US" smtClean="0"/>
-              <a:t>4/14/2022</a:t>
+              <a:t>4/19/2022</a:t>
             </a:fld>
             <a:endParaRPr lang="en-US"/>
           </a:p>
@@ -2616,7 +2616,7 @@
           <a:p>
             <a:fld id="{822AF85D-11A4-42B9-B7D1-A5D0AD529DB2}" type="datetimeFigureOut">
               <a:rPr lang="en-US" smtClean="0"/>
-              <a:t>4/14/2022</a:t>
+              <a:t>4/19/2022</a:t>
             </a:fld>
             <a:endParaRPr lang="en-US"/>
           </a:p>
@@ -2858,7 +2858,7 @@
           <a:p>
             <a:fld id="{822AF85D-11A4-42B9-B7D1-A5D0AD529DB2}" type="datetimeFigureOut">
               <a:rPr lang="en-US" smtClean="0"/>
-              <a:t>4/14/2022</a:t>
+              <a:t>4/19/2022</a:t>
             </a:fld>
             <a:endParaRPr lang="en-US"/>
           </a:p>
@@ -5751,6 +5751,85 @@
           </a:p>
         </p:txBody>
       </p:sp>
+      <p:cxnSp>
+        <p:nvCxnSpPr>
+          <p:cNvPr id="12" name="Straight Arrow Connector 11">
+            <a:extLst>
+              <a:ext uri="{FF2B5EF4-FFF2-40B4-BE49-F238E27FC236}">
+                <a16:creationId xmlns:a16="http://schemas.microsoft.com/office/drawing/2014/main" id="{61D02102-8EDE-4106-AB22-5D77A9E365C8}"/>
+              </a:ext>
+            </a:extLst>
+          </p:cNvPr>
+          <p:cNvCxnSpPr/>
+          <p:nvPr/>
+        </p:nvCxnSpPr>
+        <p:spPr>
+          <a:xfrm flipH="1">
+            <a:off x="1288026" y="2576052"/>
+            <a:ext cx="157316" cy="1858296"/>
+          </a:xfrm>
+          <a:prstGeom prst="straightConnector1">
+            <a:avLst/>
+          </a:prstGeom>
+          <a:ln>
+            <a:tailEnd type="triangle"/>
+          </a:ln>
+        </p:spPr>
+        <p:style>
+          <a:lnRef idx="1">
+            <a:schemeClr val="accent1"/>
+          </a:lnRef>
+          <a:fillRef idx="0">
+            <a:schemeClr val="accent1"/>
+          </a:fillRef>
+          <a:effectRef idx="0">
+            <a:schemeClr val="accent1"/>
+          </a:effectRef>
+          <a:fontRef idx="minor">
+            <a:schemeClr val="tx1"/>
+          </a:fontRef>
+        </p:style>
+      </p:cxnSp>
+      <p:sp>
+        <p:nvSpPr>
+          <p:cNvPr id="13" name="TextBox 12">
+            <a:extLst>
+              <a:ext uri="{FF2B5EF4-FFF2-40B4-BE49-F238E27FC236}">
+                <a16:creationId xmlns:a16="http://schemas.microsoft.com/office/drawing/2014/main" id="{51B8CA4E-6E71-4805-BEC9-600ECB578903}"/>
+              </a:ext>
+            </a:extLst>
+          </p:cNvPr>
+          <p:cNvSpPr txBox="1"/>
+          <p:nvPr/>
+        </p:nvSpPr>
+        <p:spPr>
+          <a:xfrm>
+            <a:off x="235974" y="4572000"/>
+            <a:ext cx="3401961" cy="1200329"/>
+          </a:xfrm>
+          <a:prstGeom prst="rect">
+            <a:avLst/>
+          </a:prstGeom>
+          <a:noFill/>
+        </p:spPr>
+        <p:txBody>
+          <a:bodyPr wrap="square" rtlCol="0">
+            <a:spAutoFit/>
+          </a:bodyPr>
+          <a:lstStyle/>
+          <a:p>
+            <a:r>
+              <a:rPr lang="en-IN" dirty="0"/>
+              <a:t>URL, Authorization Headers, Request Method, MIME Type (aka Content-type), Version</a:t>
+            </a:r>
+            <a:r>
+              <a:rPr lang="en-IN"/>
+              <a:t>, Custom Info, etc.</a:t>
+            </a:r>
+            <a:endParaRPr lang="en-US" dirty="0"/>
+          </a:p>
+        </p:txBody>
+      </p:sp>
     </p:spTree>
     <p:extLst>
       <p:ext uri="{BB962C8B-B14F-4D97-AF65-F5344CB8AC3E}">

--- a/training_images.pptx
+++ b/training_images.pptx
@@ -18,6 +18,7 @@
     <p:sldId id="266" r:id="rId12"/>
     <p:sldId id="267" r:id="rId13"/>
     <p:sldId id="268" r:id="rId14"/>
+    <p:sldId id="269" r:id="rId15"/>
   </p:sldIdLst>
   <p:sldSz cx="12192000" cy="6858000"/>
   <p:notesSz cx="6858000" cy="9144000"/>
@@ -287,7 +288,7 @@
           <a:p>
             <a:fld id="{822AF85D-11A4-42B9-B7D1-A5D0AD529DB2}" type="datetimeFigureOut">
               <a:rPr lang="en-US" smtClean="0"/>
-              <a:t>4/19/2022</a:t>
+              <a:t>4/20/2022</a:t>
             </a:fld>
             <a:endParaRPr lang="en-US"/>
           </a:p>
@@ -457,7 +458,7 @@
           <a:p>
             <a:fld id="{822AF85D-11A4-42B9-B7D1-A5D0AD529DB2}" type="datetimeFigureOut">
               <a:rPr lang="en-US" smtClean="0"/>
-              <a:t>4/19/2022</a:t>
+              <a:t>4/20/2022</a:t>
             </a:fld>
             <a:endParaRPr lang="en-US"/>
           </a:p>
@@ -637,7 +638,7 @@
           <a:p>
             <a:fld id="{822AF85D-11A4-42B9-B7D1-A5D0AD529DB2}" type="datetimeFigureOut">
               <a:rPr lang="en-US" smtClean="0"/>
-              <a:t>4/19/2022</a:t>
+              <a:t>4/20/2022</a:t>
             </a:fld>
             <a:endParaRPr lang="en-US"/>
           </a:p>
@@ -807,7 +808,7 @@
           <a:p>
             <a:fld id="{822AF85D-11A4-42B9-B7D1-A5D0AD529DB2}" type="datetimeFigureOut">
               <a:rPr lang="en-US" smtClean="0"/>
-              <a:t>4/19/2022</a:t>
+              <a:t>4/20/2022</a:t>
             </a:fld>
             <a:endParaRPr lang="en-US"/>
           </a:p>
@@ -1075,7 +1076,7 @@
           <a:p>
             <a:fld id="{822AF85D-11A4-42B9-B7D1-A5D0AD529DB2}" type="datetimeFigureOut">
               <a:rPr lang="en-US" smtClean="0"/>
-              <a:t>4/19/2022</a:t>
+              <a:t>4/20/2022</a:t>
             </a:fld>
             <a:endParaRPr lang="en-US"/>
           </a:p>
@@ -1307,7 +1308,7 @@
           <a:p>
             <a:fld id="{822AF85D-11A4-42B9-B7D1-A5D0AD529DB2}" type="datetimeFigureOut">
               <a:rPr lang="en-US" smtClean="0"/>
-              <a:t>4/19/2022</a:t>
+              <a:t>4/20/2022</a:t>
             </a:fld>
             <a:endParaRPr lang="en-US"/>
           </a:p>
@@ -1666,7 +1667,7 @@
           <a:p>
             <a:fld id="{822AF85D-11A4-42B9-B7D1-A5D0AD529DB2}" type="datetimeFigureOut">
               <a:rPr lang="en-US" smtClean="0"/>
-              <a:t>4/19/2022</a:t>
+              <a:t>4/20/2022</a:t>
             </a:fld>
             <a:endParaRPr lang="en-US"/>
           </a:p>
@@ -1807,7 +1808,7 @@
           <a:p>
             <a:fld id="{822AF85D-11A4-42B9-B7D1-A5D0AD529DB2}" type="datetimeFigureOut">
               <a:rPr lang="en-US" smtClean="0"/>
-              <a:t>4/19/2022</a:t>
+              <a:t>4/20/2022</a:t>
             </a:fld>
             <a:endParaRPr lang="en-US"/>
           </a:p>
@@ -1902,7 +1903,7 @@
           <a:p>
             <a:fld id="{822AF85D-11A4-42B9-B7D1-A5D0AD529DB2}" type="datetimeFigureOut">
               <a:rPr lang="en-US" smtClean="0"/>
-              <a:t>4/19/2022</a:t>
+              <a:t>4/20/2022</a:t>
             </a:fld>
             <a:endParaRPr lang="en-US"/>
           </a:p>
@@ -2259,7 +2260,7 @@
           <a:p>
             <a:fld id="{822AF85D-11A4-42B9-B7D1-A5D0AD529DB2}" type="datetimeFigureOut">
               <a:rPr lang="en-US" smtClean="0"/>
-              <a:t>4/19/2022</a:t>
+              <a:t>4/20/2022</a:t>
             </a:fld>
             <a:endParaRPr lang="en-US"/>
           </a:p>
@@ -2616,7 +2617,7 @@
           <a:p>
             <a:fld id="{822AF85D-11A4-42B9-B7D1-A5D0AD529DB2}" type="datetimeFigureOut">
               <a:rPr lang="en-US" smtClean="0"/>
-              <a:t>4/19/2022</a:t>
+              <a:t>4/20/2022</a:t>
             </a:fld>
             <a:endParaRPr lang="en-US"/>
           </a:p>
@@ -2858,7 +2859,7 @@
           <a:p>
             <a:fld id="{822AF85D-11A4-42B9-B7D1-A5D0AD529DB2}" type="datetimeFigureOut">
               <a:rPr lang="en-US" smtClean="0"/>
-              <a:t>4/19/2022</a:t>
+              <a:t>4/20/2022</a:t>
             </a:fld>
             <a:endParaRPr lang="en-US"/>
           </a:p>
@@ -6471,6 +6472,1199 @@
 </p:sld>
 </file>
 
+<file path=ppt/slides/slide14.xml><?xml version="1.0" encoding="utf-8"?>
+<p:sld xmlns:a="http://schemas.openxmlformats.org/drawingml/2006/main" xmlns:r="http://schemas.openxmlformats.org/officeDocument/2006/relationships" xmlns:p="http://schemas.openxmlformats.org/presentationml/2006/main">
+  <p:cSld>
+    <p:spTree>
+      <p:nvGrpSpPr>
+        <p:cNvPr id="1" name=""/>
+        <p:cNvGrpSpPr/>
+        <p:nvPr/>
+      </p:nvGrpSpPr>
+      <p:grpSpPr>
+        <a:xfrm>
+          <a:off x="0" y="0"/>
+          <a:ext cx="0" cy="0"/>
+          <a:chOff x="0" y="0"/>
+          <a:chExt cx="0" cy="0"/>
+        </a:xfrm>
+      </p:grpSpPr>
+      <p:sp>
+        <p:nvSpPr>
+          <p:cNvPr id="2" name="Rectangle 1">
+            <a:extLst>
+              <a:ext uri="{FF2B5EF4-FFF2-40B4-BE49-F238E27FC236}">
+                <a16:creationId xmlns:a16="http://schemas.microsoft.com/office/drawing/2014/main" id="{44AAECF8-725E-467F-9EEC-8C952071C44C}"/>
+              </a:ext>
+            </a:extLst>
+          </p:cNvPr>
+          <p:cNvSpPr/>
+          <p:nvPr/>
+        </p:nvSpPr>
+        <p:spPr>
+          <a:xfrm>
+            <a:off x="7728155" y="530942"/>
+            <a:ext cx="3775587" cy="6037006"/>
+          </a:xfrm>
+          <a:prstGeom prst="rect">
+            <a:avLst/>
+          </a:prstGeom>
+        </p:spPr>
+        <p:style>
+          <a:lnRef idx="2">
+            <a:schemeClr val="accent1">
+              <a:shade val="50000"/>
+            </a:schemeClr>
+          </a:lnRef>
+          <a:fillRef idx="1">
+            <a:schemeClr val="accent1"/>
+          </a:fillRef>
+          <a:effectRef idx="0">
+            <a:schemeClr val="accent1"/>
+          </a:effectRef>
+          <a:fontRef idx="minor">
+            <a:schemeClr val="lt1"/>
+          </a:fontRef>
+        </p:style>
+        <p:txBody>
+          <a:bodyPr rtlCol="0" anchor="ctr"/>
+          <a:lstStyle/>
+          <a:p>
+            <a:pPr algn="ctr"/>
+            <a:endParaRPr lang="en-US"/>
+          </a:p>
+        </p:txBody>
+      </p:sp>
+      <p:sp>
+        <p:nvSpPr>
+          <p:cNvPr id="3" name="TextBox 2">
+            <a:extLst>
+              <a:ext uri="{FF2B5EF4-FFF2-40B4-BE49-F238E27FC236}">
+                <a16:creationId xmlns:a16="http://schemas.microsoft.com/office/drawing/2014/main" id="{1562F60F-AE1D-4733-A34D-6843AF9F6EF8}"/>
+              </a:ext>
+            </a:extLst>
+          </p:cNvPr>
+          <p:cNvSpPr txBox="1"/>
+          <p:nvPr/>
+        </p:nvSpPr>
+        <p:spPr>
+          <a:xfrm>
+            <a:off x="7895303" y="678426"/>
+            <a:ext cx="3293807" cy="369332"/>
+          </a:xfrm>
+          <a:prstGeom prst="rect">
+            <a:avLst/>
+          </a:prstGeom>
+          <a:noFill/>
+        </p:spPr>
+        <p:txBody>
+          <a:bodyPr wrap="square" rtlCol="0">
+            <a:spAutoFit/>
+          </a:bodyPr>
+          <a:lstStyle/>
+          <a:p>
+            <a:pPr algn="ctr"/>
+            <a:r>
+              <a:rPr lang="en-IN" b="1" dirty="0"/>
+              <a:t>Web Server</a:t>
+            </a:r>
+            <a:endParaRPr lang="en-US" b="1" dirty="0"/>
+          </a:p>
+        </p:txBody>
+      </p:sp>
+      <p:sp>
+        <p:nvSpPr>
+          <p:cNvPr id="4" name="Flowchart: Multidocument 3">
+            <a:extLst>
+              <a:ext uri="{FF2B5EF4-FFF2-40B4-BE49-F238E27FC236}">
+                <a16:creationId xmlns:a16="http://schemas.microsoft.com/office/drawing/2014/main" id="{07D5F080-75CE-434F-AC4E-32113EB4E18B}"/>
+              </a:ext>
+            </a:extLst>
+          </p:cNvPr>
+          <p:cNvSpPr/>
+          <p:nvPr/>
+        </p:nvSpPr>
+        <p:spPr>
+          <a:xfrm>
+            <a:off x="8627806" y="2438400"/>
+            <a:ext cx="1976284" cy="1730477"/>
+          </a:xfrm>
+          <a:prstGeom prst="flowChartMultidocument">
+            <a:avLst/>
+          </a:prstGeom>
+          <a:solidFill>
+            <a:srgbClr val="FF0000"/>
+          </a:solidFill>
+        </p:spPr>
+        <p:style>
+          <a:lnRef idx="2">
+            <a:schemeClr val="accent1">
+              <a:shade val="50000"/>
+            </a:schemeClr>
+          </a:lnRef>
+          <a:fillRef idx="1">
+            <a:schemeClr val="accent1"/>
+          </a:fillRef>
+          <a:effectRef idx="0">
+            <a:schemeClr val="accent1"/>
+          </a:effectRef>
+          <a:fontRef idx="minor">
+            <a:schemeClr val="lt1"/>
+          </a:fontRef>
+        </p:style>
+        <p:txBody>
+          <a:bodyPr rtlCol="0" anchor="ctr"/>
+          <a:lstStyle/>
+          <a:p>
+            <a:pPr algn="ctr"/>
+            <a:endParaRPr lang="en-US"/>
+          </a:p>
+        </p:txBody>
+      </p:sp>
+      <p:sp>
+        <p:nvSpPr>
+          <p:cNvPr id="5" name="Flowchart: Multidocument 4">
+            <a:extLst>
+              <a:ext uri="{FF2B5EF4-FFF2-40B4-BE49-F238E27FC236}">
+                <a16:creationId xmlns:a16="http://schemas.microsoft.com/office/drawing/2014/main" id="{4BE9258C-8A6F-4BF7-8A8B-30E9A4F72537}"/>
+              </a:ext>
+            </a:extLst>
+          </p:cNvPr>
+          <p:cNvSpPr/>
+          <p:nvPr/>
+        </p:nvSpPr>
+        <p:spPr>
+          <a:xfrm>
+            <a:off x="8406580" y="2942614"/>
+            <a:ext cx="1976284" cy="1730477"/>
+          </a:xfrm>
+          <a:prstGeom prst="flowChartMultidocument">
+            <a:avLst/>
+          </a:prstGeom>
+          <a:solidFill>
+            <a:srgbClr val="FF0000"/>
+          </a:solidFill>
+        </p:spPr>
+        <p:style>
+          <a:lnRef idx="2">
+            <a:schemeClr val="accent1">
+              <a:shade val="50000"/>
+            </a:schemeClr>
+          </a:lnRef>
+          <a:fillRef idx="1">
+            <a:schemeClr val="accent1"/>
+          </a:fillRef>
+          <a:effectRef idx="0">
+            <a:schemeClr val="accent1"/>
+          </a:effectRef>
+          <a:fontRef idx="minor">
+            <a:schemeClr val="lt1"/>
+          </a:fontRef>
+        </p:style>
+        <p:txBody>
+          <a:bodyPr rtlCol="0" anchor="ctr"/>
+          <a:lstStyle/>
+          <a:p>
+            <a:pPr algn="ctr"/>
+            <a:r>
+              <a:rPr lang="en-IN" b="1" dirty="0"/>
+              <a:t>Web Pages</a:t>
+            </a:r>
+            <a:endParaRPr lang="en-US" b="1" dirty="0"/>
+          </a:p>
+        </p:txBody>
+      </p:sp>
+      <p:graphicFrame>
+        <p:nvGraphicFramePr>
+          <p:cNvPr id="6" name="Table 6">
+            <a:extLst>
+              <a:ext uri="{FF2B5EF4-FFF2-40B4-BE49-F238E27FC236}">
+                <a16:creationId xmlns:a16="http://schemas.microsoft.com/office/drawing/2014/main" id="{F7E0214A-32CA-4FC6-A265-AE3FB46F69DE}"/>
+              </a:ext>
+            </a:extLst>
+          </p:cNvPr>
+          <p:cNvGraphicFramePr>
+            <a:graphicFrameLocks noGrp="1"/>
+          </p:cNvGraphicFramePr>
+          <p:nvPr>
+            <p:extLst>
+              <p:ext uri="{D42A27DB-BD31-4B8C-83A1-F6EECF244321}">
+                <p14:modId xmlns:p14="http://schemas.microsoft.com/office/powerpoint/2010/main" val="3382758502"/>
+              </p:ext>
+            </p:extLst>
+          </p:nvPr>
+        </p:nvGraphicFramePr>
+        <p:xfrm>
+          <a:off x="58994" y="5119083"/>
+          <a:ext cx="7551170" cy="889000"/>
+        </p:xfrm>
+        <a:graphic>
+          <a:graphicData uri="http://schemas.openxmlformats.org/drawingml/2006/table">
+            <a:tbl>
+              <a:tblPr firstRow="1" bandRow="1">
+                <a:tableStyleId>{5C22544A-7EE6-4342-B048-85BDC9FD1C3A}</a:tableStyleId>
+              </a:tblPr>
+              <a:tblGrid>
+                <a:gridCol w="1510234">
+                  <a:extLst>
+                    <a:ext uri="{9D8B030D-6E8A-4147-A177-3AD203B41FA5}">
+                      <a16:colId xmlns:a16="http://schemas.microsoft.com/office/drawing/2014/main" val="651027158"/>
+                    </a:ext>
+                  </a:extLst>
+                </a:gridCol>
+                <a:gridCol w="1510234">
+                  <a:extLst>
+                    <a:ext uri="{9D8B030D-6E8A-4147-A177-3AD203B41FA5}">
+                      <a16:colId xmlns:a16="http://schemas.microsoft.com/office/drawing/2014/main" val="2543219450"/>
+                    </a:ext>
+                  </a:extLst>
+                </a:gridCol>
+                <a:gridCol w="1510234">
+                  <a:extLst>
+                    <a:ext uri="{9D8B030D-6E8A-4147-A177-3AD203B41FA5}">
+                      <a16:colId xmlns:a16="http://schemas.microsoft.com/office/drawing/2014/main" val="3718848658"/>
+                    </a:ext>
+                  </a:extLst>
+                </a:gridCol>
+                <a:gridCol w="1510234">
+                  <a:extLst>
+                    <a:ext uri="{9D8B030D-6E8A-4147-A177-3AD203B41FA5}">
+                      <a16:colId xmlns:a16="http://schemas.microsoft.com/office/drawing/2014/main" val="2607757282"/>
+                    </a:ext>
+                  </a:extLst>
+                </a:gridCol>
+                <a:gridCol w="1510234">
+                  <a:extLst>
+                    <a:ext uri="{9D8B030D-6E8A-4147-A177-3AD203B41FA5}">
+                      <a16:colId xmlns:a16="http://schemas.microsoft.com/office/drawing/2014/main" val="1552934479"/>
+                    </a:ext>
+                  </a:extLst>
+                </a:gridCol>
+              </a:tblGrid>
+              <a:tr h="370840">
+                <a:tc>
+                  <a:txBody>
+                    <a:bodyPr/>
+                    <a:lstStyle/>
+                    <a:p>
+                      <a:r>
+                        <a:rPr lang="en-IN" sz="1400" dirty="0"/>
+                        <a:t>Session Id</a:t>
+                      </a:r>
+                      <a:endParaRPr lang="en-US" sz="1400" dirty="0"/>
+                    </a:p>
+                  </a:txBody>
+                  <a:tcPr/>
+                </a:tc>
+                <a:tc>
+                  <a:txBody>
+                    <a:bodyPr/>
+                    <a:lstStyle/>
+                    <a:p>
+                      <a:r>
+                        <a:rPr lang="en-IN" sz="1400" dirty="0"/>
+                        <a:t>Is New Session</a:t>
+                      </a:r>
+                      <a:endParaRPr lang="en-US" sz="1400" dirty="0"/>
+                    </a:p>
+                  </a:txBody>
+                  <a:tcPr/>
+                </a:tc>
+                <a:tc>
+                  <a:txBody>
+                    <a:bodyPr/>
+                    <a:lstStyle/>
+                    <a:p>
+                      <a:r>
+                        <a:rPr lang="en-IN" sz="1400" dirty="0"/>
+                        <a:t>Last Response Time</a:t>
+                      </a:r>
+                      <a:endParaRPr lang="en-US" sz="1400" dirty="0"/>
+                    </a:p>
+                  </a:txBody>
+                  <a:tcPr/>
+                </a:tc>
+                <a:tc>
+                  <a:txBody>
+                    <a:bodyPr/>
+                    <a:lstStyle/>
+                    <a:p>
+                      <a:r>
+                        <a:rPr lang="en-IN" sz="1400" dirty="0" err="1"/>
+                        <a:t>IsAuthenticated</a:t>
+                      </a:r>
+                      <a:endParaRPr lang="en-US" sz="1400" dirty="0"/>
+                    </a:p>
+                  </a:txBody>
+                  <a:tcPr/>
+                </a:tc>
+                <a:tc>
+                  <a:txBody>
+                    <a:bodyPr/>
+                    <a:lstStyle/>
+                    <a:p>
+                      <a:r>
+                        <a:rPr lang="en-IN" sz="1400" dirty="0" err="1"/>
+                        <a:t>IsCookieless</a:t>
+                      </a:r>
+                      <a:endParaRPr lang="en-US" sz="1400" dirty="0"/>
+                    </a:p>
+                  </a:txBody>
+                  <a:tcPr/>
+                </a:tc>
+                <a:extLst>
+                  <a:ext uri="{0D108BD9-81ED-4DB2-BD59-A6C34878D82A}">
+                    <a16:rowId xmlns:a16="http://schemas.microsoft.com/office/drawing/2014/main" val="3321986912"/>
+                  </a:ext>
+                </a:extLst>
+              </a:tr>
+              <a:tr h="370840">
+                <a:tc>
+                  <a:txBody>
+                    <a:bodyPr/>
+                    <a:lstStyle/>
+                    <a:p>
+                      <a:endParaRPr lang="en-US" dirty="0"/>
+                    </a:p>
+                  </a:txBody>
+                  <a:tcPr/>
+                </a:tc>
+                <a:tc>
+                  <a:txBody>
+                    <a:bodyPr/>
+                    <a:lstStyle/>
+                    <a:p>
+                      <a:endParaRPr lang="en-US" dirty="0"/>
+                    </a:p>
+                  </a:txBody>
+                  <a:tcPr/>
+                </a:tc>
+                <a:tc>
+                  <a:txBody>
+                    <a:bodyPr/>
+                    <a:lstStyle/>
+                    <a:p>
+                      <a:endParaRPr lang="en-US" dirty="0"/>
+                    </a:p>
+                  </a:txBody>
+                  <a:tcPr/>
+                </a:tc>
+                <a:tc>
+                  <a:txBody>
+                    <a:bodyPr/>
+                    <a:lstStyle/>
+                    <a:p>
+                      <a:endParaRPr lang="en-US" dirty="0"/>
+                    </a:p>
+                  </a:txBody>
+                  <a:tcPr/>
+                </a:tc>
+                <a:tc>
+                  <a:txBody>
+                    <a:bodyPr/>
+                    <a:lstStyle/>
+                    <a:p>
+                      <a:endParaRPr lang="en-US" dirty="0"/>
+                    </a:p>
+                  </a:txBody>
+                  <a:tcPr/>
+                </a:tc>
+                <a:extLst>
+                  <a:ext uri="{0D108BD9-81ED-4DB2-BD59-A6C34878D82A}">
+                    <a16:rowId xmlns:a16="http://schemas.microsoft.com/office/drawing/2014/main" val="613379752"/>
+                  </a:ext>
+                </a:extLst>
+              </a:tr>
+            </a:tbl>
+          </a:graphicData>
+        </a:graphic>
+      </p:graphicFrame>
+      <p:cxnSp>
+        <p:nvCxnSpPr>
+          <p:cNvPr id="8" name="Connector: Elbow 7">
+            <a:extLst>
+              <a:ext uri="{FF2B5EF4-FFF2-40B4-BE49-F238E27FC236}">
+                <a16:creationId xmlns:a16="http://schemas.microsoft.com/office/drawing/2014/main" id="{A4CFEAB9-2D03-4B27-A4FB-90F31199805C}"/>
+              </a:ext>
+            </a:extLst>
+          </p:cNvPr>
+          <p:cNvCxnSpPr>
+            <a:cxnSpLocks/>
+            <a:stCxn id="6" idx="0"/>
+          </p:cNvCxnSpPr>
+          <p:nvPr/>
+        </p:nvCxnSpPr>
+        <p:spPr>
+          <a:xfrm rot="5400000" flipH="1" flipV="1">
+            <a:off x="5615979" y="3006911"/>
+            <a:ext cx="330772" cy="3893573"/>
+          </a:xfrm>
+          <a:prstGeom prst="bentConnector2">
+            <a:avLst/>
+          </a:prstGeom>
+          <a:ln w="76200">
+            <a:solidFill>
+              <a:srgbClr val="FF0000"/>
+            </a:solidFill>
+            <a:tailEnd type="triangle"/>
+          </a:ln>
+        </p:spPr>
+        <p:style>
+          <a:lnRef idx="1">
+            <a:schemeClr val="accent1"/>
+          </a:lnRef>
+          <a:fillRef idx="0">
+            <a:schemeClr val="accent1"/>
+          </a:fillRef>
+          <a:effectRef idx="0">
+            <a:schemeClr val="accent1"/>
+          </a:effectRef>
+          <a:fontRef idx="minor">
+            <a:schemeClr val="tx1"/>
+          </a:fontRef>
+        </p:style>
+      </p:cxnSp>
+      <p:sp>
+        <p:nvSpPr>
+          <p:cNvPr id="12" name="TextBox 11">
+            <a:extLst>
+              <a:ext uri="{FF2B5EF4-FFF2-40B4-BE49-F238E27FC236}">
+                <a16:creationId xmlns:a16="http://schemas.microsoft.com/office/drawing/2014/main" id="{D785F4A9-E48E-4D9A-9FD2-D73413F88DDC}"/>
+              </a:ext>
+            </a:extLst>
+          </p:cNvPr>
+          <p:cNvSpPr txBox="1"/>
+          <p:nvPr/>
+        </p:nvSpPr>
+        <p:spPr>
+          <a:xfrm>
+            <a:off x="403123" y="6243484"/>
+            <a:ext cx="6597445" cy="369332"/>
+          </a:xfrm>
+          <a:prstGeom prst="rect">
+            <a:avLst/>
+          </a:prstGeom>
+          <a:noFill/>
+        </p:spPr>
+        <p:txBody>
+          <a:bodyPr wrap="square" rtlCol="0">
+            <a:spAutoFit/>
+          </a:bodyPr>
+          <a:lstStyle/>
+          <a:p>
+            <a:pPr algn="ctr"/>
+            <a:r>
+              <a:rPr lang="en-IN" b="1" dirty="0"/>
+              <a:t>In-Memory Session Store</a:t>
+            </a:r>
+            <a:endParaRPr lang="en-US" b="1" dirty="0"/>
+          </a:p>
+        </p:txBody>
+      </p:sp>
+      <p:sp>
+        <p:nvSpPr>
+          <p:cNvPr id="13" name="Arrow: Right 12">
+            <a:extLst>
+              <a:ext uri="{FF2B5EF4-FFF2-40B4-BE49-F238E27FC236}">
+                <a16:creationId xmlns:a16="http://schemas.microsoft.com/office/drawing/2014/main" id="{6FB20210-B9F5-448C-BB5A-EC8471D5165D}"/>
+              </a:ext>
+            </a:extLst>
+          </p:cNvPr>
+          <p:cNvSpPr/>
+          <p:nvPr/>
+        </p:nvSpPr>
+        <p:spPr>
+          <a:xfrm>
+            <a:off x="304800" y="530942"/>
+            <a:ext cx="7433185" cy="1002890"/>
+          </a:xfrm>
+          <a:prstGeom prst="rightArrow">
+            <a:avLst/>
+          </a:prstGeom>
+        </p:spPr>
+        <p:style>
+          <a:lnRef idx="2">
+            <a:schemeClr val="accent1">
+              <a:shade val="50000"/>
+            </a:schemeClr>
+          </a:lnRef>
+          <a:fillRef idx="1">
+            <a:schemeClr val="accent1"/>
+          </a:fillRef>
+          <a:effectRef idx="0">
+            <a:schemeClr val="accent1"/>
+          </a:effectRef>
+          <a:fontRef idx="minor">
+            <a:schemeClr val="lt1"/>
+          </a:fontRef>
+        </p:style>
+        <p:txBody>
+          <a:bodyPr rtlCol="0" anchor="ctr"/>
+          <a:lstStyle/>
+          <a:p>
+            <a:pPr algn="ctr"/>
+            <a:r>
+              <a:rPr lang="en-IN" b="1" dirty="0"/>
+              <a:t>Request</a:t>
+            </a:r>
+            <a:endParaRPr lang="en-US" b="1" dirty="0"/>
+          </a:p>
+        </p:txBody>
+      </p:sp>
+      <p:cxnSp>
+        <p:nvCxnSpPr>
+          <p:cNvPr id="15" name="Connector: Elbow 14">
+            <a:extLst>
+              <a:ext uri="{FF2B5EF4-FFF2-40B4-BE49-F238E27FC236}">
+                <a16:creationId xmlns:a16="http://schemas.microsoft.com/office/drawing/2014/main" id="{62516550-A3D9-4EDE-AB65-C484C885D75A}"/>
+              </a:ext>
+            </a:extLst>
+          </p:cNvPr>
+          <p:cNvCxnSpPr>
+            <a:cxnSpLocks/>
+            <a:stCxn id="13" idx="3"/>
+            <a:endCxn id="4" idx="0"/>
+          </p:cNvCxnSpPr>
+          <p:nvPr/>
+        </p:nvCxnSpPr>
+        <p:spPr>
+          <a:xfrm>
+            <a:off x="7737985" y="1032387"/>
+            <a:ext cx="2013924" cy="1406013"/>
+          </a:xfrm>
+          <a:prstGeom prst="bentConnector2">
+            <a:avLst/>
+          </a:prstGeom>
+          <a:ln w="57150">
+            <a:solidFill>
+              <a:srgbClr val="FF0000"/>
+            </a:solidFill>
+            <a:tailEnd type="triangle"/>
+          </a:ln>
+        </p:spPr>
+        <p:style>
+          <a:lnRef idx="1">
+            <a:schemeClr val="accent1"/>
+          </a:lnRef>
+          <a:fillRef idx="0">
+            <a:schemeClr val="accent1"/>
+          </a:fillRef>
+          <a:effectRef idx="0">
+            <a:schemeClr val="accent1"/>
+          </a:effectRef>
+          <a:fontRef idx="minor">
+            <a:schemeClr val="tx1"/>
+          </a:fontRef>
+        </p:style>
+      </p:cxnSp>
+      <p:cxnSp>
+        <p:nvCxnSpPr>
+          <p:cNvPr id="17" name="Connector: Elbow 16">
+            <a:extLst>
+              <a:ext uri="{FF2B5EF4-FFF2-40B4-BE49-F238E27FC236}">
+                <a16:creationId xmlns:a16="http://schemas.microsoft.com/office/drawing/2014/main" id="{867CF9C6-2551-4279-B672-9EBDC9EAB0C1}"/>
+              </a:ext>
+            </a:extLst>
+          </p:cNvPr>
+          <p:cNvCxnSpPr>
+            <a:cxnSpLocks/>
+            <a:stCxn id="5" idx="2"/>
+            <a:endCxn id="6" idx="3"/>
+          </p:cNvCxnSpPr>
+          <p:nvPr/>
+        </p:nvCxnSpPr>
+        <p:spPr>
+          <a:xfrm rot="5400000">
+            <a:off x="7955718" y="4262004"/>
+            <a:ext cx="956026" cy="1647133"/>
+          </a:xfrm>
+          <a:prstGeom prst="bentConnector2">
+            <a:avLst/>
+          </a:prstGeom>
+          <a:ln w="57150">
+            <a:solidFill>
+              <a:srgbClr val="FF0000"/>
+            </a:solidFill>
+            <a:tailEnd type="triangle"/>
+          </a:ln>
+        </p:spPr>
+        <p:style>
+          <a:lnRef idx="1">
+            <a:schemeClr val="accent1"/>
+          </a:lnRef>
+          <a:fillRef idx="0">
+            <a:schemeClr val="accent1"/>
+          </a:fillRef>
+          <a:effectRef idx="0">
+            <a:schemeClr val="accent1"/>
+          </a:effectRef>
+          <a:fontRef idx="minor">
+            <a:schemeClr val="tx1"/>
+          </a:fontRef>
+        </p:style>
+      </p:cxnSp>
+      <p:sp>
+        <p:nvSpPr>
+          <p:cNvPr id="20" name="TextBox 19">
+            <a:extLst>
+              <a:ext uri="{FF2B5EF4-FFF2-40B4-BE49-F238E27FC236}">
+                <a16:creationId xmlns:a16="http://schemas.microsoft.com/office/drawing/2014/main" id="{C10E3FD9-08A2-4839-9FE6-C61E62C9E2EC}"/>
+              </a:ext>
+            </a:extLst>
+          </p:cNvPr>
+          <p:cNvSpPr txBox="1"/>
+          <p:nvPr/>
+        </p:nvSpPr>
+        <p:spPr>
+          <a:xfrm>
+            <a:off x="9394722" y="5119083"/>
+            <a:ext cx="1794388" cy="1200329"/>
+          </a:xfrm>
+          <a:prstGeom prst="rect">
+            <a:avLst/>
+          </a:prstGeom>
+          <a:noFill/>
+        </p:spPr>
+        <p:txBody>
+          <a:bodyPr wrap="square" rtlCol="0">
+            <a:spAutoFit/>
+          </a:bodyPr>
+          <a:lstStyle/>
+          <a:p>
+            <a:r>
+              <a:rPr lang="en-IN" b="1" dirty="0"/>
+              <a:t>Is Session Initialized</a:t>
+            </a:r>
+          </a:p>
+          <a:p>
+            <a:r>
+              <a:rPr lang="en-IN" b="1" dirty="0"/>
+              <a:t>Assign Session Info</a:t>
+            </a:r>
+            <a:endParaRPr lang="en-US" b="1" dirty="0"/>
+          </a:p>
+        </p:txBody>
+      </p:sp>
+      <p:sp>
+        <p:nvSpPr>
+          <p:cNvPr id="21" name="Arrow: Right 20">
+            <a:extLst>
+              <a:ext uri="{FF2B5EF4-FFF2-40B4-BE49-F238E27FC236}">
+                <a16:creationId xmlns:a16="http://schemas.microsoft.com/office/drawing/2014/main" id="{D97691C6-1DA2-430A-BCC2-C3024451CF08}"/>
+              </a:ext>
+            </a:extLst>
+          </p:cNvPr>
+          <p:cNvSpPr/>
+          <p:nvPr/>
+        </p:nvSpPr>
+        <p:spPr>
+          <a:xfrm>
+            <a:off x="304800" y="1838632"/>
+            <a:ext cx="7433185" cy="1002890"/>
+          </a:xfrm>
+          <a:prstGeom prst="rightArrow">
+            <a:avLst/>
+          </a:prstGeom>
+        </p:spPr>
+        <p:style>
+          <a:lnRef idx="2">
+            <a:schemeClr val="accent1">
+              <a:shade val="50000"/>
+            </a:schemeClr>
+          </a:lnRef>
+          <a:fillRef idx="1">
+            <a:schemeClr val="accent1"/>
+          </a:fillRef>
+          <a:effectRef idx="0">
+            <a:schemeClr val="accent1"/>
+          </a:effectRef>
+          <a:fontRef idx="minor">
+            <a:schemeClr val="lt1"/>
+          </a:fontRef>
+        </p:style>
+        <p:txBody>
+          <a:bodyPr rtlCol="0" anchor="ctr"/>
+          <a:lstStyle/>
+          <a:p>
+            <a:pPr algn="ctr"/>
+            <a:r>
+              <a:rPr lang="en-IN" b="1" dirty="0"/>
+              <a:t>Request with Authenticate</a:t>
+            </a:r>
+            <a:endParaRPr lang="en-US" b="1" dirty="0"/>
+          </a:p>
+        </p:txBody>
+      </p:sp>
+      <p:cxnSp>
+        <p:nvCxnSpPr>
+          <p:cNvPr id="23" name="Connector: Elbow 22">
+            <a:extLst>
+              <a:ext uri="{FF2B5EF4-FFF2-40B4-BE49-F238E27FC236}">
+                <a16:creationId xmlns:a16="http://schemas.microsoft.com/office/drawing/2014/main" id="{BFAC7C29-24FC-41AF-90B1-57FC01816797}"/>
+              </a:ext>
+            </a:extLst>
+          </p:cNvPr>
+          <p:cNvCxnSpPr>
+            <a:stCxn id="21" idx="3"/>
+            <a:endCxn id="5" idx="1"/>
+          </p:cNvCxnSpPr>
+          <p:nvPr/>
+        </p:nvCxnSpPr>
+        <p:spPr>
+          <a:xfrm>
+            <a:off x="7737985" y="2340077"/>
+            <a:ext cx="668595" cy="1467776"/>
+          </a:xfrm>
+          <a:prstGeom prst="bentConnector3">
+            <a:avLst/>
+          </a:prstGeom>
+          <a:ln w="57150">
+            <a:solidFill>
+              <a:srgbClr val="FF0000"/>
+            </a:solidFill>
+            <a:tailEnd type="triangle"/>
+          </a:ln>
+        </p:spPr>
+        <p:style>
+          <a:lnRef idx="1">
+            <a:schemeClr val="accent1"/>
+          </a:lnRef>
+          <a:fillRef idx="0">
+            <a:schemeClr val="accent1"/>
+          </a:fillRef>
+          <a:effectRef idx="0">
+            <a:schemeClr val="accent1"/>
+          </a:effectRef>
+          <a:fontRef idx="minor">
+            <a:schemeClr val="tx1"/>
+          </a:fontRef>
+        </p:style>
+      </p:cxnSp>
+      <p:cxnSp>
+        <p:nvCxnSpPr>
+          <p:cNvPr id="25" name="Connector: Elbow 24">
+            <a:extLst>
+              <a:ext uri="{FF2B5EF4-FFF2-40B4-BE49-F238E27FC236}">
+                <a16:creationId xmlns:a16="http://schemas.microsoft.com/office/drawing/2014/main" id="{09D697E3-E38B-4E94-9419-A73062C5A171}"/>
+              </a:ext>
+            </a:extLst>
+          </p:cNvPr>
+          <p:cNvCxnSpPr>
+            <a:cxnSpLocks/>
+          </p:cNvCxnSpPr>
+          <p:nvPr/>
+        </p:nvCxnSpPr>
+        <p:spPr>
+          <a:xfrm flipV="1">
+            <a:off x="5211097" y="4103343"/>
+            <a:ext cx="3077497" cy="1061845"/>
+          </a:xfrm>
+          <a:prstGeom prst="bentConnector3">
+            <a:avLst>
+              <a:gd name="adj1" fmla="val 50000"/>
+            </a:avLst>
+          </a:prstGeom>
+          <a:ln w="57150">
+            <a:solidFill>
+              <a:srgbClr val="FF0000"/>
+            </a:solidFill>
+            <a:tailEnd type="triangle"/>
+          </a:ln>
+        </p:spPr>
+        <p:style>
+          <a:lnRef idx="1">
+            <a:schemeClr val="accent1"/>
+          </a:lnRef>
+          <a:fillRef idx="0">
+            <a:schemeClr val="accent1"/>
+          </a:fillRef>
+          <a:effectRef idx="0">
+            <a:schemeClr val="accent1"/>
+          </a:effectRef>
+          <a:fontRef idx="minor">
+            <a:schemeClr val="tx1"/>
+          </a:fontRef>
+        </p:style>
+      </p:cxnSp>
+      <p:sp>
+        <p:nvSpPr>
+          <p:cNvPr id="29" name="Rectangle 28">
+            <a:extLst>
+              <a:ext uri="{FF2B5EF4-FFF2-40B4-BE49-F238E27FC236}">
+                <a16:creationId xmlns:a16="http://schemas.microsoft.com/office/drawing/2014/main" id="{5CB5D4B4-E57E-489D-83CA-7DAD63CB9BBB}"/>
+              </a:ext>
+            </a:extLst>
+          </p:cNvPr>
+          <p:cNvSpPr/>
+          <p:nvPr/>
+        </p:nvSpPr>
+        <p:spPr>
+          <a:xfrm>
+            <a:off x="176981" y="2826151"/>
+            <a:ext cx="7551172" cy="1073160"/>
+          </a:xfrm>
+          <a:prstGeom prst="rect">
+            <a:avLst/>
+          </a:prstGeom>
+          <a:solidFill>
+            <a:srgbClr val="00B0F0"/>
+          </a:solidFill>
+        </p:spPr>
+        <p:style>
+          <a:lnRef idx="2">
+            <a:schemeClr val="accent1">
+              <a:shade val="50000"/>
+            </a:schemeClr>
+          </a:lnRef>
+          <a:fillRef idx="1">
+            <a:schemeClr val="accent1"/>
+          </a:fillRef>
+          <a:effectRef idx="0">
+            <a:schemeClr val="accent1"/>
+          </a:effectRef>
+          <a:fontRef idx="minor">
+            <a:schemeClr val="lt1"/>
+          </a:fontRef>
+        </p:style>
+        <p:txBody>
+          <a:bodyPr rtlCol="0" anchor="ctr"/>
+          <a:lstStyle/>
+          <a:p>
+            <a:pPr algn="ctr"/>
+            <a:endParaRPr lang="en-US"/>
+          </a:p>
+        </p:txBody>
+      </p:sp>
+      <p:sp>
+        <p:nvSpPr>
+          <p:cNvPr id="30" name="TextBox 29">
+            <a:extLst>
+              <a:ext uri="{FF2B5EF4-FFF2-40B4-BE49-F238E27FC236}">
+                <a16:creationId xmlns:a16="http://schemas.microsoft.com/office/drawing/2014/main" id="{75ACCCE9-3107-4B8E-99A7-A36F83308EE4}"/>
+              </a:ext>
+            </a:extLst>
+          </p:cNvPr>
+          <p:cNvSpPr txBox="1"/>
+          <p:nvPr/>
+        </p:nvSpPr>
+        <p:spPr>
+          <a:xfrm>
+            <a:off x="235974" y="4016479"/>
+            <a:ext cx="6154994" cy="646331"/>
+          </a:xfrm>
+          <a:prstGeom prst="rect">
+            <a:avLst/>
+          </a:prstGeom>
+          <a:noFill/>
+        </p:spPr>
+        <p:txBody>
+          <a:bodyPr wrap="square" rtlCol="0">
+            <a:spAutoFit/>
+          </a:bodyPr>
+          <a:lstStyle/>
+          <a:p>
+            <a:r>
+              <a:rPr lang="en-IN" b="1" dirty="0"/>
+              <a:t>Session Authenticated Channel for HTTP Requests and Reponses for Static Resources + Data</a:t>
+            </a:r>
+            <a:endParaRPr lang="en-US" b="1" dirty="0"/>
+          </a:p>
+        </p:txBody>
+      </p:sp>
+      <p:cxnSp>
+        <p:nvCxnSpPr>
+          <p:cNvPr id="32" name="Straight Arrow Connector 31">
+            <a:extLst>
+              <a:ext uri="{FF2B5EF4-FFF2-40B4-BE49-F238E27FC236}">
+                <a16:creationId xmlns:a16="http://schemas.microsoft.com/office/drawing/2014/main" id="{E3AEE467-919A-4C8D-A7B5-186F9832E077}"/>
+              </a:ext>
+            </a:extLst>
+          </p:cNvPr>
+          <p:cNvCxnSpPr/>
+          <p:nvPr/>
+        </p:nvCxnSpPr>
+        <p:spPr>
+          <a:xfrm flipV="1">
+            <a:off x="304800" y="3022276"/>
+            <a:ext cx="7423352" cy="54647"/>
+          </a:xfrm>
+          <a:prstGeom prst="straightConnector1">
+            <a:avLst/>
+          </a:prstGeom>
+          <a:ln w="76200">
+            <a:solidFill>
+              <a:srgbClr val="FFFF00"/>
+            </a:solidFill>
+            <a:headEnd type="triangle"/>
+            <a:tailEnd type="triangle"/>
+          </a:ln>
+        </p:spPr>
+        <p:style>
+          <a:lnRef idx="1">
+            <a:schemeClr val="accent1"/>
+          </a:lnRef>
+          <a:fillRef idx="0">
+            <a:schemeClr val="accent1"/>
+          </a:fillRef>
+          <a:effectRef idx="0">
+            <a:schemeClr val="accent1"/>
+          </a:effectRef>
+          <a:fontRef idx="minor">
+            <a:schemeClr val="tx1"/>
+          </a:fontRef>
+        </p:style>
+      </p:cxnSp>
+      <p:cxnSp>
+        <p:nvCxnSpPr>
+          <p:cNvPr id="33" name="Straight Arrow Connector 32">
+            <a:extLst>
+              <a:ext uri="{FF2B5EF4-FFF2-40B4-BE49-F238E27FC236}">
+                <a16:creationId xmlns:a16="http://schemas.microsoft.com/office/drawing/2014/main" id="{EA6F2807-5E20-4AC1-9D77-4B7C98D71048}"/>
+              </a:ext>
+            </a:extLst>
+          </p:cNvPr>
+          <p:cNvCxnSpPr/>
+          <p:nvPr/>
+        </p:nvCxnSpPr>
+        <p:spPr>
+          <a:xfrm flipV="1">
+            <a:off x="314631" y="3409636"/>
+            <a:ext cx="7423352" cy="54647"/>
+          </a:xfrm>
+          <a:prstGeom prst="straightConnector1">
+            <a:avLst/>
+          </a:prstGeom>
+          <a:ln w="76200">
+            <a:solidFill>
+              <a:srgbClr val="FFFF00"/>
+            </a:solidFill>
+            <a:headEnd type="triangle"/>
+            <a:tailEnd type="triangle"/>
+          </a:ln>
+        </p:spPr>
+        <p:style>
+          <a:lnRef idx="1">
+            <a:schemeClr val="accent1"/>
+          </a:lnRef>
+          <a:fillRef idx="0">
+            <a:schemeClr val="accent1"/>
+          </a:fillRef>
+          <a:effectRef idx="0">
+            <a:schemeClr val="accent1"/>
+          </a:effectRef>
+          <a:fontRef idx="minor">
+            <a:schemeClr val="tx1"/>
+          </a:fontRef>
+        </p:style>
+      </p:cxnSp>
+      <p:cxnSp>
+        <p:nvCxnSpPr>
+          <p:cNvPr id="34" name="Straight Arrow Connector 33">
+            <a:extLst>
+              <a:ext uri="{FF2B5EF4-FFF2-40B4-BE49-F238E27FC236}">
+                <a16:creationId xmlns:a16="http://schemas.microsoft.com/office/drawing/2014/main" id="{C206B819-28F6-47B7-A560-89612FF4E740}"/>
+              </a:ext>
+            </a:extLst>
+          </p:cNvPr>
+          <p:cNvCxnSpPr/>
+          <p:nvPr/>
+        </p:nvCxnSpPr>
+        <p:spPr>
+          <a:xfrm flipV="1">
+            <a:off x="304800" y="3195218"/>
+            <a:ext cx="7423352" cy="54647"/>
+          </a:xfrm>
+          <a:prstGeom prst="straightConnector1">
+            <a:avLst/>
+          </a:prstGeom>
+          <a:ln w="76200">
+            <a:solidFill>
+              <a:srgbClr val="FFFF00"/>
+            </a:solidFill>
+            <a:headEnd type="triangle"/>
+            <a:tailEnd type="triangle"/>
+          </a:ln>
+        </p:spPr>
+        <p:style>
+          <a:lnRef idx="1">
+            <a:schemeClr val="accent1"/>
+          </a:lnRef>
+          <a:fillRef idx="0">
+            <a:schemeClr val="accent1"/>
+          </a:fillRef>
+          <a:effectRef idx="0">
+            <a:schemeClr val="accent1"/>
+          </a:effectRef>
+          <a:fontRef idx="minor">
+            <a:schemeClr val="tx1"/>
+          </a:fontRef>
+        </p:style>
+      </p:cxnSp>
+      <p:cxnSp>
+        <p:nvCxnSpPr>
+          <p:cNvPr id="35" name="Straight Arrow Connector 34">
+            <a:extLst>
+              <a:ext uri="{FF2B5EF4-FFF2-40B4-BE49-F238E27FC236}">
+                <a16:creationId xmlns:a16="http://schemas.microsoft.com/office/drawing/2014/main" id="{4591ABF9-3844-45F0-A316-B470BAF86E03}"/>
+              </a:ext>
+            </a:extLst>
+          </p:cNvPr>
+          <p:cNvCxnSpPr/>
+          <p:nvPr/>
+        </p:nvCxnSpPr>
+        <p:spPr>
+          <a:xfrm flipV="1">
+            <a:off x="314631" y="3582578"/>
+            <a:ext cx="7423352" cy="54647"/>
+          </a:xfrm>
+          <a:prstGeom prst="straightConnector1">
+            <a:avLst/>
+          </a:prstGeom>
+          <a:ln w="76200">
+            <a:solidFill>
+              <a:srgbClr val="FFFF00"/>
+            </a:solidFill>
+            <a:headEnd type="triangle"/>
+            <a:tailEnd type="triangle"/>
+          </a:ln>
+        </p:spPr>
+        <p:style>
+          <a:lnRef idx="1">
+            <a:schemeClr val="accent1"/>
+          </a:lnRef>
+          <a:fillRef idx="0">
+            <a:schemeClr val="accent1"/>
+          </a:fillRef>
+          <a:effectRef idx="0">
+            <a:schemeClr val="accent1"/>
+          </a:effectRef>
+          <a:fontRef idx="minor">
+            <a:schemeClr val="tx1"/>
+          </a:fontRef>
+        </p:style>
+      </p:cxnSp>
+      <p:sp>
+        <p:nvSpPr>
+          <p:cNvPr id="36" name="Cylinder 35">
+            <a:extLst>
+              <a:ext uri="{FF2B5EF4-FFF2-40B4-BE49-F238E27FC236}">
+                <a16:creationId xmlns:a16="http://schemas.microsoft.com/office/drawing/2014/main" id="{64B86A4C-1E4C-4194-B570-E0A6D5D7D569}"/>
+              </a:ext>
+            </a:extLst>
+          </p:cNvPr>
+          <p:cNvSpPr/>
+          <p:nvPr/>
+        </p:nvSpPr>
+        <p:spPr>
+          <a:xfrm>
+            <a:off x="10604090" y="4385187"/>
+            <a:ext cx="1410930" cy="780001"/>
+          </a:xfrm>
+          <a:prstGeom prst="can">
+            <a:avLst/>
+          </a:prstGeom>
+          <a:solidFill>
+            <a:schemeClr val="tx1">
+              <a:lumMod val="75000"/>
+              <a:lumOff val="25000"/>
+            </a:schemeClr>
+          </a:solidFill>
+        </p:spPr>
+        <p:style>
+          <a:lnRef idx="2">
+            <a:schemeClr val="accent1">
+              <a:shade val="50000"/>
+            </a:schemeClr>
+          </a:lnRef>
+          <a:fillRef idx="1">
+            <a:schemeClr val="accent1"/>
+          </a:fillRef>
+          <a:effectRef idx="0">
+            <a:schemeClr val="accent1"/>
+          </a:effectRef>
+          <a:fontRef idx="minor">
+            <a:schemeClr val="lt1"/>
+          </a:fontRef>
+        </p:style>
+        <p:txBody>
+          <a:bodyPr rtlCol="0" anchor="ctr"/>
+          <a:lstStyle/>
+          <a:p>
+            <a:pPr algn="ctr"/>
+            <a:r>
+              <a:rPr lang="en-IN" b="1" dirty="0"/>
+              <a:t>Auth</a:t>
+            </a:r>
+          </a:p>
+          <a:p>
+            <a:pPr algn="ctr"/>
+            <a:r>
+              <a:rPr lang="en-IN" b="1" dirty="0"/>
+              <a:t>DB</a:t>
+            </a:r>
+            <a:endParaRPr lang="en-US" b="1" dirty="0"/>
+          </a:p>
+        </p:txBody>
+      </p:sp>
+      <p:cxnSp>
+        <p:nvCxnSpPr>
+          <p:cNvPr id="38" name="Connector: Elbow 37">
+            <a:extLst>
+              <a:ext uri="{FF2B5EF4-FFF2-40B4-BE49-F238E27FC236}">
+                <a16:creationId xmlns:a16="http://schemas.microsoft.com/office/drawing/2014/main" id="{96300601-FF80-4DE5-860C-38B98A695370}"/>
+              </a:ext>
+            </a:extLst>
+          </p:cNvPr>
+          <p:cNvCxnSpPr>
+            <a:stCxn id="4" idx="3"/>
+            <a:endCxn id="36" idx="1"/>
+          </p:cNvCxnSpPr>
+          <p:nvPr/>
+        </p:nvCxnSpPr>
+        <p:spPr>
+          <a:xfrm>
+            <a:off x="10604090" y="3303639"/>
+            <a:ext cx="705465" cy="1081548"/>
+          </a:xfrm>
+          <a:prstGeom prst="bentConnector2">
+            <a:avLst/>
+          </a:prstGeom>
+          <a:ln w="76200">
+            <a:solidFill>
+              <a:srgbClr val="FF0000"/>
+            </a:solidFill>
+            <a:headEnd type="triangle"/>
+            <a:tailEnd type="triangle"/>
+          </a:ln>
+        </p:spPr>
+        <p:style>
+          <a:lnRef idx="1">
+            <a:schemeClr val="accent1"/>
+          </a:lnRef>
+          <a:fillRef idx="0">
+            <a:schemeClr val="accent1"/>
+          </a:fillRef>
+          <a:effectRef idx="0">
+            <a:schemeClr val="accent1"/>
+          </a:effectRef>
+          <a:fontRef idx="minor">
+            <a:schemeClr val="tx1"/>
+          </a:fontRef>
+        </p:style>
+      </p:cxnSp>
+    </p:spTree>
+    <p:extLst>
+      <p:ext uri="{BB962C8B-B14F-4D97-AF65-F5344CB8AC3E}">
+        <p14:creationId xmlns:p14="http://schemas.microsoft.com/office/powerpoint/2010/main" val="2524308556"/>
+      </p:ext>
+    </p:extLst>
+  </p:cSld>
+  <p:clrMapOvr>
+    <a:masterClrMapping/>
+  </p:clrMapOvr>
+</p:sld>
+</file>
+
 <file path=ppt/slides/slide2.xml><?xml version="1.0" encoding="utf-8"?>
 <p:sld xmlns:a="http://schemas.openxmlformats.org/drawingml/2006/main" xmlns:r="http://schemas.openxmlformats.org/officeDocument/2006/relationships" xmlns:p="http://schemas.openxmlformats.org/presentationml/2006/main">
   <p:cSld>

--- a/training_images.pptx
+++ b/training_images.pptx
@@ -19,6 +19,7 @@
     <p:sldId id="267" r:id="rId13"/>
     <p:sldId id="268" r:id="rId14"/>
     <p:sldId id="269" r:id="rId15"/>
+    <p:sldId id="270" r:id="rId16"/>
   </p:sldIdLst>
   <p:sldSz cx="12192000" cy="6858000"/>
   <p:notesSz cx="6858000" cy="9144000"/>
@@ -288,7 +289,7 @@
           <a:p>
             <a:fld id="{822AF85D-11A4-42B9-B7D1-A5D0AD529DB2}" type="datetimeFigureOut">
               <a:rPr lang="en-US" smtClean="0"/>
-              <a:t>4/20/2022</a:t>
+              <a:t>4/21/2022</a:t>
             </a:fld>
             <a:endParaRPr lang="en-US"/>
           </a:p>
@@ -458,7 +459,7 @@
           <a:p>
             <a:fld id="{822AF85D-11A4-42B9-B7D1-A5D0AD529DB2}" type="datetimeFigureOut">
               <a:rPr lang="en-US" smtClean="0"/>
-              <a:t>4/20/2022</a:t>
+              <a:t>4/21/2022</a:t>
             </a:fld>
             <a:endParaRPr lang="en-US"/>
           </a:p>
@@ -638,7 +639,7 @@
           <a:p>
             <a:fld id="{822AF85D-11A4-42B9-B7D1-A5D0AD529DB2}" type="datetimeFigureOut">
               <a:rPr lang="en-US" smtClean="0"/>
-              <a:t>4/20/2022</a:t>
+              <a:t>4/21/2022</a:t>
             </a:fld>
             <a:endParaRPr lang="en-US"/>
           </a:p>
@@ -808,7 +809,7 @@
           <a:p>
             <a:fld id="{822AF85D-11A4-42B9-B7D1-A5D0AD529DB2}" type="datetimeFigureOut">
               <a:rPr lang="en-US" smtClean="0"/>
-              <a:t>4/20/2022</a:t>
+              <a:t>4/21/2022</a:t>
             </a:fld>
             <a:endParaRPr lang="en-US"/>
           </a:p>
@@ -1076,7 +1077,7 @@
           <a:p>
             <a:fld id="{822AF85D-11A4-42B9-B7D1-A5D0AD529DB2}" type="datetimeFigureOut">
               <a:rPr lang="en-US" smtClean="0"/>
-              <a:t>4/20/2022</a:t>
+              <a:t>4/21/2022</a:t>
             </a:fld>
             <a:endParaRPr lang="en-US"/>
           </a:p>
@@ -1308,7 +1309,7 @@
           <a:p>
             <a:fld id="{822AF85D-11A4-42B9-B7D1-A5D0AD529DB2}" type="datetimeFigureOut">
               <a:rPr lang="en-US" smtClean="0"/>
-              <a:t>4/20/2022</a:t>
+              <a:t>4/21/2022</a:t>
             </a:fld>
             <a:endParaRPr lang="en-US"/>
           </a:p>
@@ -1667,7 +1668,7 @@
           <a:p>
             <a:fld id="{822AF85D-11A4-42B9-B7D1-A5D0AD529DB2}" type="datetimeFigureOut">
               <a:rPr lang="en-US" smtClean="0"/>
-              <a:t>4/20/2022</a:t>
+              <a:t>4/21/2022</a:t>
             </a:fld>
             <a:endParaRPr lang="en-US"/>
           </a:p>
@@ -1808,7 +1809,7 @@
           <a:p>
             <a:fld id="{822AF85D-11A4-42B9-B7D1-A5D0AD529DB2}" type="datetimeFigureOut">
               <a:rPr lang="en-US" smtClean="0"/>
-              <a:t>4/20/2022</a:t>
+              <a:t>4/21/2022</a:t>
             </a:fld>
             <a:endParaRPr lang="en-US"/>
           </a:p>
@@ -1903,7 +1904,7 @@
           <a:p>
             <a:fld id="{822AF85D-11A4-42B9-B7D1-A5D0AD529DB2}" type="datetimeFigureOut">
               <a:rPr lang="en-US" smtClean="0"/>
-              <a:t>4/20/2022</a:t>
+              <a:t>4/21/2022</a:t>
             </a:fld>
             <a:endParaRPr lang="en-US"/>
           </a:p>
@@ -2260,7 +2261,7 @@
           <a:p>
             <a:fld id="{822AF85D-11A4-42B9-B7D1-A5D0AD529DB2}" type="datetimeFigureOut">
               <a:rPr lang="en-US" smtClean="0"/>
-              <a:t>4/20/2022</a:t>
+              <a:t>4/21/2022</a:t>
             </a:fld>
             <a:endParaRPr lang="en-US"/>
           </a:p>
@@ -2617,7 +2618,7 @@
           <a:p>
             <a:fld id="{822AF85D-11A4-42B9-B7D1-A5D0AD529DB2}" type="datetimeFigureOut">
               <a:rPr lang="en-US" smtClean="0"/>
-              <a:t>4/20/2022</a:t>
+              <a:t>4/21/2022</a:t>
             </a:fld>
             <a:endParaRPr lang="en-US"/>
           </a:p>
@@ -2859,7 +2860,7 @@
           <a:p>
             <a:fld id="{822AF85D-11A4-42B9-B7D1-A5D0AD529DB2}" type="datetimeFigureOut">
               <a:rPr lang="en-US" smtClean="0"/>
-              <a:t>4/20/2022</a:t>
+              <a:t>4/21/2022</a:t>
             </a:fld>
             <a:endParaRPr lang="en-US"/>
           </a:p>
@@ -7665,6 +7666,748 @@
 </p:sld>
 </file>
 
+<file path=ppt/slides/slide15.xml><?xml version="1.0" encoding="utf-8"?>
+<p:sld xmlns:a="http://schemas.openxmlformats.org/drawingml/2006/main" xmlns:r="http://schemas.openxmlformats.org/officeDocument/2006/relationships" xmlns:p="http://schemas.openxmlformats.org/presentationml/2006/main">
+  <p:cSld>
+    <p:spTree>
+      <p:nvGrpSpPr>
+        <p:cNvPr id="1" name=""/>
+        <p:cNvGrpSpPr/>
+        <p:nvPr/>
+      </p:nvGrpSpPr>
+      <p:grpSpPr>
+        <a:xfrm>
+          <a:off x="0" y="0"/>
+          <a:ext cx="0" cy="0"/>
+          <a:chOff x="0" y="0"/>
+          <a:chExt cx="0" cy="0"/>
+        </a:xfrm>
+      </p:grpSpPr>
+      <p:sp>
+        <p:nvSpPr>
+          <p:cNvPr id="2" name="Rectangle 1">
+            <a:extLst>
+              <a:ext uri="{FF2B5EF4-FFF2-40B4-BE49-F238E27FC236}">
+                <a16:creationId xmlns:a16="http://schemas.microsoft.com/office/drawing/2014/main" id="{D3438A07-C493-49FC-B8EA-E809CC412B72}"/>
+              </a:ext>
+            </a:extLst>
+          </p:cNvPr>
+          <p:cNvSpPr/>
+          <p:nvPr/>
+        </p:nvSpPr>
+        <p:spPr>
+          <a:xfrm>
+            <a:off x="8337755" y="226142"/>
+            <a:ext cx="2753032" cy="2428568"/>
+          </a:xfrm>
+          <a:prstGeom prst="rect">
+            <a:avLst/>
+          </a:prstGeom>
+        </p:spPr>
+        <p:style>
+          <a:lnRef idx="2">
+            <a:schemeClr val="accent1">
+              <a:shade val="50000"/>
+            </a:schemeClr>
+          </a:lnRef>
+          <a:fillRef idx="1">
+            <a:schemeClr val="accent1"/>
+          </a:fillRef>
+          <a:effectRef idx="0">
+            <a:schemeClr val="accent1"/>
+          </a:effectRef>
+          <a:fontRef idx="minor">
+            <a:schemeClr val="lt1"/>
+          </a:fontRef>
+        </p:style>
+        <p:txBody>
+          <a:bodyPr rtlCol="0" anchor="ctr"/>
+          <a:lstStyle/>
+          <a:p>
+            <a:pPr algn="ctr"/>
+            <a:r>
+              <a:rPr lang="en-US" b="1" dirty="0"/>
+              <a:t>Node.js + Express</a:t>
+            </a:r>
+          </a:p>
+          <a:p>
+            <a:pPr algn="ctr"/>
+            <a:r>
+              <a:rPr lang="en-US" b="1" dirty="0"/>
+              <a:t>REST API</a:t>
+            </a:r>
+          </a:p>
+          <a:p>
+            <a:pPr algn="ctr"/>
+            <a:r>
+              <a:rPr lang="en-US" b="1" dirty="0"/>
+              <a:t>Back-End Service</a:t>
+            </a:r>
+          </a:p>
+          <a:p>
+            <a:pPr algn="ctr"/>
+            <a:r>
+              <a:rPr lang="en-US" b="1" dirty="0"/>
+              <a:t>http://localhost:7011/api/departments</a:t>
+            </a:r>
+          </a:p>
+        </p:txBody>
+      </p:sp>
+      <p:sp>
+        <p:nvSpPr>
+          <p:cNvPr id="3" name="Cylinder 2">
+            <a:extLst>
+              <a:ext uri="{FF2B5EF4-FFF2-40B4-BE49-F238E27FC236}">
+                <a16:creationId xmlns:a16="http://schemas.microsoft.com/office/drawing/2014/main" id="{A080A4CA-EA34-4A80-897D-AA16C8FA2A61}"/>
+              </a:ext>
+            </a:extLst>
+          </p:cNvPr>
+          <p:cNvSpPr/>
+          <p:nvPr/>
+        </p:nvSpPr>
+        <p:spPr>
+          <a:xfrm>
+            <a:off x="8888361" y="3303639"/>
+            <a:ext cx="1543665" cy="1386348"/>
+          </a:xfrm>
+          <a:prstGeom prst="can">
+            <a:avLst/>
+          </a:prstGeom>
+        </p:spPr>
+        <p:style>
+          <a:lnRef idx="2">
+            <a:schemeClr val="accent1">
+              <a:shade val="50000"/>
+            </a:schemeClr>
+          </a:lnRef>
+          <a:fillRef idx="1">
+            <a:schemeClr val="accent1"/>
+          </a:fillRef>
+          <a:effectRef idx="0">
+            <a:schemeClr val="accent1"/>
+          </a:effectRef>
+          <a:fontRef idx="minor">
+            <a:schemeClr val="lt1"/>
+          </a:fontRef>
+        </p:style>
+        <p:txBody>
+          <a:bodyPr rtlCol="0" anchor="ctr"/>
+          <a:lstStyle/>
+          <a:p>
+            <a:pPr algn="ctr"/>
+            <a:endParaRPr lang="en-US"/>
+          </a:p>
+        </p:txBody>
+      </p:sp>
+      <p:sp>
+        <p:nvSpPr>
+          <p:cNvPr id="4" name="Arrow: Up-Down 3">
+            <a:extLst>
+              <a:ext uri="{FF2B5EF4-FFF2-40B4-BE49-F238E27FC236}">
+                <a16:creationId xmlns:a16="http://schemas.microsoft.com/office/drawing/2014/main" id="{AF4117E4-CAFF-492F-97C3-9546D977E40B}"/>
+              </a:ext>
+            </a:extLst>
+          </p:cNvPr>
+          <p:cNvSpPr/>
+          <p:nvPr/>
+        </p:nvSpPr>
+        <p:spPr>
+          <a:xfrm>
+            <a:off x="9409470" y="2654710"/>
+            <a:ext cx="501445" cy="845574"/>
+          </a:xfrm>
+          <a:prstGeom prst="upDownArrow">
+            <a:avLst/>
+          </a:prstGeom>
+        </p:spPr>
+        <p:style>
+          <a:lnRef idx="2">
+            <a:schemeClr val="accent1">
+              <a:shade val="50000"/>
+            </a:schemeClr>
+          </a:lnRef>
+          <a:fillRef idx="1">
+            <a:schemeClr val="accent1"/>
+          </a:fillRef>
+          <a:effectRef idx="0">
+            <a:schemeClr val="accent1"/>
+          </a:effectRef>
+          <a:fontRef idx="minor">
+            <a:schemeClr val="lt1"/>
+          </a:fontRef>
+        </p:style>
+        <p:txBody>
+          <a:bodyPr rtlCol="0" anchor="ctr"/>
+          <a:lstStyle/>
+          <a:p>
+            <a:pPr algn="ctr"/>
+            <a:endParaRPr lang="en-US"/>
+          </a:p>
+        </p:txBody>
+      </p:sp>
+      <p:sp>
+        <p:nvSpPr>
+          <p:cNvPr id="5" name="Rectangle: Rounded Corners 4">
+            <a:extLst>
+              <a:ext uri="{FF2B5EF4-FFF2-40B4-BE49-F238E27FC236}">
+                <a16:creationId xmlns:a16="http://schemas.microsoft.com/office/drawing/2014/main" id="{E3F5FB97-C9D0-489F-9FEB-6027E80469B0}"/>
+              </a:ext>
+            </a:extLst>
+          </p:cNvPr>
+          <p:cNvSpPr/>
+          <p:nvPr/>
+        </p:nvSpPr>
+        <p:spPr>
+          <a:xfrm>
+            <a:off x="3372464" y="393290"/>
+            <a:ext cx="3283975" cy="1976284"/>
+          </a:xfrm>
+          <a:prstGeom prst="roundRect">
+            <a:avLst/>
+          </a:prstGeom>
+        </p:spPr>
+        <p:style>
+          <a:lnRef idx="2">
+            <a:schemeClr val="accent1">
+              <a:shade val="50000"/>
+            </a:schemeClr>
+          </a:lnRef>
+          <a:fillRef idx="1">
+            <a:schemeClr val="accent1"/>
+          </a:fillRef>
+          <a:effectRef idx="0">
+            <a:schemeClr val="accent1"/>
+          </a:effectRef>
+          <a:fontRef idx="minor">
+            <a:schemeClr val="lt1"/>
+          </a:fontRef>
+        </p:style>
+        <p:txBody>
+          <a:bodyPr rtlCol="0" anchor="ctr"/>
+          <a:lstStyle/>
+          <a:p>
+            <a:pPr algn="ctr"/>
+            <a:r>
+              <a:rPr lang="en-US" b="1" dirty="0"/>
+              <a:t>Gateway Service</a:t>
+            </a:r>
+          </a:p>
+          <a:p>
+            <a:pPr algn="ctr"/>
+            <a:r>
+              <a:rPr lang="en-US" b="1" dirty="0"/>
+              <a:t>Facing to Outside world</a:t>
+            </a:r>
+          </a:p>
+          <a:p>
+            <a:pPr algn="ctr"/>
+            <a:r>
+              <a:rPr lang="en-US" b="1" dirty="0"/>
+              <a:t>http://localhost:7010 </a:t>
+            </a:r>
+          </a:p>
+        </p:txBody>
+      </p:sp>
+      <p:cxnSp>
+        <p:nvCxnSpPr>
+          <p:cNvPr id="9" name="Straight Arrow Connector 8">
+            <a:extLst>
+              <a:ext uri="{FF2B5EF4-FFF2-40B4-BE49-F238E27FC236}">
+                <a16:creationId xmlns:a16="http://schemas.microsoft.com/office/drawing/2014/main" id="{8C7A497C-42ED-4E43-96BF-86121CDD2B8B}"/>
+              </a:ext>
+            </a:extLst>
+          </p:cNvPr>
+          <p:cNvCxnSpPr>
+            <a:stCxn id="5" idx="2"/>
+          </p:cNvCxnSpPr>
+          <p:nvPr/>
+        </p:nvCxnSpPr>
+        <p:spPr>
+          <a:xfrm flipH="1">
+            <a:off x="3628103" y="2369574"/>
+            <a:ext cx="1386349" cy="1465007"/>
+          </a:xfrm>
+          <a:prstGeom prst="straightConnector1">
+            <a:avLst/>
+          </a:prstGeom>
+          <a:ln>
+            <a:tailEnd type="triangle"/>
+          </a:ln>
+        </p:spPr>
+        <p:style>
+          <a:lnRef idx="1">
+            <a:schemeClr val="accent1"/>
+          </a:lnRef>
+          <a:fillRef idx="0">
+            <a:schemeClr val="accent1"/>
+          </a:fillRef>
+          <a:effectRef idx="0">
+            <a:schemeClr val="accent1"/>
+          </a:effectRef>
+          <a:fontRef idx="minor">
+            <a:schemeClr val="tx1"/>
+          </a:fontRef>
+        </p:style>
+      </p:cxnSp>
+      <p:sp>
+        <p:nvSpPr>
+          <p:cNvPr id="10" name="TextBox 9">
+            <a:extLst>
+              <a:ext uri="{FF2B5EF4-FFF2-40B4-BE49-F238E27FC236}">
+                <a16:creationId xmlns:a16="http://schemas.microsoft.com/office/drawing/2014/main" id="{F4BBB950-6DCC-494F-BAA2-F9ADA88F7B2D}"/>
+              </a:ext>
+            </a:extLst>
+          </p:cNvPr>
+          <p:cNvSpPr txBox="1"/>
+          <p:nvPr/>
+        </p:nvSpPr>
+        <p:spPr>
+          <a:xfrm>
+            <a:off x="2300748" y="3834581"/>
+            <a:ext cx="3283975" cy="923330"/>
+          </a:xfrm>
+          <a:prstGeom prst="rect">
+            <a:avLst/>
+          </a:prstGeom>
+          <a:noFill/>
+        </p:spPr>
+        <p:txBody>
+          <a:bodyPr wrap="square" rtlCol="0">
+            <a:spAutoFit/>
+          </a:bodyPr>
+          <a:lstStyle/>
+          <a:p>
+            <a:r>
+              <a:rPr lang="en-US" dirty="0"/>
+              <a:t>Either Other Express App or the Http module that accepts requests from outside</a:t>
+            </a:r>
+          </a:p>
+        </p:txBody>
+      </p:sp>
+      <p:sp>
+        <p:nvSpPr>
+          <p:cNvPr id="11" name="Arrow: Curved Up 10">
+            <a:extLst>
+              <a:ext uri="{FF2B5EF4-FFF2-40B4-BE49-F238E27FC236}">
+                <a16:creationId xmlns:a16="http://schemas.microsoft.com/office/drawing/2014/main" id="{109FE4B4-13DF-4FC9-AA07-CC9C0943CFEB}"/>
+              </a:ext>
+            </a:extLst>
+          </p:cNvPr>
+          <p:cNvSpPr/>
+          <p:nvPr/>
+        </p:nvSpPr>
+        <p:spPr>
+          <a:xfrm flipV="1">
+            <a:off x="639097" y="412955"/>
+            <a:ext cx="2989006" cy="717755"/>
+          </a:xfrm>
+          <a:prstGeom prst="curvedUpArrow">
+            <a:avLst/>
+          </a:prstGeom>
+          <a:solidFill>
+            <a:srgbClr val="FF0000"/>
+          </a:solidFill>
+        </p:spPr>
+        <p:style>
+          <a:lnRef idx="2">
+            <a:schemeClr val="accent1">
+              <a:shade val="50000"/>
+            </a:schemeClr>
+          </a:lnRef>
+          <a:fillRef idx="1">
+            <a:schemeClr val="accent1"/>
+          </a:fillRef>
+          <a:effectRef idx="0">
+            <a:schemeClr val="accent1"/>
+          </a:effectRef>
+          <a:fontRef idx="minor">
+            <a:schemeClr val="lt1"/>
+          </a:fontRef>
+        </p:style>
+        <p:txBody>
+          <a:bodyPr rtlCol="0" anchor="ctr"/>
+          <a:lstStyle/>
+          <a:p>
+            <a:pPr algn="ctr"/>
+            <a:endParaRPr lang="en-US">
+              <a:solidFill>
+                <a:schemeClr val="tx1"/>
+              </a:solidFill>
+            </a:endParaRPr>
+          </a:p>
+        </p:txBody>
+      </p:sp>
+      <p:sp>
+        <p:nvSpPr>
+          <p:cNvPr id="12" name="Arrow: Curved Up 11">
+            <a:extLst>
+              <a:ext uri="{FF2B5EF4-FFF2-40B4-BE49-F238E27FC236}">
+                <a16:creationId xmlns:a16="http://schemas.microsoft.com/office/drawing/2014/main" id="{7C687C32-74F8-4A4D-A8C4-7A6D67F35C01}"/>
+              </a:ext>
+            </a:extLst>
+          </p:cNvPr>
+          <p:cNvSpPr/>
+          <p:nvPr/>
+        </p:nvSpPr>
+        <p:spPr>
+          <a:xfrm rot="10800000" flipV="1">
+            <a:off x="511278" y="1866223"/>
+            <a:ext cx="2989006" cy="717755"/>
+          </a:xfrm>
+          <a:prstGeom prst="curvedUpArrow">
+            <a:avLst/>
+          </a:prstGeom>
+          <a:solidFill>
+            <a:srgbClr val="FF0000"/>
+          </a:solidFill>
+        </p:spPr>
+        <p:style>
+          <a:lnRef idx="2">
+            <a:schemeClr val="accent1">
+              <a:shade val="50000"/>
+            </a:schemeClr>
+          </a:lnRef>
+          <a:fillRef idx="1">
+            <a:schemeClr val="accent1"/>
+          </a:fillRef>
+          <a:effectRef idx="0">
+            <a:schemeClr val="accent1"/>
+          </a:effectRef>
+          <a:fontRef idx="minor">
+            <a:schemeClr val="lt1"/>
+          </a:fontRef>
+        </p:style>
+        <p:txBody>
+          <a:bodyPr rtlCol="0" anchor="ctr"/>
+          <a:lstStyle/>
+          <a:p>
+            <a:pPr algn="ctr"/>
+            <a:endParaRPr lang="en-US">
+              <a:solidFill>
+                <a:schemeClr val="tx1"/>
+              </a:solidFill>
+            </a:endParaRPr>
+          </a:p>
+        </p:txBody>
+      </p:sp>
+      <p:sp>
+        <p:nvSpPr>
+          <p:cNvPr id="13" name="TextBox 12">
+            <a:extLst>
+              <a:ext uri="{FF2B5EF4-FFF2-40B4-BE49-F238E27FC236}">
+                <a16:creationId xmlns:a16="http://schemas.microsoft.com/office/drawing/2014/main" id="{C3422EB6-5515-4590-9278-1091A4E974C5}"/>
+              </a:ext>
+            </a:extLst>
+          </p:cNvPr>
+          <p:cNvSpPr txBox="1"/>
+          <p:nvPr/>
+        </p:nvSpPr>
+        <p:spPr>
+          <a:xfrm>
+            <a:off x="1061884" y="1209368"/>
+            <a:ext cx="2035277" cy="646331"/>
+          </a:xfrm>
+          <a:prstGeom prst="rect">
+            <a:avLst/>
+          </a:prstGeom>
+          <a:noFill/>
+        </p:spPr>
+        <p:txBody>
+          <a:bodyPr wrap="square" rtlCol="0">
+            <a:spAutoFit/>
+          </a:bodyPr>
+          <a:lstStyle/>
+          <a:p>
+            <a:r>
+              <a:rPr lang="en-US" b="1" dirty="0"/>
+              <a:t>Async Request and Response</a:t>
+            </a:r>
+          </a:p>
+        </p:txBody>
+      </p:sp>
+      <p:sp>
+        <p:nvSpPr>
+          <p:cNvPr id="14" name="Arrow: Curved Up 13">
+            <a:extLst>
+              <a:ext uri="{FF2B5EF4-FFF2-40B4-BE49-F238E27FC236}">
+                <a16:creationId xmlns:a16="http://schemas.microsoft.com/office/drawing/2014/main" id="{003D3692-5B78-4447-A4FD-EFBE1D3D9E96}"/>
+              </a:ext>
+            </a:extLst>
+          </p:cNvPr>
+          <p:cNvSpPr/>
+          <p:nvPr/>
+        </p:nvSpPr>
+        <p:spPr>
+          <a:xfrm flipV="1">
+            <a:off x="6312309" y="402430"/>
+            <a:ext cx="2458066" cy="717754"/>
+          </a:xfrm>
+          <a:prstGeom prst="curvedUpArrow">
+            <a:avLst/>
+          </a:prstGeom>
+          <a:solidFill>
+            <a:srgbClr val="FF0000"/>
+          </a:solidFill>
+        </p:spPr>
+        <p:style>
+          <a:lnRef idx="2">
+            <a:schemeClr val="accent1">
+              <a:shade val="50000"/>
+            </a:schemeClr>
+          </a:lnRef>
+          <a:fillRef idx="1">
+            <a:schemeClr val="accent1"/>
+          </a:fillRef>
+          <a:effectRef idx="0">
+            <a:schemeClr val="accent1"/>
+          </a:effectRef>
+          <a:fontRef idx="minor">
+            <a:schemeClr val="lt1"/>
+          </a:fontRef>
+        </p:style>
+        <p:txBody>
+          <a:bodyPr rtlCol="0" anchor="ctr"/>
+          <a:lstStyle/>
+          <a:p>
+            <a:pPr algn="ctr"/>
+            <a:endParaRPr lang="en-US">
+              <a:solidFill>
+                <a:schemeClr val="tx1"/>
+              </a:solidFill>
+            </a:endParaRPr>
+          </a:p>
+        </p:txBody>
+      </p:sp>
+      <p:sp>
+        <p:nvSpPr>
+          <p:cNvPr id="15" name="Arrow: Curved Up 14">
+            <a:extLst>
+              <a:ext uri="{FF2B5EF4-FFF2-40B4-BE49-F238E27FC236}">
+                <a16:creationId xmlns:a16="http://schemas.microsoft.com/office/drawing/2014/main" id="{0F5C0B28-AB2D-459E-9D45-854EECBDF183}"/>
+              </a:ext>
+            </a:extLst>
+          </p:cNvPr>
+          <p:cNvSpPr/>
+          <p:nvPr/>
+        </p:nvSpPr>
+        <p:spPr>
+          <a:xfrm rot="10800000" flipV="1">
+            <a:off x="6184490" y="1855699"/>
+            <a:ext cx="2458066" cy="717754"/>
+          </a:xfrm>
+          <a:prstGeom prst="curvedUpArrow">
+            <a:avLst/>
+          </a:prstGeom>
+          <a:solidFill>
+            <a:srgbClr val="FF0000"/>
+          </a:solidFill>
+        </p:spPr>
+        <p:style>
+          <a:lnRef idx="2">
+            <a:schemeClr val="accent1">
+              <a:shade val="50000"/>
+            </a:schemeClr>
+          </a:lnRef>
+          <a:fillRef idx="1">
+            <a:schemeClr val="accent1"/>
+          </a:fillRef>
+          <a:effectRef idx="0">
+            <a:schemeClr val="accent1"/>
+          </a:effectRef>
+          <a:fontRef idx="minor">
+            <a:schemeClr val="lt1"/>
+          </a:fontRef>
+        </p:style>
+        <p:txBody>
+          <a:bodyPr rtlCol="0" anchor="ctr"/>
+          <a:lstStyle/>
+          <a:p>
+            <a:pPr algn="ctr"/>
+            <a:endParaRPr lang="en-US">
+              <a:solidFill>
+                <a:schemeClr val="tx1"/>
+              </a:solidFill>
+            </a:endParaRPr>
+          </a:p>
+        </p:txBody>
+      </p:sp>
+      <p:sp>
+        <p:nvSpPr>
+          <p:cNvPr id="16" name="TextBox 15">
+            <a:extLst>
+              <a:ext uri="{FF2B5EF4-FFF2-40B4-BE49-F238E27FC236}">
+                <a16:creationId xmlns:a16="http://schemas.microsoft.com/office/drawing/2014/main" id="{22148BD3-9482-4A43-80BD-CB2E25DD9CA4}"/>
+              </a:ext>
+            </a:extLst>
+          </p:cNvPr>
+          <p:cNvSpPr txBox="1"/>
+          <p:nvPr/>
+        </p:nvSpPr>
+        <p:spPr>
+          <a:xfrm>
+            <a:off x="6754761" y="1120184"/>
+            <a:ext cx="1445342" cy="369332"/>
+          </a:xfrm>
+          <a:prstGeom prst="rect">
+            <a:avLst/>
+          </a:prstGeom>
+          <a:noFill/>
+        </p:spPr>
+        <p:txBody>
+          <a:bodyPr wrap="square" rtlCol="0">
+            <a:spAutoFit/>
+          </a:bodyPr>
+          <a:lstStyle/>
+          <a:p>
+            <a:r>
+              <a:rPr lang="en-US" b="1" dirty="0"/>
+              <a:t>Async Call</a:t>
+            </a:r>
+          </a:p>
+        </p:txBody>
+      </p:sp>
+      <p:cxnSp>
+        <p:nvCxnSpPr>
+          <p:cNvPr id="18" name="Straight Arrow Connector 17">
+            <a:extLst>
+              <a:ext uri="{FF2B5EF4-FFF2-40B4-BE49-F238E27FC236}">
+                <a16:creationId xmlns:a16="http://schemas.microsoft.com/office/drawing/2014/main" id="{AA23EAF1-4A94-4461-9A43-DA10462CF42C}"/>
+              </a:ext>
+            </a:extLst>
+          </p:cNvPr>
+          <p:cNvCxnSpPr>
+            <a:cxnSpLocks/>
+          </p:cNvCxnSpPr>
+          <p:nvPr/>
+        </p:nvCxnSpPr>
+        <p:spPr>
+          <a:xfrm>
+            <a:off x="540775" y="5397910"/>
+            <a:ext cx="10245212" cy="12431"/>
+          </a:xfrm>
+          <a:prstGeom prst="straightConnector1">
+            <a:avLst/>
+          </a:prstGeom>
+          <a:ln w="76200">
+            <a:solidFill>
+              <a:srgbClr val="002060"/>
+            </a:solidFill>
+            <a:headEnd type="triangle"/>
+            <a:tailEnd type="triangle"/>
+          </a:ln>
+        </p:spPr>
+        <p:style>
+          <a:lnRef idx="1">
+            <a:schemeClr val="accent1"/>
+          </a:lnRef>
+          <a:fillRef idx="0">
+            <a:schemeClr val="accent1"/>
+          </a:fillRef>
+          <a:effectRef idx="0">
+            <a:schemeClr val="accent1"/>
+          </a:effectRef>
+          <a:fontRef idx="minor">
+            <a:schemeClr val="tx1"/>
+          </a:fontRef>
+        </p:style>
+      </p:cxnSp>
+      <p:sp>
+        <p:nvSpPr>
+          <p:cNvPr id="19" name="TextBox 18">
+            <a:extLst>
+              <a:ext uri="{FF2B5EF4-FFF2-40B4-BE49-F238E27FC236}">
+                <a16:creationId xmlns:a16="http://schemas.microsoft.com/office/drawing/2014/main" id="{714B9690-D4D9-4703-9390-EE289F0F2146}"/>
+              </a:ext>
+            </a:extLst>
+          </p:cNvPr>
+          <p:cNvSpPr txBox="1"/>
+          <p:nvPr/>
+        </p:nvSpPr>
+        <p:spPr>
+          <a:xfrm>
+            <a:off x="1995948" y="5594555"/>
+            <a:ext cx="7914967" cy="369332"/>
+          </a:xfrm>
+          <a:prstGeom prst="rect">
+            <a:avLst/>
+          </a:prstGeom>
+          <a:noFill/>
+        </p:spPr>
+        <p:txBody>
+          <a:bodyPr wrap="square" rtlCol="0">
+            <a:spAutoFit/>
+          </a:bodyPr>
+          <a:lstStyle/>
+          <a:p>
+            <a:pPr algn="ctr"/>
+            <a:r>
+              <a:rPr lang="en-US" b="1" dirty="0"/>
+              <a:t>Chain of Async Calls</a:t>
+            </a:r>
+          </a:p>
+        </p:txBody>
+      </p:sp>
+      <p:sp>
+        <p:nvSpPr>
+          <p:cNvPr id="21" name="TextBox 20">
+            <a:extLst>
+              <a:ext uri="{FF2B5EF4-FFF2-40B4-BE49-F238E27FC236}">
+                <a16:creationId xmlns:a16="http://schemas.microsoft.com/office/drawing/2014/main" id="{8021B5E9-8F88-4D87-A4C1-5885ACBE420B}"/>
+              </a:ext>
+            </a:extLst>
+          </p:cNvPr>
+          <p:cNvSpPr txBox="1"/>
+          <p:nvPr/>
+        </p:nvSpPr>
+        <p:spPr>
+          <a:xfrm>
+            <a:off x="3628103" y="6066503"/>
+            <a:ext cx="3972232" cy="646331"/>
+          </a:xfrm>
+          <a:prstGeom prst="rect">
+            <a:avLst/>
+          </a:prstGeom>
+          <a:noFill/>
+        </p:spPr>
+        <p:txBody>
+          <a:bodyPr wrap="square" rtlCol="0">
+            <a:spAutoFit/>
+          </a:bodyPr>
+          <a:lstStyle/>
+          <a:p>
+            <a:pPr algn="ctr"/>
+            <a:r>
+              <a:rPr lang="en-US" b="1" dirty="0"/>
+              <a:t>Deferrer</a:t>
+            </a:r>
+          </a:p>
+          <a:p>
+            <a:pPr algn="ctr"/>
+            <a:r>
+              <a:rPr lang="en-US" b="1" dirty="0"/>
+              <a:t>The Object That tracks all </a:t>
+            </a:r>
+            <a:r>
+              <a:rPr lang="en-US" b="1" dirty="0" err="1"/>
+              <a:t>Promies</a:t>
+            </a:r>
+            <a:endParaRPr lang="en-US" b="1" dirty="0"/>
+          </a:p>
+        </p:txBody>
+      </p:sp>
+    </p:spTree>
+    <p:extLst>
+      <p:ext uri="{BB962C8B-B14F-4D97-AF65-F5344CB8AC3E}">
+        <p14:creationId xmlns:p14="http://schemas.microsoft.com/office/powerpoint/2010/main" val="2974691682"/>
+      </p:ext>
+    </p:extLst>
+  </p:cSld>
+  <p:clrMapOvr>
+    <a:masterClrMapping/>
+  </p:clrMapOvr>
+</p:sld>
+</file>
+
 <file path=ppt/slides/slide2.xml><?xml version="1.0" encoding="utf-8"?>
 <p:sld xmlns:a="http://schemas.openxmlformats.org/drawingml/2006/main" xmlns:r="http://schemas.openxmlformats.org/officeDocument/2006/relationships" xmlns:p="http://schemas.openxmlformats.org/presentationml/2006/main">
   <p:cSld>

--- a/training_images.pptx
+++ b/training_images.pptx
@@ -20,6 +20,7 @@
     <p:sldId id="268" r:id="rId14"/>
     <p:sldId id="269" r:id="rId15"/>
     <p:sldId id="270" r:id="rId16"/>
+    <p:sldId id="271" r:id="rId17"/>
   </p:sldIdLst>
   <p:sldSz cx="12192000" cy="6858000"/>
   <p:notesSz cx="6858000" cy="9144000"/>
@@ -289,7 +290,7 @@
           <a:p>
             <a:fld id="{822AF85D-11A4-42B9-B7D1-A5D0AD529DB2}" type="datetimeFigureOut">
               <a:rPr lang="en-US" smtClean="0"/>
-              <a:t>4/21/2022</a:t>
+              <a:t>4/25/2022</a:t>
             </a:fld>
             <a:endParaRPr lang="en-US"/>
           </a:p>
@@ -459,7 +460,7 @@
           <a:p>
             <a:fld id="{822AF85D-11A4-42B9-B7D1-A5D0AD529DB2}" type="datetimeFigureOut">
               <a:rPr lang="en-US" smtClean="0"/>
-              <a:t>4/21/2022</a:t>
+              <a:t>4/25/2022</a:t>
             </a:fld>
             <a:endParaRPr lang="en-US"/>
           </a:p>
@@ -639,7 +640,7 @@
           <a:p>
             <a:fld id="{822AF85D-11A4-42B9-B7D1-A5D0AD529DB2}" type="datetimeFigureOut">
               <a:rPr lang="en-US" smtClean="0"/>
-              <a:t>4/21/2022</a:t>
+              <a:t>4/25/2022</a:t>
             </a:fld>
             <a:endParaRPr lang="en-US"/>
           </a:p>
@@ -809,7 +810,7 @@
           <a:p>
             <a:fld id="{822AF85D-11A4-42B9-B7D1-A5D0AD529DB2}" type="datetimeFigureOut">
               <a:rPr lang="en-US" smtClean="0"/>
-              <a:t>4/21/2022</a:t>
+              <a:t>4/25/2022</a:t>
             </a:fld>
             <a:endParaRPr lang="en-US"/>
           </a:p>
@@ -1077,7 +1078,7 @@
           <a:p>
             <a:fld id="{822AF85D-11A4-42B9-B7D1-A5D0AD529DB2}" type="datetimeFigureOut">
               <a:rPr lang="en-US" smtClean="0"/>
-              <a:t>4/21/2022</a:t>
+              <a:t>4/25/2022</a:t>
             </a:fld>
             <a:endParaRPr lang="en-US"/>
           </a:p>
@@ -1309,7 +1310,7 @@
           <a:p>
             <a:fld id="{822AF85D-11A4-42B9-B7D1-A5D0AD529DB2}" type="datetimeFigureOut">
               <a:rPr lang="en-US" smtClean="0"/>
-              <a:t>4/21/2022</a:t>
+              <a:t>4/25/2022</a:t>
             </a:fld>
             <a:endParaRPr lang="en-US"/>
           </a:p>
@@ -1668,7 +1669,7 @@
           <a:p>
             <a:fld id="{822AF85D-11A4-42B9-B7D1-A5D0AD529DB2}" type="datetimeFigureOut">
               <a:rPr lang="en-US" smtClean="0"/>
-              <a:t>4/21/2022</a:t>
+              <a:t>4/25/2022</a:t>
             </a:fld>
             <a:endParaRPr lang="en-US"/>
           </a:p>
@@ -1809,7 +1810,7 @@
           <a:p>
             <a:fld id="{822AF85D-11A4-42B9-B7D1-A5D0AD529DB2}" type="datetimeFigureOut">
               <a:rPr lang="en-US" smtClean="0"/>
-              <a:t>4/21/2022</a:t>
+              <a:t>4/25/2022</a:t>
             </a:fld>
             <a:endParaRPr lang="en-US"/>
           </a:p>
@@ -1904,7 +1905,7 @@
           <a:p>
             <a:fld id="{822AF85D-11A4-42B9-B7D1-A5D0AD529DB2}" type="datetimeFigureOut">
               <a:rPr lang="en-US" smtClean="0"/>
-              <a:t>4/21/2022</a:t>
+              <a:t>4/25/2022</a:t>
             </a:fld>
             <a:endParaRPr lang="en-US"/>
           </a:p>
@@ -2261,7 +2262,7 @@
           <a:p>
             <a:fld id="{822AF85D-11A4-42B9-B7D1-A5D0AD529DB2}" type="datetimeFigureOut">
               <a:rPr lang="en-US" smtClean="0"/>
-              <a:t>4/21/2022</a:t>
+              <a:t>4/25/2022</a:t>
             </a:fld>
             <a:endParaRPr lang="en-US"/>
           </a:p>
@@ -2618,7 +2619,7 @@
           <a:p>
             <a:fld id="{822AF85D-11A4-42B9-B7D1-A5D0AD529DB2}" type="datetimeFigureOut">
               <a:rPr lang="en-US" smtClean="0"/>
-              <a:t>4/21/2022</a:t>
+              <a:t>4/25/2022</a:t>
             </a:fld>
             <a:endParaRPr lang="en-US"/>
           </a:p>
@@ -2860,7 +2861,7 @@
           <a:p>
             <a:fld id="{822AF85D-11A4-42B9-B7D1-A5D0AD529DB2}" type="datetimeFigureOut">
               <a:rPr lang="en-US" smtClean="0"/>
-              <a:t>4/21/2022</a:t>
+              <a:t>4/25/2022</a:t>
             </a:fld>
             <a:endParaRPr lang="en-US"/>
           </a:p>
@@ -8408,6 +8409,182 @@
 </p:sld>
 </file>
 
+<file path=ppt/slides/slide16.xml><?xml version="1.0" encoding="utf-8"?>
+<p:sld xmlns:a="http://schemas.openxmlformats.org/drawingml/2006/main" xmlns:r="http://schemas.openxmlformats.org/officeDocument/2006/relationships" xmlns:p="http://schemas.openxmlformats.org/presentationml/2006/main">
+  <p:cSld>
+    <p:spTree>
+      <p:nvGrpSpPr>
+        <p:cNvPr id="1" name=""/>
+        <p:cNvGrpSpPr/>
+        <p:nvPr/>
+      </p:nvGrpSpPr>
+      <p:grpSpPr>
+        <a:xfrm>
+          <a:off x="0" y="0"/>
+          <a:ext cx="0" cy="0"/>
+          <a:chOff x="0" y="0"/>
+          <a:chExt cx="0" cy="0"/>
+        </a:xfrm>
+      </p:grpSpPr>
+      <p:sp>
+        <p:nvSpPr>
+          <p:cNvPr id="2" name="TextBox 1">
+            <a:extLst>
+              <a:ext uri="{FF2B5EF4-FFF2-40B4-BE49-F238E27FC236}">
+                <a16:creationId xmlns:a16="http://schemas.microsoft.com/office/drawing/2014/main" id="{6C4BA5B5-2B7C-49EA-8017-46A84BD4444D}"/>
+              </a:ext>
+            </a:extLst>
+          </p:cNvPr>
+          <p:cNvSpPr txBox="1"/>
+          <p:nvPr/>
+        </p:nvSpPr>
+        <p:spPr>
+          <a:xfrm>
+            <a:off x="157316" y="127819"/>
+            <a:ext cx="11700387" cy="3693319"/>
+          </a:xfrm>
+          <a:prstGeom prst="rect">
+            <a:avLst/>
+          </a:prstGeom>
+          <a:noFill/>
+        </p:spPr>
+        <p:txBody>
+          <a:bodyPr wrap="square" rtlCol="0">
+            <a:spAutoFit/>
+          </a:bodyPr>
+          <a:lstStyle/>
+          <a:p>
+            <a:r>
+              <a:rPr lang="en-IN" b="1" dirty="0"/>
+              <a:t>React Facts</a:t>
+            </a:r>
+          </a:p>
+          <a:p>
+            <a:pPr marL="342900" indent="-342900">
+              <a:buFont typeface="+mj-lt"/>
+              <a:buAutoNum type="arabicPeriod"/>
+            </a:pPr>
+            <a:r>
+              <a:rPr lang="en-IN" b="1" dirty="0"/>
+              <a:t>Used for Building Composable UI</a:t>
+            </a:r>
+          </a:p>
+          <a:p>
+            <a:pPr marL="800100" lvl="1" indent="-342900">
+              <a:buFont typeface="+mj-lt"/>
+              <a:buAutoNum type="arabicPeriod"/>
+            </a:pPr>
+            <a:r>
+              <a:rPr lang="en-IN" b="1" dirty="0"/>
+              <a:t>UI Consist of Multiple Components	</a:t>
+            </a:r>
+          </a:p>
+          <a:p>
+            <a:pPr marL="1257300" lvl="2" indent="-342900">
+              <a:buFont typeface="+mj-lt"/>
+              <a:buAutoNum type="arabicPeriod"/>
+            </a:pPr>
+            <a:r>
+              <a:rPr lang="en-IN" b="1" dirty="0"/>
+              <a:t>Components  are data driven</a:t>
+            </a:r>
+          </a:p>
+          <a:p>
+            <a:pPr marL="800100" lvl="1" indent="-342900">
+              <a:buFont typeface="+mj-lt"/>
+              <a:buAutoNum type="arabicPeriod"/>
+            </a:pPr>
+            <a:r>
+              <a:rPr lang="en-IN" b="1" dirty="0"/>
+              <a:t>There exists Parent-Child Relationship</a:t>
+            </a:r>
+          </a:p>
+          <a:p>
+            <a:pPr marL="1257300" lvl="2" indent="-342900">
+              <a:buFont typeface="+mj-lt"/>
+              <a:buAutoNum type="arabicPeriod"/>
+            </a:pPr>
+            <a:r>
+              <a:rPr lang="en-IN" b="1" dirty="0"/>
+              <a:t>Parent Pass Data to Child and Child Emit Data to Parent</a:t>
+            </a:r>
+          </a:p>
+          <a:p>
+            <a:pPr marL="1257300" lvl="2" indent="-342900">
+              <a:buFont typeface="+mj-lt"/>
+              <a:buAutoNum type="arabicPeriod"/>
+            </a:pPr>
+            <a:r>
+              <a:rPr lang="en-IN" b="1" dirty="0"/>
+              <a:t>The Parent has to subscribe to the data received from the child</a:t>
+            </a:r>
+          </a:p>
+          <a:p>
+            <a:pPr marL="800100" lvl="1" indent="-342900">
+              <a:buFont typeface="+mj-lt"/>
+              <a:buAutoNum type="arabicPeriod"/>
+            </a:pPr>
+            <a:r>
+              <a:rPr lang="en-IN" b="1" dirty="0"/>
+              <a:t>There might be components reused with Same or similar UI with different in Data Representation  </a:t>
+            </a:r>
+          </a:p>
+          <a:p>
+            <a:pPr marL="800100" lvl="1" indent="-342900">
+              <a:buFont typeface="+mj-lt"/>
+              <a:buAutoNum type="arabicPeriod"/>
+            </a:pPr>
+            <a:r>
+              <a:rPr lang="en-IN" b="1" dirty="0"/>
+              <a:t>There Many be Multiple Components loaded at a time w/o any Parent-Child Relationship, independent components</a:t>
+            </a:r>
+          </a:p>
+          <a:p>
+            <a:pPr marL="800100" lvl="1" indent="-342900">
+              <a:buFont typeface="+mj-lt"/>
+              <a:buAutoNum type="arabicPeriod"/>
+            </a:pPr>
+            <a:r>
+              <a:rPr lang="en-IN" b="1" dirty="0"/>
+              <a:t>Multiple Components can subscribe to the same data source</a:t>
+            </a:r>
+          </a:p>
+          <a:p>
+            <a:pPr marL="1257300" lvl="2" indent="-342900">
+              <a:buFont typeface="+mj-lt"/>
+              <a:buAutoNum type="arabicPeriod"/>
+            </a:pPr>
+            <a:r>
+              <a:rPr lang="en-IN" b="1" dirty="0"/>
+              <a:t>AJAX Calls</a:t>
+            </a:r>
+          </a:p>
+          <a:p>
+            <a:pPr marL="1257300" lvl="2" indent="-342900">
+              <a:buFont typeface="+mj-lt"/>
+              <a:buAutoNum type="arabicPeriod"/>
+            </a:pPr>
+            <a:r>
+              <a:rPr lang="en-IN" b="1"/>
+              <a:t>Application State Management  </a:t>
+            </a:r>
+            <a:endParaRPr lang="en-US" b="1" dirty="0"/>
+          </a:p>
+        </p:txBody>
+      </p:sp>
+    </p:spTree>
+    <p:extLst>
+      <p:ext uri="{BB962C8B-B14F-4D97-AF65-F5344CB8AC3E}">
+        <p14:creationId xmlns:p14="http://schemas.microsoft.com/office/powerpoint/2010/main" val="442493977"/>
+      </p:ext>
+    </p:extLst>
+  </p:cSld>
+  <p:clrMapOvr>
+    <a:masterClrMapping/>
+  </p:clrMapOvr>
+</p:sld>
+</file>
+
 <file path=ppt/slides/slide2.xml><?xml version="1.0" encoding="utf-8"?>
 <p:sld xmlns:a="http://schemas.openxmlformats.org/drawingml/2006/main" xmlns:r="http://schemas.openxmlformats.org/officeDocument/2006/relationships" xmlns:p="http://schemas.openxmlformats.org/presentationml/2006/main">
   <p:cSld>

--- a/training_images.pptx
+++ b/training_images.pptx
@@ -21,6 +21,8 @@
     <p:sldId id="269" r:id="rId15"/>
     <p:sldId id="270" r:id="rId16"/>
     <p:sldId id="271" r:id="rId17"/>
+    <p:sldId id="272" r:id="rId18"/>
+    <p:sldId id="273" r:id="rId19"/>
   </p:sldIdLst>
   <p:sldSz cx="12192000" cy="6858000"/>
   <p:notesSz cx="6858000" cy="9144000"/>
@@ -290,7 +292,7 @@
           <a:p>
             <a:fld id="{822AF85D-11A4-42B9-B7D1-A5D0AD529DB2}" type="datetimeFigureOut">
               <a:rPr lang="en-US" smtClean="0"/>
-              <a:t>4/25/2022</a:t>
+              <a:t>4/26/2022</a:t>
             </a:fld>
             <a:endParaRPr lang="en-US"/>
           </a:p>
@@ -460,7 +462,7 @@
           <a:p>
             <a:fld id="{822AF85D-11A4-42B9-B7D1-A5D0AD529DB2}" type="datetimeFigureOut">
               <a:rPr lang="en-US" smtClean="0"/>
-              <a:t>4/25/2022</a:t>
+              <a:t>4/26/2022</a:t>
             </a:fld>
             <a:endParaRPr lang="en-US"/>
           </a:p>
@@ -640,7 +642,7 @@
           <a:p>
             <a:fld id="{822AF85D-11A4-42B9-B7D1-A5D0AD529DB2}" type="datetimeFigureOut">
               <a:rPr lang="en-US" smtClean="0"/>
-              <a:t>4/25/2022</a:t>
+              <a:t>4/26/2022</a:t>
             </a:fld>
             <a:endParaRPr lang="en-US"/>
           </a:p>
@@ -810,7 +812,7 @@
           <a:p>
             <a:fld id="{822AF85D-11A4-42B9-B7D1-A5D0AD529DB2}" type="datetimeFigureOut">
               <a:rPr lang="en-US" smtClean="0"/>
-              <a:t>4/25/2022</a:t>
+              <a:t>4/26/2022</a:t>
             </a:fld>
             <a:endParaRPr lang="en-US"/>
           </a:p>
@@ -1078,7 +1080,7 @@
           <a:p>
             <a:fld id="{822AF85D-11A4-42B9-B7D1-A5D0AD529DB2}" type="datetimeFigureOut">
               <a:rPr lang="en-US" smtClean="0"/>
-              <a:t>4/25/2022</a:t>
+              <a:t>4/26/2022</a:t>
             </a:fld>
             <a:endParaRPr lang="en-US"/>
           </a:p>
@@ -1310,7 +1312,7 @@
           <a:p>
             <a:fld id="{822AF85D-11A4-42B9-B7D1-A5D0AD529DB2}" type="datetimeFigureOut">
               <a:rPr lang="en-US" smtClean="0"/>
-              <a:t>4/25/2022</a:t>
+              <a:t>4/26/2022</a:t>
             </a:fld>
             <a:endParaRPr lang="en-US"/>
           </a:p>
@@ -1669,7 +1671,7 @@
           <a:p>
             <a:fld id="{822AF85D-11A4-42B9-B7D1-A5D0AD529DB2}" type="datetimeFigureOut">
               <a:rPr lang="en-US" smtClean="0"/>
-              <a:t>4/25/2022</a:t>
+              <a:t>4/26/2022</a:t>
             </a:fld>
             <a:endParaRPr lang="en-US"/>
           </a:p>
@@ -1810,7 +1812,7 @@
           <a:p>
             <a:fld id="{822AF85D-11A4-42B9-B7D1-A5D0AD529DB2}" type="datetimeFigureOut">
               <a:rPr lang="en-US" smtClean="0"/>
-              <a:t>4/25/2022</a:t>
+              <a:t>4/26/2022</a:t>
             </a:fld>
             <a:endParaRPr lang="en-US"/>
           </a:p>
@@ -1905,7 +1907,7 @@
           <a:p>
             <a:fld id="{822AF85D-11A4-42B9-B7D1-A5D0AD529DB2}" type="datetimeFigureOut">
               <a:rPr lang="en-US" smtClean="0"/>
-              <a:t>4/25/2022</a:t>
+              <a:t>4/26/2022</a:t>
             </a:fld>
             <a:endParaRPr lang="en-US"/>
           </a:p>
@@ -2262,7 +2264,7 @@
           <a:p>
             <a:fld id="{822AF85D-11A4-42B9-B7D1-A5D0AD529DB2}" type="datetimeFigureOut">
               <a:rPr lang="en-US" smtClean="0"/>
-              <a:t>4/25/2022</a:t>
+              <a:t>4/26/2022</a:t>
             </a:fld>
             <a:endParaRPr lang="en-US"/>
           </a:p>
@@ -2619,7 +2621,7 @@
           <a:p>
             <a:fld id="{822AF85D-11A4-42B9-B7D1-A5D0AD529DB2}" type="datetimeFigureOut">
               <a:rPr lang="en-US" smtClean="0"/>
-              <a:t>4/25/2022</a:t>
+              <a:t>4/26/2022</a:t>
             </a:fld>
             <a:endParaRPr lang="en-US"/>
           </a:p>
@@ -2861,7 +2863,7 @@
           <a:p>
             <a:fld id="{822AF85D-11A4-42B9-B7D1-A5D0AD529DB2}" type="datetimeFigureOut">
               <a:rPr lang="en-US" smtClean="0"/>
-              <a:t>4/25/2022</a:t>
+              <a:t>4/26/2022</a:t>
             </a:fld>
             <a:endParaRPr lang="en-US"/>
           </a:p>
@@ -8585,6 +8587,841 @@
 </p:sld>
 </file>
 
+<file path=ppt/slides/slide17.xml><?xml version="1.0" encoding="utf-8"?>
+<p:sld xmlns:a="http://schemas.openxmlformats.org/drawingml/2006/main" xmlns:r="http://schemas.openxmlformats.org/officeDocument/2006/relationships" xmlns:p="http://schemas.openxmlformats.org/presentationml/2006/main">
+  <p:cSld>
+    <p:spTree>
+      <p:nvGrpSpPr>
+        <p:cNvPr id="1" name=""/>
+        <p:cNvGrpSpPr/>
+        <p:nvPr/>
+      </p:nvGrpSpPr>
+      <p:grpSpPr>
+        <a:xfrm>
+          <a:off x="0" y="0"/>
+          <a:ext cx="0" cy="0"/>
+          <a:chOff x="0" y="0"/>
+          <a:chExt cx="0" cy="0"/>
+        </a:xfrm>
+      </p:grpSpPr>
+      <p:sp>
+        <p:nvSpPr>
+          <p:cNvPr id="2" name="Rectangle 1">
+            <a:extLst>
+              <a:ext uri="{FF2B5EF4-FFF2-40B4-BE49-F238E27FC236}">
+                <a16:creationId xmlns:a16="http://schemas.microsoft.com/office/drawing/2014/main" id="{0BA45188-426E-4C3A-8B70-9168ADB0DB76}"/>
+              </a:ext>
+            </a:extLst>
+          </p:cNvPr>
+          <p:cNvSpPr/>
+          <p:nvPr/>
+        </p:nvSpPr>
+        <p:spPr>
+          <a:xfrm>
+            <a:off x="383459" y="442452"/>
+            <a:ext cx="5712541" cy="6204155"/>
+          </a:xfrm>
+          <a:prstGeom prst="rect">
+            <a:avLst/>
+          </a:prstGeom>
+        </p:spPr>
+        <p:style>
+          <a:lnRef idx="2">
+            <a:schemeClr val="accent1">
+              <a:shade val="50000"/>
+            </a:schemeClr>
+          </a:lnRef>
+          <a:fillRef idx="1">
+            <a:schemeClr val="accent1"/>
+          </a:fillRef>
+          <a:effectRef idx="0">
+            <a:schemeClr val="accent1"/>
+          </a:effectRef>
+          <a:fontRef idx="minor">
+            <a:schemeClr val="lt1"/>
+          </a:fontRef>
+        </p:style>
+        <p:txBody>
+          <a:bodyPr rtlCol="0" anchor="ctr"/>
+          <a:lstStyle/>
+          <a:p>
+            <a:pPr algn="ctr"/>
+            <a:endParaRPr lang="en-US"/>
+          </a:p>
+        </p:txBody>
+      </p:sp>
+      <p:sp>
+        <p:nvSpPr>
+          <p:cNvPr id="3" name="TextBox 2">
+            <a:extLst>
+              <a:ext uri="{FF2B5EF4-FFF2-40B4-BE49-F238E27FC236}">
+                <a16:creationId xmlns:a16="http://schemas.microsoft.com/office/drawing/2014/main" id="{912028DC-9AB0-425C-8CDC-0A3A6AEEAB0B}"/>
+              </a:ext>
+            </a:extLst>
+          </p:cNvPr>
+          <p:cNvSpPr txBox="1"/>
+          <p:nvPr/>
+        </p:nvSpPr>
+        <p:spPr>
+          <a:xfrm>
+            <a:off x="550606" y="442452"/>
+            <a:ext cx="3519949" cy="369332"/>
+          </a:xfrm>
+          <a:prstGeom prst="rect">
+            <a:avLst/>
+          </a:prstGeom>
+          <a:noFill/>
+        </p:spPr>
+        <p:txBody>
+          <a:bodyPr wrap="square" rtlCol="0">
+            <a:spAutoFit/>
+          </a:bodyPr>
+          <a:lstStyle/>
+          <a:p>
+            <a:r>
+              <a:rPr lang="en-IN" b="1" dirty="0"/>
+              <a:t>The Parent Component</a:t>
+            </a:r>
+            <a:endParaRPr lang="en-US" b="1" dirty="0"/>
+          </a:p>
+        </p:txBody>
+      </p:sp>
+      <p:sp>
+        <p:nvSpPr>
+          <p:cNvPr id="4" name="Rectangle: Rounded Corners 3">
+            <a:extLst>
+              <a:ext uri="{FF2B5EF4-FFF2-40B4-BE49-F238E27FC236}">
+                <a16:creationId xmlns:a16="http://schemas.microsoft.com/office/drawing/2014/main" id="{C3BA28BB-510F-43CC-A5E7-F10165E7775B}"/>
+              </a:ext>
+            </a:extLst>
+          </p:cNvPr>
+          <p:cNvSpPr/>
+          <p:nvPr/>
+        </p:nvSpPr>
+        <p:spPr>
+          <a:xfrm>
+            <a:off x="727587" y="1533832"/>
+            <a:ext cx="4758813" cy="2182762"/>
+          </a:xfrm>
+          <a:prstGeom prst="roundRect">
+            <a:avLst/>
+          </a:prstGeom>
+        </p:spPr>
+        <p:style>
+          <a:lnRef idx="2">
+            <a:schemeClr val="dk1">
+              <a:shade val="50000"/>
+            </a:schemeClr>
+          </a:lnRef>
+          <a:fillRef idx="1">
+            <a:schemeClr val="dk1"/>
+          </a:fillRef>
+          <a:effectRef idx="0">
+            <a:schemeClr val="dk1"/>
+          </a:effectRef>
+          <a:fontRef idx="minor">
+            <a:schemeClr val="lt1"/>
+          </a:fontRef>
+        </p:style>
+        <p:txBody>
+          <a:bodyPr rtlCol="0" anchor="ctr"/>
+          <a:lstStyle/>
+          <a:p>
+            <a:pPr algn="ctr"/>
+            <a:r>
+              <a:rPr lang="en-IN" b="1" dirty="0"/>
+              <a:t>Child Component 1</a:t>
+            </a:r>
+          </a:p>
+          <a:p>
+            <a:pPr algn="ctr"/>
+            <a:endParaRPr lang="en-IN" b="1" dirty="0"/>
+          </a:p>
+          <a:p>
+            <a:pPr algn="ctr"/>
+            <a:endParaRPr lang="en-IN" b="1" dirty="0"/>
+          </a:p>
+          <a:p>
+            <a:pPr algn="ctr"/>
+            <a:endParaRPr lang="en-IN" b="1" dirty="0"/>
+          </a:p>
+          <a:p>
+            <a:pPr algn="ctr"/>
+            <a:endParaRPr lang="en-IN" b="1" dirty="0"/>
+          </a:p>
+          <a:p>
+            <a:pPr algn="ctr"/>
+            <a:endParaRPr lang="en-US" b="1" dirty="0"/>
+          </a:p>
+        </p:txBody>
+      </p:sp>
+      <p:sp>
+        <p:nvSpPr>
+          <p:cNvPr id="5" name="Oval 4">
+            <a:extLst>
+              <a:ext uri="{FF2B5EF4-FFF2-40B4-BE49-F238E27FC236}">
+                <a16:creationId xmlns:a16="http://schemas.microsoft.com/office/drawing/2014/main" id="{F46AF274-5DDD-494F-84E4-D7255DB7181D}"/>
+              </a:ext>
+            </a:extLst>
+          </p:cNvPr>
+          <p:cNvSpPr/>
+          <p:nvPr/>
+        </p:nvSpPr>
+        <p:spPr>
+          <a:xfrm>
+            <a:off x="1917290" y="2281084"/>
+            <a:ext cx="2477729" cy="1079090"/>
+          </a:xfrm>
+          <a:prstGeom prst="ellipse">
+            <a:avLst/>
+          </a:prstGeom>
+        </p:spPr>
+        <p:style>
+          <a:lnRef idx="2">
+            <a:schemeClr val="accent1">
+              <a:shade val="50000"/>
+            </a:schemeClr>
+          </a:lnRef>
+          <a:fillRef idx="1">
+            <a:schemeClr val="accent1"/>
+          </a:fillRef>
+          <a:effectRef idx="0">
+            <a:schemeClr val="accent1"/>
+          </a:effectRef>
+          <a:fontRef idx="minor">
+            <a:schemeClr val="lt1"/>
+          </a:fontRef>
+        </p:style>
+        <p:txBody>
+          <a:bodyPr rtlCol="0" anchor="ctr"/>
+          <a:lstStyle/>
+          <a:p>
+            <a:pPr algn="ctr"/>
+            <a:r>
+              <a:rPr lang="en-IN" b="1" dirty="0"/>
+              <a:t>Grand</a:t>
+            </a:r>
+          </a:p>
+          <a:p>
+            <a:pPr algn="ctr"/>
+            <a:r>
+              <a:rPr lang="en-IN" b="1" dirty="0"/>
+              <a:t>Child</a:t>
+            </a:r>
+          </a:p>
+          <a:p>
+            <a:pPr algn="ctr"/>
+            <a:r>
+              <a:rPr lang="en-IN" b="1" dirty="0"/>
+              <a:t>Component</a:t>
+            </a:r>
+            <a:endParaRPr lang="en-US" b="1" dirty="0"/>
+          </a:p>
+        </p:txBody>
+      </p:sp>
+      <p:sp>
+        <p:nvSpPr>
+          <p:cNvPr id="6" name="Arrow: Down 5">
+            <a:extLst>
+              <a:ext uri="{FF2B5EF4-FFF2-40B4-BE49-F238E27FC236}">
+                <a16:creationId xmlns:a16="http://schemas.microsoft.com/office/drawing/2014/main" id="{E5C3EB97-0FDC-4F04-90AF-373D3D52F233}"/>
+              </a:ext>
+            </a:extLst>
+          </p:cNvPr>
+          <p:cNvSpPr/>
+          <p:nvPr/>
+        </p:nvSpPr>
+        <p:spPr>
+          <a:xfrm>
+            <a:off x="4267200" y="811784"/>
+            <a:ext cx="521110" cy="1079090"/>
+          </a:xfrm>
+          <a:prstGeom prst="downArrow">
+            <a:avLst/>
+          </a:prstGeom>
+          <a:solidFill>
+            <a:srgbClr val="0070C0"/>
+          </a:solidFill>
+        </p:spPr>
+        <p:style>
+          <a:lnRef idx="2">
+            <a:schemeClr val="accent1">
+              <a:shade val="50000"/>
+            </a:schemeClr>
+          </a:lnRef>
+          <a:fillRef idx="1">
+            <a:schemeClr val="accent1"/>
+          </a:fillRef>
+          <a:effectRef idx="0">
+            <a:schemeClr val="accent1"/>
+          </a:effectRef>
+          <a:fontRef idx="minor">
+            <a:schemeClr val="lt1"/>
+          </a:fontRef>
+        </p:style>
+        <p:txBody>
+          <a:bodyPr rtlCol="0" anchor="ctr"/>
+          <a:lstStyle/>
+          <a:p>
+            <a:pPr algn="ctr"/>
+            <a:endParaRPr lang="en-US"/>
+          </a:p>
+        </p:txBody>
+      </p:sp>
+      <p:sp>
+        <p:nvSpPr>
+          <p:cNvPr id="7" name="TextBox 6">
+            <a:extLst>
+              <a:ext uri="{FF2B5EF4-FFF2-40B4-BE49-F238E27FC236}">
+                <a16:creationId xmlns:a16="http://schemas.microsoft.com/office/drawing/2014/main" id="{50E5A67C-E114-4F01-8E7D-240FB1DC880C}"/>
+              </a:ext>
+            </a:extLst>
+          </p:cNvPr>
+          <p:cNvSpPr txBox="1"/>
+          <p:nvPr/>
+        </p:nvSpPr>
+        <p:spPr>
+          <a:xfrm>
+            <a:off x="4916130" y="627118"/>
+            <a:ext cx="993058" cy="369332"/>
+          </a:xfrm>
+          <a:prstGeom prst="rect">
+            <a:avLst/>
+          </a:prstGeom>
+          <a:noFill/>
+        </p:spPr>
+        <p:txBody>
+          <a:bodyPr wrap="square" rtlCol="0">
+            <a:spAutoFit/>
+          </a:bodyPr>
+          <a:lstStyle/>
+          <a:p>
+            <a:r>
+              <a:rPr lang="en-IN" dirty="0" err="1"/>
+              <a:t>Props.x</a:t>
+            </a:r>
+            <a:endParaRPr lang="en-US" dirty="0"/>
+          </a:p>
+        </p:txBody>
+      </p:sp>
+      <p:sp>
+        <p:nvSpPr>
+          <p:cNvPr id="8" name="TextBox 7">
+            <a:extLst>
+              <a:ext uri="{FF2B5EF4-FFF2-40B4-BE49-F238E27FC236}">
+                <a16:creationId xmlns:a16="http://schemas.microsoft.com/office/drawing/2014/main" id="{ED4FBEAD-2814-47FE-8D0F-8A7453AD14D2}"/>
+              </a:ext>
+            </a:extLst>
+          </p:cNvPr>
+          <p:cNvSpPr txBox="1"/>
+          <p:nvPr/>
+        </p:nvSpPr>
+        <p:spPr>
+          <a:xfrm>
+            <a:off x="4395019" y="2005781"/>
+            <a:ext cx="953729" cy="369332"/>
+          </a:xfrm>
+          <a:prstGeom prst="rect">
+            <a:avLst/>
+          </a:prstGeom>
+          <a:noFill/>
+        </p:spPr>
+        <p:txBody>
+          <a:bodyPr wrap="square" rtlCol="0">
+            <a:spAutoFit/>
+          </a:bodyPr>
+          <a:lstStyle/>
+          <a:p>
+            <a:r>
+              <a:rPr lang="en-IN" dirty="0">
+                <a:highlight>
+                  <a:srgbClr val="FFFF00"/>
+                </a:highlight>
+              </a:rPr>
+              <a:t>x</a:t>
+            </a:r>
+            <a:endParaRPr lang="en-US" dirty="0">
+              <a:highlight>
+                <a:srgbClr val="FFFF00"/>
+              </a:highlight>
+            </a:endParaRPr>
+          </a:p>
+        </p:txBody>
+      </p:sp>
+      <p:sp>
+        <p:nvSpPr>
+          <p:cNvPr id="17" name="TextBox 16">
+            <a:extLst>
+              <a:ext uri="{FF2B5EF4-FFF2-40B4-BE49-F238E27FC236}">
+                <a16:creationId xmlns:a16="http://schemas.microsoft.com/office/drawing/2014/main" id="{7C53C6D4-0BC8-4B9B-92C1-E8E7CA638F4A}"/>
+              </a:ext>
+            </a:extLst>
+          </p:cNvPr>
+          <p:cNvSpPr txBox="1"/>
+          <p:nvPr/>
+        </p:nvSpPr>
+        <p:spPr>
+          <a:xfrm>
+            <a:off x="6567948" y="2281084"/>
+            <a:ext cx="4316362" cy="830997"/>
+          </a:xfrm>
+          <a:prstGeom prst="rect">
+            <a:avLst/>
+          </a:prstGeom>
+          <a:noFill/>
+        </p:spPr>
+        <p:txBody>
+          <a:bodyPr wrap="square" rtlCol="0">
+            <a:spAutoFit/>
+          </a:bodyPr>
+          <a:lstStyle/>
+          <a:p>
+            <a:pPr algn="ctr"/>
+            <a:r>
+              <a:rPr lang="en-IN" sz="4800" b="1" dirty="0"/>
+              <a:t>PROPS</a:t>
+            </a:r>
+            <a:endParaRPr lang="en-US" sz="4800" b="1" dirty="0"/>
+          </a:p>
+        </p:txBody>
+      </p:sp>
+    </p:spTree>
+    <p:extLst>
+      <p:ext uri="{BB962C8B-B14F-4D97-AF65-F5344CB8AC3E}">
+        <p14:creationId xmlns:p14="http://schemas.microsoft.com/office/powerpoint/2010/main" val="3166811665"/>
+      </p:ext>
+    </p:extLst>
+  </p:cSld>
+  <p:clrMapOvr>
+    <a:masterClrMapping/>
+  </p:clrMapOvr>
+</p:sld>
+</file>
+
+<file path=ppt/slides/slide18.xml><?xml version="1.0" encoding="utf-8"?>
+<p:sld xmlns:a="http://schemas.openxmlformats.org/drawingml/2006/main" xmlns:r="http://schemas.openxmlformats.org/officeDocument/2006/relationships" xmlns:p="http://schemas.openxmlformats.org/presentationml/2006/main">
+  <p:cSld>
+    <p:spTree>
+      <p:nvGrpSpPr>
+        <p:cNvPr id="1" name=""/>
+        <p:cNvGrpSpPr/>
+        <p:nvPr/>
+      </p:nvGrpSpPr>
+      <p:grpSpPr>
+        <a:xfrm>
+          <a:off x="0" y="0"/>
+          <a:ext cx="0" cy="0"/>
+          <a:chOff x="0" y="0"/>
+          <a:chExt cx="0" cy="0"/>
+        </a:xfrm>
+      </p:grpSpPr>
+      <p:sp>
+        <p:nvSpPr>
+          <p:cNvPr id="2" name="Rectangle 1">
+            <a:extLst>
+              <a:ext uri="{FF2B5EF4-FFF2-40B4-BE49-F238E27FC236}">
+                <a16:creationId xmlns:a16="http://schemas.microsoft.com/office/drawing/2014/main" id="{0BA45188-426E-4C3A-8B70-9168ADB0DB76}"/>
+              </a:ext>
+            </a:extLst>
+          </p:cNvPr>
+          <p:cNvSpPr/>
+          <p:nvPr/>
+        </p:nvSpPr>
+        <p:spPr>
+          <a:xfrm>
+            <a:off x="383459" y="442452"/>
+            <a:ext cx="5712541" cy="6204155"/>
+          </a:xfrm>
+          <a:prstGeom prst="rect">
+            <a:avLst/>
+          </a:prstGeom>
+        </p:spPr>
+        <p:style>
+          <a:lnRef idx="2">
+            <a:schemeClr val="accent1">
+              <a:shade val="50000"/>
+            </a:schemeClr>
+          </a:lnRef>
+          <a:fillRef idx="1">
+            <a:schemeClr val="accent1"/>
+          </a:fillRef>
+          <a:effectRef idx="0">
+            <a:schemeClr val="accent1"/>
+          </a:effectRef>
+          <a:fontRef idx="minor">
+            <a:schemeClr val="lt1"/>
+          </a:fontRef>
+        </p:style>
+        <p:txBody>
+          <a:bodyPr rtlCol="0" anchor="ctr"/>
+          <a:lstStyle/>
+          <a:p>
+            <a:pPr algn="ctr"/>
+            <a:endParaRPr lang="en-US"/>
+          </a:p>
+        </p:txBody>
+      </p:sp>
+      <p:sp>
+        <p:nvSpPr>
+          <p:cNvPr id="3" name="TextBox 2">
+            <a:extLst>
+              <a:ext uri="{FF2B5EF4-FFF2-40B4-BE49-F238E27FC236}">
+                <a16:creationId xmlns:a16="http://schemas.microsoft.com/office/drawing/2014/main" id="{912028DC-9AB0-425C-8CDC-0A3A6AEEAB0B}"/>
+              </a:ext>
+            </a:extLst>
+          </p:cNvPr>
+          <p:cNvSpPr txBox="1"/>
+          <p:nvPr/>
+        </p:nvSpPr>
+        <p:spPr>
+          <a:xfrm>
+            <a:off x="550606" y="442452"/>
+            <a:ext cx="3519949" cy="369332"/>
+          </a:xfrm>
+          <a:prstGeom prst="rect">
+            <a:avLst/>
+          </a:prstGeom>
+          <a:noFill/>
+        </p:spPr>
+        <p:txBody>
+          <a:bodyPr wrap="square" rtlCol="0">
+            <a:spAutoFit/>
+          </a:bodyPr>
+          <a:lstStyle/>
+          <a:p>
+            <a:r>
+              <a:rPr lang="en-IN" b="1" dirty="0"/>
+              <a:t>The Parent Component</a:t>
+            </a:r>
+            <a:endParaRPr lang="en-US" b="1" dirty="0"/>
+          </a:p>
+        </p:txBody>
+      </p:sp>
+      <p:sp>
+        <p:nvSpPr>
+          <p:cNvPr id="4" name="Rectangle: Rounded Corners 3">
+            <a:extLst>
+              <a:ext uri="{FF2B5EF4-FFF2-40B4-BE49-F238E27FC236}">
+                <a16:creationId xmlns:a16="http://schemas.microsoft.com/office/drawing/2014/main" id="{C3BA28BB-510F-43CC-A5E7-F10165E7775B}"/>
+              </a:ext>
+            </a:extLst>
+          </p:cNvPr>
+          <p:cNvSpPr/>
+          <p:nvPr/>
+        </p:nvSpPr>
+        <p:spPr>
+          <a:xfrm>
+            <a:off x="550606" y="3165987"/>
+            <a:ext cx="4758813" cy="2182762"/>
+          </a:xfrm>
+          <a:prstGeom prst="roundRect">
+            <a:avLst/>
+          </a:prstGeom>
+        </p:spPr>
+        <p:style>
+          <a:lnRef idx="2">
+            <a:schemeClr val="dk1">
+              <a:shade val="50000"/>
+            </a:schemeClr>
+          </a:lnRef>
+          <a:fillRef idx="1">
+            <a:schemeClr val="dk1"/>
+          </a:fillRef>
+          <a:effectRef idx="0">
+            <a:schemeClr val="dk1"/>
+          </a:effectRef>
+          <a:fontRef idx="minor">
+            <a:schemeClr val="lt1"/>
+          </a:fontRef>
+        </p:style>
+        <p:txBody>
+          <a:bodyPr rtlCol="0" anchor="ctr"/>
+          <a:lstStyle/>
+          <a:p>
+            <a:pPr algn="ctr"/>
+            <a:r>
+              <a:rPr lang="en-IN" b="1" dirty="0"/>
+              <a:t>Child Component 1</a:t>
+            </a:r>
+          </a:p>
+          <a:p>
+            <a:pPr algn="ctr"/>
+            <a:endParaRPr lang="en-IN" b="1" dirty="0"/>
+          </a:p>
+          <a:p>
+            <a:pPr algn="ctr"/>
+            <a:endParaRPr lang="en-IN" b="1" dirty="0"/>
+          </a:p>
+          <a:p>
+            <a:pPr algn="ctr"/>
+            <a:endParaRPr lang="en-IN" b="1" dirty="0"/>
+          </a:p>
+          <a:p>
+            <a:pPr algn="ctr"/>
+            <a:endParaRPr lang="en-IN" b="1" dirty="0"/>
+          </a:p>
+          <a:p>
+            <a:pPr algn="ctr"/>
+            <a:endParaRPr lang="en-US" b="1" dirty="0"/>
+          </a:p>
+        </p:txBody>
+      </p:sp>
+      <p:sp>
+        <p:nvSpPr>
+          <p:cNvPr id="17" name="TextBox 16">
+            <a:extLst>
+              <a:ext uri="{FF2B5EF4-FFF2-40B4-BE49-F238E27FC236}">
+                <a16:creationId xmlns:a16="http://schemas.microsoft.com/office/drawing/2014/main" id="{7C53C6D4-0BC8-4B9B-92C1-E8E7CA638F4A}"/>
+              </a:ext>
+            </a:extLst>
+          </p:cNvPr>
+          <p:cNvSpPr txBox="1"/>
+          <p:nvPr/>
+        </p:nvSpPr>
+        <p:spPr>
+          <a:xfrm>
+            <a:off x="6263147" y="2668273"/>
+            <a:ext cx="5240593" cy="646331"/>
+          </a:xfrm>
+          <a:prstGeom prst="rect">
+            <a:avLst/>
+          </a:prstGeom>
+          <a:noFill/>
+        </p:spPr>
+        <p:txBody>
+          <a:bodyPr wrap="square" rtlCol="0">
+            <a:spAutoFit/>
+          </a:bodyPr>
+          <a:lstStyle/>
+          <a:p>
+            <a:pPr algn="ctr"/>
+            <a:r>
+              <a:rPr lang="en-IN" sz="3600" b="1" dirty="0"/>
+              <a:t>Context Object = {}</a:t>
+            </a:r>
+            <a:endParaRPr lang="en-US" sz="3600" b="1" dirty="0"/>
+          </a:p>
+        </p:txBody>
+      </p:sp>
+      <p:sp>
+        <p:nvSpPr>
+          <p:cNvPr id="9" name="Arrow: Bent-Up 8">
+            <a:extLst>
+              <a:ext uri="{FF2B5EF4-FFF2-40B4-BE49-F238E27FC236}">
+                <a16:creationId xmlns:a16="http://schemas.microsoft.com/office/drawing/2014/main" id="{2CBC43E3-93D7-471C-BD4A-30CA28881CCE}"/>
+              </a:ext>
+            </a:extLst>
+          </p:cNvPr>
+          <p:cNvSpPr/>
+          <p:nvPr/>
+        </p:nvSpPr>
+        <p:spPr>
+          <a:xfrm flipV="1">
+            <a:off x="3569110" y="627117"/>
+            <a:ext cx="4758814" cy="2182762"/>
+          </a:xfrm>
+          <a:prstGeom prst="bentUpArrow">
+            <a:avLst/>
+          </a:prstGeom>
+          <a:solidFill>
+            <a:srgbClr val="FF0000"/>
+          </a:solidFill>
+        </p:spPr>
+        <p:style>
+          <a:lnRef idx="2">
+            <a:schemeClr val="accent1">
+              <a:shade val="50000"/>
+            </a:schemeClr>
+          </a:lnRef>
+          <a:fillRef idx="1">
+            <a:schemeClr val="accent1"/>
+          </a:fillRef>
+          <a:effectRef idx="0">
+            <a:schemeClr val="accent1"/>
+          </a:effectRef>
+          <a:fontRef idx="minor">
+            <a:schemeClr val="lt1"/>
+          </a:fontRef>
+        </p:style>
+        <p:txBody>
+          <a:bodyPr rtlCol="0" anchor="ctr"/>
+          <a:lstStyle/>
+          <a:p>
+            <a:pPr algn="ctr"/>
+            <a:endParaRPr lang="en-US"/>
+          </a:p>
+        </p:txBody>
+      </p:sp>
+      <p:sp>
+        <p:nvSpPr>
+          <p:cNvPr id="10" name="TextBox 9">
+            <a:extLst>
+              <a:ext uri="{FF2B5EF4-FFF2-40B4-BE49-F238E27FC236}">
+                <a16:creationId xmlns:a16="http://schemas.microsoft.com/office/drawing/2014/main" id="{B5A517F9-CDDE-434B-B054-5D1BB57946FD}"/>
+              </a:ext>
+            </a:extLst>
+          </p:cNvPr>
+          <p:cNvSpPr txBox="1"/>
+          <p:nvPr/>
+        </p:nvSpPr>
+        <p:spPr>
+          <a:xfrm>
+            <a:off x="9045676" y="442452"/>
+            <a:ext cx="2762864" cy="2031325"/>
+          </a:xfrm>
+          <a:prstGeom prst="rect">
+            <a:avLst/>
+          </a:prstGeom>
+          <a:noFill/>
+        </p:spPr>
+        <p:txBody>
+          <a:bodyPr wrap="square" rtlCol="0">
+            <a:spAutoFit/>
+          </a:bodyPr>
+          <a:lstStyle/>
+          <a:p>
+            <a:r>
+              <a:rPr lang="en-IN" dirty="0"/>
+              <a:t>The Parent will pass that data to Context Object</a:t>
+            </a:r>
+          </a:p>
+          <a:p>
+            <a:endParaRPr lang="en-IN" dirty="0"/>
+          </a:p>
+          <a:p>
+            <a:r>
+              <a:rPr lang="en-IN" dirty="0" err="1"/>
+              <a:t>Context.Provider</a:t>
+            </a:r>
+            <a:endParaRPr lang="en-IN" dirty="0"/>
+          </a:p>
+          <a:p>
+            <a:r>
+              <a:rPr lang="en-IN" dirty="0"/>
+              <a:t>- Object that holds data and </a:t>
+            </a:r>
+            <a:r>
+              <a:rPr lang="en-IN" dirty="0" err="1"/>
+              <a:t>callback</a:t>
+            </a:r>
+            <a:r>
+              <a:rPr lang="en-IN" dirty="0"/>
+              <a:t> to be passed to child </a:t>
+            </a:r>
+            <a:endParaRPr lang="en-US" dirty="0"/>
+          </a:p>
+        </p:txBody>
+      </p:sp>
+      <p:sp>
+        <p:nvSpPr>
+          <p:cNvPr id="12" name="Arrow: Bent-Up 11">
+            <a:extLst>
+              <a:ext uri="{FF2B5EF4-FFF2-40B4-BE49-F238E27FC236}">
+                <a16:creationId xmlns:a16="http://schemas.microsoft.com/office/drawing/2014/main" id="{A530C317-1B7D-4EF8-905C-B484017DD35E}"/>
+              </a:ext>
+            </a:extLst>
+          </p:cNvPr>
+          <p:cNvSpPr/>
+          <p:nvPr/>
+        </p:nvSpPr>
+        <p:spPr>
+          <a:xfrm>
+            <a:off x="4124629" y="3301582"/>
+            <a:ext cx="6897332" cy="1334755"/>
+          </a:xfrm>
+          <a:prstGeom prst="bentUpArrow">
+            <a:avLst/>
+          </a:prstGeom>
+          <a:solidFill>
+            <a:srgbClr val="FF0000"/>
+          </a:solidFill>
+        </p:spPr>
+        <p:style>
+          <a:lnRef idx="2">
+            <a:schemeClr val="accent1">
+              <a:shade val="50000"/>
+            </a:schemeClr>
+          </a:lnRef>
+          <a:fillRef idx="1">
+            <a:schemeClr val="accent1"/>
+          </a:fillRef>
+          <a:effectRef idx="0">
+            <a:schemeClr val="accent1"/>
+          </a:effectRef>
+          <a:fontRef idx="minor">
+            <a:schemeClr val="lt1"/>
+          </a:fontRef>
+        </p:style>
+        <p:txBody>
+          <a:bodyPr rtlCol="0" anchor="ctr"/>
+          <a:lstStyle/>
+          <a:p>
+            <a:pPr algn="ctr"/>
+            <a:endParaRPr lang="en-US"/>
+          </a:p>
+        </p:txBody>
+      </p:sp>
+      <p:sp>
+        <p:nvSpPr>
+          <p:cNvPr id="11" name="TextBox 10">
+            <a:extLst>
+              <a:ext uri="{FF2B5EF4-FFF2-40B4-BE49-F238E27FC236}">
+                <a16:creationId xmlns:a16="http://schemas.microsoft.com/office/drawing/2014/main" id="{9BD0B5C5-5741-4F40-A640-61D630A63895}"/>
+              </a:ext>
+            </a:extLst>
+          </p:cNvPr>
+          <p:cNvSpPr txBox="1"/>
+          <p:nvPr/>
+        </p:nvSpPr>
+        <p:spPr>
+          <a:xfrm>
+            <a:off x="6892413" y="4758813"/>
+            <a:ext cx="4336026" cy="923330"/>
+          </a:xfrm>
+          <a:prstGeom prst="rect">
+            <a:avLst/>
+          </a:prstGeom>
+          <a:noFill/>
+        </p:spPr>
+        <p:txBody>
+          <a:bodyPr wrap="square" rtlCol="0">
+            <a:spAutoFit/>
+          </a:bodyPr>
+          <a:lstStyle/>
+          <a:p>
+            <a:r>
+              <a:rPr lang="en-IN" dirty="0"/>
+              <a:t>Child Component will Subscribe to the context using ’</a:t>
+            </a:r>
+            <a:r>
+              <a:rPr lang="en-IN" dirty="0" err="1"/>
+              <a:t>useContext</a:t>
+            </a:r>
+            <a:r>
+              <a:rPr lang="en-IN" dirty="0"/>
+              <a:t>()’ hook to Read data from the </a:t>
+            </a:r>
+            <a:r>
+              <a:rPr lang="en-IN"/>
+              <a:t>Context Object </a:t>
+            </a:r>
+            <a:endParaRPr lang="en-US" dirty="0"/>
+          </a:p>
+        </p:txBody>
+      </p:sp>
+    </p:spTree>
+    <p:extLst>
+      <p:ext uri="{BB962C8B-B14F-4D97-AF65-F5344CB8AC3E}">
+        <p14:creationId xmlns:p14="http://schemas.microsoft.com/office/powerpoint/2010/main" val="3434439349"/>
+      </p:ext>
+    </p:extLst>
+  </p:cSld>
+  <p:clrMapOvr>
+    <a:masterClrMapping/>
+  </p:clrMapOvr>
+</p:sld>
+</file>
+
 <file path=ppt/slides/slide2.xml><?xml version="1.0" encoding="utf-8"?>
 <p:sld xmlns:a="http://schemas.openxmlformats.org/drawingml/2006/main" xmlns:r="http://schemas.openxmlformats.org/officeDocument/2006/relationships" xmlns:p="http://schemas.openxmlformats.org/presentationml/2006/main">
   <p:cSld>

--- a/training_images.pptx
+++ b/training_images.pptx
@@ -23,6 +23,8 @@
     <p:sldId id="271" r:id="rId17"/>
     <p:sldId id="272" r:id="rId18"/>
     <p:sldId id="273" r:id="rId19"/>
+    <p:sldId id="274" r:id="rId20"/>
+    <p:sldId id="275" r:id="rId21"/>
   </p:sldIdLst>
   <p:sldSz cx="12192000" cy="6858000"/>
   <p:notesSz cx="6858000" cy="9144000"/>
@@ -292,7 +294,7 @@
           <a:p>
             <a:fld id="{822AF85D-11A4-42B9-B7D1-A5D0AD529DB2}" type="datetimeFigureOut">
               <a:rPr lang="en-US" smtClean="0"/>
-              <a:t>4/26/2022</a:t>
+              <a:t>4/28/2022</a:t>
             </a:fld>
             <a:endParaRPr lang="en-US"/>
           </a:p>
@@ -462,7 +464,7 @@
           <a:p>
             <a:fld id="{822AF85D-11A4-42B9-B7D1-A5D0AD529DB2}" type="datetimeFigureOut">
               <a:rPr lang="en-US" smtClean="0"/>
-              <a:t>4/26/2022</a:t>
+              <a:t>4/28/2022</a:t>
             </a:fld>
             <a:endParaRPr lang="en-US"/>
           </a:p>
@@ -642,7 +644,7 @@
           <a:p>
             <a:fld id="{822AF85D-11A4-42B9-B7D1-A5D0AD529DB2}" type="datetimeFigureOut">
               <a:rPr lang="en-US" smtClean="0"/>
-              <a:t>4/26/2022</a:t>
+              <a:t>4/28/2022</a:t>
             </a:fld>
             <a:endParaRPr lang="en-US"/>
           </a:p>
@@ -812,7 +814,7 @@
           <a:p>
             <a:fld id="{822AF85D-11A4-42B9-B7D1-A5D0AD529DB2}" type="datetimeFigureOut">
               <a:rPr lang="en-US" smtClean="0"/>
-              <a:t>4/26/2022</a:t>
+              <a:t>4/28/2022</a:t>
             </a:fld>
             <a:endParaRPr lang="en-US"/>
           </a:p>
@@ -1080,7 +1082,7 @@
           <a:p>
             <a:fld id="{822AF85D-11A4-42B9-B7D1-A5D0AD529DB2}" type="datetimeFigureOut">
               <a:rPr lang="en-US" smtClean="0"/>
-              <a:t>4/26/2022</a:t>
+              <a:t>4/28/2022</a:t>
             </a:fld>
             <a:endParaRPr lang="en-US"/>
           </a:p>
@@ -1312,7 +1314,7 @@
           <a:p>
             <a:fld id="{822AF85D-11A4-42B9-B7D1-A5D0AD529DB2}" type="datetimeFigureOut">
               <a:rPr lang="en-US" smtClean="0"/>
-              <a:t>4/26/2022</a:t>
+              <a:t>4/28/2022</a:t>
             </a:fld>
             <a:endParaRPr lang="en-US"/>
           </a:p>
@@ -1671,7 +1673,7 @@
           <a:p>
             <a:fld id="{822AF85D-11A4-42B9-B7D1-A5D0AD529DB2}" type="datetimeFigureOut">
               <a:rPr lang="en-US" smtClean="0"/>
-              <a:t>4/26/2022</a:t>
+              <a:t>4/28/2022</a:t>
             </a:fld>
             <a:endParaRPr lang="en-US"/>
           </a:p>
@@ -1812,7 +1814,7 @@
           <a:p>
             <a:fld id="{822AF85D-11A4-42B9-B7D1-A5D0AD529DB2}" type="datetimeFigureOut">
               <a:rPr lang="en-US" smtClean="0"/>
-              <a:t>4/26/2022</a:t>
+              <a:t>4/28/2022</a:t>
             </a:fld>
             <a:endParaRPr lang="en-US"/>
           </a:p>
@@ -1907,7 +1909,7 @@
           <a:p>
             <a:fld id="{822AF85D-11A4-42B9-B7D1-A5D0AD529DB2}" type="datetimeFigureOut">
               <a:rPr lang="en-US" smtClean="0"/>
-              <a:t>4/26/2022</a:t>
+              <a:t>4/28/2022</a:t>
             </a:fld>
             <a:endParaRPr lang="en-US"/>
           </a:p>
@@ -2264,7 +2266,7 @@
           <a:p>
             <a:fld id="{822AF85D-11A4-42B9-B7D1-A5D0AD529DB2}" type="datetimeFigureOut">
               <a:rPr lang="en-US" smtClean="0"/>
-              <a:t>4/26/2022</a:t>
+              <a:t>4/28/2022</a:t>
             </a:fld>
             <a:endParaRPr lang="en-US"/>
           </a:p>
@@ -2621,7 +2623,7 @@
           <a:p>
             <a:fld id="{822AF85D-11A4-42B9-B7D1-A5D0AD529DB2}" type="datetimeFigureOut">
               <a:rPr lang="en-US" smtClean="0"/>
-              <a:t>4/26/2022</a:t>
+              <a:t>4/28/2022</a:t>
             </a:fld>
             <a:endParaRPr lang="en-US"/>
           </a:p>
@@ -2863,7 +2865,7 @@
           <a:p>
             <a:fld id="{822AF85D-11A4-42B9-B7D1-A5D0AD529DB2}" type="datetimeFigureOut">
               <a:rPr lang="en-US" smtClean="0"/>
-              <a:t>4/26/2022</a:t>
+              <a:t>4/28/2022</a:t>
             </a:fld>
             <a:endParaRPr lang="en-US"/>
           </a:p>
@@ -9422,6 +9424,1170 @@
 </p:sld>
 </file>
 
+<file path=ppt/slides/slide19.xml><?xml version="1.0" encoding="utf-8"?>
+<p:sld xmlns:a="http://schemas.openxmlformats.org/drawingml/2006/main" xmlns:r="http://schemas.openxmlformats.org/officeDocument/2006/relationships" xmlns:p="http://schemas.openxmlformats.org/presentationml/2006/main">
+  <p:cSld>
+    <p:spTree>
+      <p:nvGrpSpPr>
+        <p:cNvPr id="1" name=""/>
+        <p:cNvGrpSpPr/>
+        <p:nvPr/>
+      </p:nvGrpSpPr>
+      <p:grpSpPr>
+        <a:xfrm>
+          <a:off x="0" y="0"/>
+          <a:ext cx="0" cy="0"/>
+          <a:chOff x="0" y="0"/>
+          <a:chExt cx="0" cy="0"/>
+        </a:xfrm>
+      </p:grpSpPr>
+      <p:sp>
+        <p:nvSpPr>
+          <p:cNvPr id="2" name="Rectangle 1">
+            <a:extLst>
+              <a:ext uri="{FF2B5EF4-FFF2-40B4-BE49-F238E27FC236}">
+                <a16:creationId xmlns:a16="http://schemas.microsoft.com/office/drawing/2014/main" id="{05BD762B-2644-4844-8A4A-F24D37942B0E}"/>
+              </a:ext>
+            </a:extLst>
+          </p:cNvPr>
+          <p:cNvSpPr/>
+          <p:nvPr/>
+        </p:nvSpPr>
+        <p:spPr>
+          <a:xfrm>
+            <a:off x="747250" y="512520"/>
+            <a:ext cx="4247535" cy="5712542"/>
+          </a:xfrm>
+          <a:prstGeom prst="rect">
+            <a:avLst/>
+          </a:prstGeom>
+        </p:spPr>
+        <p:style>
+          <a:lnRef idx="2">
+            <a:schemeClr val="accent1">
+              <a:shade val="50000"/>
+            </a:schemeClr>
+          </a:lnRef>
+          <a:fillRef idx="1">
+            <a:schemeClr val="accent1"/>
+          </a:fillRef>
+          <a:effectRef idx="0">
+            <a:schemeClr val="accent1"/>
+          </a:effectRef>
+          <a:fontRef idx="minor">
+            <a:schemeClr val="lt1"/>
+          </a:fontRef>
+        </p:style>
+        <p:txBody>
+          <a:bodyPr rtlCol="0" anchor="ctr"/>
+          <a:lstStyle/>
+          <a:p>
+            <a:pPr algn="ctr"/>
+            <a:endParaRPr lang="en-US"/>
+          </a:p>
+        </p:txBody>
+      </p:sp>
+      <p:sp>
+        <p:nvSpPr>
+          <p:cNvPr id="3" name="TextBox 2">
+            <a:extLst>
+              <a:ext uri="{FF2B5EF4-FFF2-40B4-BE49-F238E27FC236}">
+                <a16:creationId xmlns:a16="http://schemas.microsoft.com/office/drawing/2014/main" id="{9F9E20D0-A3DC-4CD8-96BA-B92D1FE5B0C2}"/>
+              </a:ext>
+            </a:extLst>
+          </p:cNvPr>
+          <p:cNvSpPr txBox="1"/>
+          <p:nvPr/>
+        </p:nvSpPr>
+        <p:spPr>
+          <a:xfrm>
+            <a:off x="983226" y="648929"/>
+            <a:ext cx="3106993" cy="369332"/>
+          </a:xfrm>
+          <a:prstGeom prst="rect">
+            <a:avLst/>
+          </a:prstGeom>
+          <a:noFill/>
+        </p:spPr>
+        <p:txBody>
+          <a:bodyPr wrap="square" rtlCol="0">
+            <a:spAutoFit/>
+          </a:bodyPr>
+          <a:lstStyle/>
+          <a:p>
+            <a:pPr algn="ctr"/>
+            <a:r>
+              <a:rPr lang="en-IN" b="1" dirty="0"/>
+              <a:t>Component</a:t>
+            </a:r>
+            <a:endParaRPr lang="en-US" b="1" dirty="0"/>
+          </a:p>
+        </p:txBody>
+      </p:sp>
+      <p:sp>
+        <p:nvSpPr>
+          <p:cNvPr id="5" name="Flowchart: Card 4">
+            <a:extLst>
+              <a:ext uri="{FF2B5EF4-FFF2-40B4-BE49-F238E27FC236}">
+                <a16:creationId xmlns:a16="http://schemas.microsoft.com/office/drawing/2014/main" id="{5793345E-4A67-423A-821E-86900C4B3719}"/>
+              </a:ext>
+            </a:extLst>
+          </p:cNvPr>
+          <p:cNvSpPr/>
+          <p:nvPr/>
+        </p:nvSpPr>
+        <p:spPr>
+          <a:xfrm>
+            <a:off x="8957187" y="550606"/>
+            <a:ext cx="2153265" cy="2359742"/>
+          </a:xfrm>
+          <a:prstGeom prst="flowChartPunchedCard">
+            <a:avLst/>
+          </a:prstGeom>
+        </p:spPr>
+        <p:style>
+          <a:lnRef idx="2">
+            <a:schemeClr val="accent1">
+              <a:shade val="50000"/>
+            </a:schemeClr>
+          </a:lnRef>
+          <a:fillRef idx="1">
+            <a:schemeClr val="accent1"/>
+          </a:fillRef>
+          <a:effectRef idx="0">
+            <a:schemeClr val="accent1"/>
+          </a:effectRef>
+          <a:fontRef idx="minor">
+            <a:schemeClr val="lt1"/>
+          </a:fontRef>
+        </p:style>
+        <p:txBody>
+          <a:bodyPr rtlCol="0" anchor="ctr"/>
+          <a:lstStyle/>
+          <a:p>
+            <a:pPr algn="ctr"/>
+            <a:r>
+              <a:rPr lang="en-IN" b="1" dirty="0"/>
+              <a:t>REST API</a:t>
+            </a:r>
+            <a:endParaRPr lang="en-US" b="1" dirty="0"/>
+          </a:p>
+        </p:txBody>
+      </p:sp>
+      <p:sp>
+        <p:nvSpPr>
+          <p:cNvPr id="6" name="Rectangle: Rounded Corners 5">
+            <a:extLst>
+              <a:ext uri="{FF2B5EF4-FFF2-40B4-BE49-F238E27FC236}">
+                <a16:creationId xmlns:a16="http://schemas.microsoft.com/office/drawing/2014/main" id="{B2FF00E4-9F0F-42CD-BFA0-5CAC67DEF5B4}"/>
+              </a:ext>
+            </a:extLst>
+          </p:cNvPr>
+          <p:cNvSpPr/>
+          <p:nvPr/>
+        </p:nvSpPr>
+        <p:spPr>
+          <a:xfrm>
+            <a:off x="2054936" y="1745225"/>
+            <a:ext cx="1612491" cy="599768"/>
+          </a:xfrm>
+          <a:prstGeom prst="roundRect">
+            <a:avLst/>
+          </a:prstGeom>
+          <a:solidFill>
+            <a:schemeClr val="tx2">
+              <a:lumMod val="60000"/>
+              <a:lumOff val="40000"/>
+            </a:schemeClr>
+          </a:solidFill>
+        </p:spPr>
+        <p:style>
+          <a:lnRef idx="2">
+            <a:schemeClr val="accent1">
+              <a:shade val="50000"/>
+            </a:schemeClr>
+          </a:lnRef>
+          <a:fillRef idx="1">
+            <a:schemeClr val="accent1"/>
+          </a:fillRef>
+          <a:effectRef idx="0">
+            <a:schemeClr val="accent1"/>
+          </a:effectRef>
+          <a:fontRef idx="minor">
+            <a:schemeClr val="lt1"/>
+          </a:fontRef>
+        </p:style>
+        <p:txBody>
+          <a:bodyPr rtlCol="0" anchor="ctr"/>
+          <a:lstStyle/>
+          <a:p>
+            <a:pPr algn="ctr"/>
+            <a:r>
+              <a:rPr lang="en-IN" dirty="0"/>
+              <a:t>Root</a:t>
+            </a:r>
+            <a:endParaRPr lang="en-US" dirty="0"/>
+          </a:p>
+        </p:txBody>
+      </p:sp>
+      <p:sp>
+        <p:nvSpPr>
+          <p:cNvPr id="7" name="Rectangle: Rounded Corners 6">
+            <a:extLst>
+              <a:ext uri="{FF2B5EF4-FFF2-40B4-BE49-F238E27FC236}">
+                <a16:creationId xmlns:a16="http://schemas.microsoft.com/office/drawing/2014/main" id="{AC9B5FC2-1C68-4C2B-9266-61AE6A4CBE47}"/>
+              </a:ext>
+            </a:extLst>
+          </p:cNvPr>
+          <p:cNvSpPr/>
+          <p:nvPr/>
+        </p:nvSpPr>
+        <p:spPr>
+          <a:xfrm>
+            <a:off x="963556" y="2802885"/>
+            <a:ext cx="1612491" cy="599768"/>
+          </a:xfrm>
+          <a:prstGeom prst="roundRect">
+            <a:avLst/>
+          </a:prstGeom>
+          <a:solidFill>
+            <a:schemeClr val="tx2">
+              <a:lumMod val="60000"/>
+              <a:lumOff val="40000"/>
+            </a:schemeClr>
+          </a:solidFill>
+        </p:spPr>
+        <p:style>
+          <a:lnRef idx="2">
+            <a:schemeClr val="accent1">
+              <a:shade val="50000"/>
+            </a:schemeClr>
+          </a:lnRef>
+          <a:fillRef idx="1">
+            <a:schemeClr val="accent1"/>
+          </a:fillRef>
+          <a:effectRef idx="0">
+            <a:schemeClr val="accent1"/>
+          </a:effectRef>
+          <a:fontRef idx="minor">
+            <a:schemeClr val="lt1"/>
+          </a:fontRef>
+        </p:style>
+        <p:txBody>
+          <a:bodyPr rtlCol="0" anchor="ctr"/>
+          <a:lstStyle/>
+          <a:p>
+            <a:pPr algn="ctr"/>
+            <a:r>
+              <a:rPr lang="en-IN" dirty="0"/>
+              <a:t>Child1</a:t>
+            </a:r>
+            <a:endParaRPr lang="en-US" dirty="0"/>
+          </a:p>
+        </p:txBody>
+      </p:sp>
+      <p:sp>
+        <p:nvSpPr>
+          <p:cNvPr id="8" name="Rectangle: Rounded Corners 7">
+            <a:extLst>
+              <a:ext uri="{FF2B5EF4-FFF2-40B4-BE49-F238E27FC236}">
+                <a16:creationId xmlns:a16="http://schemas.microsoft.com/office/drawing/2014/main" id="{4C201596-D3E0-4C5F-BF3B-B91DD5DCF612}"/>
+              </a:ext>
+            </a:extLst>
+          </p:cNvPr>
+          <p:cNvSpPr/>
+          <p:nvPr/>
+        </p:nvSpPr>
+        <p:spPr>
+          <a:xfrm>
+            <a:off x="3136489" y="2769023"/>
+            <a:ext cx="1612491" cy="599768"/>
+          </a:xfrm>
+          <a:prstGeom prst="roundRect">
+            <a:avLst/>
+          </a:prstGeom>
+          <a:solidFill>
+            <a:schemeClr val="tx2">
+              <a:lumMod val="60000"/>
+              <a:lumOff val="40000"/>
+            </a:schemeClr>
+          </a:solidFill>
+        </p:spPr>
+        <p:style>
+          <a:lnRef idx="2">
+            <a:schemeClr val="accent1">
+              <a:shade val="50000"/>
+            </a:schemeClr>
+          </a:lnRef>
+          <a:fillRef idx="1">
+            <a:schemeClr val="accent1"/>
+          </a:fillRef>
+          <a:effectRef idx="0">
+            <a:schemeClr val="accent1"/>
+          </a:effectRef>
+          <a:fontRef idx="minor">
+            <a:schemeClr val="lt1"/>
+          </a:fontRef>
+        </p:style>
+        <p:txBody>
+          <a:bodyPr rtlCol="0" anchor="ctr"/>
+          <a:lstStyle/>
+          <a:p>
+            <a:pPr algn="ctr"/>
+            <a:r>
+              <a:rPr lang="en-IN" dirty="0"/>
+              <a:t>Child12</a:t>
+            </a:r>
+            <a:endParaRPr lang="en-US" dirty="0"/>
+          </a:p>
+        </p:txBody>
+      </p:sp>
+      <p:sp>
+        <p:nvSpPr>
+          <p:cNvPr id="9" name="Rectangle: Rounded Corners 8">
+            <a:extLst>
+              <a:ext uri="{FF2B5EF4-FFF2-40B4-BE49-F238E27FC236}">
+                <a16:creationId xmlns:a16="http://schemas.microsoft.com/office/drawing/2014/main" id="{B74CC8A3-4330-4201-8104-CAB98A62F58C}"/>
+              </a:ext>
+            </a:extLst>
+          </p:cNvPr>
+          <p:cNvSpPr/>
+          <p:nvPr/>
+        </p:nvSpPr>
+        <p:spPr>
+          <a:xfrm>
+            <a:off x="1022553" y="3913097"/>
+            <a:ext cx="825910" cy="599768"/>
+          </a:xfrm>
+          <a:prstGeom prst="roundRect">
+            <a:avLst/>
+          </a:prstGeom>
+          <a:solidFill>
+            <a:schemeClr val="tx2">
+              <a:lumMod val="60000"/>
+              <a:lumOff val="40000"/>
+            </a:schemeClr>
+          </a:solidFill>
+        </p:spPr>
+        <p:style>
+          <a:lnRef idx="2">
+            <a:schemeClr val="accent1">
+              <a:shade val="50000"/>
+            </a:schemeClr>
+          </a:lnRef>
+          <a:fillRef idx="1">
+            <a:schemeClr val="accent1"/>
+          </a:fillRef>
+          <a:effectRef idx="0">
+            <a:schemeClr val="accent1"/>
+          </a:effectRef>
+          <a:fontRef idx="minor">
+            <a:schemeClr val="lt1"/>
+          </a:fontRef>
+        </p:style>
+        <p:txBody>
+          <a:bodyPr rtlCol="0" anchor="ctr"/>
+          <a:lstStyle/>
+          <a:p>
+            <a:pPr algn="ctr"/>
+            <a:r>
+              <a:rPr lang="en-IN" dirty="0"/>
+              <a:t>CC11</a:t>
+            </a:r>
+            <a:endParaRPr lang="en-US" dirty="0"/>
+          </a:p>
+        </p:txBody>
+      </p:sp>
+      <p:sp>
+        <p:nvSpPr>
+          <p:cNvPr id="10" name="Rectangle: Rounded Corners 9">
+            <a:extLst>
+              <a:ext uri="{FF2B5EF4-FFF2-40B4-BE49-F238E27FC236}">
+                <a16:creationId xmlns:a16="http://schemas.microsoft.com/office/drawing/2014/main" id="{EBFE7216-2928-4F5D-AE03-F3874B8A7979}"/>
+              </a:ext>
+            </a:extLst>
+          </p:cNvPr>
+          <p:cNvSpPr/>
+          <p:nvPr/>
+        </p:nvSpPr>
+        <p:spPr>
+          <a:xfrm>
+            <a:off x="2054936" y="3906655"/>
+            <a:ext cx="825911" cy="599768"/>
+          </a:xfrm>
+          <a:prstGeom prst="roundRect">
+            <a:avLst/>
+          </a:prstGeom>
+          <a:solidFill>
+            <a:schemeClr val="tx2">
+              <a:lumMod val="60000"/>
+              <a:lumOff val="40000"/>
+            </a:schemeClr>
+          </a:solidFill>
+        </p:spPr>
+        <p:style>
+          <a:lnRef idx="2">
+            <a:schemeClr val="accent1">
+              <a:shade val="50000"/>
+            </a:schemeClr>
+          </a:lnRef>
+          <a:fillRef idx="1">
+            <a:schemeClr val="accent1"/>
+          </a:fillRef>
+          <a:effectRef idx="0">
+            <a:schemeClr val="accent1"/>
+          </a:effectRef>
+          <a:fontRef idx="minor">
+            <a:schemeClr val="lt1"/>
+          </a:fontRef>
+        </p:style>
+        <p:txBody>
+          <a:bodyPr rtlCol="0" anchor="ctr"/>
+          <a:lstStyle/>
+          <a:p>
+            <a:pPr algn="ctr"/>
+            <a:r>
+              <a:rPr lang="en-IN" dirty="0"/>
+              <a:t>CC12</a:t>
+            </a:r>
+            <a:endParaRPr lang="en-US" dirty="0"/>
+          </a:p>
+        </p:txBody>
+      </p:sp>
+      <p:sp>
+        <p:nvSpPr>
+          <p:cNvPr id="11" name="Rectangle: Rounded Corners 10">
+            <a:extLst>
+              <a:ext uri="{FF2B5EF4-FFF2-40B4-BE49-F238E27FC236}">
+                <a16:creationId xmlns:a16="http://schemas.microsoft.com/office/drawing/2014/main" id="{7406E916-224E-4290-AAA3-8B791ADED043}"/>
+              </a:ext>
+            </a:extLst>
+          </p:cNvPr>
+          <p:cNvSpPr/>
+          <p:nvPr/>
+        </p:nvSpPr>
+        <p:spPr>
+          <a:xfrm>
+            <a:off x="3008669" y="3906655"/>
+            <a:ext cx="825910" cy="599768"/>
+          </a:xfrm>
+          <a:prstGeom prst="roundRect">
+            <a:avLst/>
+          </a:prstGeom>
+          <a:solidFill>
+            <a:schemeClr val="tx2">
+              <a:lumMod val="60000"/>
+              <a:lumOff val="40000"/>
+            </a:schemeClr>
+          </a:solidFill>
+        </p:spPr>
+        <p:style>
+          <a:lnRef idx="2">
+            <a:schemeClr val="accent1">
+              <a:shade val="50000"/>
+            </a:schemeClr>
+          </a:lnRef>
+          <a:fillRef idx="1">
+            <a:schemeClr val="accent1"/>
+          </a:fillRef>
+          <a:effectRef idx="0">
+            <a:schemeClr val="accent1"/>
+          </a:effectRef>
+          <a:fontRef idx="minor">
+            <a:schemeClr val="lt1"/>
+          </a:fontRef>
+        </p:style>
+        <p:txBody>
+          <a:bodyPr rtlCol="0" anchor="ctr"/>
+          <a:lstStyle/>
+          <a:p>
+            <a:pPr algn="ctr"/>
+            <a:r>
+              <a:rPr lang="en-IN" dirty="0"/>
+              <a:t>CC21</a:t>
+            </a:r>
+            <a:endParaRPr lang="en-US" dirty="0"/>
+          </a:p>
+        </p:txBody>
+      </p:sp>
+      <p:sp>
+        <p:nvSpPr>
+          <p:cNvPr id="12" name="Rectangle: Rounded Corners 11">
+            <a:extLst>
+              <a:ext uri="{FF2B5EF4-FFF2-40B4-BE49-F238E27FC236}">
+                <a16:creationId xmlns:a16="http://schemas.microsoft.com/office/drawing/2014/main" id="{1E79AD14-36A1-4DD6-B1FA-E7E9B5FC556F}"/>
+              </a:ext>
+            </a:extLst>
+          </p:cNvPr>
+          <p:cNvSpPr/>
+          <p:nvPr/>
+        </p:nvSpPr>
+        <p:spPr>
+          <a:xfrm>
+            <a:off x="4041052" y="3900213"/>
+            <a:ext cx="825911" cy="599768"/>
+          </a:xfrm>
+          <a:prstGeom prst="roundRect">
+            <a:avLst/>
+          </a:prstGeom>
+          <a:solidFill>
+            <a:schemeClr val="tx2">
+              <a:lumMod val="60000"/>
+              <a:lumOff val="40000"/>
+            </a:schemeClr>
+          </a:solidFill>
+        </p:spPr>
+        <p:style>
+          <a:lnRef idx="2">
+            <a:schemeClr val="accent1">
+              <a:shade val="50000"/>
+            </a:schemeClr>
+          </a:lnRef>
+          <a:fillRef idx="1">
+            <a:schemeClr val="accent1"/>
+          </a:fillRef>
+          <a:effectRef idx="0">
+            <a:schemeClr val="accent1"/>
+          </a:effectRef>
+          <a:fontRef idx="minor">
+            <a:schemeClr val="lt1"/>
+          </a:fontRef>
+        </p:style>
+        <p:txBody>
+          <a:bodyPr rtlCol="0" anchor="ctr"/>
+          <a:lstStyle/>
+          <a:p>
+            <a:pPr algn="ctr"/>
+            <a:r>
+              <a:rPr lang="en-IN" dirty="0"/>
+              <a:t>CC22</a:t>
+            </a:r>
+            <a:endParaRPr lang="en-US" dirty="0"/>
+          </a:p>
+        </p:txBody>
+      </p:sp>
+      <p:cxnSp>
+        <p:nvCxnSpPr>
+          <p:cNvPr id="14" name="Straight Arrow Connector 13">
+            <a:extLst>
+              <a:ext uri="{FF2B5EF4-FFF2-40B4-BE49-F238E27FC236}">
+                <a16:creationId xmlns:a16="http://schemas.microsoft.com/office/drawing/2014/main" id="{7473BDD4-C336-4AD4-B286-87A21DBC7E77}"/>
+              </a:ext>
+            </a:extLst>
+          </p:cNvPr>
+          <p:cNvCxnSpPr>
+            <a:stCxn id="6" idx="2"/>
+            <a:endCxn id="7" idx="0"/>
+          </p:cNvCxnSpPr>
+          <p:nvPr/>
+        </p:nvCxnSpPr>
+        <p:spPr>
+          <a:xfrm flipH="1">
+            <a:off x="1769802" y="2344993"/>
+            <a:ext cx="1091380" cy="457892"/>
+          </a:xfrm>
+          <a:prstGeom prst="straightConnector1">
+            <a:avLst/>
+          </a:prstGeom>
+          <a:ln w="38100">
+            <a:solidFill>
+              <a:srgbClr val="FF0000"/>
+            </a:solidFill>
+            <a:tailEnd type="triangle"/>
+          </a:ln>
+        </p:spPr>
+        <p:style>
+          <a:lnRef idx="1">
+            <a:schemeClr val="accent1"/>
+          </a:lnRef>
+          <a:fillRef idx="0">
+            <a:schemeClr val="accent1"/>
+          </a:fillRef>
+          <a:effectRef idx="0">
+            <a:schemeClr val="accent1"/>
+          </a:effectRef>
+          <a:fontRef idx="minor">
+            <a:schemeClr val="tx1"/>
+          </a:fontRef>
+        </p:style>
+      </p:cxnSp>
+      <p:cxnSp>
+        <p:nvCxnSpPr>
+          <p:cNvPr id="15" name="Straight Arrow Connector 14">
+            <a:extLst>
+              <a:ext uri="{FF2B5EF4-FFF2-40B4-BE49-F238E27FC236}">
+                <a16:creationId xmlns:a16="http://schemas.microsoft.com/office/drawing/2014/main" id="{B600ED34-0660-4753-B105-A47ADAED04CC}"/>
+              </a:ext>
+            </a:extLst>
+          </p:cNvPr>
+          <p:cNvCxnSpPr>
+            <a:cxnSpLocks/>
+            <a:stCxn id="6" idx="2"/>
+            <a:endCxn id="8" idx="0"/>
+          </p:cNvCxnSpPr>
+          <p:nvPr/>
+        </p:nvCxnSpPr>
+        <p:spPr>
+          <a:xfrm>
+            <a:off x="2861182" y="2344993"/>
+            <a:ext cx="1081553" cy="424030"/>
+          </a:xfrm>
+          <a:prstGeom prst="straightConnector1">
+            <a:avLst/>
+          </a:prstGeom>
+          <a:ln w="38100">
+            <a:solidFill>
+              <a:srgbClr val="FF0000"/>
+            </a:solidFill>
+            <a:tailEnd type="triangle"/>
+          </a:ln>
+        </p:spPr>
+        <p:style>
+          <a:lnRef idx="1">
+            <a:schemeClr val="accent1"/>
+          </a:lnRef>
+          <a:fillRef idx="0">
+            <a:schemeClr val="accent1"/>
+          </a:fillRef>
+          <a:effectRef idx="0">
+            <a:schemeClr val="accent1"/>
+          </a:effectRef>
+          <a:fontRef idx="minor">
+            <a:schemeClr val="tx1"/>
+          </a:fontRef>
+        </p:style>
+      </p:cxnSp>
+      <p:cxnSp>
+        <p:nvCxnSpPr>
+          <p:cNvPr id="18" name="Straight Arrow Connector 17">
+            <a:extLst>
+              <a:ext uri="{FF2B5EF4-FFF2-40B4-BE49-F238E27FC236}">
+                <a16:creationId xmlns:a16="http://schemas.microsoft.com/office/drawing/2014/main" id="{482072B3-DBDF-4A4F-9333-034B1AC77AD5}"/>
+              </a:ext>
+            </a:extLst>
+          </p:cNvPr>
+          <p:cNvCxnSpPr>
+            <a:cxnSpLocks/>
+            <a:stCxn id="7" idx="2"/>
+            <a:endCxn id="9" idx="0"/>
+          </p:cNvCxnSpPr>
+          <p:nvPr/>
+        </p:nvCxnSpPr>
+        <p:spPr>
+          <a:xfrm flipH="1">
+            <a:off x="1435508" y="3402653"/>
+            <a:ext cx="334294" cy="510444"/>
+          </a:xfrm>
+          <a:prstGeom prst="straightConnector1">
+            <a:avLst/>
+          </a:prstGeom>
+          <a:ln w="38100">
+            <a:solidFill>
+              <a:srgbClr val="FF0000"/>
+            </a:solidFill>
+            <a:tailEnd type="triangle"/>
+          </a:ln>
+        </p:spPr>
+        <p:style>
+          <a:lnRef idx="1">
+            <a:schemeClr val="accent1"/>
+          </a:lnRef>
+          <a:fillRef idx="0">
+            <a:schemeClr val="accent1"/>
+          </a:fillRef>
+          <a:effectRef idx="0">
+            <a:schemeClr val="accent1"/>
+          </a:effectRef>
+          <a:fontRef idx="minor">
+            <a:schemeClr val="tx1"/>
+          </a:fontRef>
+        </p:style>
+      </p:cxnSp>
+      <p:cxnSp>
+        <p:nvCxnSpPr>
+          <p:cNvPr id="21" name="Straight Arrow Connector 20">
+            <a:extLst>
+              <a:ext uri="{FF2B5EF4-FFF2-40B4-BE49-F238E27FC236}">
+                <a16:creationId xmlns:a16="http://schemas.microsoft.com/office/drawing/2014/main" id="{D0A78967-C66A-4373-9519-F5AB22A24F5D}"/>
+              </a:ext>
+            </a:extLst>
+          </p:cNvPr>
+          <p:cNvCxnSpPr>
+            <a:cxnSpLocks/>
+          </p:cNvCxnSpPr>
+          <p:nvPr/>
+        </p:nvCxnSpPr>
+        <p:spPr>
+          <a:xfrm>
+            <a:off x="1784553" y="3447315"/>
+            <a:ext cx="683338" cy="452898"/>
+          </a:xfrm>
+          <a:prstGeom prst="straightConnector1">
+            <a:avLst/>
+          </a:prstGeom>
+          <a:ln w="38100">
+            <a:solidFill>
+              <a:srgbClr val="FF0000"/>
+            </a:solidFill>
+            <a:tailEnd type="triangle"/>
+          </a:ln>
+        </p:spPr>
+        <p:style>
+          <a:lnRef idx="1">
+            <a:schemeClr val="accent1"/>
+          </a:lnRef>
+          <a:fillRef idx="0">
+            <a:schemeClr val="accent1"/>
+          </a:fillRef>
+          <a:effectRef idx="0">
+            <a:schemeClr val="accent1"/>
+          </a:effectRef>
+          <a:fontRef idx="minor">
+            <a:schemeClr val="tx1"/>
+          </a:fontRef>
+        </p:style>
+      </p:cxnSp>
+      <p:cxnSp>
+        <p:nvCxnSpPr>
+          <p:cNvPr id="24" name="Straight Arrow Connector 23">
+            <a:extLst>
+              <a:ext uri="{FF2B5EF4-FFF2-40B4-BE49-F238E27FC236}">
+                <a16:creationId xmlns:a16="http://schemas.microsoft.com/office/drawing/2014/main" id="{E7B611AA-EBEA-49B6-AEAD-8BBF17B741FA}"/>
+              </a:ext>
+            </a:extLst>
+          </p:cNvPr>
+          <p:cNvCxnSpPr>
+            <a:cxnSpLocks/>
+          </p:cNvCxnSpPr>
+          <p:nvPr/>
+        </p:nvCxnSpPr>
+        <p:spPr>
+          <a:xfrm flipH="1">
+            <a:off x="3583858" y="3356330"/>
+            <a:ext cx="334294" cy="510444"/>
+          </a:xfrm>
+          <a:prstGeom prst="straightConnector1">
+            <a:avLst/>
+          </a:prstGeom>
+          <a:ln w="38100">
+            <a:solidFill>
+              <a:srgbClr val="FF0000"/>
+            </a:solidFill>
+            <a:tailEnd type="triangle"/>
+          </a:ln>
+        </p:spPr>
+        <p:style>
+          <a:lnRef idx="1">
+            <a:schemeClr val="accent1"/>
+          </a:lnRef>
+          <a:fillRef idx="0">
+            <a:schemeClr val="accent1"/>
+          </a:fillRef>
+          <a:effectRef idx="0">
+            <a:schemeClr val="accent1"/>
+          </a:effectRef>
+          <a:fontRef idx="minor">
+            <a:schemeClr val="tx1"/>
+          </a:fontRef>
+        </p:style>
+      </p:cxnSp>
+      <p:cxnSp>
+        <p:nvCxnSpPr>
+          <p:cNvPr id="25" name="Straight Arrow Connector 24">
+            <a:extLst>
+              <a:ext uri="{FF2B5EF4-FFF2-40B4-BE49-F238E27FC236}">
+                <a16:creationId xmlns:a16="http://schemas.microsoft.com/office/drawing/2014/main" id="{93AEDDA6-2DBA-41D2-9526-F207CBB94A0E}"/>
+              </a:ext>
+            </a:extLst>
+          </p:cNvPr>
+          <p:cNvCxnSpPr>
+            <a:cxnSpLocks/>
+          </p:cNvCxnSpPr>
+          <p:nvPr/>
+        </p:nvCxnSpPr>
+        <p:spPr>
+          <a:xfrm>
+            <a:off x="3932903" y="3400992"/>
+            <a:ext cx="683338" cy="452898"/>
+          </a:xfrm>
+          <a:prstGeom prst="straightConnector1">
+            <a:avLst/>
+          </a:prstGeom>
+          <a:ln w="38100">
+            <a:solidFill>
+              <a:srgbClr val="FF0000"/>
+            </a:solidFill>
+            <a:tailEnd type="triangle"/>
+          </a:ln>
+        </p:spPr>
+        <p:style>
+          <a:lnRef idx="1">
+            <a:schemeClr val="accent1"/>
+          </a:lnRef>
+          <a:fillRef idx="0">
+            <a:schemeClr val="accent1"/>
+          </a:fillRef>
+          <a:effectRef idx="0">
+            <a:schemeClr val="accent1"/>
+          </a:effectRef>
+          <a:fontRef idx="minor">
+            <a:schemeClr val="tx1"/>
+          </a:fontRef>
+        </p:style>
+      </p:cxnSp>
+      <p:sp>
+        <p:nvSpPr>
+          <p:cNvPr id="26" name="TextBox 25">
+            <a:extLst>
+              <a:ext uri="{FF2B5EF4-FFF2-40B4-BE49-F238E27FC236}">
+                <a16:creationId xmlns:a16="http://schemas.microsoft.com/office/drawing/2014/main" id="{A47FA6A5-8AF1-41F6-ADF7-D3E623C2395E}"/>
+              </a:ext>
+            </a:extLst>
+          </p:cNvPr>
+          <p:cNvSpPr txBox="1"/>
+          <p:nvPr/>
+        </p:nvSpPr>
+        <p:spPr>
+          <a:xfrm>
+            <a:off x="5584723" y="3853890"/>
+            <a:ext cx="5860027" cy="2308324"/>
+          </a:xfrm>
+          <a:prstGeom prst="rect">
+            <a:avLst/>
+          </a:prstGeom>
+          <a:noFill/>
+        </p:spPr>
+        <p:txBody>
+          <a:bodyPr wrap="square" rtlCol="0">
+            <a:spAutoFit/>
+          </a:bodyPr>
+          <a:lstStyle/>
+          <a:p>
+            <a:r>
+              <a:rPr lang="en-IN" dirty="0"/>
+              <a:t>The </a:t>
+            </a:r>
+            <a:r>
+              <a:rPr lang="en-IN" b="1" dirty="0"/>
+              <a:t>Child2 will </a:t>
+            </a:r>
+            <a:r>
+              <a:rPr lang="en-IN" dirty="0"/>
+              <a:t>be rendered based on AJAX Call</a:t>
+            </a:r>
+          </a:p>
+          <a:p>
+            <a:endParaRPr lang="en-IN" b="1" dirty="0"/>
+          </a:p>
+          <a:p>
+            <a:r>
+              <a:rPr lang="en-IN" b="1" dirty="0"/>
+              <a:t>The DOM tree is Mounted with Data received from DOM </a:t>
+            </a:r>
+          </a:p>
+          <a:p>
+            <a:endParaRPr lang="en-IN" b="1" dirty="0"/>
+          </a:p>
+          <a:p>
+            <a:r>
+              <a:rPr lang="en-IN" b="1" dirty="0"/>
+              <a:t>Challenge: How to Make sure that the DOM will be Rendered w/o blocking its execution for waiting data from REST API</a:t>
+            </a:r>
+            <a:endParaRPr lang="en-US" dirty="0"/>
+          </a:p>
+        </p:txBody>
+      </p:sp>
+      <p:sp>
+        <p:nvSpPr>
+          <p:cNvPr id="27" name="Arrow: Curved Down 26">
+            <a:extLst>
+              <a:ext uri="{FF2B5EF4-FFF2-40B4-BE49-F238E27FC236}">
+                <a16:creationId xmlns:a16="http://schemas.microsoft.com/office/drawing/2014/main" id="{D0BC4E9E-D25E-4DA2-8795-71AE6D308565}"/>
+              </a:ext>
+            </a:extLst>
+          </p:cNvPr>
+          <p:cNvSpPr/>
+          <p:nvPr/>
+        </p:nvSpPr>
+        <p:spPr>
+          <a:xfrm>
+            <a:off x="4522839" y="943897"/>
+            <a:ext cx="4896463" cy="953729"/>
+          </a:xfrm>
+          <a:prstGeom prst="curvedDownArrow">
+            <a:avLst/>
+          </a:prstGeom>
+          <a:solidFill>
+            <a:srgbClr val="FF0000"/>
+          </a:solidFill>
+        </p:spPr>
+        <p:style>
+          <a:lnRef idx="2">
+            <a:schemeClr val="accent1">
+              <a:shade val="50000"/>
+            </a:schemeClr>
+          </a:lnRef>
+          <a:fillRef idx="1">
+            <a:schemeClr val="accent1"/>
+          </a:fillRef>
+          <a:effectRef idx="0">
+            <a:schemeClr val="accent1"/>
+          </a:effectRef>
+          <a:fontRef idx="minor">
+            <a:schemeClr val="lt1"/>
+          </a:fontRef>
+        </p:style>
+        <p:txBody>
+          <a:bodyPr rtlCol="0" anchor="ctr"/>
+          <a:lstStyle/>
+          <a:p>
+            <a:pPr algn="ctr"/>
+            <a:endParaRPr lang="en-US">
+              <a:solidFill>
+                <a:schemeClr val="tx1"/>
+              </a:solidFill>
+            </a:endParaRPr>
+          </a:p>
+        </p:txBody>
+      </p:sp>
+      <p:sp>
+        <p:nvSpPr>
+          <p:cNvPr id="28" name="Arrow: Curved Down 27">
+            <a:extLst>
+              <a:ext uri="{FF2B5EF4-FFF2-40B4-BE49-F238E27FC236}">
+                <a16:creationId xmlns:a16="http://schemas.microsoft.com/office/drawing/2014/main" id="{E49A4E5E-F022-4829-AD54-56375D18324C}"/>
+              </a:ext>
+            </a:extLst>
+          </p:cNvPr>
+          <p:cNvSpPr/>
+          <p:nvPr/>
+        </p:nvSpPr>
+        <p:spPr>
+          <a:xfrm rot="10800000">
+            <a:off x="4375352" y="2231159"/>
+            <a:ext cx="4896463" cy="953729"/>
+          </a:xfrm>
+          <a:prstGeom prst="curvedDownArrow">
+            <a:avLst/>
+          </a:prstGeom>
+          <a:solidFill>
+            <a:srgbClr val="FF0000"/>
+          </a:solidFill>
+        </p:spPr>
+        <p:style>
+          <a:lnRef idx="2">
+            <a:schemeClr val="accent1">
+              <a:shade val="50000"/>
+            </a:schemeClr>
+          </a:lnRef>
+          <a:fillRef idx="1">
+            <a:schemeClr val="accent1"/>
+          </a:fillRef>
+          <a:effectRef idx="0">
+            <a:schemeClr val="accent1"/>
+          </a:effectRef>
+          <a:fontRef idx="minor">
+            <a:schemeClr val="lt1"/>
+          </a:fontRef>
+        </p:style>
+        <p:txBody>
+          <a:bodyPr rtlCol="0" anchor="ctr"/>
+          <a:lstStyle/>
+          <a:p>
+            <a:pPr algn="ctr"/>
+            <a:endParaRPr lang="en-US">
+              <a:solidFill>
+                <a:schemeClr val="tx1"/>
+              </a:solidFill>
+            </a:endParaRPr>
+          </a:p>
+        </p:txBody>
+      </p:sp>
+      <p:sp>
+        <p:nvSpPr>
+          <p:cNvPr id="29" name="TextBox 28">
+            <a:extLst>
+              <a:ext uri="{FF2B5EF4-FFF2-40B4-BE49-F238E27FC236}">
+                <a16:creationId xmlns:a16="http://schemas.microsoft.com/office/drawing/2014/main" id="{54E11743-CCE2-4E36-8073-29D455FC8D83}"/>
+              </a:ext>
+            </a:extLst>
+          </p:cNvPr>
+          <p:cNvSpPr txBox="1"/>
+          <p:nvPr/>
+        </p:nvSpPr>
+        <p:spPr>
+          <a:xfrm>
+            <a:off x="5407742" y="1669753"/>
+            <a:ext cx="2743200" cy="646331"/>
+          </a:xfrm>
+          <a:prstGeom prst="rect">
+            <a:avLst/>
+          </a:prstGeom>
+          <a:noFill/>
+        </p:spPr>
+        <p:txBody>
+          <a:bodyPr wrap="square" rtlCol="0">
+            <a:spAutoFit/>
+          </a:bodyPr>
+          <a:lstStyle/>
+          <a:p>
+            <a:pPr algn="ctr"/>
+            <a:r>
+              <a:rPr lang="en-IN" b="1" dirty="0"/>
+              <a:t>Call and receive Data from REST API</a:t>
+            </a:r>
+            <a:endParaRPr lang="en-US" b="1" dirty="0"/>
+          </a:p>
+        </p:txBody>
+      </p:sp>
+      <p:cxnSp>
+        <p:nvCxnSpPr>
+          <p:cNvPr id="31" name="Straight Arrow Connector 30">
+            <a:extLst>
+              <a:ext uri="{FF2B5EF4-FFF2-40B4-BE49-F238E27FC236}">
+                <a16:creationId xmlns:a16="http://schemas.microsoft.com/office/drawing/2014/main" id="{39B76BAD-9906-4007-A699-18019BD68407}"/>
+              </a:ext>
+            </a:extLst>
+          </p:cNvPr>
+          <p:cNvCxnSpPr/>
+          <p:nvPr/>
+        </p:nvCxnSpPr>
+        <p:spPr>
+          <a:xfrm flipH="1">
+            <a:off x="4041052" y="1995948"/>
+            <a:ext cx="707928" cy="773075"/>
+          </a:xfrm>
+          <a:prstGeom prst="straightConnector1">
+            <a:avLst/>
+          </a:prstGeom>
+          <a:ln w="57150">
+            <a:solidFill>
+              <a:srgbClr val="FF0000"/>
+            </a:solidFill>
+            <a:tailEnd type="triangle"/>
+          </a:ln>
+        </p:spPr>
+        <p:style>
+          <a:lnRef idx="1">
+            <a:schemeClr val="accent1"/>
+          </a:lnRef>
+          <a:fillRef idx="0">
+            <a:schemeClr val="accent1"/>
+          </a:fillRef>
+          <a:effectRef idx="0">
+            <a:schemeClr val="accent1"/>
+          </a:effectRef>
+          <a:fontRef idx="minor">
+            <a:schemeClr val="tx1"/>
+          </a:fontRef>
+        </p:style>
+      </p:cxnSp>
+      <p:sp>
+        <p:nvSpPr>
+          <p:cNvPr id="32" name="Right Brace 31">
+            <a:extLst>
+              <a:ext uri="{FF2B5EF4-FFF2-40B4-BE49-F238E27FC236}">
+                <a16:creationId xmlns:a16="http://schemas.microsoft.com/office/drawing/2014/main" id="{AD24293B-B8B4-4443-AEF2-D953F02ABC8E}"/>
+              </a:ext>
+            </a:extLst>
+          </p:cNvPr>
+          <p:cNvSpPr/>
+          <p:nvPr/>
+        </p:nvSpPr>
+        <p:spPr>
+          <a:xfrm rot="5400000">
+            <a:off x="2568885" y="3211925"/>
+            <a:ext cx="874645" cy="3721513"/>
+          </a:xfrm>
+          <a:prstGeom prst="rightBrace">
+            <a:avLst/>
+          </a:prstGeom>
+          <a:ln w="76200">
+            <a:solidFill>
+              <a:srgbClr val="FF0000"/>
+            </a:solidFill>
+          </a:ln>
+        </p:spPr>
+        <p:style>
+          <a:lnRef idx="1">
+            <a:schemeClr val="accent1"/>
+          </a:lnRef>
+          <a:fillRef idx="0">
+            <a:schemeClr val="accent1"/>
+          </a:fillRef>
+          <a:effectRef idx="0">
+            <a:schemeClr val="accent1"/>
+          </a:effectRef>
+          <a:fontRef idx="minor">
+            <a:schemeClr val="tx1"/>
+          </a:fontRef>
+        </p:style>
+        <p:txBody>
+          <a:bodyPr rtlCol="0" anchor="ctr"/>
+          <a:lstStyle/>
+          <a:p>
+            <a:pPr algn="ctr"/>
+            <a:endParaRPr lang="en-US"/>
+          </a:p>
+        </p:txBody>
+      </p:sp>
+      <p:cxnSp>
+        <p:nvCxnSpPr>
+          <p:cNvPr id="34" name="Straight Arrow Connector 33">
+            <a:extLst>
+              <a:ext uri="{FF2B5EF4-FFF2-40B4-BE49-F238E27FC236}">
+                <a16:creationId xmlns:a16="http://schemas.microsoft.com/office/drawing/2014/main" id="{FECD7BAE-372B-47D3-803B-773C645CADE4}"/>
+              </a:ext>
+            </a:extLst>
+          </p:cNvPr>
+          <p:cNvCxnSpPr>
+            <a:stCxn id="26" idx="1"/>
+          </p:cNvCxnSpPr>
+          <p:nvPr/>
+        </p:nvCxnSpPr>
+        <p:spPr>
+          <a:xfrm flipH="1">
+            <a:off x="3087320" y="5008052"/>
+            <a:ext cx="2497403" cy="501952"/>
+          </a:xfrm>
+          <a:prstGeom prst="straightConnector1">
+            <a:avLst/>
+          </a:prstGeom>
+          <a:ln w="57150">
+            <a:solidFill>
+              <a:srgbClr val="002060"/>
+            </a:solidFill>
+            <a:tailEnd type="triangle"/>
+          </a:ln>
+        </p:spPr>
+        <p:style>
+          <a:lnRef idx="1">
+            <a:schemeClr val="accent1"/>
+          </a:lnRef>
+          <a:fillRef idx="0">
+            <a:schemeClr val="accent1"/>
+          </a:fillRef>
+          <a:effectRef idx="0">
+            <a:schemeClr val="accent1"/>
+          </a:effectRef>
+          <a:fontRef idx="minor">
+            <a:schemeClr val="tx1"/>
+          </a:fontRef>
+        </p:style>
+      </p:cxnSp>
+    </p:spTree>
+    <p:extLst>
+      <p:ext uri="{BB962C8B-B14F-4D97-AF65-F5344CB8AC3E}">
+        <p14:creationId xmlns:p14="http://schemas.microsoft.com/office/powerpoint/2010/main" val="2577105963"/>
+      </p:ext>
+    </p:extLst>
+  </p:cSld>
+  <p:clrMapOvr>
+    <a:masterClrMapping/>
+  </p:clrMapOvr>
+</p:sld>
+</file>
+
 <file path=ppt/slides/slide2.xml><?xml version="1.0" encoding="utf-8"?>
 <p:sld xmlns:a="http://schemas.openxmlformats.org/drawingml/2006/main" xmlns:r="http://schemas.openxmlformats.org/officeDocument/2006/relationships" xmlns:p="http://schemas.openxmlformats.org/presentationml/2006/main">
   <p:cSld>
@@ -9599,6 +10765,935 @@
     <p:extLst>
       <p:ext uri="{BB962C8B-B14F-4D97-AF65-F5344CB8AC3E}">
         <p14:creationId xmlns:p14="http://schemas.microsoft.com/office/powerpoint/2010/main" val="3606491557"/>
+      </p:ext>
+    </p:extLst>
+  </p:cSld>
+  <p:clrMapOvr>
+    <a:masterClrMapping/>
+  </p:clrMapOvr>
+</p:sld>
+</file>
+
+<file path=ppt/slides/slide20.xml><?xml version="1.0" encoding="utf-8"?>
+<p:sld xmlns:a="http://schemas.openxmlformats.org/drawingml/2006/main" xmlns:r="http://schemas.openxmlformats.org/officeDocument/2006/relationships" xmlns:p="http://schemas.openxmlformats.org/presentationml/2006/main">
+  <p:cSld>
+    <p:spTree>
+      <p:nvGrpSpPr>
+        <p:cNvPr id="1" name=""/>
+        <p:cNvGrpSpPr/>
+        <p:nvPr/>
+      </p:nvGrpSpPr>
+      <p:grpSpPr>
+        <a:xfrm>
+          <a:off x="0" y="0"/>
+          <a:ext cx="0" cy="0"/>
+          <a:chOff x="0" y="0"/>
+          <a:chExt cx="0" cy="0"/>
+        </a:xfrm>
+      </p:grpSpPr>
+      <p:sp>
+        <p:nvSpPr>
+          <p:cNvPr id="2" name="Rectangle 1">
+            <a:extLst>
+              <a:ext uri="{FF2B5EF4-FFF2-40B4-BE49-F238E27FC236}">
+                <a16:creationId xmlns:a16="http://schemas.microsoft.com/office/drawing/2014/main" id="{46A1A1CF-254D-4EDA-8501-584365EAF44B}"/>
+              </a:ext>
+            </a:extLst>
+          </p:cNvPr>
+          <p:cNvSpPr/>
+          <p:nvPr/>
+        </p:nvSpPr>
+        <p:spPr>
+          <a:xfrm>
+            <a:off x="747250" y="512520"/>
+            <a:ext cx="4247535" cy="5712542"/>
+          </a:xfrm>
+          <a:prstGeom prst="rect">
+            <a:avLst/>
+          </a:prstGeom>
+        </p:spPr>
+        <p:style>
+          <a:lnRef idx="2">
+            <a:schemeClr val="accent1">
+              <a:shade val="50000"/>
+            </a:schemeClr>
+          </a:lnRef>
+          <a:fillRef idx="1">
+            <a:schemeClr val="accent1"/>
+          </a:fillRef>
+          <a:effectRef idx="0">
+            <a:schemeClr val="accent1"/>
+          </a:effectRef>
+          <a:fontRef idx="minor">
+            <a:schemeClr val="lt1"/>
+          </a:fontRef>
+        </p:style>
+        <p:txBody>
+          <a:bodyPr rtlCol="0" anchor="ctr"/>
+          <a:lstStyle/>
+          <a:p>
+            <a:pPr algn="ctr"/>
+            <a:endParaRPr lang="en-US"/>
+          </a:p>
+        </p:txBody>
+      </p:sp>
+      <p:sp>
+        <p:nvSpPr>
+          <p:cNvPr id="3" name="TextBox 2">
+            <a:extLst>
+              <a:ext uri="{FF2B5EF4-FFF2-40B4-BE49-F238E27FC236}">
+                <a16:creationId xmlns:a16="http://schemas.microsoft.com/office/drawing/2014/main" id="{74C8652E-B582-41BD-B320-F43F4BD193EB}"/>
+              </a:ext>
+            </a:extLst>
+          </p:cNvPr>
+          <p:cNvSpPr txBox="1"/>
+          <p:nvPr/>
+        </p:nvSpPr>
+        <p:spPr>
+          <a:xfrm>
+            <a:off x="983226" y="648929"/>
+            <a:ext cx="3106993" cy="369332"/>
+          </a:xfrm>
+          <a:prstGeom prst="rect">
+            <a:avLst/>
+          </a:prstGeom>
+          <a:noFill/>
+        </p:spPr>
+        <p:txBody>
+          <a:bodyPr wrap="square" rtlCol="0">
+            <a:spAutoFit/>
+          </a:bodyPr>
+          <a:lstStyle/>
+          <a:p>
+            <a:pPr algn="ctr"/>
+            <a:r>
+              <a:rPr lang="en-IN" b="1" dirty="0"/>
+              <a:t>Component</a:t>
+            </a:r>
+            <a:endParaRPr lang="en-US" b="1" dirty="0"/>
+          </a:p>
+        </p:txBody>
+      </p:sp>
+      <p:sp>
+        <p:nvSpPr>
+          <p:cNvPr id="4" name="Rectangle: Rounded Corners 3">
+            <a:extLst>
+              <a:ext uri="{FF2B5EF4-FFF2-40B4-BE49-F238E27FC236}">
+                <a16:creationId xmlns:a16="http://schemas.microsoft.com/office/drawing/2014/main" id="{E0F1C008-0D1E-4F90-B87A-7ECF3F452C0A}"/>
+              </a:ext>
+            </a:extLst>
+          </p:cNvPr>
+          <p:cNvSpPr/>
+          <p:nvPr/>
+        </p:nvSpPr>
+        <p:spPr>
+          <a:xfrm>
+            <a:off x="2054936" y="1745225"/>
+            <a:ext cx="1612491" cy="599768"/>
+          </a:xfrm>
+          <a:prstGeom prst="roundRect">
+            <a:avLst/>
+          </a:prstGeom>
+          <a:solidFill>
+            <a:schemeClr val="tx2">
+              <a:lumMod val="60000"/>
+              <a:lumOff val="40000"/>
+            </a:schemeClr>
+          </a:solidFill>
+        </p:spPr>
+        <p:style>
+          <a:lnRef idx="2">
+            <a:schemeClr val="accent1">
+              <a:shade val="50000"/>
+            </a:schemeClr>
+          </a:lnRef>
+          <a:fillRef idx="1">
+            <a:schemeClr val="accent1"/>
+          </a:fillRef>
+          <a:effectRef idx="0">
+            <a:schemeClr val="accent1"/>
+          </a:effectRef>
+          <a:fontRef idx="minor">
+            <a:schemeClr val="lt1"/>
+          </a:fontRef>
+        </p:style>
+        <p:txBody>
+          <a:bodyPr rtlCol="0" anchor="ctr"/>
+          <a:lstStyle/>
+          <a:p>
+            <a:pPr algn="ctr"/>
+            <a:r>
+              <a:rPr lang="en-IN" dirty="0"/>
+              <a:t>Root</a:t>
+            </a:r>
+            <a:endParaRPr lang="en-US" dirty="0"/>
+          </a:p>
+        </p:txBody>
+      </p:sp>
+      <p:sp>
+        <p:nvSpPr>
+          <p:cNvPr id="5" name="Rectangle: Rounded Corners 4">
+            <a:extLst>
+              <a:ext uri="{FF2B5EF4-FFF2-40B4-BE49-F238E27FC236}">
+                <a16:creationId xmlns:a16="http://schemas.microsoft.com/office/drawing/2014/main" id="{38BFBA77-16BA-4AA1-98C8-22BF3CA91D39}"/>
+              </a:ext>
+            </a:extLst>
+          </p:cNvPr>
+          <p:cNvSpPr/>
+          <p:nvPr/>
+        </p:nvSpPr>
+        <p:spPr>
+          <a:xfrm>
+            <a:off x="963556" y="2802885"/>
+            <a:ext cx="1612491" cy="599768"/>
+          </a:xfrm>
+          <a:prstGeom prst="roundRect">
+            <a:avLst/>
+          </a:prstGeom>
+          <a:solidFill>
+            <a:schemeClr val="tx2">
+              <a:lumMod val="60000"/>
+              <a:lumOff val="40000"/>
+            </a:schemeClr>
+          </a:solidFill>
+        </p:spPr>
+        <p:style>
+          <a:lnRef idx="2">
+            <a:schemeClr val="accent1">
+              <a:shade val="50000"/>
+            </a:schemeClr>
+          </a:lnRef>
+          <a:fillRef idx="1">
+            <a:schemeClr val="accent1"/>
+          </a:fillRef>
+          <a:effectRef idx="0">
+            <a:schemeClr val="accent1"/>
+          </a:effectRef>
+          <a:fontRef idx="minor">
+            <a:schemeClr val="lt1"/>
+          </a:fontRef>
+        </p:style>
+        <p:txBody>
+          <a:bodyPr rtlCol="0" anchor="ctr"/>
+          <a:lstStyle/>
+          <a:p>
+            <a:pPr algn="ctr"/>
+            <a:r>
+              <a:rPr lang="en-IN" dirty="0"/>
+              <a:t>Child1</a:t>
+            </a:r>
+            <a:endParaRPr lang="en-US" dirty="0"/>
+          </a:p>
+        </p:txBody>
+      </p:sp>
+      <p:sp>
+        <p:nvSpPr>
+          <p:cNvPr id="6" name="Rectangle: Rounded Corners 5">
+            <a:extLst>
+              <a:ext uri="{FF2B5EF4-FFF2-40B4-BE49-F238E27FC236}">
+                <a16:creationId xmlns:a16="http://schemas.microsoft.com/office/drawing/2014/main" id="{E966E80A-54A0-4553-AF86-BA8D127D4437}"/>
+              </a:ext>
+            </a:extLst>
+          </p:cNvPr>
+          <p:cNvSpPr/>
+          <p:nvPr/>
+        </p:nvSpPr>
+        <p:spPr>
+          <a:xfrm>
+            <a:off x="3136489" y="2769023"/>
+            <a:ext cx="1612491" cy="599768"/>
+          </a:xfrm>
+          <a:prstGeom prst="roundRect">
+            <a:avLst/>
+          </a:prstGeom>
+          <a:solidFill>
+            <a:schemeClr val="tx2">
+              <a:lumMod val="60000"/>
+              <a:lumOff val="40000"/>
+            </a:schemeClr>
+          </a:solidFill>
+        </p:spPr>
+        <p:style>
+          <a:lnRef idx="2">
+            <a:schemeClr val="accent1">
+              <a:shade val="50000"/>
+            </a:schemeClr>
+          </a:lnRef>
+          <a:fillRef idx="1">
+            <a:schemeClr val="accent1"/>
+          </a:fillRef>
+          <a:effectRef idx="0">
+            <a:schemeClr val="accent1"/>
+          </a:effectRef>
+          <a:fontRef idx="minor">
+            <a:schemeClr val="lt1"/>
+          </a:fontRef>
+        </p:style>
+        <p:txBody>
+          <a:bodyPr rtlCol="0" anchor="ctr"/>
+          <a:lstStyle/>
+          <a:p>
+            <a:pPr algn="ctr"/>
+            <a:r>
+              <a:rPr lang="en-IN" dirty="0"/>
+              <a:t>Child12</a:t>
+            </a:r>
+            <a:endParaRPr lang="en-US" dirty="0"/>
+          </a:p>
+        </p:txBody>
+      </p:sp>
+      <p:sp>
+        <p:nvSpPr>
+          <p:cNvPr id="7" name="Rectangle: Rounded Corners 6">
+            <a:extLst>
+              <a:ext uri="{FF2B5EF4-FFF2-40B4-BE49-F238E27FC236}">
+                <a16:creationId xmlns:a16="http://schemas.microsoft.com/office/drawing/2014/main" id="{4A813B47-A6E3-46E6-8164-E66C368FD7C1}"/>
+              </a:ext>
+            </a:extLst>
+          </p:cNvPr>
+          <p:cNvSpPr/>
+          <p:nvPr/>
+        </p:nvSpPr>
+        <p:spPr>
+          <a:xfrm>
+            <a:off x="1022553" y="3913097"/>
+            <a:ext cx="825910" cy="599768"/>
+          </a:xfrm>
+          <a:prstGeom prst="roundRect">
+            <a:avLst/>
+          </a:prstGeom>
+          <a:solidFill>
+            <a:schemeClr val="tx2">
+              <a:lumMod val="60000"/>
+              <a:lumOff val="40000"/>
+            </a:schemeClr>
+          </a:solidFill>
+        </p:spPr>
+        <p:style>
+          <a:lnRef idx="2">
+            <a:schemeClr val="accent1">
+              <a:shade val="50000"/>
+            </a:schemeClr>
+          </a:lnRef>
+          <a:fillRef idx="1">
+            <a:schemeClr val="accent1"/>
+          </a:fillRef>
+          <a:effectRef idx="0">
+            <a:schemeClr val="accent1"/>
+          </a:effectRef>
+          <a:fontRef idx="minor">
+            <a:schemeClr val="lt1"/>
+          </a:fontRef>
+        </p:style>
+        <p:txBody>
+          <a:bodyPr rtlCol="0" anchor="ctr"/>
+          <a:lstStyle/>
+          <a:p>
+            <a:pPr algn="ctr"/>
+            <a:r>
+              <a:rPr lang="en-IN" dirty="0"/>
+              <a:t>CC11</a:t>
+            </a:r>
+            <a:endParaRPr lang="en-US" dirty="0"/>
+          </a:p>
+        </p:txBody>
+      </p:sp>
+      <p:sp>
+        <p:nvSpPr>
+          <p:cNvPr id="8" name="Rectangle: Rounded Corners 7">
+            <a:extLst>
+              <a:ext uri="{FF2B5EF4-FFF2-40B4-BE49-F238E27FC236}">
+                <a16:creationId xmlns:a16="http://schemas.microsoft.com/office/drawing/2014/main" id="{FA9D74BA-46DB-4349-A1E0-CA7CFDEE3D9E}"/>
+              </a:ext>
+            </a:extLst>
+          </p:cNvPr>
+          <p:cNvSpPr/>
+          <p:nvPr/>
+        </p:nvSpPr>
+        <p:spPr>
+          <a:xfrm>
+            <a:off x="2054936" y="3906655"/>
+            <a:ext cx="825911" cy="599768"/>
+          </a:xfrm>
+          <a:prstGeom prst="roundRect">
+            <a:avLst/>
+          </a:prstGeom>
+          <a:solidFill>
+            <a:schemeClr val="tx2">
+              <a:lumMod val="60000"/>
+              <a:lumOff val="40000"/>
+            </a:schemeClr>
+          </a:solidFill>
+        </p:spPr>
+        <p:style>
+          <a:lnRef idx="2">
+            <a:schemeClr val="accent1">
+              <a:shade val="50000"/>
+            </a:schemeClr>
+          </a:lnRef>
+          <a:fillRef idx="1">
+            <a:schemeClr val="accent1"/>
+          </a:fillRef>
+          <a:effectRef idx="0">
+            <a:schemeClr val="accent1"/>
+          </a:effectRef>
+          <a:fontRef idx="minor">
+            <a:schemeClr val="lt1"/>
+          </a:fontRef>
+        </p:style>
+        <p:txBody>
+          <a:bodyPr rtlCol="0" anchor="ctr"/>
+          <a:lstStyle/>
+          <a:p>
+            <a:pPr algn="ctr"/>
+            <a:r>
+              <a:rPr lang="en-IN" dirty="0"/>
+              <a:t>CC12</a:t>
+            </a:r>
+            <a:endParaRPr lang="en-US" dirty="0"/>
+          </a:p>
+        </p:txBody>
+      </p:sp>
+      <p:sp>
+        <p:nvSpPr>
+          <p:cNvPr id="9" name="Rectangle: Rounded Corners 8">
+            <a:extLst>
+              <a:ext uri="{FF2B5EF4-FFF2-40B4-BE49-F238E27FC236}">
+                <a16:creationId xmlns:a16="http://schemas.microsoft.com/office/drawing/2014/main" id="{AFDE23FF-89C7-451C-B067-620FE175DD7D}"/>
+              </a:ext>
+            </a:extLst>
+          </p:cNvPr>
+          <p:cNvSpPr/>
+          <p:nvPr/>
+        </p:nvSpPr>
+        <p:spPr>
+          <a:xfrm>
+            <a:off x="3008669" y="3906655"/>
+            <a:ext cx="825910" cy="599768"/>
+          </a:xfrm>
+          <a:prstGeom prst="roundRect">
+            <a:avLst/>
+          </a:prstGeom>
+          <a:solidFill>
+            <a:schemeClr val="tx2">
+              <a:lumMod val="60000"/>
+              <a:lumOff val="40000"/>
+            </a:schemeClr>
+          </a:solidFill>
+        </p:spPr>
+        <p:style>
+          <a:lnRef idx="2">
+            <a:schemeClr val="accent1">
+              <a:shade val="50000"/>
+            </a:schemeClr>
+          </a:lnRef>
+          <a:fillRef idx="1">
+            <a:schemeClr val="accent1"/>
+          </a:fillRef>
+          <a:effectRef idx="0">
+            <a:schemeClr val="accent1"/>
+          </a:effectRef>
+          <a:fontRef idx="minor">
+            <a:schemeClr val="lt1"/>
+          </a:fontRef>
+        </p:style>
+        <p:txBody>
+          <a:bodyPr rtlCol="0" anchor="ctr"/>
+          <a:lstStyle/>
+          <a:p>
+            <a:pPr algn="ctr"/>
+            <a:r>
+              <a:rPr lang="en-IN" dirty="0"/>
+              <a:t>CC21</a:t>
+            </a:r>
+            <a:endParaRPr lang="en-US" dirty="0"/>
+          </a:p>
+        </p:txBody>
+      </p:sp>
+      <p:sp>
+        <p:nvSpPr>
+          <p:cNvPr id="10" name="Rectangle: Rounded Corners 9">
+            <a:extLst>
+              <a:ext uri="{FF2B5EF4-FFF2-40B4-BE49-F238E27FC236}">
+                <a16:creationId xmlns:a16="http://schemas.microsoft.com/office/drawing/2014/main" id="{E8ADE524-5A83-4BE7-B3D3-8F3BEFC5B0F1}"/>
+              </a:ext>
+            </a:extLst>
+          </p:cNvPr>
+          <p:cNvSpPr/>
+          <p:nvPr/>
+        </p:nvSpPr>
+        <p:spPr>
+          <a:xfrm>
+            <a:off x="4041052" y="3900213"/>
+            <a:ext cx="825911" cy="599768"/>
+          </a:xfrm>
+          <a:prstGeom prst="roundRect">
+            <a:avLst/>
+          </a:prstGeom>
+          <a:solidFill>
+            <a:schemeClr val="tx2">
+              <a:lumMod val="60000"/>
+              <a:lumOff val="40000"/>
+            </a:schemeClr>
+          </a:solidFill>
+        </p:spPr>
+        <p:style>
+          <a:lnRef idx="2">
+            <a:schemeClr val="accent1">
+              <a:shade val="50000"/>
+            </a:schemeClr>
+          </a:lnRef>
+          <a:fillRef idx="1">
+            <a:schemeClr val="accent1"/>
+          </a:fillRef>
+          <a:effectRef idx="0">
+            <a:schemeClr val="accent1"/>
+          </a:effectRef>
+          <a:fontRef idx="minor">
+            <a:schemeClr val="lt1"/>
+          </a:fontRef>
+        </p:style>
+        <p:txBody>
+          <a:bodyPr rtlCol="0" anchor="ctr"/>
+          <a:lstStyle/>
+          <a:p>
+            <a:pPr algn="ctr"/>
+            <a:r>
+              <a:rPr lang="en-IN" dirty="0"/>
+              <a:t>CC22</a:t>
+            </a:r>
+            <a:endParaRPr lang="en-US" dirty="0"/>
+          </a:p>
+        </p:txBody>
+      </p:sp>
+      <p:cxnSp>
+        <p:nvCxnSpPr>
+          <p:cNvPr id="11" name="Straight Arrow Connector 10">
+            <a:extLst>
+              <a:ext uri="{FF2B5EF4-FFF2-40B4-BE49-F238E27FC236}">
+                <a16:creationId xmlns:a16="http://schemas.microsoft.com/office/drawing/2014/main" id="{7E115042-0467-434F-A7CE-18DEB50F08FE}"/>
+              </a:ext>
+            </a:extLst>
+          </p:cNvPr>
+          <p:cNvCxnSpPr>
+            <a:stCxn id="4" idx="2"/>
+            <a:endCxn id="5" idx="0"/>
+          </p:cNvCxnSpPr>
+          <p:nvPr/>
+        </p:nvCxnSpPr>
+        <p:spPr>
+          <a:xfrm flipH="1">
+            <a:off x="1769802" y="2344993"/>
+            <a:ext cx="1091380" cy="457892"/>
+          </a:xfrm>
+          <a:prstGeom prst="straightConnector1">
+            <a:avLst/>
+          </a:prstGeom>
+          <a:ln w="38100">
+            <a:solidFill>
+              <a:srgbClr val="FF0000"/>
+            </a:solidFill>
+            <a:tailEnd type="triangle"/>
+          </a:ln>
+        </p:spPr>
+        <p:style>
+          <a:lnRef idx="1">
+            <a:schemeClr val="accent1"/>
+          </a:lnRef>
+          <a:fillRef idx="0">
+            <a:schemeClr val="accent1"/>
+          </a:fillRef>
+          <a:effectRef idx="0">
+            <a:schemeClr val="accent1"/>
+          </a:effectRef>
+          <a:fontRef idx="minor">
+            <a:schemeClr val="tx1"/>
+          </a:fontRef>
+        </p:style>
+      </p:cxnSp>
+      <p:cxnSp>
+        <p:nvCxnSpPr>
+          <p:cNvPr id="12" name="Straight Arrow Connector 11">
+            <a:extLst>
+              <a:ext uri="{FF2B5EF4-FFF2-40B4-BE49-F238E27FC236}">
+                <a16:creationId xmlns:a16="http://schemas.microsoft.com/office/drawing/2014/main" id="{BA5E6F71-EC2E-4271-91F7-106A7924D992}"/>
+              </a:ext>
+            </a:extLst>
+          </p:cNvPr>
+          <p:cNvCxnSpPr>
+            <a:cxnSpLocks/>
+            <a:stCxn id="4" idx="2"/>
+            <a:endCxn id="6" idx="0"/>
+          </p:cNvCxnSpPr>
+          <p:nvPr/>
+        </p:nvCxnSpPr>
+        <p:spPr>
+          <a:xfrm>
+            <a:off x="2861182" y="2344993"/>
+            <a:ext cx="1081553" cy="424030"/>
+          </a:xfrm>
+          <a:prstGeom prst="straightConnector1">
+            <a:avLst/>
+          </a:prstGeom>
+          <a:ln w="38100">
+            <a:solidFill>
+              <a:srgbClr val="FF0000"/>
+            </a:solidFill>
+            <a:tailEnd type="triangle"/>
+          </a:ln>
+        </p:spPr>
+        <p:style>
+          <a:lnRef idx="1">
+            <a:schemeClr val="accent1"/>
+          </a:lnRef>
+          <a:fillRef idx="0">
+            <a:schemeClr val="accent1"/>
+          </a:fillRef>
+          <a:effectRef idx="0">
+            <a:schemeClr val="accent1"/>
+          </a:effectRef>
+          <a:fontRef idx="minor">
+            <a:schemeClr val="tx1"/>
+          </a:fontRef>
+        </p:style>
+      </p:cxnSp>
+      <p:cxnSp>
+        <p:nvCxnSpPr>
+          <p:cNvPr id="13" name="Straight Arrow Connector 12">
+            <a:extLst>
+              <a:ext uri="{FF2B5EF4-FFF2-40B4-BE49-F238E27FC236}">
+                <a16:creationId xmlns:a16="http://schemas.microsoft.com/office/drawing/2014/main" id="{E32F60CF-52A8-4611-8ADD-740CF0D48B1B}"/>
+              </a:ext>
+            </a:extLst>
+          </p:cNvPr>
+          <p:cNvCxnSpPr>
+            <a:cxnSpLocks/>
+            <a:stCxn id="5" idx="2"/>
+            <a:endCxn id="7" idx="0"/>
+          </p:cNvCxnSpPr>
+          <p:nvPr/>
+        </p:nvCxnSpPr>
+        <p:spPr>
+          <a:xfrm flipH="1">
+            <a:off x="1435508" y="3402653"/>
+            <a:ext cx="334294" cy="510444"/>
+          </a:xfrm>
+          <a:prstGeom prst="straightConnector1">
+            <a:avLst/>
+          </a:prstGeom>
+          <a:ln w="38100">
+            <a:solidFill>
+              <a:srgbClr val="FF0000"/>
+            </a:solidFill>
+            <a:tailEnd type="triangle"/>
+          </a:ln>
+        </p:spPr>
+        <p:style>
+          <a:lnRef idx="1">
+            <a:schemeClr val="accent1"/>
+          </a:lnRef>
+          <a:fillRef idx="0">
+            <a:schemeClr val="accent1"/>
+          </a:fillRef>
+          <a:effectRef idx="0">
+            <a:schemeClr val="accent1"/>
+          </a:effectRef>
+          <a:fontRef idx="minor">
+            <a:schemeClr val="tx1"/>
+          </a:fontRef>
+        </p:style>
+      </p:cxnSp>
+      <p:cxnSp>
+        <p:nvCxnSpPr>
+          <p:cNvPr id="14" name="Straight Arrow Connector 13">
+            <a:extLst>
+              <a:ext uri="{FF2B5EF4-FFF2-40B4-BE49-F238E27FC236}">
+                <a16:creationId xmlns:a16="http://schemas.microsoft.com/office/drawing/2014/main" id="{B995E358-97C1-4098-BF8F-77E6CE00BC73}"/>
+              </a:ext>
+            </a:extLst>
+          </p:cNvPr>
+          <p:cNvCxnSpPr>
+            <a:cxnSpLocks/>
+          </p:cNvCxnSpPr>
+          <p:nvPr/>
+        </p:nvCxnSpPr>
+        <p:spPr>
+          <a:xfrm>
+            <a:off x="1784553" y="3447315"/>
+            <a:ext cx="683338" cy="452898"/>
+          </a:xfrm>
+          <a:prstGeom prst="straightConnector1">
+            <a:avLst/>
+          </a:prstGeom>
+          <a:ln w="38100">
+            <a:solidFill>
+              <a:srgbClr val="FF0000"/>
+            </a:solidFill>
+            <a:tailEnd type="triangle"/>
+          </a:ln>
+        </p:spPr>
+        <p:style>
+          <a:lnRef idx="1">
+            <a:schemeClr val="accent1"/>
+          </a:lnRef>
+          <a:fillRef idx="0">
+            <a:schemeClr val="accent1"/>
+          </a:fillRef>
+          <a:effectRef idx="0">
+            <a:schemeClr val="accent1"/>
+          </a:effectRef>
+          <a:fontRef idx="minor">
+            <a:schemeClr val="tx1"/>
+          </a:fontRef>
+        </p:style>
+      </p:cxnSp>
+      <p:cxnSp>
+        <p:nvCxnSpPr>
+          <p:cNvPr id="15" name="Straight Arrow Connector 14">
+            <a:extLst>
+              <a:ext uri="{FF2B5EF4-FFF2-40B4-BE49-F238E27FC236}">
+                <a16:creationId xmlns:a16="http://schemas.microsoft.com/office/drawing/2014/main" id="{77F55BE4-FFFB-4FEB-B270-90877C675271}"/>
+              </a:ext>
+            </a:extLst>
+          </p:cNvPr>
+          <p:cNvCxnSpPr>
+            <a:cxnSpLocks/>
+          </p:cNvCxnSpPr>
+          <p:nvPr/>
+        </p:nvCxnSpPr>
+        <p:spPr>
+          <a:xfrm flipH="1">
+            <a:off x="3583858" y="3356330"/>
+            <a:ext cx="334294" cy="510444"/>
+          </a:xfrm>
+          <a:prstGeom prst="straightConnector1">
+            <a:avLst/>
+          </a:prstGeom>
+          <a:ln w="38100">
+            <a:solidFill>
+              <a:srgbClr val="FF0000"/>
+            </a:solidFill>
+            <a:tailEnd type="triangle"/>
+          </a:ln>
+        </p:spPr>
+        <p:style>
+          <a:lnRef idx="1">
+            <a:schemeClr val="accent1"/>
+          </a:lnRef>
+          <a:fillRef idx="0">
+            <a:schemeClr val="accent1"/>
+          </a:fillRef>
+          <a:effectRef idx="0">
+            <a:schemeClr val="accent1"/>
+          </a:effectRef>
+          <a:fontRef idx="minor">
+            <a:schemeClr val="tx1"/>
+          </a:fontRef>
+        </p:style>
+      </p:cxnSp>
+      <p:cxnSp>
+        <p:nvCxnSpPr>
+          <p:cNvPr id="16" name="Straight Arrow Connector 15">
+            <a:extLst>
+              <a:ext uri="{FF2B5EF4-FFF2-40B4-BE49-F238E27FC236}">
+                <a16:creationId xmlns:a16="http://schemas.microsoft.com/office/drawing/2014/main" id="{5FCB68D7-BDCB-4DEE-A8F1-B6FB77C4FB0D}"/>
+              </a:ext>
+            </a:extLst>
+          </p:cNvPr>
+          <p:cNvCxnSpPr>
+            <a:cxnSpLocks/>
+          </p:cNvCxnSpPr>
+          <p:nvPr/>
+        </p:nvCxnSpPr>
+        <p:spPr>
+          <a:xfrm>
+            <a:off x="3932903" y="3400992"/>
+            <a:ext cx="683338" cy="452898"/>
+          </a:xfrm>
+          <a:prstGeom prst="straightConnector1">
+            <a:avLst/>
+          </a:prstGeom>
+          <a:ln w="38100">
+            <a:solidFill>
+              <a:srgbClr val="FF0000"/>
+            </a:solidFill>
+            <a:tailEnd type="triangle"/>
+          </a:ln>
+        </p:spPr>
+        <p:style>
+          <a:lnRef idx="1">
+            <a:schemeClr val="accent1"/>
+          </a:lnRef>
+          <a:fillRef idx="0">
+            <a:schemeClr val="accent1"/>
+          </a:fillRef>
+          <a:effectRef idx="0">
+            <a:schemeClr val="accent1"/>
+          </a:effectRef>
+          <a:fontRef idx="minor">
+            <a:schemeClr val="tx1"/>
+          </a:fontRef>
+        </p:style>
+      </p:cxnSp>
+      <p:sp>
+        <p:nvSpPr>
+          <p:cNvPr id="17" name="Right Brace 16">
+            <a:extLst>
+              <a:ext uri="{FF2B5EF4-FFF2-40B4-BE49-F238E27FC236}">
+                <a16:creationId xmlns:a16="http://schemas.microsoft.com/office/drawing/2014/main" id="{F63BA624-35A3-4C6B-BEAE-4D6BFCED9223}"/>
+              </a:ext>
+            </a:extLst>
+          </p:cNvPr>
+          <p:cNvSpPr/>
+          <p:nvPr/>
+        </p:nvSpPr>
+        <p:spPr>
+          <a:xfrm rot="5400000">
+            <a:off x="2568885" y="3211925"/>
+            <a:ext cx="874645" cy="3721513"/>
+          </a:xfrm>
+          <a:prstGeom prst="rightBrace">
+            <a:avLst/>
+          </a:prstGeom>
+          <a:ln w="76200">
+            <a:solidFill>
+              <a:srgbClr val="FF0000"/>
+            </a:solidFill>
+          </a:ln>
+        </p:spPr>
+        <p:style>
+          <a:lnRef idx="1">
+            <a:schemeClr val="accent1"/>
+          </a:lnRef>
+          <a:fillRef idx="0">
+            <a:schemeClr val="accent1"/>
+          </a:fillRef>
+          <a:effectRef idx="0">
+            <a:schemeClr val="accent1"/>
+          </a:effectRef>
+          <a:fontRef idx="minor">
+            <a:schemeClr val="tx1"/>
+          </a:fontRef>
+        </p:style>
+        <p:txBody>
+          <a:bodyPr rtlCol="0" anchor="ctr"/>
+          <a:lstStyle/>
+          <a:p>
+            <a:pPr algn="ctr"/>
+            <a:endParaRPr lang="en-US"/>
+          </a:p>
+        </p:txBody>
+      </p:sp>
+      <p:sp>
+        <p:nvSpPr>
+          <p:cNvPr id="18" name="Right Brace 17">
+            <a:extLst>
+              <a:ext uri="{FF2B5EF4-FFF2-40B4-BE49-F238E27FC236}">
+                <a16:creationId xmlns:a16="http://schemas.microsoft.com/office/drawing/2014/main" id="{82CF5DB1-A58C-4FDA-B953-37DC52B30054}"/>
+              </a:ext>
+            </a:extLst>
+          </p:cNvPr>
+          <p:cNvSpPr/>
+          <p:nvPr/>
+        </p:nvSpPr>
+        <p:spPr>
+          <a:xfrm>
+            <a:off x="5181600" y="648929"/>
+            <a:ext cx="467035" cy="5506065"/>
+          </a:xfrm>
+          <a:prstGeom prst="rightBrace">
+            <a:avLst/>
+          </a:prstGeom>
+          <a:ln w="76200">
+            <a:solidFill>
+              <a:srgbClr val="002060"/>
+            </a:solidFill>
+          </a:ln>
+        </p:spPr>
+        <p:style>
+          <a:lnRef idx="1">
+            <a:schemeClr val="accent1"/>
+          </a:lnRef>
+          <a:fillRef idx="0">
+            <a:schemeClr val="accent1"/>
+          </a:fillRef>
+          <a:effectRef idx="0">
+            <a:schemeClr val="accent1"/>
+          </a:effectRef>
+          <a:fontRef idx="minor">
+            <a:schemeClr val="tx1"/>
+          </a:fontRef>
+        </p:style>
+        <p:txBody>
+          <a:bodyPr rtlCol="0" anchor="ctr"/>
+          <a:lstStyle/>
+          <a:p>
+            <a:pPr algn="ctr"/>
+            <a:endParaRPr lang="en-US"/>
+          </a:p>
+        </p:txBody>
+      </p:sp>
+      <p:sp>
+        <p:nvSpPr>
+          <p:cNvPr id="19" name="TextBox 18">
+            <a:extLst>
+              <a:ext uri="{FF2B5EF4-FFF2-40B4-BE49-F238E27FC236}">
+                <a16:creationId xmlns:a16="http://schemas.microsoft.com/office/drawing/2014/main" id="{0A386ECB-3473-4FE8-A4C1-3ED4491178E6}"/>
+              </a:ext>
+            </a:extLst>
+          </p:cNvPr>
+          <p:cNvSpPr txBox="1"/>
+          <p:nvPr/>
+        </p:nvSpPr>
+        <p:spPr>
+          <a:xfrm>
+            <a:off x="5648635" y="648929"/>
+            <a:ext cx="6150075" cy="2308324"/>
+          </a:xfrm>
+          <a:prstGeom prst="rect">
+            <a:avLst/>
+          </a:prstGeom>
+          <a:noFill/>
+        </p:spPr>
+        <p:txBody>
+          <a:bodyPr wrap="square" rtlCol="0">
+            <a:spAutoFit/>
+          </a:bodyPr>
+          <a:lstStyle/>
+          <a:p>
+            <a:r>
+              <a:rPr lang="en-IN" b="1" dirty="0"/>
+              <a:t>The Component is subscribed with Global Event e.g. Mouse Events, </a:t>
+            </a:r>
+            <a:r>
+              <a:rPr lang="en-IN" b="1" dirty="0" err="1"/>
+              <a:t>Kyebord</a:t>
+            </a:r>
+            <a:r>
+              <a:rPr lang="en-IN" b="1" dirty="0"/>
+              <a:t> Events, etc.</a:t>
+            </a:r>
+          </a:p>
+          <a:p>
+            <a:endParaRPr lang="en-IN" b="1" dirty="0"/>
+          </a:p>
+          <a:p>
+            <a:r>
+              <a:rPr lang="en-IN" b="1" dirty="0"/>
+              <a:t>Challenge: If the Component is subscribed with Global events then the event will be attached with current ‘window’ object because the component is controlled by DOM and hence  instead of the Component the Window object is responsible </a:t>
+            </a:r>
+            <a:r>
+              <a:rPr lang="en-IN" b="1"/>
+              <a:t>for the event  </a:t>
+            </a:r>
+            <a:endParaRPr lang="en-US" b="1" dirty="0"/>
+          </a:p>
+        </p:txBody>
+      </p:sp>
+    </p:spTree>
+    <p:extLst>
+      <p:ext uri="{BB962C8B-B14F-4D97-AF65-F5344CB8AC3E}">
+        <p14:creationId xmlns:p14="http://schemas.microsoft.com/office/powerpoint/2010/main" val="1429301833"/>
       </p:ext>
     </p:extLst>
   </p:cSld>

--- a/training_images.pptx
+++ b/training_images.pptx
@@ -25,6 +25,8 @@
     <p:sldId id="273" r:id="rId19"/>
     <p:sldId id="274" r:id="rId20"/>
     <p:sldId id="275" r:id="rId21"/>
+    <p:sldId id="276" r:id="rId22"/>
+    <p:sldId id="277" r:id="rId23"/>
   </p:sldIdLst>
   <p:sldSz cx="12192000" cy="6858000"/>
   <p:notesSz cx="6858000" cy="9144000"/>
@@ -294,7 +296,7 @@
           <a:p>
             <a:fld id="{822AF85D-11A4-42B9-B7D1-A5D0AD529DB2}" type="datetimeFigureOut">
               <a:rPr lang="en-US" smtClean="0"/>
-              <a:t>4/28/2022</a:t>
+              <a:t>5/2/2022</a:t>
             </a:fld>
             <a:endParaRPr lang="en-US"/>
           </a:p>
@@ -464,7 +466,7 @@
           <a:p>
             <a:fld id="{822AF85D-11A4-42B9-B7D1-A5D0AD529DB2}" type="datetimeFigureOut">
               <a:rPr lang="en-US" smtClean="0"/>
-              <a:t>4/28/2022</a:t>
+              <a:t>5/2/2022</a:t>
             </a:fld>
             <a:endParaRPr lang="en-US"/>
           </a:p>
@@ -644,7 +646,7 @@
           <a:p>
             <a:fld id="{822AF85D-11A4-42B9-B7D1-A5D0AD529DB2}" type="datetimeFigureOut">
               <a:rPr lang="en-US" smtClean="0"/>
-              <a:t>4/28/2022</a:t>
+              <a:t>5/2/2022</a:t>
             </a:fld>
             <a:endParaRPr lang="en-US"/>
           </a:p>
@@ -814,7 +816,7 @@
           <a:p>
             <a:fld id="{822AF85D-11A4-42B9-B7D1-A5D0AD529DB2}" type="datetimeFigureOut">
               <a:rPr lang="en-US" smtClean="0"/>
-              <a:t>4/28/2022</a:t>
+              <a:t>5/2/2022</a:t>
             </a:fld>
             <a:endParaRPr lang="en-US"/>
           </a:p>
@@ -1082,7 +1084,7 @@
           <a:p>
             <a:fld id="{822AF85D-11A4-42B9-B7D1-A5D0AD529DB2}" type="datetimeFigureOut">
               <a:rPr lang="en-US" smtClean="0"/>
-              <a:t>4/28/2022</a:t>
+              <a:t>5/2/2022</a:t>
             </a:fld>
             <a:endParaRPr lang="en-US"/>
           </a:p>
@@ -1314,7 +1316,7 @@
           <a:p>
             <a:fld id="{822AF85D-11A4-42B9-B7D1-A5D0AD529DB2}" type="datetimeFigureOut">
               <a:rPr lang="en-US" smtClean="0"/>
-              <a:t>4/28/2022</a:t>
+              <a:t>5/2/2022</a:t>
             </a:fld>
             <a:endParaRPr lang="en-US"/>
           </a:p>
@@ -1673,7 +1675,7 @@
           <a:p>
             <a:fld id="{822AF85D-11A4-42B9-B7D1-A5D0AD529DB2}" type="datetimeFigureOut">
               <a:rPr lang="en-US" smtClean="0"/>
-              <a:t>4/28/2022</a:t>
+              <a:t>5/2/2022</a:t>
             </a:fld>
             <a:endParaRPr lang="en-US"/>
           </a:p>
@@ -1814,7 +1816,7 @@
           <a:p>
             <a:fld id="{822AF85D-11A4-42B9-B7D1-A5D0AD529DB2}" type="datetimeFigureOut">
               <a:rPr lang="en-US" smtClean="0"/>
-              <a:t>4/28/2022</a:t>
+              <a:t>5/2/2022</a:t>
             </a:fld>
             <a:endParaRPr lang="en-US"/>
           </a:p>
@@ -1909,7 +1911,7 @@
           <a:p>
             <a:fld id="{822AF85D-11A4-42B9-B7D1-A5D0AD529DB2}" type="datetimeFigureOut">
               <a:rPr lang="en-US" smtClean="0"/>
-              <a:t>4/28/2022</a:t>
+              <a:t>5/2/2022</a:t>
             </a:fld>
             <a:endParaRPr lang="en-US"/>
           </a:p>
@@ -2266,7 +2268,7 @@
           <a:p>
             <a:fld id="{822AF85D-11A4-42B9-B7D1-A5D0AD529DB2}" type="datetimeFigureOut">
               <a:rPr lang="en-US" smtClean="0"/>
-              <a:t>4/28/2022</a:t>
+              <a:t>5/2/2022</a:t>
             </a:fld>
             <a:endParaRPr lang="en-US"/>
           </a:p>
@@ -2623,7 +2625,7 @@
           <a:p>
             <a:fld id="{822AF85D-11A4-42B9-B7D1-A5D0AD529DB2}" type="datetimeFigureOut">
               <a:rPr lang="en-US" smtClean="0"/>
-              <a:t>4/28/2022</a:t>
+              <a:t>5/2/2022</a:t>
             </a:fld>
             <a:endParaRPr lang="en-US"/>
           </a:p>
@@ -2865,7 +2867,7 @@
           <a:p>
             <a:fld id="{822AF85D-11A4-42B9-B7D1-A5D0AD529DB2}" type="datetimeFigureOut">
               <a:rPr lang="en-US" smtClean="0"/>
-              <a:t>4/28/2022</a:t>
+              <a:t>5/2/2022</a:t>
             </a:fld>
             <a:endParaRPr lang="en-US"/>
           </a:p>
@@ -11703,6 +11705,1049 @@
 </p:sld>
 </file>
 
+<file path=ppt/slides/slide21.xml><?xml version="1.0" encoding="utf-8"?>
+<p:sld xmlns:a="http://schemas.openxmlformats.org/drawingml/2006/main" xmlns:r="http://schemas.openxmlformats.org/officeDocument/2006/relationships" xmlns:p="http://schemas.openxmlformats.org/presentationml/2006/main">
+  <p:cSld>
+    <p:spTree>
+      <p:nvGrpSpPr>
+        <p:cNvPr id="1" name=""/>
+        <p:cNvGrpSpPr/>
+        <p:nvPr/>
+      </p:nvGrpSpPr>
+      <p:grpSpPr>
+        <a:xfrm>
+          <a:off x="0" y="0"/>
+          <a:ext cx="0" cy="0"/>
+          <a:chOff x="0" y="0"/>
+          <a:chExt cx="0" cy="0"/>
+        </a:xfrm>
+      </p:grpSpPr>
+      <p:sp>
+        <p:nvSpPr>
+          <p:cNvPr id="3" name="TextBox 2">
+            <a:extLst>
+              <a:ext uri="{FF2B5EF4-FFF2-40B4-BE49-F238E27FC236}">
+                <a16:creationId xmlns:a16="http://schemas.microsoft.com/office/drawing/2014/main" id="{92F20466-822A-F583-532C-E3ABCC76A914}"/>
+              </a:ext>
+            </a:extLst>
+          </p:cNvPr>
+          <p:cNvSpPr txBox="1"/>
+          <p:nvPr/>
+        </p:nvSpPr>
+        <p:spPr>
+          <a:xfrm>
+            <a:off x="6189406" y="2792362"/>
+            <a:ext cx="3510117" cy="369332"/>
+          </a:xfrm>
+          <a:prstGeom prst="rect">
+            <a:avLst/>
+          </a:prstGeom>
+          <a:noFill/>
+        </p:spPr>
+        <p:txBody>
+          <a:bodyPr wrap="square" rtlCol="0">
+            <a:spAutoFit/>
+          </a:bodyPr>
+          <a:lstStyle/>
+          <a:p>
+            <a:pPr algn="ctr"/>
+            <a:r>
+              <a:rPr lang="en-IN" b="1" dirty="0"/>
+              <a:t>Route Table</a:t>
+            </a:r>
+            <a:endParaRPr lang="en-US" b="1" dirty="0"/>
+          </a:p>
+        </p:txBody>
+      </p:sp>
+      <p:graphicFrame>
+        <p:nvGraphicFramePr>
+          <p:cNvPr id="4" name="Table 4">
+            <a:extLst>
+              <a:ext uri="{FF2B5EF4-FFF2-40B4-BE49-F238E27FC236}">
+                <a16:creationId xmlns:a16="http://schemas.microsoft.com/office/drawing/2014/main" id="{A9FFEF9F-3786-3F0C-A078-028DB17F59C7}"/>
+              </a:ext>
+            </a:extLst>
+          </p:cNvPr>
+          <p:cNvGraphicFramePr>
+            <a:graphicFrameLocks noGrp="1"/>
+          </p:cNvGraphicFramePr>
+          <p:nvPr>
+            <p:extLst>
+              <p:ext uri="{D42A27DB-BD31-4B8C-83A1-F6EECF244321}">
+                <p14:modId xmlns:p14="http://schemas.microsoft.com/office/powerpoint/2010/main" val="2751293529"/>
+              </p:ext>
+            </p:extLst>
+          </p:nvPr>
+        </p:nvGraphicFramePr>
+        <p:xfrm>
+          <a:off x="3762478" y="3320321"/>
+          <a:ext cx="8127999" cy="1407160"/>
+        </p:xfrm>
+        <a:graphic>
+          <a:graphicData uri="http://schemas.openxmlformats.org/drawingml/2006/table">
+            <a:tbl>
+              <a:tblPr firstRow="1" bandRow="1">
+                <a:tableStyleId>{5C22544A-7EE6-4342-B048-85BDC9FD1C3A}</a:tableStyleId>
+              </a:tblPr>
+              <a:tblGrid>
+                <a:gridCol w="2709333">
+                  <a:extLst>
+                    <a:ext uri="{9D8B030D-6E8A-4147-A177-3AD203B41FA5}">
+                      <a16:colId xmlns:a16="http://schemas.microsoft.com/office/drawing/2014/main" val="599636232"/>
+                    </a:ext>
+                  </a:extLst>
+                </a:gridCol>
+                <a:gridCol w="2709333">
+                  <a:extLst>
+                    <a:ext uri="{9D8B030D-6E8A-4147-A177-3AD203B41FA5}">
+                      <a16:colId xmlns:a16="http://schemas.microsoft.com/office/drawing/2014/main" val="2496893563"/>
+                    </a:ext>
+                  </a:extLst>
+                </a:gridCol>
+                <a:gridCol w="2709333">
+                  <a:extLst>
+                    <a:ext uri="{9D8B030D-6E8A-4147-A177-3AD203B41FA5}">
+                      <a16:colId xmlns:a16="http://schemas.microsoft.com/office/drawing/2014/main" val="3468331882"/>
+                    </a:ext>
+                  </a:extLst>
+                </a:gridCol>
+              </a:tblGrid>
+              <a:tr h="370840">
+                <a:tc>
+                  <a:txBody>
+                    <a:bodyPr/>
+                    <a:lstStyle/>
+                    <a:p>
+                      <a:r>
+                        <a:rPr lang="en-IN" sz="1400" dirty="0"/>
+                        <a:t>URL</a:t>
+                      </a:r>
+                      <a:endParaRPr lang="en-US" sz="1400" dirty="0"/>
+                    </a:p>
+                  </a:txBody>
+                  <a:tcPr/>
+                </a:tc>
+                <a:tc>
+                  <a:txBody>
+                    <a:bodyPr/>
+                    <a:lstStyle/>
+                    <a:p>
+                      <a:r>
+                        <a:rPr lang="en-IN" sz="1400" dirty="0"/>
+                        <a:t>Resource</a:t>
+                      </a:r>
+                      <a:endParaRPr lang="en-US" sz="1400" dirty="0"/>
+                    </a:p>
+                  </a:txBody>
+                  <a:tcPr/>
+                </a:tc>
+                <a:tc>
+                  <a:txBody>
+                    <a:bodyPr/>
+                    <a:lstStyle/>
+                    <a:p>
+                      <a:r>
+                        <a:rPr lang="en-IN" sz="1400" dirty="0"/>
+                        <a:t>Physical Path</a:t>
+                      </a:r>
+                      <a:endParaRPr lang="en-US" sz="1400" dirty="0"/>
+                    </a:p>
+                  </a:txBody>
+                  <a:tcPr/>
+                </a:tc>
+                <a:extLst>
+                  <a:ext uri="{0D108BD9-81ED-4DB2-BD59-A6C34878D82A}">
+                    <a16:rowId xmlns:a16="http://schemas.microsoft.com/office/drawing/2014/main" val="3317457408"/>
+                  </a:ext>
+                </a:extLst>
+              </a:tr>
+              <a:tr h="370840">
+                <a:tc>
+                  <a:txBody>
+                    <a:bodyPr/>
+                    <a:lstStyle/>
+                    <a:p>
+                      <a:r>
+                        <a:rPr lang="en-IN" sz="1400" dirty="0"/>
+                        <a:t>/{URL-INFO}</a:t>
+                      </a:r>
+                      <a:endParaRPr lang="en-US" sz="1400" dirty="0"/>
+                    </a:p>
+                  </a:txBody>
+                  <a:tcPr/>
+                </a:tc>
+                <a:tc>
+                  <a:txBody>
+                    <a:bodyPr/>
+                    <a:lstStyle/>
+                    <a:p>
+                      <a:r>
+                        <a:rPr lang="en-IN" sz="1400" dirty="0"/>
+                        <a:t>Component /  Page</a:t>
+                      </a:r>
+                      <a:endParaRPr lang="en-US" sz="1400" dirty="0"/>
+                    </a:p>
+                  </a:txBody>
+                  <a:tcPr/>
+                </a:tc>
+                <a:tc>
+                  <a:txBody>
+                    <a:bodyPr/>
+                    <a:lstStyle/>
+                    <a:p>
+                      <a:r>
+                        <a:rPr lang="en-IN" sz="1400" dirty="0"/>
+                        <a:t>Application Specific Path of the Source File</a:t>
+                      </a:r>
+                      <a:endParaRPr lang="en-US" sz="1400" dirty="0"/>
+                    </a:p>
+                  </a:txBody>
+                  <a:tcPr/>
+                </a:tc>
+                <a:extLst>
+                  <a:ext uri="{0D108BD9-81ED-4DB2-BD59-A6C34878D82A}">
+                    <a16:rowId xmlns:a16="http://schemas.microsoft.com/office/drawing/2014/main" val="3917525693"/>
+                  </a:ext>
+                </a:extLst>
+              </a:tr>
+              <a:tr h="370840">
+                <a:tc>
+                  <a:txBody>
+                    <a:bodyPr/>
+                    <a:lstStyle/>
+                    <a:p>
+                      <a:r>
+                        <a:rPr lang="en-IN" sz="1400" dirty="0"/>
+                        <a:t>/home</a:t>
+                      </a:r>
+                      <a:endParaRPr lang="en-US" sz="1400" dirty="0"/>
+                    </a:p>
+                  </a:txBody>
+                  <a:tcPr/>
+                </a:tc>
+                <a:tc>
+                  <a:txBody>
+                    <a:bodyPr/>
+                    <a:lstStyle/>
+                    <a:p>
+                      <a:r>
+                        <a:rPr lang="en-IN" sz="1400" dirty="0"/>
+                        <a:t>Home.html, </a:t>
+                      </a:r>
+                      <a:r>
+                        <a:rPr lang="en-IN" sz="1400" dirty="0" err="1">
+                          <a:hlinkClick r:id="rId2"/>
+                        </a:rPr>
+                        <a:t>home.jsp</a:t>
+                      </a:r>
+                      <a:r>
+                        <a:rPr lang="en-IN" sz="1400" dirty="0">
+                          <a:hlinkClick r:id="rId2"/>
+                        </a:rPr>
+                        <a:t>, home.aspx</a:t>
+                      </a:r>
+                      <a:r>
+                        <a:rPr lang="en-IN" sz="1400" dirty="0"/>
+                        <a:t>, </a:t>
+                      </a:r>
+                      <a:r>
+                        <a:rPr lang="en-IN" sz="1400" dirty="0" err="1"/>
+                        <a:t>home.php</a:t>
+                      </a:r>
+                      <a:endParaRPr lang="en-US" sz="1400" dirty="0"/>
+                    </a:p>
+                  </a:txBody>
+                  <a:tcPr/>
+                </a:tc>
+                <a:tc>
+                  <a:txBody>
+                    <a:bodyPr/>
+                    <a:lstStyle/>
+                    <a:p>
+                      <a:r>
+                        <a:rPr lang="en-IN" sz="1400" dirty="0"/>
+                        <a:t>./Home.html, ./pages/</a:t>
+                      </a:r>
+                      <a:r>
+                        <a:rPr lang="en-IN" sz="1400" dirty="0" err="1"/>
+                        <a:t>home.jsp</a:t>
+                      </a:r>
+                      <a:r>
+                        <a:rPr lang="en-IN" sz="1400" dirty="0"/>
+                        <a:t>….</a:t>
+                      </a:r>
+                      <a:endParaRPr lang="en-US" sz="1400" dirty="0"/>
+                    </a:p>
+                  </a:txBody>
+                  <a:tcPr/>
+                </a:tc>
+                <a:extLst>
+                  <a:ext uri="{0D108BD9-81ED-4DB2-BD59-A6C34878D82A}">
+                    <a16:rowId xmlns:a16="http://schemas.microsoft.com/office/drawing/2014/main" val="2222962771"/>
+                  </a:ext>
+                </a:extLst>
+              </a:tr>
+            </a:tbl>
+          </a:graphicData>
+        </a:graphic>
+      </p:graphicFrame>
+      <p:sp>
+        <p:nvSpPr>
+          <p:cNvPr id="5" name="Rectangle 4">
+            <a:extLst>
+              <a:ext uri="{FF2B5EF4-FFF2-40B4-BE49-F238E27FC236}">
+                <a16:creationId xmlns:a16="http://schemas.microsoft.com/office/drawing/2014/main" id="{E5D81271-DCDE-32D4-CEEB-ADACC1D5084C}"/>
+              </a:ext>
+            </a:extLst>
+          </p:cNvPr>
+          <p:cNvSpPr/>
+          <p:nvPr/>
+        </p:nvSpPr>
+        <p:spPr>
+          <a:xfrm>
+            <a:off x="6430297" y="412955"/>
+            <a:ext cx="3028336" cy="1927123"/>
+          </a:xfrm>
+          <a:prstGeom prst="rect">
+            <a:avLst/>
+          </a:prstGeom>
+        </p:spPr>
+        <p:style>
+          <a:lnRef idx="2">
+            <a:schemeClr val="accent1">
+              <a:shade val="50000"/>
+            </a:schemeClr>
+          </a:lnRef>
+          <a:fillRef idx="1">
+            <a:schemeClr val="accent1"/>
+          </a:fillRef>
+          <a:effectRef idx="0">
+            <a:schemeClr val="accent1"/>
+          </a:effectRef>
+          <a:fontRef idx="minor">
+            <a:schemeClr val="lt1"/>
+          </a:fontRef>
+        </p:style>
+        <p:txBody>
+          <a:bodyPr rtlCol="0" anchor="ctr"/>
+          <a:lstStyle/>
+          <a:p>
+            <a:pPr algn="ctr"/>
+            <a:r>
+              <a:rPr lang="en-IN" b="1" dirty="0"/>
+              <a:t>Web Server</a:t>
+            </a:r>
+          </a:p>
+          <a:p>
+            <a:pPr algn="ctr"/>
+            <a:r>
+              <a:rPr lang="en-IN" b="1" dirty="0"/>
+              <a:t>RouteTable</a:t>
+            </a:r>
+            <a:endParaRPr lang="en-US" b="1" dirty="0"/>
+          </a:p>
+        </p:txBody>
+      </p:sp>
+      <p:cxnSp>
+        <p:nvCxnSpPr>
+          <p:cNvPr id="7" name="Straight Arrow Connector 6">
+            <a:extLst>
+              <a:ext uri="{FF2B5EF4-FFF2-40B4-BE49-F238E27FC236}">
+                <a16:creationId xmlns:a16="http://schemas.microsoft.com/office/drawing/2014/main" id="{500E5B07-1BD0-21EA-99E2-571665F75795}"/>
+              </a:ext>
+            </a:extLst>
+          </p:cNvPr>
+          <p:cNvCxnSpPr/>
+          <p:nvPr/>
+        </p:nvCxnSpPr>
+        <p:spPr>
+          <a:xfrm flipH="1">
+            <a:off x="8082116" y="1749487"/>
+            <a:ext cx="176981" cy="1042875"/>
+          </a:xfrm>
+          <a:prstGeom prst="straightConnector1">
+            <a:avLst/>
+          </a:prstGeom>
+          <a:ln w="76200">
+            <a:solidFill>
+              <a:schemeClr val="tx1">
+                <a:lumMod val="65000"/>
+                <a:lumOff val="35000"/>
+              </a:schemeClr>
+            </a:solidFill>
+            <a:tailEnd type="triangle"/>
+          </a:ln>
+        </p:spPr>
+        <p:style>
+          <a:lnRef idx="1">
+            <a:schemeClr val="accent1"/>
+          </a:lnRef>
+          <a:fillRef idx="0">
+            <a:schemeClr val="accent1"/>
+          </a:fillRef>
+          <a:effectRef idx="0">
+            <a:schemeClr val="accent1"/>
+          </a:effectRef>
+          <a:fontRef idx="minor">
+            <a:schemeClr val="tx1"/>
+          </a:fontRef>
+        </p:style>
+      </p:cxnSp>
+      <p:sp>
+        <p:nvSpPr>
+          <p:cNvPr id="8" name="Arrow: Right 7">
+            <a:extLst>
+              <a:ext uri="{FF2B5EF4-FFF2-40B4-BE49-F238E27FC236}">
+                <a16:creationId xmlns:a16="http://schemas.microsoft.com/office/drawing/2014/main" id="{D3D803CE-6B5F-70C5-1501-EB7E9759D038}"/>
+              </a:ext>
+            </a:extLst>
+          </p:cNvPr>
+          <p:cNvSpPr/>
+          <p:nvPr/>
+        </p:nvSpPr>
+        <p:spPr>
+          <a:xfrm>
+            <a:off x="304800" y="412955"/>
+            <a:ext cx="6125497" cy="1010920"/>
+          </a:xfrm>
+          <a:prstGeom prst="rightArrow">
+            <a:avLst/>
+          </a:prstGeom>
+        </p:spPr>
+        <p:style>
+          <a:lnRef idx="2">
+            <a:schemeClr val="accent1">
+              <a:shade val="50000"/>
+            </a:schemeClr>
+          </a:lnRef>
+          <a:fillRef idx="1">
+            <a:schemeClr val="accent1"/>
+          </a:fillRef>
+          <a:effectRef idx="0">
+            <a:schemeClr val="accent1"/>
+          </a:effectRef>
+          <a:fontRef idx="minor">
+            <a:schemeClr val="lt1"/>
+          </a:fontRef>
+        </p:style>
+        <p:txBody>
+          <a:bodyPr rtlCol="0" anchor="ctr"/>
+          <a:lstStyle/>
+          <a:p>
+            <a:pPr algn="ctr"/>
+            <a:r>
+              <a:rPr lang="en-IN" b="1" dirty="0"/>
+              <a:t>HTTP Request with URL</a:t>
+            </a:r>
+            <a:endParaRPr lang="en-US" b="1" dirty="0"/>
+          </a:p>
+        </p:txBody>
+      </p:sp>
+      <p:sp>
+        <p:nvSpPr>
+          <p:cNvPr id="9" name="Arrow: Curved Left 8">
+            <a:extLst>
+              <a:ext uri="{FF2B5EF4-FFF2-40B4-BE49-F238E27FC236}">
+                <a16:creationId xmlns:a16="http://schemas.microsoft.com/office/drawing/2014/main" id="{BC45D2EB-0082-A2ED-4318-F11D6FF532ED}"/>
+              </a:ext>
+            </a:extLst>
+          </p:cNvPr>
+          <p:cNvSpPr/>
+          <p:nvPr/>
+        </p:nvSpPr>
+        <p:spPr>
+          <a:xfrm>
+            <a:off x="9389806" y="1307690"/>
+            <a:ext cx="521110" cy="2012631"/>
+          </a:xfrm>
+          <a:prstGeom prst="curvedLeftArrow">
+            <a:avLst/>
+          </a:prstGeom>
+        </p:spPr>
+        <p:style>
+          <a:lnRef idx="2">
+            <a:schemeClr val="accent1">
+              <a:shade val="50000"/>
+            </a:schemeClr>
+          </a:lnRef>
+          <a:fillRef idx="1">
+            <a:schemeClr val="accent1"/>
+          </a:fillRef>
+          <a:effectRef idx="0">
+            <a:schemeClr val="accent1"/>
+          </a:effectRef>
+          <a:fontRef idx="minor">
+            <a:schemeClr val="lt1"/>
+          </a:fontRef>
+        </p:style>
+        <p:txBody>
+          <a:bodyPr rtlCol="0" anchor="ctr"/>
+          <a:lstStyle/>
+          <a:p>
+            <a:pPr algn="ctr"/>
+            <a:endParaRPr lang="en-US">
+              <a:solidFill>
+                <a:schemeClr val="tx1"/>
+              </a:solidFill>
+            </a:endParaRPr>
+          </a:p>
+        </p:txBody>
+      </p:sp>
+      <p:sp>
+        <p:nvSpPr>
+          <p:cNvPr id="10" name="TextBox 9">
+            <a:extLst>
+              <a:ext uri="{FF2B5EF4-FFF2-40B4-BE49-F238E27FC236}">
+                <a16:creationId xmlns:a16="http://schemas.microsoft.com/office/drawing/2014/main" id="{2628FE63-DAA3-75BE-7DFF-1B4F8EBA234D}"/>
+              </a:ext>
+            </a:extLst>
+          </p:cNvPr>
+          <p:cNvSpPr txBox="1"/>
+          <p:nvPr/>
+        </p:nvSpPr>
+        <p:spPr>
+          <a:xfrm>
+            <a:off x="10151807" y="1927532"/>
+            <a:ext cx="1976284" cy="923330"/>
+          </a:xfrm>
+          <a:prstGeom prst="rect">
+            <a:avLst/>
+          </a:prstGeom>
+          <a:noFill/>
+        </p:spPr>
+        <p:txBody>
+          <a:bodyPr wrap="square" rtlCol="0">
+            <a:spAutoFit/>
+          </a:bodyPr>
+          <a:lstStyle/>
+          <a:p>
+            <a:r>
+              <a:rPr lang="en-IN" dirty="0"/>
+              <a:t>Path Evaluation based on the URL Path</a:t>
+            </a:r>
+            <a:endParaRPr lang="en-US" dirty="0"/>
+          </a:p>
+        </p:txBody>
+      </p:sp>
+      <p:sp>
+        <p:nvSpPr>
+          <p:cNvPr id="11" name="Arrow: Curved Left 10">
+            <a:extLst>
+              <a:ext uri="{FF2B5EF4-FFF2-40B4-BE49-F238E27FC236}">
+                <a16:creationId xmlns:a16="http://schemas.microsoft.com/office/drawing/2014/main" id="{C3472655-3B10-60E9-EDF4-3B8E1F05D558}"/>
+              </a:ext>
+            </a:extLst>
+          </p:cNvPr>
+          <p:cNvSpPr/>
+          <p:nvPr/>
+        </p:nvSpPr>
+        <p:spPr>
+          <a:xfrm rot="10800000">
+            <a:off x="6386052" y="1376516"/>
+            <a:ext cx="521110" cy="2012631"/>
+          </a:xfrm>
+          <a:prstGeom prst="curvedLeftArrow">
+            <a:avLst/>
+          </a:prstGeom>
+        </p:spPr>
+        <p:style>
+          <a:lnRef idx="2">
+            <a:schemeClr val="accent1">
+              <a:shade val="50000"/>
+            </a:schemeClr>
+          </a:lnRef>
+          <a:fillRef idx="1">
+            <a:schemeClr val="accent1"/>
+          </a:fillRef>
+          <a:effectRef idx="0">
+            <a:schemeClr val="accent1"/>
+          </a:effectRef>
+          <a:fontRef idx="minor">
+            <a:schemeClr val="lt1"/>
+          </a:fontRef>
+        </p:style>
+        <p:txBody>
+          <a:bodyPr rtlCol="0" anchor="ctr"/>
+          <a:lstStyle/>
+          <a:p>
+            <a:pPr algn="ctr"/>
+            <a:endParaRPr lang="en-US">
+              <a:solidFill>
+                <a:schemeClr val="tx1"/>
+              </a:solidFill>
+            </a:endParaRPr>
+          </a:p>
+        </p:txBody>
+      </p:sp>
+      <p:sp>
+        <p:nvSpPr>
+          <p:cNvPr id="12" name="TextBox 11">
+            <a:extLst>
+              <a:ext uri="{FF2B5EF4-FFF2-40B4-BE49-F238E27FC236}">
+                <a16:creationId xmlns:a16="http://schemas.microsoft.com/office/drawing/2014/main" id="{018941F3-3EBF-31F2-B5D3-F0185D2C649B}"/>
+              </a:ext>
+            </a:extLst>
+          </p:cNvPr>
+          <p:cNvSpPr txBox="1"/>
+          <p:nvPr/>
+        </p:nvSpPr>
+        <p:spPr>
+          <a:xfrm>
+            <a:off x="4449097" y="2079276"/>
+            <a:ext cx="1740309" cy="1477328"/>
+          </a:xfrm>
+          <a:prstGeom prst="rect">
+            <a:avLst/>
+          </a:prstGeom>
+          <a:noFill/>
+        </p:spPr>
+        <p:txBody>
+          <a:bodyPr wrap="square" rtlCol="0">
+            <a:spAutoFit/>
+          </a:bodyPr>
+          <a:lstStyle/>
+          <a:p>
+            <a:r>
+              <a:rPr lang="en-IN" dirty="0"/>
+              <a:t>Execution of the Physical File based on the Mapped Resource</a:t>
+            </a:r>
+            <a:endParaRPr lang="en-US" dirty="0"/>
+          </a:p>
+        </p:txBody>
+      </p:sp>
+      <p:sp>
+        <p:nvSpPr>
+          <p:cNvPr id="13" name="Arrow: Left 12">
+            <a:extLst>
+              <a:ext uri="{FF2B5EF4-FFF2-40B4-BE49-F238E27FC236}">
+                <a16:creationId xmlns:a16="http://schemas.microsoft.com/office/drawing/2014/main" id="{AC64F789-7B39-0626-16D3-BDB62CCD7138}"/>
+              </a:ext>
+            </a:extLst>
+          </p:cNvPr>
+          <p:cNvSpPr/>
+          <p:nvPr/>
+        </p:nvSpPr>
+        <p:spPr>
+          <a:xfrm>
+            <a:off x="301523" y="1211170"/>
+            <a:ext cx="6125497" cy="1010920"/>
+          </a:xfrm>
+          <a:prstGeom prst="leftArrow">
+            <a:avLst/>
+          </a:prstGeom>
+        </p:spPr>
+        <p:style>
+          <a:lnRef idx="2">
+            <a:schemeClr val="accent1">
+              <a:shade val="50000"/>
+            </a:schemeClr>
+          </a:lnRef>
+          <a:fillRef idx="1">
+            <a:schemeClr val="accent1"/>
+          </a:fillRef>
+          <a:effectRef idx="0">
+            <a:schemeClr val="accent1"/>
+          </a:effectRef>
+          <a:fontRef idx="minor">
+            <a:schemeClr val="lt1"/>
+          </a:fontRef>
+        </p:style>
+        <p:txBody>
+          <a:bodyPr rtlCol="0" anchor="ctr"/>
+          <a:lstStyle/>
+          <a:p>
+            <a:pPr algn="ctr"/>
+            <a:r>
+              <a:rPr lang="en-IN" b="1" dirty="0"/>
+              <a:t>Response</a:t>
+            </a:r>
+            <a:endParaRPr lang="en-US" b="1" dirty="0"/>
+          </a:p>
+        </p:txBody>
+      </p:sp>
+      <p:sp>
+        <p:nvSpPr>
+          <p:cNvPr id="14" name="TextBox 13">
+            <a:extLst>
+              <a:ext uri="{FF2B5EF4-FFF2-40B4-BE49-F238E27FC236}">
+                <a16:creationId xmlns:a16="http://schemas.microsoft.com/office/drawing/2014/main" id="{0A402B5A-FB47-619B-7E2A-A20F5130661A}"/>
+              </a:ext>
+            </a:extLst>
+          </p:cNvPr>
+          <p:cNvSpPr txBox="1"/>
+          <p:nvPr/>
+        </p:nvSpPr>
+        <p:spPr>
+          <a:xfrm>
+            <a:off x="1268361" y="4552335"/>
+            <a:ext cx="9419304" cy="2123658"/>
+          </a:xfrm>
+          <a:prstGeom prst="rect">
+            <a:avLst/>
+          </a:prstGeom>
+          <a:noFill/>
+        </p:spPr>
+        <p:txBody>
+          <a:bodyPr wrap="square" rtlCol="0">
+            <a:spAutoFit/>
+          </a:bodyPr>
+          <a:lstStyle/>
+          <a:p>
+            <a:pPr algn="ctr"/>
+            <a:r>
+              <a:rPr lang="en-IN" sz="6600" b="1" dirty="0">
+                <a:solidFill>
+                  <a:srgbClr val="FF0000"/>
+                </a:solidFill>
+              </a:rPr>
+              <a:t>Typical Routing on Web Server</a:t>
+            </a:r>
+            <a:endParaRPr lang="en-US" sz="6600" b="1" dirty="0">
+              <a:solidFill>
+                <a:srgbClr val="FF0000"/>
+              </a:solidFill>
+            </a:endParaRPr>
+          </a:p>
+        </p:txBody>
+      </p:sp>
+    </p:spTree>
+    <p:extLst>
+      <p:ext uri="{BB962C8B-B14F-4D97-AF65-F5344CB8AC3E}">
+        <p14:creationId xmlns:p14="http://schemas.microsoft.com/office/powerpoint/2010/main" val="1028318771"/>
+      </p:ext>
+    </p:extLst>
+  </p:cSld>
+  <p:clrMapOvr>
+    <a:masterClrMapping/>
+  </p:clrMapOvr>
+</p:sld>
+</file>
+
+<file path=ppt/slides/slide22.xml><?xml version="1.0" encoding="utf-8"?>
+<p:sld xmlns:a="http://schemas.openxmlformats.org/drawingml/2006/main" xmlns:r="http://schemas.openxmlformats.org/officeDocument/2006/relationships" xmlns:p="http://schemas.openxmlformats.org/presentationml/2006/main">
+  <p:cSld>
+    <p:spTree>
+      <p:nvGrpSpPr>
+        <p:cNvPr id="1" name=""/>
+        <p:cNvGrpSpPr/>
+        <p:nvPr/>
+      </p:nvGrpSpPr>
+      <p:grpSpPr>
+        <a:xfrm>
+          <a:off x="0" y="0"/>
+          <a:ext cx="0" cy="0"/>
+          <a:chOff x="0" y="0"/>
+          <a:chExt cx="0" cy="0"/>
+        </a:xfrm>
+      </p:grpSpPr>
+      <p:sp>
+        <p:nvSpPr>
+          <p:cNvPr id="2" name="Rectangle 1">
+            <a:extLst>
+              <a:ext uri="{FF2B5EF4-FFF2-40B4-BE49-F238E27FC236}">
+                <a16:creationId xmlns:a16="http://schemas.microsoft.com/office/drawing/2014/main" id="{5E2B4C57-34D1-859E-D961-616BD19008DA}"/>
+              </a:ext>
+            </a:extLst>
+          </p:cNvPr>
+          <p:cNvSpPr/>
+          <p:nvPr/>
+        </p:nvSpPr>
+        <p:spPr>
+          <a:xfrm>
+            <a:off x="314632" y="235974"/>
+            <a:ext cx="11198942" cy="6410632"/>
+          </a:xfrm>
+          <a:prstGeom prst="rect">
+            <a:avLst/>
+          </a:prstGeom>
+        </p:spPr>
+        <p:style>
+          <a:lnRef idx="1">
+            <a:schemeClr val="accent2"/>
+          </a:lnRef>
+          <a:fillRef idx="3">
+            <a:schemeClr val="accent2"/>
+          </a:fillRef>
+          <a:effectRef idx="2">
+            <a:schemeClr val="accent2"/>
+          </a:effectRef>
+          <a:fontRef idx="minor">
+            <a:schemeClr val="lt1"/>
+          </a:fontRef>
+        </p:style>
+        <p:txBody>
+          <a:bodyPr rtlCol="0" anchor="ctr"/>
+          <a:lstStyle/>
+          <a:p>
+            <a:pPr algn="ctr"/>
+            <a:endParaRPr lang="en-US"/>
+          </a:p>
+        </p:txBody>
+      </p:sp>
+      <p:sp>
+        <p:nvSpPr>
+          <p:cNvPr id="3" name="TextBox 2">
+            <a:extLst>
+              <a:ext uri="{FF2B5EF4-FFF2-40B4-BE49-F238E27FC236}">
+                <a16:creationId xmlns:a16="http://schemas.microsoft.com/office/drawing/2014/main" id="{043B56D1-EF64-B7CE-DF6A-1DD7893A95B2}"/>
+              </a:ext>
+            </a:extLst>
+          </p:cNvPr>
+          <p:cNvSpPr txBox="1"/>
+          <p:nvPr/>
+        </p:nvSpPr>
+        <p:spPr>
+          <a:xfrm>
+            <a:off x="501445" y="491613"/>
+            <a:ext cx="4975123" cy="369332"/>
+          </a:xfrm>
+          <a:prstGeom prst="rect">
+            <a:avLst/>
+          </a:prstGeom>
+          <a:noFill/>
+        </p:spPr>
+        <p:txBody>
+          <a:bodyPr wrap="square" rtlCol="0">
+            <a:spAutoFit/>
+          </a:bodyPr>
+          <a:lstStyle/>
+          <a:p>
+            <a:r>
+              <a:rPr lang="en-IN" b="1" dirty="0"/>
+              <a:t>Browser</a:t>
+            </a:r>
+            <a:endParaRPr lang="en-US" b="1" dirty="0"/>
+          </a:p>
+        </p:txBody>
+      </p:sp>
+      <p:sp>
+        <p:nvSpPr>
+          <p:cNvPr id="4" name="Rectangle 3">
+            <a:extLst>
+              <a:ext uri="{FF2B5EF4-FFF2-40B4-BE49-F238E27FC236}">
+                <a16:creationId xmlns:a16="http://schemas.microsoft.com/office/drawing/2014/main" id="{B1C3FE6A-8860-696F-EB26-A87A6B7390A6}"/>
+              </a:ext>
+            </a:extLst>
+          </p:cNvPr>
+          <p:cNvSpPr/>
+          <p:nvPr/>
+        </p:nvSpPr>
+        <p:spPr>
+          <a:xfrm>
+            <a:off x="314632" y="4159046"/>
+            <a:ext cx="11198942" cy="216309"/>
+          </a:xfrm>
+          <a:prstGeom prst="rect">
+            <a:avLst/>
+          </a:prstGeom>
+        </p:spPr>
+        <p:style>
+          <a:lnRef idx="2">
+            <a:schemeClr val="accent1">
+              <a:shade val="50000"/>
+            </a:schemeClr>
+          </a:lnRef>
+          <a:fillRef idx="1">
+            <a:schemeClr val="accent1"/>
+          </a:fillRef>
+          <a:effectRef idx="0">
+            <a:schemeClr val="accent1"/>
+          </a:effectRef>
+          <a:fontRef idx="minor">
+            <a:schemeClr val="lt1"/>
+          </a:fontRef>
+        </p:style>
+        <p:txBody>
+          <a:bodyPr rtlCol="0" anchor="ctr"/>
+          <a:lstStyle/>
+          <a:p>
+            <a:pPr algn="ctr"/>
+            <a:endParaRPr lang="en-US"/>
+          </a:p>
+        </p:txBody>
+      </p:sp>
+      <p:sp>
+        <p:nvSpPr>
+          <p:cNvPr id="5" name="TextBox 4">
+            <a:extLst>
+              <a:ext uri="{FF2B5EF4-FFF2-40B4-BE49-F238E27FC236}">
+                <a16:creationId xmlns:a16="http://schemas.microsoft.com/office/drawing/2014/main" id="{C6B074F0-0536-2A24-FA3A-6AE03696D0E2}"/>
+              </a:ext>
+            </a:extLst>
+          </p:cNvPr>
+          <p:cNvSpPr txBox="1"/>
+          <p:nvPr/>
+        </p:nvSpPr>
+        <p:spPr>
+          <a:xfrm>
+            <a:off x="412955" y="4414684"/>
+            <a:ext cx="7973961" cy="923330"/>
+          </a:xfrm>
+          <a:prstGeom prst="rect">
+            <a:avLst/>
+          </a:prstGeom>
+          <a:noFill/>
+        </p:spPr>
+        <p:txBody>
+          <a:bodyPr wrap="square" rtlCol="0">
+            <a:spAutoFit/>
+          </a:bodyPr>
+          <a:lstStyle/>
+          <a:p>
+            <a:r>
+              <a:rPr lang="en-IN" dirty="0"/>
+              <a:t>Bundle.js</a:t>
+            </a:r>
+          </a:p>
+          <a:p>
+            <a:endParaRPr lang="en-IN" dirty="0"/>
+          </a:p>
+          <a:p>
+            <a:r>
+              <a:rPr lang="en-IN" dirty="0"/>
+              <a:t>Component’s Registry aka Object Model for React Components</a:t>
+            </a:r>
+          </a:p>
+        </p:txBody>
+      </p:sp>
+      <p:sp>
+        <p:nvSpPr>
+          <p:cNvPr id="6" name="TextBox 5">
+            <a:extLst>
+              <a:ext uri="{FF2B5EF4-FFF2-40B4-BE49-F238E27FC236}">
+                <a16:creationId xmlns:a16="http://schemas.microsoft.com/office/drawing/2014/main" id="{9848080A-A813-5EDA-201A-C4C1E44AE7DF}"/>
+              </a:ext>
+            </a:extLst>
+          </p:cNvPr>
+          <p:cNvSpPr txBox="1"/>
+          <p:nvPr/>
+        </p:nvSpPr>
+        <p:spPr>
+          <a:xfrm>
+            <a:off x="7757652" y="4542503"/>
+            <a:ext cx="3156154" cy="1754326"/>
+          </a:xfrm>
+          <a:prstGeom prst="rect">
+            <a:avLst/>
+          </a:prstGeom>
+          <a:noFill/>
+        </p:spPr>
+        <p:txBody>
+          <a:bodyPr wrap="square" rtlCol="0">
+            <a:spAutoFit/>
+          </a:bodyPr>
+          <a:lstStyle/>
+          <a:p>
+            <a:r>
+              <a:rPr lang="en-IN" dirty="0"/>
+              <a:t>JavaScript Object Model (JSOM)</a:t>
+            </a:r>
+          </a:p>
+          <a:p>
+            <a:endParaRPr lang="en-IN" dirty="0"/>
+          </a:p>
+          <a:p>
+            <a:r>
+              <a:rPr lang="en-IN" dirty="0" err="1"/>
+              <a:t>customeElementRegistry</a:t>
+            </a:r>
+            <a:r>
+              <a:rPr lang="en-IN" dirty="0"/>
+              <a:t>() for the registering Component and Rendering Them on DOM or UI Thread</a:t>
+            </a:r>
+            <a:endParaRPr lang="en-US" dirty="0"/>
+          </a:p>
+        </p:txBody>
+      </p:sp>
+      <p:cxnSp>
+        <p:nvCxnSpPr>
+          <p:cNvPr id="8" name="Straight Arrow Connector 7">
+            <a:extLst>
+              <a:ext uri="{FF2B5EF4-FFF2-40B4-BE49-F238E27FC236}">
+                <a16:creationId xmlns:a16="http://schemas.microsoft.com/office/drawing/2014/main" id="{03DE7D41-B335-D562-41C1-EC894BBDAB62}"/>
+              </a:ext>
+            </a:extLst>
+          </p:cNvPr>
+          <p:cNvCxnSpPr/>
+          <p:nvPr/>
+        </p:nvCxnSpPr>
+        <p:spPr>
+          <a:xfrm flipH="1" flipV="1">
+            <a:off x="6096000" y="2340077"/>
+            <a:ext cx="3215148" cy="3441291"/>
+          </a:xfrm>
+          <a:prstGeom prst="straightConnector1">
+            <a:avLst/>
+          </a:prstGeom>
+          <a:ln w="76200">
+            <a:tailEnd type="triangle"/>
+          </a:ln>
+        </p:spPr>
+        <p:style>
+          <a:lnRef idx="1">
+            <a:schemeClr val="accent1"/>
+          </a:lnRef>
+          <a:fillRef idx="0">
+            <a:schemeClr val="accent1"/>
+          </a:fillRef>
+          <a:effectRef idx="0">
+            <a:schemeClr val="accent1"/>
+          </a:effectRef>
+          <a:fontRef idx="minor">
+            <a:schemeClr val="tx1"/>
+          </a:fontRef>
+        </p:style>
+      </p:cxnSp>
+      <p:sp>
+        <p:nvSpPr>
+          <p:cNvPr id="9" name="TextBox 8">
+            <a:extLst>
+              <a:ext uri="{FF2B5EF4-FFF2-40B4-BE49-F238E27FC236}">
+                <a16:creationId xmlns:a16="http://schemas.microsoft.com/office/drawing/2014/main" id="{E61CFE37-4C00-A25A-D7AE-B875E563AAA9}"/>
+              </a:ext>
+            </a:extLst>
+          </p:cNvPr>
+          <p:cNvSpPr txBox="1"/>
+          <p:nvPr/>
+        </p:nvSpPr>
+        <p:spPr>
+          <a:xfrm>
+            <a:off x="1700981" y="1076632"/>
+            <a:ext cx="4395019" cy="646331"/>
+          </a:xfrm>
+          <a:prstGeom prst="rect">
+            <a:avLst/>
+          </a:prstGeom>
+          <a:noFill/>
+        </p:spPr>
+        <p:txBody>
+          <a:bodyPr wrap="square" rtlCol="0">
+            <a:spAutoFit/>
+          </a:bodyPr>
+          <a:lstStyle/>
+          <a:p>
+            <a:pPr algn="ctr"/>
+            <a:r>
+              <a:rPr lang="en-IN" b="1" dirty="0"/>
+              <a:t>Dynamically Generated UI based on Data and Events</a:t>
+            </a:r>
+            <a:endParaRPr lang="en-US" b="1" dirty="0"/>
+          </a:p>
+        </p:txBody>
+      </p:sp>
+    </p:spTree>
+    <p:extLst>
+      <p:ext uri="{BB962C8B-B14F-4D97-AF65-F5344CB8AC3E}">
+        <p14:creationId xmlns:p14="http://schemas.microsoft.com/office/powerpoint/2010/main" val="749498429"/>
+      </p:ext>
+    </p:extLst>
+  </p:cSld>
+  <p:clrMapOvr>
+    <a:masterClrMapping/>
+  </p:clrMapOvr>
+</p:sld>
+</file>
+
 <file path=ppt/slides/slide3.xml><?xml version="1.0" encoding="utf-8"?>
 <p:sld xmlns:a="http://schemas.openxmlformats.org/drawingml/2006/main" xmlns:r="http://schemas.openxmlformats.org/officeDocument/2006/relationships" xmlns:p="http://schemas.openxmlformats.org/presentationml/2006/main">
   <p:cSld>
